--- a/0.PPT파일/등산지도_경로_세로_2020-08-29.pptx
+++ b/0.PPT파일/등산지도_경로_세로_2020-08-29.pptx
@@ -283,7 +283,7 @@
           <a:p>
             <a:fld id="{5CBC3198-AB24-46EE-8A6F-BC607E4DFF2A}" type="datetimeFigureOut">
               <a:rPr lang="ko-KR" altLang="en-US" smtClean="0"/>
-              <a:t>2020-09-22</a:t>
+              <a:t>2020-09-30</a:t>
             </a:fld>
             <a:endParaRPr lang="ko-KR" altLang="en-US"/>
           </a:p>
@@ -463,7 +463,7 @@
           <a:p>
             <a:fld id="{5CBC3198-AB24-46EE-8A6F-BC607E4DFF2A}" type="datetimeFigureOut">
               <a:rPr lang="ko-KR" altLang="en-US" smtClean="0"/>
-              <a:t>2020-09-22</a:t>
+              <a:t>2020-09-30</a:t>
             </a:fld>
             <a:endParaRPr lang="ko-KR" altLang="en-US"/>
           </a:p>
@@ -766,7 +766,7 @@
           <a:p>
             <a:fld id="{5CBC3198-AB24-46EE-8A6F-BC607E4DFF2A}" type="datetimeFigureOut">
               <a:rPr lang="ko-KR" altLang="en-US" smtClean="0"/>
-              <a:t>2020-09-22</a:t>
+              <a:t>2020-09-30</a:t>
             </a:fld>
             <a:endParaRPr lang="ko-KR" altLang="en-US"/>
           </a:p>
@@ -998,7 +998,7 @@
           <a:p>
             <a:fld id="{5CBC3198-AB24-46EE-8A6F-BC607E4DFF2A}" type="datetimeFigureOut">
               <a:rPr lang="ko-KR" altLang="en-US" smtClean="0"/>
-              <a:t>2020-09-22</a:t>
+              <a:t>2020-09-30</a:t>
             </a:fld>
             <a:endParaRPr lang="ko-KR" altLang="en-US"/>
           </a:p>
@@ -1365,7 +1365,7 @@
           <a:p>
             <a:fld id="{5CBC3198-AB24-46EE-8A6F-BC607E4DFF2A}" type="datetimeFigureOut">
               <a:rPr lang="ko-KR" altLang="en-US" smtClean="0"/>
-              <a:t>2020-09-22</a:t>
+              <a:t>2020-09-30</a:t>
             </a:fld>
             <a:endParaRPr lang="ko-KR" altLang="en-US"/>
           </a:p>
@@ -1483,7 +1483,7 @@
           <a:p>
             <a:fld id="{5CBC3198-AB24-46EE-8A6F-BC607E4DFF2A}" type="datetimeFigureOut">
               <a:rPr lang="ko-KR" altLang="en-US" smtClean="0"/>
-              <a:t>2020-09-22</a:t>
+              <a:t>2020-09-30</a:t>
             </a:fld>
             <a:endParaRPr lang="ko-KR" altLang="en-US"/>
           </a:p>
@@ -1578,7 +1578,7 @@
           <a:p>
             <a:fld id="{5CBC3198-AB24-46EE-8A6F-BC607E4DFF2A}" type="datetimeFigureOut">
               <a:rPr lang="ko-KR" altLang="en-US" smtClean="0"/>
-              <a:t>2020-09-22</a:t>
+              <a:t>2020-09-30</a:t>
             </a:fld>
             <a:endParaRPr lang="ko-KR" altLang="en-US"/>
           </a:p>
@@ -1855,7 +1855,7 @@
           <a:p>
             <a:fld id="{5CBC3198-AB24-46EE-8A6F-BC607E4DFF2A}" type="datetimeFigureOut">
               <a:rPr lang="ko-KR" altLang="en-US" smtClean="0"/>
-              <a:t>2020-09-22</a:t>
+              <a:t>2020-09-30</a:t>
             </a:fld>
             <a:endParaRPr lang="ko-KR" altLang="en-US"/>
           </a:p>
@@ -2112,7 +2112,7 @@
           <a:p>
             <a:fld id="{5CBC3198-AB24-46EE-8A6F-BC607E4DFF2A}" type="datetimeFigureOut">
               <a:rPr lang="ko-KR" altLang="en-US" smtClean="0"/>
-              <a:t>2020-09-22</a:t>
+              <a:t>2020-09-30</a:t>
             </a:fld>
             <a:endParaRPr lang="ko-KR" altLang="en-US"/>
           </a:p>
@@ -2325,7 +2325,7 @@
           <a:p>
             <a:fld id="{5CBC3198-AB24-46EE-8A6F-BC607E4DFF2A}" type="datetimeFigureOut">
               <a:rPr lang="ko-KR" altLang="en-US" smtClean="0"/>
-              <a:t>2020-09-22</a:t>
+              <a:t>2020-09-30</a:t>
             </a:fld>
             <a:endParaRPr lang="ko-KR" altLang="en-US"/>
           </a:p>
@@ -2740,7 +2740,7 @@
         </p:nvSpPr>
         <p:spPr>
           <a:xfrm>
-            <a:off x="4267194" y="8369967"/>
+            <a:off x="4278624" y="8369967"/>
             <a:ext cx="202501" cy="216000"/>
           </a:xfrm>
           <a:prstGeom prst="heart">
@@ -2836,7 +2836,7 @@
         </p:nvSpPr>
         <p:spPr>
           <a:xfrm>
-            <a:off x="2755226" y="8831175"/>
+            <a:off x="2766656" y="8854035"/>
             <a:ext cx="201600" cy="216000"/>
           </a:xfrm>
           <a:prstGeom prst="heart">
@@ -2874,108 +2874,6 @@
           </a:p>
         </p:txBody>
       </p:sp>
-      <p:pic>
-        <p:nvPicPr>
-          <p:cNvPr id="9" name="그림 8"/>
-          <p:cNvPicPr>
-            <a:picLocks noChangeAspect="1"/>
-          </p:cNvPicPr>
-          <p:nvPr/>
-        </p:nvPicPr>
-        <p:blipFill>
-          <a:blip r:embed="rId2" cstate="print">
-            <a:extLst>
-              <a:ext uri="{28A0092B-C50C-407E-A947-70E740481C1C}">
-                <a14:useLocalDpi xmlns:a14="http://schemas.microsoft.com/office/drawing/2010/main" val="0"/>
-              </a:ext>
-            </a:extLst>
-          </a:blip>
-          <a:stretch>
-            <a:fillRect/>
-          </a:stretch>
-        </p:blipFill>
-        <p:spPr>
-          <a:xfrm>
-            <a:off x="504072" y="4613777"/>
-            <a:ext cx="157443" cy="384008"/>
-          </a:xfrm>
-          <a:prstGeom prst="rect">
-            <a:avLst/>
-          </a:prstGeom>
-        </p:spPr>
-      </p:pic>
-      <p:pic>
-        <p:nvPicPr>
-          <p:cNvPr id="10" name="그림 9"/>
-          <p:cNvPicPr>
-            <a:picLocks noChangeAspect="1"/>
-          </p:cNvPicPr>
-          <p:nvPr/>
-        </p:nvPicPr>
-        <p:blipFill>
-          <a:blip r:embed="rId3"/>
-          <a:stretch>
-            <a:fillRect/>
-          </a:stretch>
-        </p:blipFill>
-        <p:spPr>
-          <a:xfrm>
-            <a:off x="304627" y="4247412"/>
-            <a:ext cx="278166" cy="366365"/>
-          </a:xfrm>
-          <a:prstGeom prst="rect">
-            <a:avLst/>
-          </a:prstGeom>
-        </p:spPr>
-      </p:pic>
-      <p:pic>
-        <p:nvPicPr>
-          <p:cNvPr id="12" name="그림 11"/>
-          <p:cNvPicPr>
-            <a:picLocks noChangeAspect="1"/>
-          </p:cNvPicPr>
-          <p:nvPr/>
-        </p:nvPicPr>
-        <p:blipFill>
-          <a:blip r:embed="rId3"/>
-          <a:stretch>
-            <a:fillRect/>
-          </a:stretch>
-        </p:blipFill>
-        <p:spPr>
-          <a:xfrm>
-            <a:off x="2021909" y="9047175"/>
-            <a:ext cx="278166" cy="366365"/>
-          </a:xfrm>
-          <a:prstGeom prst="rect">
-            <a:avLst/>
-          </a:prstGeom>
-        </p:spPr>
-      </p:pic>
-      <p:pic>
-        <p:nvPicPr>
-          <p:cNvPr id="13" name="그림 12"/>
-          <p:cNvPicPr>
-            <a:picLocks noChangeAspect="1"/>
-          </p:cNvPicPr>
-          <p:nvPr/>
-        </p:nvPicPr>
-        <p:blipFill>
-          <a:blip r:embed="rId3"/>
-          <a:stretch>
-            <a:fillRect/>
-          </a:stretch>
-        </p:blipFill>
-        <p:spPr>
-          <a:xfrm>
-            <a:off x="582794" y="5172172"/>
-            <a:ext cx="278166" cy="366365"/>
-          </a:xfrm>
-          <a:prstGeom prst="rect">
-            <a:avLst/>
-          </a:prstGeom>
-        </p:spPr>
-      </p:pic>
       <p:sp>
         <p:nvSpPr>
           <p:cNvPr id="11" name="하트 10"/>
@@ -3178,7 +3076,7 @@
         </p:nvSpPr>
         <p:spPr>
           <a:xfrm>
-            <a:off x="2830974" y="4333180"/>
+            <a:off x="2808114" y="4344610"/>
             <a:ext cx="202501" cy="216000"/>
           </a:xfrm>
           <a:prstGeom prst="heart">
@@ -3226,7 +3124,7 @@
         </p:nvSpPr>
         <p:spPr>
           <a:xfrm>
-            <a:off x="3505194" y="8268367"/>
+            <a:off x="3516624" y="8279797"/>
             <a:ext cx="202501" cy="216000"/>
           </a:xfrm>
           <a:prstGeom prst="heart">
@@ -3274,7 +3172,7 @@
         </p:nvSpPr>
         <p:spPr>
           <a:xfrm>
-            <a:off x="4305294" y="9292840"/>
+            <a:off x="4316724" y="9304270"/>
             <a:ext cx="202501" cy="216000"/>
           </a:xfrm>
           <a:prstGeom prst="heart">
@@ -3282,6 +3180,106 @@
           </a:prstGeom>
           <a:solidFill>
             <a:srgbClr val="FF0066"/>
+          </a:solidFill>
+          <a:ln>
+            <a:noFill/>
+          </a:ln>
+        </p:spPr>
+        <p:style>
+          <a:lnRef idx="2">
+            <a:schemeClr val="accent1">
+              <a:shade val="50000"/>
+            </a:schemeClr>
+          </a:lnRef>
+          <a:fillRef idx="1">
+            <a:schemeClr val="accent1"/>
+          </a:fillRef>
+          <a:effectRef idx="0">
+            <a:schemeClr val="accent1"/>
+          </a:effectRef>
+          <a:fontRef idx="minor">
+            <a:schemeClr val="lt1"/>
+          </a:fontRef>
+        </p:style>
+        <p:txBody>
+          <a:bodyPr rtlCol="0" anchor="ctr"/>
+          <a:lstStyle/>
+          <a:p>
+            <a:pPr algn="ctr"/>
+            <a:endParaRPr lang="ko-KR" altLang="en-US"/>
+          </a:p>
+        </p:txBody>
+      </p:sp>
+      <p:sp>
+        <p:nvSpPr>
+          <p:cNvPr id="20" name="하트 19"/>
+          <p:cNvSpPr>
+            <a:spLocks noChangeAspect="1"/>
+          </p:cNvSpPr>
+          <p:nvPr/>
+        </p:nvSpPr>
+        <p:spPr>
+          <a:xfrm>
+            <a:off x="3195963" y="6419258"/>
+            <a:ext cx="202501" cy="216000"/>
+          </a:xfrm>
+          <a:prstGeom prst="heart">
+            <a:avLst/>
+          </a:prstGeom>
+          <a:solidFill>
+            <a:schemeClr val="accent1">
+              <a:lumMod val="75000"/>
+            </a:schemeClr>
+          </a:solidFill>
+          <a:ln>
+            <a:noFill/>
+          </a:ln>
+        </p:spPr>
+        <p:style>
+          <a:lnRef idx="2">
+            <a:schemeClr val="accent1">
+              <a:shade val="50000"/>
+            </a:schemeClr>
+          </a:lnRef>
+          <a:fillRef idx="1">
+            <a:schemeClr val="accent1"/>
+          </a:fillRef>
+          <a:effectRef idx="0">
+            <a:schemeClr val="accent1"/>
+          </a:effectRef>
+          <a:fontRef idx="minor">
+            <a:schemeClr val="lt1"/>
+          </a:fontRef>
+        </p:style>
+        <p:txBody>
+          <a:bodyPr rtlCol="0" anchor="ctr"/>
+          <a:lstStyle/>
+          <a:p>
+            <a:pPr algn="ctr"/>
+            <a:endParaRPr lang="ko-KR" altLang="en-US"/>
+          </a:p>
+        </p:txBody>
+      </p:sp>
+      <p:sp>
+        <p:nvSpPr>
+          <p:cNvPr id="21" name="하트 20"/>
+          <p:cNvSpPr>
+            <a:spLocks noChangeAspect="1"/>
+          </p:cNvSpPr>
+          <p:nvPr/>
+        </p:nvSpPr>
+        <p:spPr>
+          <a:xfrm>
+            <a:off x="639453" y="5334340"/>
+            <a:ext cx="202501" cy="216000"/>
+          </a:xfrm>
+          <a:prstGeom prst="heart">
+            <a:avLst/>
+          </a:prstGeom>
+          <a:solidFill>
+            <a:schemeClr val="accent1">
+              <a:lumMod val="75000"/>
+            </a:schemeClr>
           </a:solidFill>
           <a:ln>
             <a:noFill/>
@@ -6799,6 +6797,1592 @@
           </a:p>
         </p:txBody>
       </p:sp>
+      <p:sp>
+        <p:nvSpPr>
+          <p:cNvPr id="2" name="자유형 1"/>
+          <p:cNvSpPr/>
+          <p:nvPr/>
+        </p:nvSpPr>
+        <p:spPr>
+          <a:xfrm>
+            <a:off x="1338649" y="1593890"/>
+            <a:ext cx="1330410" cy="935996"/>
+          </a:xfrm>
+          <a:custGeom>
+            <a:avLst/>
+            <a:gdLst>
+              <a:gd name="connsiteX0" fmla="*/ 0 w 1330410"/>
+              <a:gd name="connsiteY0" fmla="*/ 86629 h 935996"/>
+              <a:gd name="connsiteX1" fmla="*/ 24713 w 1330410"/>
+              <a:gd name="connsiteY1" fmla="*/ 28964 h 935996"/>
+              <a:gd name="connsiteX2" fmla="*/ 28832 w 1330410"/>
+              <a:gd name="connsiteY2" fmla="*/ 12488 h 935996"/>
+              <a:gd name="connsiteX3" fmla="*/ 131805 w 1330410"/>
+              <a:gd name="connsiteY3" fmla="*/ 8369 h 935996"/>
+              <a:gd name="connsiteX4" fmla="*/ 205946 w 1330410"/>
+              <a:gd name="connsiteY4" fmla="*/ 132 h 935996"/>
+              <a:gd name="connsiteX5" fmla="*/ 267729 w 1330410"/>
+              <a:gd name="connsiteY5" fmla="*/ 4251 h 935996"/>
+              <a:gd name="connsiteX6" fmla="*/ 317156 w 1330410"/>
+              <a:gd name="connsiteY6" fmla="*/ 16607 h 935996"/>
+              <a:gd name="connsiteX7" fmla="*/ 395416 w 1330410"/>
+              <a:gd name="connsiteY7" fmla="*/ 45440 h 935996"/>
+              <a:gd name="connsiteX8" fmla="*/ 481913 w 1330410"/>
+              <a:gd name="connsiteY8" fmla="*/ 94867 h 935996"/>
+              <a:gd name="connsiteX9" fmla="*/ 539578 w 1330410"/>
+              <a:gd name="connsiteY9" fmla="*/ 127818 h 935996"/>
+              <a:gd name="connsiteX10" fmla="*/ 589005 w 1330410"/>
+              <a:gd name="connsiteY10" fmla="*/ 156651 h 935996"/>
+              <a:gd name="connsiteX11" fmla="*/ 650789 w 1330410"/>
+              <a:gd name="connsiteY11" fmla="*/ 181364 h 935996"/>
+              <a:gd name="connsiteX12" fmla="*/ 716692 w 1330410"/>
+              <a:gd name="connsiteY12" fmla="*/ 206078 h 935996"/>
+              <a:gd name="connsiteX13" fmla="*/ 770237 w 1330410"/>
+              <a:gd name="connsiteY13" fmla="*/ 255505 h 935996"/>
+              <a:gd name="connsiteX14" fmla="*/ 807308 w 1330410"/>
+              <a:gd name="connsiteY14" fmla="*/ 317288 h 935996"/>
+              <a:gd name="connsiteX15" fmla="*/ 823783 w 1330410"/>
+              <a:gd name="connsiteY15" fmla="*/ 342002 h 935996"/>
+              <a:gd name="connsiteX16" fmla="*/ 819665 w 1330410"/>
+              <a:gd name="connsiteY16" fmla="*/ 399667 h 935996"/>
+              <a:gd name="connsiteX17" fmla="*/ 819665 w 1330410"/>
+              <a:gd name="connsiteY17" fmla="*/ 477926 h 935996"/>
+              <a:gd name="connsiteX18" fmla="*/ 840259 w 1330410"/>
+              <a:gd name="connsiteY18" fmla="*/ 510878 h 935996"/>
+              <a:gd name="connsiteX19" fmla="*/ 844378 w 1330410"/>
+              <a:gd name="connsiteY19" fmla="*/ 564424 h 935996"/>
+              <a:gd name="connsiteX20" fmla="*/ 836140 w 1330410"/>
+              <a:gd name="connsiteY20" fmla="*/ 585018 h 935996"/>
+              <a:gd name="connsiteX21" fmla="*/ 827902 w 1330410"/>
+              <a:gd name="connsiteY21" fmla="*/ 622088 h 935996"/>
+              <a:gd name="connsiteX22" fmla="*/ 832021 w 1330410"/>
+              <a:gd name="connsiteY22" fmla="*/ 655040 h 935996"/>
+              <a:gd name="connsiteX23" fmla="*/ 848497 w 1330410"/>
+              <a:gd name="connsiteY23" fmla="*/ 692110 h 935996"/>
+              <a:gd name="connsiteX24" fmla="*/ 889686 w 1330410"/>
+              <a:gd name="connsiteY24" fmla="*/ 729180 h 935996"/>
+              <a:gd name="connsiteX25" fmla="*/ 918519 w 1330410"/>
+              <a:gd name="connsiteY25" fmla="*/ 737418 h 935996"/>
+              <a:gd name="connsiteX26" fmla="*/ 947351 w 1330410"/>
+              <a:gd name="connsiteY26" fmla="*/ 770369 h 935996"/>
+              <a:gd name="connsiteX27" fmla="*/ 980302 w 1330410"/>
+              <a:gd name="connsiteY27" fmla="*/ 811559 h 935996"/>
+              <a:gd name="connsiteX28" fmla="*/ 996778 w 1330410"/>
+              <a:gd name="connsiteY28" fmla="*/ 848629 h 935996"/>
+              <a:gd name="connsiteX29" fmla="*/ 1009135 w 1330410"/>
+              <a:gd name="connsiteY29" fmla="*/ 877461 h 935996"/>
+              <a:gd name="connsiteX30" fmla="*/ 1050324 w 1330410"/>
+              <a:gd name="connsiteY30" fmla="*/ 906294 h 935996"/>
+              <a:gd name="connsiteX31" fmla="*/ 1083275 w 1330410"/>
+              <a:gd name="connsiteY31" fmla="*/ 935126 h 935996"/>
+              <a:gd name="connsiteX32" fmla="*/ 1161535 w 1330410"/>
+              <a:gd name="connsiteY32" fmla="*/ 926888 h 935996"/>
+              <a:gd name="connsiteX33" fmla="*/ 1206843 w 1330410"/>
+              <a:gd name="connsiteY33" fmla="*/ 910413 h 935996"/>
+              <a:gd name="connsiteX34" fmla="*/ 1231556 w 1330410"/>
+              <a:gd name="connsiteY34" fmla="*/ 893937 h 935996"/>
+              <a:gd name="connsiteX35" fmla="*/ 1256270 w 1330410"/>
+              <a:gd name="connsiteY35" fmla="*/ 873342 h 935996"/>
+              <a:gd name="connsiteX36" fmla="*/ 1280983 w 1330410"/>
+              <a:gd name="connsiteY36" fmla="*/ 869224 h 935996"/>
+              <a:gd name="connsiteX37" fmla="*/ 1313935 w 1330410"/>
+              <a:gd name="connsiteY37" fmla="*/ 856867 h 935996"/>
+              <a:gd name="connsiteX38" fmla="*/ 1330410 w 1330410"/>
+              <a:gd name="connsiteY38" fmla="*/ 844510 h 935996"/>
+            </a:gdLst>
+            <a:ahLst/>
+            <a:cxnLst>
+              <a:cxn ang="0">
+                <a:pos x="connsiteX0" y="connsiteY0"/>
+              </a:cxn>
+              <a:cxn ang="0">
+                <a:pos x="connsiteX1" y="connsiteY1"/>
+              </a:cxn>
+              <a:cxn ang="0">
+                <a:pos x="connsiteX2" y="connsiteY2"/>
+              </a:cxn>
+              <a:cxn ang="0">
+                <a:pos x="connsiteX3" y="connsiteY3"/>
+              </a:cxn>
+              <a:cxn ang="0">
+                <a:pos x="connsiteX4" y="connsiteY4"/>
+              </a:cxn>
+              <a:cxn ang="0">
+                <a:pos x="connsiteX5" y="connsiteY5"/>
+              </a:cxn>
+              <a:cxn ang="0">
+                <a:pos x="connsiteX6" y="connsiteY6"/>
+              </a:cxn>
+              <a:cxn ang="0">
+                <a:pos x="connsiteX7" y="connsiteY7"/>
+              </a:cxn>
+              <a:cxn ang="0">
+                <a:pos x="connsiteX8" y="connsiteY8"/>
+              </a:cxn>
+              <a:cxn ang="0">
+                <a:pos x="connsiteX9" y="connsiteY9"/>
+              </a:cxn>
+              <a:cxn ang="0">
+                <a:pos x="connsiteX10" y="connsiteY10"/>
+              </a:cxn>
+              <a:cxn ang="0">
+                <a:pos x="connsiteX11" y="connsiteY11"/>
+              </a:cxn>
+              <a:cxn ang="0">
+                <a:pos x="connsiteX12" y="connsiteY12"/>
+              </a:cxn>
+              <a:cxn ang="0">
+                <a:pos x="connsiteX13" y="connsiteY13"/>
+              </a:cxn>
+              <a:cxn ang="0">
+                <a:pos x="connsiteX14" y="connsiteY14"/>
+              </a:cxn>
+              <a:cxn ang="0">
+                <a:pos x="connsiteX15" y="connsiteY15"/>
+              </a:cxn>
+              <a:cxn ang="0">
+                <a:pos x="connsiteX16" y="connsiteY16"/>
+              </a:cxn>
+              <a:cxn ang="0">
+                <a:pos x="connsiteX17" y="connsiteY17"/>
+              </a:cxn>
+              <a:cxn ang="0">
+                <a:pos x="connsiteX18" y="connsiteY18"/>
+              </a:cxn>
+              <a:cxn ang="0">
+                <a:pos x="connsiteX19" y="connsiteY19"/>
+              </a:cxn>
+              <a:cxn ang="0">
+                <a:pos x="connsiteX20" y="connsiteY20"/>
+              </a:cxn>
+              <a:cxn ang="0">
+                <a:pos x="connsiteX21" y="connsiteY21"/>
+              </a:cxn>
+              <a:cxn ang="0">
+                <a:pos x="connsiteX22" y="connsiteY22"/>
+              </a:cxn>
+              <a:cxn ang="0">
+                <a:pos x="connsiteX23" y="connsiteY23"/>
+              </a:cxn>
+              <a:cxn ang="0">
+                <a:pos x="connsiteX24" y="connsiteY24"/>
+              </a:cxn>
+              <a:cxn ang="0">
+                <a:pos x="connsiteX25" y="connsiteY25"/>
+              </a:cxn>
+              <a:cxn ang="0">
+                <a:pos x="connsiteX26" y="connsiteY26"/>
+              </a:cxn>
+              <a:cxn ang="0">
+                <a:pos x="connsiteX27" y="connsiteY27"/>
+              </a:cxn>
+              <a:cxn ang="0">
+                <a:pos x="connsiteX28" y="connsiteY28"/>
+              </a:cxn>
+              <a:cxn ang="0">
+                <a:pos x="connsiteX29" y="connsiteY29"/>
+              </a:cxn>
+              <a:cxn ang="0">
+                <a:pos x="connsiteX30" y="connsiteY30"/>
+              </a:cxn>
+              <a:cxn ang="0">
+                <a:pos x="connsiteX31" y="connsiteY31"/>
+              </a:cxn>
+              <a:cxn ang="0">
+                <a:pos x="connsiteX32" y="connsiteY32"/>
+              </a:cxn>
+              <a:cxn ang="0">
+                <a:pos x="connsiteX33" y="connsiteY33"/>
+              </a:cxn>
+              <a:cxn ang="0">
+                <a:pos x="connsiteX34" y="connsiteY34"/>
+              </a:cxn>
+              <a:cxn ang="0">
+                <a:pos x="connsiteX35" y="connsiteY35"/>
+              </a:cxn>
+              <a:cxn ang="0">
+                <a:pos x="connsiteX36" y="connsiteY36"/>
+              </a:cxn>
+              <a:cxn ang="0">
+                <a:pos x="connsiteX37" y="connsiteY37"/>
+              </a:cxn>
+              <a:cxn ang="0">
+                <a:pos x="connsiteX38" y="connsiteY38"/>
+              </a:cxn>
+            </a:cxnLst>
+            <a:rect l="l" t="t" r="r" b="b"/>
+            <a:pathLst>
+              <a:path w="1330410" h="935996">
+                <a:moveTo>
+                  <a:pt x="0" y="86629"/>
+                </a:moveTo>
+                <a:lnTo>
+                  <a:pt x="24713" y="28964"/>
+                </a:lnTo>
+                <a:cubicBezTo>
+                  <a:pt x="29518" y="16607"/>
+                  <a:pt x="10983" y="15920"/>
+                  <a:pt x="28832" y="12488"/>
+                </a:cubicBezTo>
+                <a:cubicBezTo>
+                  <a:pt x="46681" y="9056"/>
+                  <a:pt x="102286" y="10428"/>
+                  <a:pt x="131805" y="8369"/>
+                </a:cubicBezTo>
+                <a:cubicBezTo>
+                  <a:pt x="161324" y="6310"/>
+                  <a:pt x="183292" y="818"/>
+                  <a:pt x="205946" y="132"/>
+                </a:cubicBezTo>
+                <a:cubicBezTo>
+                  <a:pt x="228600" y="-554"/>
+                  <a:pt x="249194" y="1505"/>
+                  <a:pt x="267729" y="4251"/>
+                </a:cubicBezTo>
+                <a:cubicBezTo>
+                  <a:pt x="286264" y="6997"/>
+                  <a:pt x="295875" y="9742"/>
+                  <a:pt x="317156" y="16607"/>
+                </a:cubicBezTo>
+                <a:cubicBezTo>
+                  <a:pt x="338437" y="23472"/>
+                  <a:pt x="367957" y="32397"/>
+                  <a:pt x="395416" y="45440"/>
+                </a:cubicBezTo>
+                <a:cubicBezTo>
+                  <a:pt x="422875" y="58483"/>
+                  <a:pt x="481913" y="94867"/>
+                  <a:pt x="481913" y="94867"/>
+                </a:cubicBezTo>
+                <a:lnTo>
+                  <a:pt x="539578" y="127818"/>
+                </a:lnTo>
+                <a:cubicBezTo>
+                  <a:pt x="557427" y="138115"/>
+                  <a:pt x="570470" y="147727"/>
+                  <a:pt x="589005" y="156651"/>
+                </a:cubicBezTo>
+                <a:cubicBezTo>
+                  <a:pt x="607540" y="165575"/>
+                  <a:pt x="629508" y="173126"/>
+                  <a:pt x="650789" y="181364"/>
+                </a:cubicBezTo>
+                <a:cubicBezTo>
+                  <a:pt x="672070" y="189602"/>
+                  <a:pt x="696784" y="193721"/>
+                  <a:pt x="716692" y="206078"/>
+                </a:cubicBezTo>
+                <a:cubicBezTo>
+                  <a:pt x="736600" y="218435"/>
+                  <a:pt x="755134" y="236970"/>
+                  <a:pt x="770237" y="255505"/>
+                </a:cubicBezTo>
+                <a:cubicBezTo>
+                  <a:pt x="785340" y="274040"/>
+                  <a:pt x="798384" y="302872"/>
+                  <a:pt x="807308" y="317288"/>
+                </a:cubicBezTo>
+                <a:cubicBezTo>
+                  <a:pt x="816232" y="331704"/>
+                  <a:pt x="821724" y="328272"/>
+                  <a:pt x="823783" y="342002"/>
+                </a:cubicBezTo>
+                <a:cubicBezTo>
+                  <a:pt x="825842" y="355732"/>
+                  <a:pt x="820351" y="377013"/>
+                  <a:pt x="819665" y="399667"/>
+                </a:cubicBezTo>
+                <a:cubicBezTo>
+                  <a:pt x="818979" y="422321"/>
+                  <a:pt x="816233" y="459391"/>
+                  <a:pt x="819665" y="477926"/>
+                </a:cubicBezTo>
+                <a:cubicBezTo>
+                  <a:pt x="823097" y="496461"/>
+                  <a:pt x="836140" y="496462"/>
+                  <a:pt x="840259" y="510878"/>
+                </a:cubicBezTo>
+                <a:cubicBezTo>
+                  <a:pt x="844378" y="525294"/>
+                  <a:pt x="845065" y="552067"/>
+                  <a:pt x="844378" y="564424"/>
+                </a:cubicBezTo>
+                <a:cubicBezTo>
+                  <a:pt x="843691" y="576781"/>
+                  <a:pt x="838886" y="575407"/>
+                  <a:pt x="836140" y="585018"/>
+                </a:cubicBezTo>
+                <a:cubicBezTo>
+                  <a:pt x="833394" y="594629"/>
+                  <a:pt x="828588" y="610418"/>
+                  <a:pt x="827902" y="622088"/>
+                </a:cubicBezTo>
+                <a:cubicBezTo>
+                  <a:pt x="827216" y="633758"/>
+                  <a:pt x="828588" y="643370"/>
+                  <a:pt x="832021" y="655040"/>
+                </a:cubicBezTo>
+                <a:cubicBezTo>
+                  <a:pt x="835454" y="666710"/>
+                  <a:pt x="838886" y="679753"/>
+                  <a:pt x="848497" y="692110"/>
+                </a:cubicBezTo>
+                <a:cubicBezTo>
+                  <a:pt x="858108" y="704467"/>
+                  <a:pt x="878016" y="721629"/>
+                  <a:pt x="889686" y="729180"/>
+                </a:cubicBezTo>
+                <a:cubicBezTo>
+                  <a:pt x="901356" y="736731"/>
+                  <a:pt x="908908" y="730553"/>
+                  <a:pt x="918519" y="737418"/>
+                </a:cubicBezTo>
+                <a:cubicBezTo>
+                  <a:pt x="928130" y="744283"/>
+                  <a:pt x="937054" y="758012"/>
+                  <a:pt x="947351" y="770369"/>
+                </a:cubicBezTo>
+                <a:cubicBezTo>
+                  <a:pt x="957648" y="782726"/>
+                  <a:pt x="972064" y="798516"/>
+                  <a:pt x="980302" y="811559"/>
+                </a:cubicBezTo>
+                <a:cubicBezTo>
+                  <a:pt x="988540" y="824602"/>
+                  <a:pt x="991973" y="837645"/>
+                  <a:pt x="996778" y="848629"/>
+                </a:cubicBezTo>
+                <a:cubicBezTo>
+                  <a:pt x="1001583" y="859613"/>
+                  <a:pt x="1000211" y="867850"/>
+                  <a:pt x="1009135" y="877461"/>
+                </a:cubicBezTo>
+                <a:cubicBezTo>
+                  <a:pt x="1018059" y="887072"/>
+                  <a:pt x="1037967" y="896683"/>
+                  <a:pt x="1050324" y="906294"/>
+                </a:cubicBezTo>
+                <a:cubicBezTo>
+                  <a:pt x="1062681" y="915905"/>
+                  <a:pt x="1064740" y="931694"/>
+                  <a:pt x="1083275" y="935126"/>
+                </a:cubicBezTo>
+                <a:cubicBezTo>
+                  <a:pt x="1101810" y="938558"/>
+                  <a:pt x="1140940" y="931007"/>
+                  <a:pt x="1161535" y="926888"/>
+                </a:cubicBezTo>
+                <a:cubicBezTo>
+                  <a:pt x="1182130" y="922769"/>
+                  <a:pt x="1195173" y="915905"/>
+                  <a:pt x="1206843" y="910413"/>
+                </a:cubicBezTo>
+                <a:cubicBezTo>
+                  <a:pt x="1218513" y="904921"/>
+                  <a:pt x="1223318" y="900115"/>
+                  <a:pt x="1231556" y="893937"/>
+                </a:cubicBezTo>
+                <a:cubicBezTo>
+                  <a:pt x="1239794" y="887759"/>
+                  <a:pt x="1248032" y="877461"/>
+                  <a:pt x="1256270" y="873342"/>
+                </a:cubicBezTo>
+                <a:cubicBezTo>
+                  <a:pt x="1264508" y="869223"/>
+                  <a:pt x="1271372" y="871970"/>
+                  <a:pt x="1280983" y="869224"/>
+                </a:cubicBezTo>
+                <a:cubicBezTo>
+                  <a:pt x="1290594" y="866478"/>
+                  <a:pt x="1313935" y="856867"/>
+                  <a:pt x="1313935" y="856867"/>
+                </a:cubicBezTo>
+                <a:cubicBezTo>
+                  <a:pt x="1322173" y="852748"/>
+                  <a:pt x="1326291" y="848629"/>
+                  <a:pt x="1330410" y="844510"/>
+                </a:cubicBezTo>
+              </a:path>
+            </a:pathLst>
+          </a:custGeom>
+          <a:noFill/>
+          <a:ln w="38100">
+            <a:solidFill>
+              <a:srgbClr val="00B050"/>
+            </a:solidFill>
+          </a:ln>
+        </p:spPr>
+        <p:style>
+          <a:lnRef idx="2">
+            <a:schemeClr val="accent1">
+              <a:shade val="50000"/>
+            </a:schemeClr>
+          </a:lnRef>
+          <a:fillRef idx="1">
+            <a:schemeClr val="accent1"/>
+          </a:fillRef>
+          <a:effectRef idx="0">
+            <a:schemeClr val="accent1"/>
+          </a:effectRef>
+          <a:fontRef idx="minor">
+            <a:schemeClr val="lt1"/>
+          </a:fontRef>
+        </p:style>
+        <p:txBody>
+          <a:bodyPr rtlCol="0" anchor="ctr"/>
+          <a:lstStyle/>
+          <a:p>
+            <a:pPr algn="ctr"/>
+            <a:endParaRPr lang="ko-KR" altLang="en-US"/>
+          </a:p>
+        </p:txBody>
+      </p:sp>
+      <p:sp>
+        <p:nvSpPr>
+          <p:cNvPr id="3" name="자유형 2"/>
+          <p:cNvSpPr/>
+          <p:nvPr/>
+        </p:nvSpPr>
+        <p:spPr>
+          <a:xfrm>
+            <a:off x="2677297" y="2438400"/>
+            <a:ext cx="696098" cy="700216"/>
+          </a:xfrm>
+          <a:custGeom>
+            <a:avLst/>
+            <a:gdLst>
+              <a:gd name="connsiteX0" fmla="*/ 0 w 696098"/>
+              <a:gd name="connsiteY0" fmla="*/ 0 h 700216"/>
+              <a:gd name="connsiteX1" fmla="*/ 78260 w 696098"/>
+              <a:gd name="connsiteY1" fmla="*/ 37070 h 700216"/>
+              <a:gd name="connsiteX2" fmla="*/ 111211 w 696098"/>
+              <a:gd name="connsiteY2" fmla="*/ 45308 h 700216"/>
+              <a:gd name="connsiteX3" fmla="*/ 119449 w 696098"/>
+              <a:gd name="connsiteY3" fmla="*/ 74141 h 700216"/>
+              <a:gd name="connsiteX4" fmla="*/ 168876 w 696098"/>
+              <a:gd name="connsiteY4" fmla="*/ 90616 h 700216"/>
+              <a:gd name="connsiteX5" fmla="*/ 185352 w 696098"/>
+              <a:gd name="connsiteY5" fmla="*/ 156519 h 700216"/>
+              <a:gd name="connsiteX6" fmla="*/ 214184 w 696098"/>
+              <a:gd name="connsiteY6" fmla="*/ 189470 h 700216"/>
+              <a:gd name="connsiteX7" fmla="*/ 251254 w 696098"/>
+              <a:gd name="connsiteY7" fmla="*/ 230659 h 700216"/>
+              <a:gd name="connsiteX8" fmla="*/ 275968 w 696098"/>
+              <a:gd name="connsiteY8" fmla="*/ 255373 h 700216"/>
+              <a:gd name="connsiteX9" fmla="*/ 345989 w 696098"/>
+              <a:gd name="connsiteY9" fmla="*/ 243016 h 700216"/>
+              <a:gd name="connsiteX10" fmla="*/ 366584 w 696098"/>
+              <a:gd name="connsiteY10" fmla="*/ 247135 h 700216"/>
+              <a:gd name="connsiteX11" fmla="*/ 378941 w 696098"/>
+              <a:gd name="connsiteY11" fmla="*/ 284205 h 700216"/>
+              <a:gd name="connsiteX12" fmla="*/ 395417 w 696098"/>
+              <a:gd name="connsiteY12" fmla="*/ 255373 h 700216"/>
+              <a:gd name="connsiteX13" fmla="*/ 432487 w 696098"/>
+              <a:gd name="connsiteY13" fmla="*/ 284205 h 700216"/>
+              <a:gd name="connsiteX14" fmla="*/ 486033 w 696098"/>
+              <a:gd name="connsiteY14" fmla="*/ 292443 h 700216"/>
+              <a:gd name="connsiteX15" fmla="*/ 539579 w 696098"/>
+              <a:gd name="connsiteY15" fmla="*/ 321276 h 700216"/>
+              <a:gd name="connsiteX16" fmla="*/ 564292 w 696098"/>
+              <a:gd name="connsiteY16" fmla="*/ 378941 h 700216"/>
+              <a:gd name="connsiteX17" fmla="*/ 556054 w 696098"/>
+              <a:gd name="connsiteY17" fmla="*/ 432486 h 700216"/>
+              <a:gd name="connsiteX18" fmla="*/ 543698 w 696098"/>
+              <a:gd name="connsiteY18" fmla="*/ 477795 h 700216"/>
+              <a:gd name="connsiteX19" fmla="*/ 584887 w 696098"/>
+              <a:gd name="connsiteY19" fmla="*/ 547816 h 700216"/>
+              <a:gd name="connsiteX20" fmla="*/ 605481 w 696098"/>
+              <a:gd name="connsiteY20" fmla="*/ 580768 h 700216"/>
+              <a:gd name="connsiteX21" fmla="*/ 634314 w 696098"/>
+              <a:gd name="connsiteY21" fmla="*/ 597243 h 700216"/>
+              <a:gd name="connsiteX22" fmla="*/ 646671 w 696098"/>
+              <a:gd name="connsiteY22" fmla="*/ 638432 h 700216"/>
+              <a:gd name="connsiteX23" fmla="*/ 679622 w 696098"/>
+              <a:gd name="connsiteY23" fmla="*/ 687859 h 700216"/>
+              <a:gd name="connsiteX24" fmla="*/ 696098 w 696098"/>
+              <a:gd name="connsiteY24" fmla="*/ 700216 h 700216"/>
+            </a:gdLst>
+            <a:ahLst/>
+            <a:cxnLst>
+              <a:cxn ang="0">
+                <a:pos x="connsiteX0" y="connsiteY0"/>
+              </a:cxn>
+              <a:cxn ang="0">
+                <a:pos x="connsiteX1" y="connsiteY1"/>
+              </a:cxn>
+              <a:cxn ang="0">
+                <a:pos x="connsiteX2" y="connsiteY2"/>
+              </a:cxn>
+              <a:cxn ang="0">
+                <a:pos x="connsiteX3" y="connsiteY3"/>
+              </a:cxn>
+              <a:cxn ang="0">
+                <a:pos x="connsiteX4" y="connsiteY4"/>
+              </a:cxn>
+              <a:cxn ang="0">
+                <a:pos x="connsiteX5" y="connsiteY5"/>
+              </a:cxn>
+              <a:cxn ang="0">
+                <a:pos x="connsiteX6" y="connsiteY6"/>
+              </a:cxn>
+              <a:cxn ang="0">
+                <a:pos x="connsiteX7" y="connsiteY7"/>
+              </a:cxn>
+              <a:cxn ang="0">
+                <a:pos x="connsiteX8" y="connsiteY8"/>
+              </a:cxn>
+              <a:cxn ang="0">
+                <a:pos x="connsiteX9" y="connsiteY9"/>
+              </a:cxn>
+              <a:cxn ang="0">
+                <a:pos x="connsiteX10" y="connsiteY10"/>
+              </a:cxn>
+              <a:cxn ang="0">
+                <a:pos x="connsiteX11" y="connsiteY11"/>
+              </a:cxn>
+              <a:cxn ang="0">
+                <a:pos x="connsiteX12" y="connsiteY12"/>
+              </a:cxn>
+              <a:cxn ang="0">
+                <a:pos x="connsiteX13" y="connsiteY13"/>
+              </a:cxn>
+              <a:cxn ang="0">
+                <a:pos x="connsiteX14" y="connsiteY14"/>
+              </a:cxn>
+              <a:cxn ang="0">
+                <a:pos x="connsiteX15" y="connsiteY15"/>
+              </a:cxn>
+              <a:cxn ang="0">
+                <a:pos x="connsiteX16" y="connsiteY16"/>
+              </a:cxn>
+              <a:cxn ang="0">
+                <a:pos x="connsiteX17" y="connsiteY17"/>
+              </a:cxn>
+              <a:cxn ang="0">
+                <a:pos x="connsiteX18" y="connsiteY18"/>
+              </a:cxn>
+              <a:cxn ang="0">
+                <a:pos x="connsiteX19" y="connsiteY19"/>
+              </a:cxn>
+              <a:cxn ang="0">
+                <a:pos x="connsiteX20" y="connsiteY20"/>
+              </a:cxn>
+              <a:cxn ang="0">
+                <a:pos x="connsiteX21" y="connsiteY21"/>
+              </a:cxn>
+              <a:cxn ang="0">
+                <a:pos x="connsiteX22" y="connsiteY22"/>
+              </a:cxn>
+              <a:cxn ang="0">
+                <a:pos x="connsiteX23" y="connsiteY23"/>
+              </a:cxn>
+              <a:cxn ang="0">
+                <a:pos x="connsiteX24" y="connsiteY24"/>
+              </a:cxn>
+            </a:cxnLst>
+            <a:rect l="l" t="t" r="r" b="b"/>
+            <a:pathLst>
+              <a:path w="696098" h="700216">
+                <a:moveTo>
+                  <a:pt x="0" y="0"/>
+                </a:moveTo>
+                <a:cubicBezTo>
+                  <a:pt x="29862" y="14759"/>
+                  <a:pt x="59725" y="29519"/>
+                  <a:pt x="78260" y="37070"/>
+                </a:cubicBezTo>
+                <a:cubicBezTo>
+                  <a:pt x="96795" y="44621"/>
+                  <a:pt x="104346" y="39130"/>
+                  <a:pt x="111211" y="45308"/>
+                </a:cubicBezTo>
+                <a:cubicBezTo>
+                  <a:pt x="118076" y="51486"/>
+                  <a:pt x="109838" y="66590"/>
+                  <a:pt x="119449" y="74141"/>
+                </a:cubicBezTo>
+                <a:cubicBezTo>
+                  <a:pt x="129060" y="81692"/>
+                  <a:pt x="157892" y="76886"/>
+                  <a:pt x="168876" y="90616"/>
+                </a:cubicBezTo>
+                <a:cubicBezTo>
+                  <a:pt x="179860" y="104346"/>
+                  <a:pt x="177801" y="140043"/>
+                  <a:pt x="185352" y="156519"/>
+                </a:cubicBezTo>
+                <a:cubicBezTo>
+                  <a:pt x="192903" y="172995"/>
+                  <a:pt x="203200" y="177113"/>
+                  <a:pt x="214184" y="189470"/>
+                </a:cubicBezTo>
+                <a:cubicBezTo>
+                  <a:pt x="225168" y="201827"/>
+                  <a:pt x="240957" y="219675"/>
+                  <a:pt x="251254" y="230659"/>
+                </a:cubicBezTo>
+                <a:cubicBezTo>
+                  <a:pt x="261551" y="241643"/>
+                  <a:pt x="260179" y="253314"/>
+                  <a:pt x="275968" y="255373"/>
+                </a:cubicBezTo>
+                <a:cubicBezTo>
+                  <a:pt x="291757" y="257432"/>
+                  <a:pt x="330886" y="244389"/>
+                  <a:pt x="345989" y="243016"/>
+                </a:cubicBezTo>
+                <a:cubicBezTo>
+                  <a:pt x="361092" y="241643"/>
+                  <a:pt x="361092" y="240270"/>
+                  <a:pt x="366584" y="247135"/>
+                </a:cubicBezTo>
+                <a:cubicBezTo>
+                  <a:pt x="372076" y="254000"/>
+                  <a:pt x="374136" y="282832"/>
+                  <a:pt x="378941" y="284205"/>
+                </a:cubicBezTo>
+                <a:cubicBezTo>
+                  <a:pt x="383746" y="285578"/>
+                  <a:pt x="386493" y="255373"/>
+                  <a:pt x="395417" y="255373"/>
+                </a:cubicBezTo>
+                <a:cubicBezTo>
+                  <a:pt x="404341" y="255373"/>
+                  <a:pt x="417384" y="278027"/>
+                  <a:pt x="432487" y="284205"/>
+                </a:cubicBezTo>
+                <a:cubicBezTo>
+                  <a:pt x="447590" y="290383"/>
+                  <a:pt x="468184" y="286265"/>
+                  <a:pt x="486033" y="292443"/>
+                </a:cubicBezTo>
+                <a:cubicBezTo>
+                  <a:pt x="503882" y="298621"/>
+                  <a:pt x="526536" y="306860"/>
+                  <a:pt x="539579" y="321276"/>
+                </a:cubicBezTo>
+                <a:cubicBezTo>
+                  <a:pt x="552622" y="335692"/>
+                  <a:pt x="561546" y="360406"/>
+                  <a:pt x="564292" y="378941"/>
+                </a:cubicBezTo>
+                <a:cubicBezTo>
+                  <a:pt x="567038" y="397476"/>
+                  <a:pt x="559486" y="416010"/>
+                  <a:pt x="556054" y="432486"/>
+                </a:cubicBezTo>
+                <a:cubicBezTo>
+                  <a:pt x="552622" y="448962"/>
+                  <a:pt x="538893" y="458573"/>
+                  <a:pt x="543698" y="477795"/>
+                </a:cubicBezTo>
+                <a:cubicBezTo>
+                  <a:pt x="548503" y="497017"/>
+                  <a:pt x="574590" y="530654"/>
+                  <a:pt x="584887" y="547816"/>
+                </a:cubicBezTo>
+                <a:cubicBezTo>
+                  <a:pt x="595184" y="564978"/>
+                  <a:pt x="597243" y="572530"/>
+                  <a:pt x="605481" y="580768"/>
+                </a:cubicBezTo>
+                <a:cubicBezTo>
+                  <a:pt x="613719" y="589006"/>
+                  <a:pt x="627449" y="587632"/>
+                  <a:pt x="634314" y="597243"/>
+                </a:cubicBezTo>
+                <a:cubicBezTo>
+                  <a:pt x="641179" y="606854"/>
+                  <a:pt x="639120" y="623329"/>
+                  <a:pt x="646671" y="638432"/>
+                </a:cubicBezTo>
+                <a:cubicBezTo>
+                  <a:pt x="654222" y="653535"/>
+                  <a:pt x="671384" y="677562"/>
+                  <a:pt x="679622" y="687859"/>
+                </a:cubicBezTo>
+                <a:cubicBezTo>
+                  <a:pt x="687860" y="698156"/>
+                  <a:pt x="691979" y="699186"/>
+                  <a:pt x="696098" y="700216"/>
+                </a:cubicBezTo>
+              </a:path>
+            </a:pathLst>
+          </a:custGeom>
+          <a:noFill/>
+          <a:ln w="38100">
+            <a:solidFill>
+              <a:srgbClr val="00B050"/>
+            </a:solidFill>
+          </a:ln>
+        </p:spPr>
+        <p:style>
+          <a:lnRef idx="2">
+            <a:schemeClr val="accent1">
+              <a:shade val="50000"/>
+            </a:schemeClr>
+          </a:lnRef>
+          <a:fillRef idx="1">
+            <a:schemeClr val="accent1"/>
+          </a:fillRef>
+          <a:effectRef idx="0">
+            <a:schemeClr val="accent1"/>
+          </a:effectRef>
+          <a:fontRef idx="minor">
+            <a:schemeClr val="lt1"/>
+          </a:fontRef>
+        </p:style>
+        <p:txBody>
+          <a:bodyPr rtlCol="0" anchor="ctr"/>
+          <a:lstStyle/>
+          <a:p>
+            <a:pPr algn="ctr"/>
+            <a:endParaRPr lang="ko-KR" altLang="en-US"/>
+          </a:p>
+        </p:txBody>
+      </p:sp>
+      <p:sp>
+        <p:nvSpPr>
+          <p:cNvPr id="4" name="자유형 3"/>
+          <p:cNvSpPr/>
+          <p:nvPr/>
+        </p:nvSpPr>
+        <p:spPr>
+          <a:xfrm>
+            <a:off x="3315730" y="3171568"/>
+            <a:ext cx="347281" cy="491700"/>
+          </a:xfrm>
+          <a:custGeom>
+            <a:avLst/>
+            <a:gdLst>
+              <a:gd name="connsiteX0" fmla="*/ 33371 w 347701"/>
+              <a:gd name="connsiteY0" fmla="*/ 0 h 483463"/>
+              <a:gd name="connsiteX1" fmla="*/ 420 w 347701"/>
+              <a:gd name="connsiteY1" fmla="*/ 53546 h 483463"/>
+              <a:gd name="connsiteX2" fmla="*/ 53966 w 347701"/>
+              <a:gd name="connsiteY2" fmla="*/ 82379 h 483463"/>
+              <a:gd name="connsiteX3" fmla="*/ 91036 w 347701"/>
+              <a:gd name="connsiteY3" fmla="*/ 164757 h 483463"/>
+              <a:gd name="connsiteX4" fmla="*/ 128106 w 347701"/>
+              <a:gd name="connsiteY4" fmla="*/ 189471 h 483463"/>
+              <a:gd name="connsiteX5" fmla="*/ 181652 w 347701"/>
+              <a:gd name="connsiteY5" fmla="*/ 214184 h 483463"/>
+              <a:gd name="connsiteX6" fmla="*/ 206366 w 347701"/>
+              <a:gd name="connsiteY6" fmla="*/ 238898 h 483463"/>
+              <a:gd name="connsiteX7" fmla="*/ 235198 w 347701"/>
+              <a:gd name="connsiteY7" fmla="*/ 251254 h 483463"/>
+              <a:gd name="connsiteX8" fmla="*/ 313458 w 347701"/>
+              <a:gd name="connsiteY8" fmla="*/ 275968 h 483463"/>
+              <a:gd name="connsiteX9" fmla="*/ 338171 w 347701"/>
+              <a:gd name="connsiteY9" fmla="*/ 313038 h 483463"/>
+              <a:gd name="connsiteX10" fmla="*/ 346409 w 347701"/>
+              <a:gd name="connsiteY10" fmla="*/ 354227 h 483463"/>
+              <a:gd name="connsiteX11" fmla="*/ 342290 w 347701"/>
+              <a:gd name="connsiteY11" fmla="*/ 387179 h 483463"/>
+              <a:gd name="connsiteX12" fmla="*/ 296982 w 347701"/>
+              <a:gd name="connsiteY12" fmla="*/ 436606 h 483463"/>
+              <a:gd name="connsiteX13" fmla="*/ 264031 w 347701"/>
+              <a:gd name="connsiteY13" fmla="*/ 469557 h 483463"/>
+              <a:gd name="connsiteX14" fmla="*/ 259912 w 347701"/>
+              <a:gd name="connsiteY14" fmla="*/ 481914 h 483463"/>
+              <a:gd name="connsiteX15" fmla="*/ 222841 w 347701"/>
+              <a:gd name="connsiteY15" fmla="*/ 436606 h 483463"/>
+              <a:gd name="connsiteX16" fmla="*/ 210485 w 347701"/>
+              <a:gd name="connsiteY16" fmla="*/ 403654 h 483463"/>
+              <a:gd name="connsiteX17" fmla="*/ 210485 w 347701"/>
+              <a:gd name="connsiteY17" fmla="*/ 383060 h 483463"/>
+              <a:gd name="connsiteX18" fmla="*/ 185771 w 347701"/>
+              <a:gd name="connsiteY18" fmla="*/ 370703 h 483463"/>
+              <a:gd name="connsiteX19" fmla="*/ 140463 w 347701"/>
+              <a:gd name="connsiteY19" fmla="*/ 350109 h 483463"/>
+              <a:gd name="connsiteX0" fmla="*/ 53545 w 347281"/>
+              <a:gd name="connsiteY0" fmla="*/ 0 h 491700"/>
+              <a:gd name="connsiteX1" fmla="*/ 0 w 347281"/>
+              <a:gd name="connsiteY1" fmla="*/ 61783 h 491700"/>
+              <a:gd name="connsiteX2" fmla="*/ 53546 w 347281"/>
+              <a:gd name="connsiteY2" fmla="*/ 90616 h 491700"/>
+              <a:gd name="connsiteX3" fmla="*/ 90616 w 347281"/>
+              <a:gd name="connsiteY3" fmla="*/ 172994 h 491700"/>
+              <a:gd name="connsiteX4" fmla="*/ 127686 w 347281"/>
+              <a:gd name="connsiteY4" fmla="*/ 197708 h 491700"/>
+              <a:gd name="connsiteX5" fmla="*/ 181232 w 347281"/>
+              <a:gd name="connsiteY5" fmla="*/ 222421 h 491700"/>
+              <a:gd name="connsiteX6" fmla="*/ 205946 w 347281"/>
+              <a:gd name="connsiteY6" fmla="*/ 247135 h 491700"/>
+              <a:gd name="connsiteX7" fmla="*/ 234778 w 347281"/>
+              <a:gd name="connsiteY7" fmla="*/ 259491 h 491700"/>
+              <a:gd name="connsiteX8" fmla="*/ 313038 w 347281"/>
+              <a:gd name="connsiteY8" fmla="*/ 284205 h 491700"/>
+              <a:gd name="connsiteX9" fmla="*/ 337751 w 347281"/>
+              <a:gd name="connsiteY9" fmla="*/ 321275 h 491700"/>
+              <a:gd name="connsiteX10" fmla="*/ 345989 w 347281"/>
+              <a:gd name="connsiteY10" fmla="*/ 362464 h 491700"/>
+              <a:gd name="connsiteX11" fmla="*/ 341870 w 347281"/>
+              <a:gd name="connsiteY11" fmla="*/ 395416 h 491700"/>
+              <a:gd name="connsiteX12" fmla="*/ 296562 w 347281"/>
+              <a:gd name="connsiteY12" fmla="*/ 444843 h 491700"/>
+              <a:gd name="connsiteX13" fmla="*/ 263611 w 347281"/>
+              <a:gd name="connsiteY13" fmla="*/ 477794 h 491700"/>
+              <a:gd name="connsiteX14" fmla="*/ 259492 w 347281"/>
+              <a:gd name="connsiteY14" fmla="*/ 490151 h 491700"/>
+              <a:gd name="connsiteX15" fmla="*/ 222421 w 347281"/>
+              <a:gd name="connsiteY15" fmla="*/ 444843 h 491700"/>
+              <a:gd name="connsiteX16" fmla="*/ 210065 w 347281"/>
+              <a:gd name="connsiteY16" fmla="*/ 411891 h 491700"/>
+              <a:gd name="connsiteX17" fmla="*/ 210065 w 347281"/>
+              <a:gd name="connsiteY17" fmla="*/ 391297 h 491700"/>
+              <a:gd name="connsiteX18" fmla="*/ 185351 w 347281"/>
+              <a:gd name="connsiteY18" fmla="*/ 378940 h 491700"/>
+              <a:gd name="connsiteX19" fmla="*/ 140043 w 347281"/>
+              <a:gd name="connsiteY19" fmla="*/ 358346 h 491700"/>
+              <a:gd name="connsiteX0" fmla="*/ 53545 w 347281"/>
+              <a:gd name="connsiteY0" fmla="*/ 0 h 491700"/>
+              <a:gd name="connsiteX1" fmla="*/ 0 w 347281"/>
+              <a:gd name="connsiteY1" fmla="*/ 57664 h 491700"/>
+              <a:gd name="connsiteX2" fmla="*/ 53546 w 347281"/>
+              <a:gd name="connsiteY2" fmla="*/ 90616 h 491700"/>
+              <a:gd name="connsiteX3" fmla="*/ 90616 w 347281"/>
+              <a:gd name="connsiteY3" fmla="*/ 172994 h 491700"/>
+              <a:gd name="connsiteX4" fmla="*/ 127686 w 347281"/>
+              <a:gd name="connsiteY4" fmla="*/ 197708 h 491700"/>
+              <a:gd name="connsiteX5" fmla="*/ 181232 w 347281"/>
+              <a:gd name="connsiteY5" fmla="*/ 222421 h 491700"/>
+              <a:gd name="connsiteX6" fmla="*/ 205946 w 347281"/>
+              <a:gd name="connsiteY6" fmla="*/ 247135 h 491700"/>
+              <a:gd name="connsiteX7" fmla="*/ 234778 w 347281"/>
+              <a:gd name="connsiteY7" fmla="*/ 259491 h 491700"/>
+              <a:gd name="connsiteX8" fmla="*/ 313038 w 347281"/>
+              <a:gd name="connsiteY8" fmla="*/ 284205 h 491700"/>
+              <a:gd name="connsiteX9" fmla="*/ 337751 w 347281"/>
+              <a:gd name="connsiteY9" fmla="*/ 321275 h 491700"/>
+              <a:gd name="connsiteX10" fmla="*/ 345989 w 347281"/>
+              <a:gd name="connsiteY10" fmla="*/ 362464 h 491700"/>
+              <a:gd name="connsiteX11" fmla="*/ 341870 w 347281"/>
+              <a:gd name="connsiteY11" fmla="*/ 395416 h 491700"/>
+              <a:gd name="connsiteX12" fmla="*/ 296562 w 347281"/>
+              <a:gd name="connsiteY12" fmla="*/ 444843 h 491700"/>
+              <a:gd name="connsiteX13" fmla="*/ 263611 w 347281"/>
+              <a:gd name="connsiteY13" fmla="*/ 477794 h 491700"/>
+              <a:gd name="connsiteX14" fmla="*/ 259492 w 347281"/>
+              <a:gd name="connsiteY14" fmla="*/ 490151 h 491700"/>
+              <a:gd name="connsiteX15" fmla="*/ 222421 w 347281"/>
+              <a:gd name="connsiteY15" fmla="*/ 444843 h 491700"/>
+              <a:gd name="connsiteX16" fmla="*/ 210065 w 347281"/>
+              <a:gd name="connsiteY16" fmla="*/ 411891 h 491700"/>
+              <a:gd name="connsiteX17" fmla="*/ 210065 w 347281"/>
+              <a:gd name="connsiteY17" fmla="*/ 391297 h 491700"/>
+              <a:gd name="connsiteX18" fmla="*/ 185351 w 347281"/>
+              <a:gd name="connsiteY18" fmla="*/ 378940 h 491700"/>
+              <a:gd name="connsiteX19" fmla="*/ 140043 w 347281"/>
+              <a:gd name="connsiteY19" fmla="*/ 358346 h 491700"/>
+            </a:gdLst>
+            <a:ahLst/>
+            <a:cxnLst>
+              <a:cxn ang="0">
+                <a:pos x="connsiteX0" y="connsiteY0"/>
+              </a:cxn>
+              <a:cxn ang="0">
+                <a:pos x="connsiteX1" y="connsiteY1"/>
+              </a:cxn>
+              <a:cxn ang="0">
+                <a:pos x="connsiteX2" y="connsiteY2"/>
+              </a:cxn>
+              <a:cxn ang="0">
+                <a:pos x="connsiteX3" y="connsiteY3"/>
+              </a:cxn>
+              <a:cxn ang="0">
+                <a:pos x="connsiteX4" y="connsiteY4"/>
+              </a:cxn>
+              <a:cxn ang="0">
+                <a:pos x="connsiteX5" y="connsiteY5"/>
+              </a:cxn>
+              <a:cxn ang="0">
+                <a:pos x="connsiteX6" y="connsiteY6"/>
+              </a:cxn>
+              <a:cxn ang="0">
+                <a:pos x="connsiteX7" y="connsiteY7"/>
+              </a:cxn>
+              <a:cxn ang="0">
+                <a:pos x="connsiteX8" y="connsiteY8"/>
+              </a:cxn>
+              <a:cxn ang="0">
+                <a:pos x="connsiteX9" y="connsiteY9"/>
+              </a:cxn>
+              <a:cxn ang="0">
+                <a:pos x="connsiteX10" y="connsiteY10"/>
+              </a:cxn>
+              <a:cxn ang="0">
+                <a:pos x="connsiteX11" y="connsiteY11"/>
+              </a:cxn>
+              <a:cxn ang="0">
+                <a:pos x="connsiteX12" y="connsiteY12"/>
+              </a:cxn>
+              <a:cxn ang="0">
+                <a:pos x="connsiteX13" y="connsiteY13"/>
+              </a:cxn>
+              <a:cxn ang="0">
+                <a:pos x="connsiteX14" y="connsiteY14"/>
+              </a:cxn>
+              <a:cxn ang="0">
+                <a:pos x="connsiteX15" y="connsiteY15"/>
+              </a:cxn>
+              <a:cxn ang="0">
+                <a:pos x="connsiteX16" y="connsiteY16"/>
+              </a:cxn>
+              <a:cxn ang="0">
+                <a:pos x="connsiteX17" y="connsiteY17"/>
+              </a:cxn>
+              <a:cxn ang="0">
+                <a:pos x="connsiteX18" y="connsiteY18"/>
+              </a:cxn>
+              <a:cxn ang="0">
+                <a:pos x="connsiteX19" y="connsiteY19"/>
+              </a:cxn>
+            </a:cxnLst>
+            <a:rect l="l" t="t" r="r" b="b"/>
+            <a:pathLst>
+              <a:path w="347281" h="491700">
+                <a:moveTo>
+                  <a:pt x="53545" y="0"/>
+                </a:moveTo>
+                <a:cubicBezTo>
+                  <a:pt x="35353" y="19908"/>
+                  <a:pt x="0" y="42561"/>
+                  <a:pt x="0" y="57664"/>
+                </a:cubicBezTo>
+                <a:cubicBezTo>
+                  <a:pt x="0" y="72767"/>
+                  <a:pt x="38443" y="71394"/>
+                  <a:pt x="53546" y="90616"/>
+                </a:cubicBezTo>
+                <a:cubicBezTo>
+                  <a:pt x="68649" y="109838"/>
+                  <a:pt x="78259" y="155145"/>
+                  <a:pt x="90616" y="172994"/>
+                </a:cubicBezTo>
+                <a:cubicBezTo>
+                  <a:pt x="102973" y="190843"/>
+                  <a:pt x="112583" y="189470"/>
+                  <a:pt x="127686" y="197708"/>
+                </a:cubicBezTo>
+                <a:cubicBezTo>
+                  <a:pt x="142789" y="205946"/>
+                  <a:pt x="168189" y="214183"/>
+                  <a:pt x="181232" y="222421"/>
+                </a:cubicBezTo>
+                <a:cubicBezTo>
+                  <a:pt x="194275" y="230659"/>
+                  <a:pt x="197022" y="240957"/>
+                  <a:pt x="205946" y="247135"/>
+                </a:cubicBezTo>
+                <a:cubicBezTo>
+                  <a:pt x="214870" y="253313"/>
+                  <a:pt x="216929" y="253313"/>
+                  <a:pt x="234778" y="259491"/>
+                </a:cubicBezTo>
+                <a:cubicBezTo>
+                  <a:pt x="252627" y="265669"/>
+                  <a:pt x="295876" y="273908"/>
+                  <a:pt x="313038" y="284205"/>
+                </a:cubicBezTo>
+                <a:cubicBezTo>
+                  <a:pt x="330200" y="294502"/>
+                  <a:pt x="332259" y="308232"/>
+                  <a:pt x="337751" y="321275"/>
+                </a:cubicBezTo>
+                <a:cubicBezTo>
+                  <a:pt x="343243" y="334318"/>
+                  <a:pt x="345303" y="350107"/>
+                  <a:pt x="345989" y="362464"/>
+                </a:cubicBezTo>
+                <a:cubicBezTo>
+                  <a:pt x="346675" y="374821"/>
+                  <a:pt x="350108" y="381686"/>
+                  <a:pt x="341870" y="395416"/>
+                </a:cubicBezTo>
+                <a:cubicBezTo>
+                  <a:pt x="333632" y="409146"/>
+                  <a:pt x="309605" y="431113"/>
+                  <a:pt x="296562" y="444843"/>
+                </a:cubicBezTo>
+                <a:cubicBezTo>
+                  <a:pt x="283519" y="458573"/>
+                  <a:pt x="263611" y="477794"/>
+                  <a:pt x="263611" y="477794"/>
+                </a:cubicBezTo>
+                <a:cubicBezTo>
+                  <a:pt x="257433" y="485345"/>
+                  <a:pt x="266357" y="495643"/>
+                  <a:pt x="259492" y="490151"/>
+                </a:cubicBezTo>
+                <a:cubicBezTo>
+                  <a:pt x="252627" y="484659"/>
+                  <a:pt x="230659" y="457886"/>
+                  <a:pt x="222421" y="444843"/>
+                </a:cubicBezTo>
+                <a:cubicBezTo>
+                  <a:pt x="214183" y="431800"/>
+                  <a:pt x="212124" y="420815"/>
+                  <a:pt x="210065" y="411891"/>
+                </a:cubicBezTo>
+                <a:cubicBezTo>
+                  <a:pt x="208006" y="402967"/>
+                  <a:pt x="214184" y="396789"/>
+                  <a:pt x="210065" y="391297"/>
+                </a:cubicBezTo>
+                <a:cubicBezTo>
+                  <a:pt x="205946" y="385805"/>
+                  <a:pt x="197021" y="384432"/>
+                  <a:pt x="185351" y="378940"/>
+                </a:cubicBezTo>
+                <a:cubicBezTo>
+                  <a:pt x="173681" y="373448"/>
+                  <a:pt x="156862" y="365897"/>
+                  <a:pt x="140043" y="358346"/>
+                </a:cubicBezTo>
+              </a:path>
+            </a:pathLst>
+          </a:custGeom>
+          <a:noFill/>
+          <a:ln w="38100">
+            <a:solidFill>
+              <a:srgbClr val="00B050"/>
+            </a:solidFill>
+          </a:ln>
+        </p:spPr>
+        <p:style>
+          <a:lnRef idx="2">
+            <a:schemeClr val="accent1">
+              <a:shade val="50000"/>
+            </a:schemeClr>
+          </a:lnRef>
+          <a:fillRef idx="1">
+            <a:schemeClr val="accent1"/>
+          </a:fillRef>
+          <a:effectRef idx="0">
+            <a:schemeClr val="accent1"/>
+          </a:effectRef>
+          <a:fontRef idx="minor">
+            <a:schemeClr val="lt1"/>
+          </a:fontRef>
+        </p:style>
+        <p:txBody>
+          <a:bodyPr rtlCol="0" anchor="ctr"/>
+          <a:lstStyle/>
+          <a:p>
+            <a:pPr algn="ctr"/>
+            <a:endParaRPr lang="ko-KR" altLang="en-US"/>
+          </a:p>
+        </p:txBody>
+      </p:sp>
+      <p:sp>
+        <p:nvSpPr>
+          <p:cNvPr id="19" name="자유형 18"/>
+          <p:cNvSpPr/>
+          <p:nvPr/>
+        </p:nvSpPr>
+        <p:spPr>
+          <a:xfrm>
+            <a:off x="3474531" y="3657600"/>
+            <a:ext cx="393134" cy="811427"/>
+          </a:xfrm>
+          <a:custGeom>
+            <a:avLst/>
+            <a:gdLst>
+              <a:gd name="connsiteX0" fmla="*/ 84215 w 393134"/>
+              <a:gd name="connsiteY0" fmla="*/ 0 h 811427"/>
+              <a:gd name="connsiteX1" fmla="*/ 43026 w 393134"/>
+              <a:gd name="connsiteY1" fmla="*/ 28832 h 811427"/>
+              <a:gd name="connsiteX2" fmla="*/ 30669 w 393134"/>
+              <a:gd name="connsiteY2" fmla="*/ 107092 h 811427"/>
+              <a:gd name="connsiteX3" fmla="*/ 1837 w 393134"/>
+              <a:gd name="connsiteY3" fmla="*/ 156519 h 811427"/>
+              <a:gd name="connsiteX4" fmla="*/ 5955 w 393134"/>
+              <a:gd name="connsiteY4" fmla="*/ 251254 h 811427"/>
+              <a:gd name="connsiteX5" fmla="*/ 30669 w 393134"/>
+              <a:gd name="connsiteY5" fmla="*/ 313038 h 811427"/>
+              <a:gd name="connsiteX6" fmla="*/ 22431 w 393134"/>
+              <a:gd name="connsiteY6" fmla="*/ 387178 h 811427"/>
+              <a:gd name="connsiteX7" fmla="*/ 5955 w 393134"/>
+              <a:gd name="connsiteY7" fmla="*/ 432486 h 811427"/>
+              <a:gd name="connsiteX8" fmla="*/ 5955 w 393134"/>
+              <a:gd name="connsiteY8" fmla="*/ 481914 h 811427"/>
+              <a:gd name="connsiteX9" fmla="*/ 63620 w 393134"/>
+              <a:gd name="connsiteY9" fmla="*/ 506627 h 811427"/>
+              <a:gd name="connsiteX10" fmla="*/ 133642 w 393134"/>
+              <a:gd name="connsiteY10" fmla="*/ 543697 h 811427"/>
+              <a:gd name="connsiteX11" fmla="*/ 150118 w 393134"/>
+              <a:gd name="connsiteY11" fmla="*/ 572530 h 811427"/>
+              <a:gd name="connsiteX12" fmla="*/ 191307 w 393134"/>
+              <a:gd name="connsiteY12" fmla="*/ 609600 h 811427"/>
+              <a:gd name="connsiteX13" fmla="*/ 228377 w 393134"/>
+              <a:gd name="connsiteY13" fmla="*/ 667265 h 811427"/>
+              <a:gd name="connsiteX14" fmla="*/ 248972 w 393134"/>
+              <a:gd name="connsiteY14" fmla="*/ 737286 h 811427"/>
+              <a:gd name="connsiteX15" fmla="*/ 265447 w 393134"/>
+              <a:gd name="connsiteY15" fmla="*/ 774357 h 811427"/>
+              <a:gd name="connsiteX16" fmla="*/ 298399 w 393134"/>
+              <a:gd name="connsiteY16" fmla="*/ 799070 h 811427"/>
+              <a:gd name="connsiteX17" fmla="*/ 339588 w 393134"/>
+              <a:gd name="connsiteY17" fmla="*/ 794951 h 811427"/>
+              <a:gd name="connsiteX18" fmla="*/ 393134 w 393134"/>
+              <a:gd name="connsiteY18" fmla="*/ 811427 h 811427"/>
+            </a:gdLst>
+            <a:ahLst/>
+            <a:cxnLst>
+              <a:cxn ang="0">
+                <a:pos x="connsiteX0" y="connsiteY0"/>
+              </a:cxn>
+              <a:cxn ang="0">
+                <a:pos x="connsiteX1" y="connsiteY1"/>
+              </a:cxn>
+              <a:cxn ang="0">
+                <a:pos x="connsiteX2" y="connsiteY2"/>
+              </a:cxn>
+              <a:cxn ang="0">
+                <a:pos x="connsiteX3" y="connsiteY3"/>
+              </a:cxn>
+              <a:cxn ang="0">
+                <a:pos x="connsiteX4" y="connsiteY4"/>
+              </a:cxn>
+              <a:cxn ang="0">
+                <a:pos x="connsiteX5" y="connsiteY5"/>
+              </a:cxn>
+              <a:cxn ang="0">
+                <a:pos x="connsiteX6" y="connsiteY6"/>
+              </a:cxn>
+              <a:cxn ang="0">
+                <a:pos x="connsiteX7" y="connsiteY7"/>
+              </a:cxn>
+              <a:cxn ang="0">
+                <a:pos x="connsiteX8" y="connsiteY8"/>
+              </a:cxn>
+              <a:cxn ang="0">
+                <a:pos x="connsiteX9" y="connsiteY9"/>
+              </a:cxn>
+              <a:cxn ang="0">
+                <a:pos x="connsiteX10" y="connsiteY10"/>
+              </a:cxn>
+              <a:cxn ang="0">
+                <a:pos x="connsiteX11" y="connsiteY11"/>
+              </a:cxn>
+              <a:cxn ang="0">
+                <a:pos x="connsiteX12" y="connsiteY12"/>
+              </a:cxn>
+              <a:cxn ang="0">
+                <a:pos x="connsiteX13" y="connsiteY13"/>
+              </a:cxn>
+              <a:cxn ang="0">
+                <a:pos x="connsiteX14" y="connsiteY14"/>
+              </a:cxn>
+              <a:cxn ang="0">
+                <a:pos x="connsiteX15" y="connsiteY15"/>
+              </a:cxn>
+              <a:cxn ang="0">
+                <a:pos x="connsiteX16" y="connsiteY16"/>
+              </a:cxn>
+              <a:cxn ang="0">
+                <a:pos x="connsiteX17" y="connsiteY17"/>
+              </a:cxn>
+              <a:cxn ang="0">
+                <a:pos x="connsiteX18" y="connsiteY18"/>
+              </a:cxn>
+            </a:cxnLst>
+            <a:rect l="l" t="t" r="r" b="b"/>
+            <a:pathLst>
+              <a:path w="393134" h="811427">
+                <a:moveTo>
+                  <a:pt x="84215" y="0"/>
+                </a:moveTo>
+                <a:cubicBezTo>
+                  <a:pt x="68082" y="5491"/>
+                  <a:pt x="51950" y="10983"/>
+                  <a:pt x="43026" y="28832"/>
+                </a:cubicBezTo>
+                <a:cubicBezTo>
+                  <a:pt x="34102" y="46681"/>
+                  <a:pt x="37534" y="85811"/>
+                  <a:pt x="30669" y="107092"/>
+                </a:cubicBezTo>
+                <a:cubicBezTo>
+                  <a:pt x="23804" y="128373"/>
+                  <a:pt x="5956" y="132492"/>
+                  <a:pt x="1837" y="156519"/>
+                </a:cubicBezTo>
+                <a:cubicBezTo>
+                  <a:pt x="-2282" y="180546"/>
+                  <a:pt x="1150" y="225168"/>
+                  <a:pt x="5955" y="251254"/>
+                </a:cubicBezTo>
+                <a:cubicBezTo>
+                  <a:pt x="10760" y="277340"/>
+                  <a:pt x="27923" y="290384"/>
+                  <a:pt x="30669" y="313038"/>
+                </a:cubicBezTo>
+                <a:cubicBezTo>
+                  <a:pt x="33415" y="335692"/>
+                  <a:pt x="26550" y="367270"/>
+                  <a:pt x="22431" y="387178"/>
+                </a:cubicBezTo>
+                <a:cubicBezTo>
+                  <a:pt x="18312" y="407086"/>
+                  <a:pt x="8701" y="416697"/>
+                  <a:pt x="5955" y="432486"/>
+                </a:cubicBezTo>
+                <a:cubicBezTo>
+                  <a:pt x="3209" y="448275"/>
+                  <a:pt x="-3656" y="469557"/>
+                  <a:pt x="5955" y="481914"/>
+                </a:cubicBezTo>
+                <a:cubicBezTo>
+                  <a:pt x="15566" y="494271"/>
+                  <a:pt x="42339" y="496330"/>
+                  <a:pt x="63620" y="506627"/>
+                </a:cubicBezTo>
+                <a:cubicBezTo>
+                  <a:pt x="84901" y="516924"/>
+                  <a:pt x="119226" y="532713"/>
+                  <a:pt x="133642" y="543697"/>
+                </a:cubicBezTo>
+                <a:cubicBezTo>
+                  <a:pt x="148058" y="554681"/>
+                  <a:pt x="140507" y="561546"/>
+                  <a:pt x="150118" y="572530"/>
+                </a:cubicBezTo>
+                <a:cubicBezTo>
+                  <a:pt x="159729" y="583514"/>
+                  <a:pt x="178264" y="593811"/>
+                  <a:pt x="191307" y="609600"/>
+                </a:cubicBezTo>
+                <a:cubicBezTo>
+                  <a:pt x="204350" y="625389"/>
+                  <a:pt x="218766" y="645984"/>
+                  <a:pt x="228377" y="667265"/>
+                </a:cubicBezTo>
+                <a:cubicBezTo>
+                  <a:pt x="237988" y="688546"/>
+                  <a:pt x="242794" y="719437"/>
+                  <a:pt x="248972" y="737286"/>
+                </a:cubicBezTo>
+                <a:cubicBezTo>
+                  <a:pt x="255150" y="755135"/>
+                  <a:pt x="257209" y="764060"/>
+                  <a:pt x="265447" y="774357"/>
+                </a:cubicBezTo>
+                <a:cubicBezTo>
+                  <a:pt x="273685" y="784654"/>
+                  <a:pt x="286042" y="795638"/>
+                  <a:pt x="298399" y="799070"/>
+                </a:cubicBezTo>
+                <a:cubicBezTo>
+                  <a:pt x="310756" y="802502"/>
+                  <a:pt x="323799" y="792892"/>
+                  <a:pt x="339588" y="794951"/>
+                </a:cubicBezTo>
+                <a:cubicBezTo>
+                  <a:pt x="355377" y="797010"/>
+                  <a:pt x="374255" y="804218"/>
+                  <a:pt x="393134" y="811427"/>
+                </a:cubicBezTo>
+              </a:path>
+            </a:pathLst>
+          </a:custGeom>
+          <a:noFill/>
+          <a:ln w="38100">
+            <a:solidFill>
+              <a:srgbClr val="00B050"/>
+            </a:solidFill>
+          </a:ln>
+        </p:spPr>
+        <p:style>
+          <a:lnRef idx="2">
+            <a:schemeClr val="accent1">
+              <a:shade val="50000"/>
+            </a:schemeClr>
+          </a:lnRef>
+          <a:fillRef idx="1">
+            <a:schemeClr val="accent1"/>
+          </a:fillRef>
+          <a:effectRef idx="0">
+            <a:schemeClr val="accent1"/>
+          </a:effectRef>
+          <a:fontRef idx="minor">
+            <a:schemeClr val="lt1"/>
+          </a:fontRef>
+        </p:style>
+        <p:txBody>
+          <a:bodyPr rtlCol="0" anchor="ctr"/>
+          <a:lstStyle/>
+          <a:p>
+            <a:pPr algn="ctr"/>
+            <a:endParaRPr lang="ko-KR" altLang="en-US"/>
+          </a:p>
+        </p:txBody>
+      </p:sp>
+      <p:sp>
+        <p:nvSpPr>
+          <p:cNvPr id="20" name="자유형 19"/>
+          <p:cNvSpPr/>
+          <p:nvPr/>
+        </p:nvSpPr>
+        <p:spPr>
+          <a:xfrm>
+            <a:off x="3896497" y="3669957"/>
+            <a:ext cx="919852" cy="778475"/>
+          </a:xfrm>
+          <a:custGeom>
+            <a:avLst/>
+            <a:gdLst>
+              <a:gd name="connsiteX0" fmla="*/ 0 w 919852"/>
+              <a:gd name="connsiteY0" fmla="*/ 778475 h 778475"/>
+              <a:gd name="connsiteX1" fmla="*/ 74141 w 919852"/>
+              <a:gd name="connsiteY1" fmla="*/ 741405 h 778475"/>
+              <a:gd name="connsiteX2" fmla="*/ 111211 w 919852"/>
+              <a:gd name="connsiteY2" fmla="*/ 708454 h 778475"/>
+              <a:gd name="connsiteX3" fmla="*/ 168876 w 919852"/>
+              <a:gd name="connsiteY3" fmla="*/ 691978 h 778475"/>
+              <a:gd name="connsiteX4" fmla="*/ 218303 w 919852"/>
+              <a:gd name="connsiteY4" fmla="*/ 613719 h 778475"/>
+              <a:gd name="connsiteX5" fmla="*/ 243017 w 919852"/>
+              <a:gd name="connsiteY5" fmla="*/ 568411 h 778475"/>
+              <a:gd name="connsiteX6" fmla="*/ 300681 w 919852"/>
+              <a:gd name="connsiteY6" fmla="*/ 518984 h 778475"/>
+              <a:gd name="connsiteX7" fmla="*/ 403654 w 919852"/>
+              <a:gd name="connsiteY7" fmla="*/ 448962 h 778475"/>
+              <a:gd name="connsiteX8" fmla="*/ 477795 w 919852"/>
+              <a:gd name="connsiteY8" fmla="*/ 432486 h 778475"/>
+              <a:gd name="connsiteX9" fmla="*/ 556054 w 919852"/>
+              <a:gd name="connsiteY9" fmla="*/ 407773 h 778475"/>
+              <a:gd name="connsiteX10" fmla="*/ 589006 w 919852"/>
+              <a:gd name="connsiteY10" fmla="*/ 378940 h 778475"/>
+              <a:gd name="connsiteX11" fmla="*/ 675503 w 919852"/>
+              <a:gd name="connsiteY11" fmla="*/ 313038 h 778475"/>
+              <a:gd name="connsiteX12" fmla="*/ 704335 w 919852"/>
+              <a:gd name="connsiteY12" fmla="*/ 288324 h 778475"/>
+              <a:gd name="connsiteX13" fmla="*/ 741406 w 919852"/>
+              <a:gd name="connsiteY13" fmla="*/ 230659 h 778475"/>
+              <a:gd name="connsiteX14" fmla="*/ 778476 w 919852"/>
+              <a:gd name="connsiteY14" fmla="*/ 197708 h 778475"/>
+              <a:gd name="connsiteX15" fmla="*/ 811427 w 919852"/>
+              <a:gd name="connsiteY15" fmla="*/ 164757 h 778475"/>
+              <a:gd name="connsiteX16" fmla="*/ 885568 w 919852"/>
+              <a:gd name="connsiteY16" fmla="*/ 160638 h 778475"/>
+              <a:gd name="connsiteX17" fmla="*/ 918519 w 919852"/>
+              <a:gd name="connsiteY17" fmla="*/ 127686 h 778475"/>
+              <a:gd name="connsiteX18" fmla="*/ 910281 w 919852"/>
+              <a:gd name="connsiteY18" fmla="*/ 86497 h 778475"/>
+              <a:gd name="connsiteX19" fmla="*/ 881449 w 919852"/>
+              <a:gd name="connsiteY19" fmla="*/ 49427 h 778475"/>
+              <a:gd name="connsiteX20" fmla="*/ 852617 w 919852"/>
+              <a:gd name="connsiteY20" fmla="*/ 0 h 778475"/>
+            </a:gdLst>
+            <a:ahLst/>
+            <a:cxnLst>
+              <a:cxn ang="0">
+                <a:pos x="connsiteX0" y="connsiteY0"/>
+              </a:cxn>
+              <a:cxn ang="0">
+                <a:pos x="connsiteX1" y="connsiteY1"/>
+              </a:cxn>
+              <a:cxn ang="0">
+                <a:pos x="connsiteX2" y="connsiteY2"/>
+              </a:cxn>
+              <a:cxn ang="0">
+                <a:pos x="connsiteX3" y="connsiteY3"/>
+              </a:cxn>
+              <a:cxn ang="0">
+                <a:pos x="connsiteX4" y="connsiteY4"/>
+              </a:cxn>
+              <a:cxn ang="0">
+                <a:pos x="connsiteX5" y="connsiteY5"/>
+              </a:cxn>
+              <a:cxn ang="0">
+                <a:pos x="connsiteX6" y="connsiteY6"/>
+              </a:cxn>
+              <a:cxn ang="0">
+                <a:pos x="connsiteX7" y="connsiteY7"/>
+              </a:cxn>
+              <a:cxn ang="0">
+                <a:pos x="connsiteX8" y="connsiteY8"/>
+              </a:cxn>
+              <a:cxn ang="0">
+                <a:pos x="connsiteX9" y="connsiteY9"/>
+              </a:cxn>
+              <a:cxn ang="0">
+                <a:pos x="connsiteX10" y="connsiteY10"/>
+              </a:cxn>
+              <a:cxn ang="0">
+                <a:pos x="connsiteX11" y="connsiteY11"/>
+              </a:cxn>
+              <a:cxn ang="0">
+                <a:pos x="connsiteX12" y="connsiteY12"/>
+              </a:cxn>
+              <a:cxn ang="0">
+                <a:pos x="connsiteX13" y="connsiteY13"/>
+              </a:cxn>
+              <a:cxn ang="0">
+                <a:pos x="connsiteX14" y="connsiteY14"/>
+              </a:cxn>
+              <a:cxn ang="0">
+                <a:pos x="connsiteX15" y="connsiteY15"/>
+              </a:cxn>
+              <a:cxn ang="0">
+                <a:pos x="connsiteX16" y="connsiteY16"/>
+              </a:cxn>
+              <a:cxn ang="0">
+                <a:pos x="connsiteX17" y="connsiteY17"/>
+              </a:cxn>
+              <a:cxn ang="0">
+                <a:pos x="connsiteX18" y="connsiteY18"/>
+              </a:cxn>
+              <a:cxn ang="0">
+                <a:pos x="connsiteX19" y="connsiteY19"/>
+              </a:cxn>
+              <a:cxn ang="0">
+                <a:pos x="connsiteX20" y="connsiteY20"/>
+              </a:cxn>
+            </a:cxnLst>
+            <a:rect l="l" t="t" r="r" b="b"/>
+            <a:pathLst>
+              <a:path w="919852" h="778475">
+                <a:moveTo>
+                  <a:pt x="0" y="778475"/>
+                </a:moveTo>
+                <a:cubicBezTo>
+                  <a:pt x="27803" y="765775"/>
+                  <a:pt x="55606" y="753075"/>
+                  <a:pt x="74141" y="741405"/>
+                </a:cubicBezTo>
+                <a:cubicBezTo>
+                  <a:pt x="92676" y="729735"/>
+                  <a:pt x="95422" y="716692"/>
+                  <a:pt x="111211" y="708454"/>
+                </a:cubicBezTo>
+                <a:cubicBezTo>
+                  <a:pt x="127000" y="700216"/>
+                  <a:pt x="151027" y="707767"/>
+                  <a:pt x="168876" y="691978"/>
+                </a:cubicBezTo>
+                <a:cubicBezTo>
+                  <a:pt x="186725" y="676189"/>
+                  <a:pt x="205946" y="634313"/>
+                  <a:pt x="218303" y="613719"/>
+                </a:cubicBezTo>
+                <a:cubicBezTo>
+                  <a:pt x="230660" y="593125"/>
+                  <a:pt x="229287" y="584200"/>
+                  <a:pt x="243017" y="568411"/>
+                </a:cubicBezTo>
+                <a:cubicBezTo>
+                  <a:pt x="256747" y="552622"/>
+                  <a:pt x="273908" y="538892"/>
+                  <a:pt x="300681" y="518984"/>
+                </a:cubicBezTo>
+                <a:cubicBezTo>
+                  <a:pt x="327454" y="499076"/>
+                  <a:pt x="374135" y="463378"/>
+                  <a:pt x="403654" y="448962"/>
+                </a:cubicBezTo>
+                <a:cubicBezTo>
+                  <a:pt x="433173" y="434546"/>
+                  <a:pt x="452395" y="439351"/>
+                  <a:pt x="477795" y="432486"/>
+                </a:cubicBezTo>
+                <a:cubicBezTo>
+                  <a:pt x="503195" y="425621"/>
+                  <a:pt x="537519" y="416697"/>
+                  <a:pt x="556054" y="407773"/>
+                </a:cubicBezTo>
+                <a:cubicBezTo>
+                  <a:pt x="574589" y="398849"/>
+                  <a:pt x="569098" y="394729"/>
+                  <a:pt x="589006" y="378940"/>
+                </a:cubicBezTo>
+                <a:cubicBezTo>
+                  <a:pt x="608914" y="363151"/>
+                  <a:pt x="656282" y="328141"/>
+                  <a:pt x="675503" y="313038"/>
+                </a:cubicBezTo>
+                <a:cubicBezTo>
+                  <a:pt x="694724" y="297935"/>
+                  <a:pt x="693351" y="302054"/>
+                  <a:pt x="704335" y="288324"/>
+                </a:cubicBezTo>
+                <a:cubicBezTo>
+                  <a:pt x="715319" y="274594"/>
+                  <a:pt x="729049" y="245762"/>
+                  <a:pt x="741406" y="230659"/>
+                </a:cubicBezTo>
+                <a:cubicBezTo>
+                  <a:pt x="753763" y="215556"/>
+                  <a:pt x="766806" y="208692"/>
+                  <a:pt x="778476" y="197708"/>
+                </a:cubicBezTo>
+                <a:cubicBezTo>
+                  <a:pt x="790146" y="186724"/>
+                  <a:pt x="793578" y="170935"/>
+                  <a:pt x="811427" y="164757"/>
+                </a:cubicBezTo>
+                <a:cubicBezTo>
+                  <a:pt x="829276" y="158579"/>
+                  <a:pt x="867719" y="166816"/>
+                  <a:pt x="885568" y="160638"/>
+                </a:cubicBezTo>
+                <a:cubicBezTo>
+                  <a:pt x="903417" y="154460"/>
+                  <a:pt x="914400" y="140043"/>
+                  <a:pt x="918519" y="127686"/>
+                </a:cubicBezTo>
+                <a:cubicBezTo>
+                  <a:pt x="922638" y="115329"/>
+                  <a:pt x="916459" y="99540"/>
+                  <a:pt x="910281" y="86497"/>
+                </a:cubicBezTo>
+                <a:cubicBezTo>
+                  <a:pt x="904103" y="73454"/>
+                  <a:pt x="891060" y="63843"/>
+                  <a:pt x="881449" y="49427"/>
+                </a:cubicBezTo>
+                <a:cubicBezTo>
+                  <a:pt x="871838" y="35011"/>
+                  <a:pt x="862227" y="17505"/>
+                  <a:pt x="852617" y="0"/>
+                </a:cubicBezTo>
+              </a:path>
+            </a:pathLst>
+          </a:custGeom>
+          <a:noFill/>
+          <a:ln w="38100">
+            <a:solidFill>
+              <a:srgbClr val="00B050"/>
+            </a:solidFill>
+          </a:ln>
+        </p:spPr>
+        <p:style>
+          <a:lnRef idx="2">
+            <a:schemeClr val="accent1">
+              <a:shade val="50000"/>
+            </a:schemeClr>
+          </a:lnRef>
+          <a:fillRef idx="1">
+            <a:schemeClr val="accent1"/>
+          </a:fillRef>
+          <a:effectRef idx="0">
+            <a:schemeClr val="accent1"/>
+          </a:effectRef>
+          <a:fontRef idx="minor">
+            <a:schemeClr val="lt1"/>
+          </a:fontRef>
+        </p:style>
+        <p:txBody>
+          <a:bodyPr rtlCol="0" anchor="ctr"/>
+          <a:lstStyle/>
+          <a:p>
+            <a:pPr algn="ctr"/>
+            <a:endParaRPr lang="ko-KR" altLang="en-US"/>
+          </a:p>
+        </p:txBody>
+      </p:sp>
     </p:spTree>
     <p:extLst>
       <p:ext uri="{BB962C8B-B14F-4D97-AF65-F5344CB8AC3E}">
@@ -6838,50 +8422,96 @@
       </p:grpSpPr>
       <p:sp>
         <p:nvSpPr>
-          <p:cNvPr id="4" name="자유형 3"/>
+          <p:cNvPr id="9" name="자유형 8"/>
           <p:cNvSpPr/>
           <p:nvPr/>
         </p:nvSpPr>
         <p:spPr>
-          <a:xfrm rot="16200000">
-            <a:off x="5743716" y="6151191"/>
-            <a:ext cx="740496" cy="1402454"/>
+          <a:xfrm>
+            <a:off x="1338649" y="1593890"/>
+            <a:ext cx="1330410" cy="935996"/>
           </a:xfrm>
           <a:custGeom>
             <a:avLst/>
             <a:gdLst>
-              <a:gd name="connsiteX0" fmla="*/ 740496 w 740496"/>
-              <a:gd name="connsiteY0" fmla="*/ 1402454 h 1402454"/>
-              <a:gd name="connsiteX1" fmla="*/ 678788 w 740496"/>
-              <a:gd name="connsiteY1" fmla="*/ 1065865 h 1402454"/>
-              <a:gd name="connsiteX2" fmla="*/ 661958 w 740496"/>
-              <a:gd name="connsiteY2" fmla="*/ 936839 h 1402454"/>
-              <a:gd name="connsiteX3" fmla="*/ 650739 w 740496"/>
-              <a:gd name="connsiteY3" fmla="*/ 880741 h 1402454"/>
-              <a:gd name="connsiteX4" fmla="*/ 605860 w 740496"/>
-              <a:gd name="connsiteY4" fmla="*/ 852692 h 1402454"/>
-              <a:gd name="connsiteX5" fmla="*/ 538543 w 740496"/>
-              <a:gd name="connsiteY5" fmla="*/ 802203 h 1402454"/>
-              <a:gd name="connsiteX6" fmla="*/ 476835 w 740496"/>
-              <a:gd name="connsiteY6" fmla="*/ 734886 h 1402454"/>
-              <a:gd name="connsiteX7" fmla="*/ 420736 w 740496"/>
-              <a:gd name="connsiteY7" fmla="*/ 684397 h 1402454"/>
-              <a:gd name="connsiteX8" fmla="*/ 330979 w 740496"/>
-              <a:gd name="connsiteY8" fmla="*/ 650738 h 1402454"/>
-              <a:gd name="connsiteX9" fmla="*/ 286101 w 740496"/>
-              <a:gd name="connsiteY9" fmla="*/ 617080 h 1402454"/>
-              <a:gd name="connsiteX10" fmla="*/ 196344 w 740496"/>
-              <a:gd name="connsiteY10" fmla="*/ 454395 h 1402454"/>
-              <a:gd name="connsiteX11" fmla="*/ 145855 w 740496"/>
-              <a:gd name="connsiteY11" fmla="*/ 364638 h 1402454"/>
-              <a:gd name="connsiteX12" fmla="*/ 72928 w 740496"/>
-              <a:gd name="connsiteY12" fmla="*/ 213173 h 1402454"/>
-              <a:gd name="connsiteX13" fmla="*/ 72928 w 740496"/>
-              <a:gd name="connsiteY13" fmla="*/ 140245 h 1402454"/>
-              <a:gd name="connsiteX14" fmla="*/ 39269 w 740496"/>
-              <a:gd name="connsiteY14" fmla="*/ 78537 h 1402454"/>
-              <a:gd name="connsiteX15" fmla="*/ 0 w 740496"/>
-              <a:gd name="connsiteY15" fmla="*/ 0 h 1402454"/>
+              <a:gd name="connsiteX0" fmla="*/ 0 w 1330410"/>
+              <a:gd name="connsiteY0" fmla="*/ 86629 h 935996"/>
+              <a:gd name="connsiteX1" fmla="*/ 24713 w 1330410"/>
+              <a:gd name="connsiteY1" fmla="*/ 28964 h 935996"/>
+              <a:gd name="connsiteX2" fmla="*/ 28832 w 1330410"/>
+              <a:gd name="connsiteY2" fmla="*/ 12488 h 935996"/>
+              <a:gd name="connsiteX3" fmla="*/ 131805 w 1330410"/>
+              <a:gd name="connsiteY3" fmla="*/ 8369 h 935996"/>
+              <a:gd name="connsiteX4" fmla="*/ 205946 w 1330410"/>
+              <a:gd name="connsiteY4" fmla="*/ 132 h 935996"/>
+              <a:gd name="connsiteX5" fmla="*/ 267729 w 1330410"/>
+              <a:gd name="connsiteY5" fmla="*/ 4251 h 935996"/>
+              <a:gd name="connsiteX6" fmla="*/ 317156 w 1330410"/>
+              <a:gd name="connsiteY6" fmla="*/ 16607 h 935996"/>
+              <a:gd name="connsiteX7" fmla="*/ 395416 w 1330410"/>
+              <a:gd name="connsiteY7" fmla="*/ 45440 h 935996"/>
+              <a:gd name="connsiteX8" fmla="*/ 481913 w 1330410"/>
+              <a:gd name="connsiteY8" fmla="*/ 94867 h 935996"/>
+              <a:gd name="connsiteX9" fmla="*/ 539578 w 1330410"/>
+              <a:gd name="connsiteY9" fmla="*/ 127818 h 935996"/>
+              <a:gd name="connsiteX10" fmla="*/ 589005 w 1330410"/>
+              <a:gd name="connsiteY10" fmla="*/ 156651 h 935996"/>
+              <a:gd name="connsiteX11" fmla="*/ 650789 w 1330410"/>
+              <a:gd name="connsiteY11" fmla="*/ 181364 h 935996"/>
+              <a:gd name="connsiteX12" fmla="*/ 716692 w 1330410"/>
+              <a:gd name="connsiteY12" fmla="*/ 206078 h 935996"/>
+              <a:gd name="connsiteX13" fmla="*/ 770237 w 1330410"/>
+              <a:gd name="connsiteY13" fmla="*/ 255505 h 935996"/>
+              <a:gd name="connsiteX14" fmla="*/ 807308 w 1330410"/>
+              <a:gd name="connsiteY14" fmla="*/ 317288 h 935996"/>
+              <a:gd name="connsiteX15" fmla="*/ 823783 w 1330410"/>
+              <a:gd name="connsiteY15" fmla="*/ 342002 h 935996"/>
+              <a:gd name="connsiteX16" fmla="*/ 819665 w 1330410"/>
+              <a:gd name="connsiteY16" fmla="*/ 399667 h 935996"/>
+              <a:gd name="connsiteX17" fmla="*/ 819665 w 1330410"/>
+              <a:gd name="connsiteY17" fmla="*/ 477926 h 935996"/>
+              <a:gd name="connsiteX18" fmla="*/ 840259 w 1330410"/>
+              <a:gd name="connsiteY18" fmla="*/ 510878 h 935996"/>
+              <a:gd name="connsiteX19" fmla="*/ 844378 w 1330410"/>
+              <a:gd name="connsiteY19" fmla="*/ 564424 h 935996"/>
+              <a:gd name="connsiteX20" fmla="*/ 836140 w 1330410"/>
+              <a:gd name="connsiteY20" fmla="*/ 585018 h 935996"/>
+              <a:gd name="connsiteX21" fmla="*/ 827902 w 1330410"/>
+              <a:gd name="connsiteY21" fmla="*/ 622088 h 935996"/>
+              <a:gd name="connsiteX22" fmla="*/ 832021 w 1330410"/>
+              <a:gd name="connsiteY22" fmla="*/ 655040 h 935996"/>
+              <a:gd name="connsiteX23" fmla="*/ 848497 w 1330410"/>
+              <a:gd name="connsiteY23" fmla="*/ 692110 h 935996"/>
+              <a:gd name="connsiteX24" fmla="*/ 889686 w 1330410"/>
+              <a:gd name="connsiteY24" fmla="*/ 729180 h 935996"/>
+              <a:gd name="connsiteX25" fmla="*/ 918519 w 1330410"/>
+              <a:gd name="connsiteY25" fmla="*/ 737418 h 935996"/>
+              <a:gd name="connsiteX26" fmla="*/ 947351 w 1330410"/>
+              <a:gd name="connsiteY26" fmla="*/ 770369 h 935996"/>
+              <a:gd name="connsiteX27" fmla="*/ 980302 w 1330410"/>
+              <a:gd name="connsiteY27" fmla="*/ 811559 h 935996"/>
+              <a:gd name="connsiteX28" fmla="*/ 996778 w 1330410"/>
+              <a:gd name="connsiteY28" fmla="*/ 848629 h 935996"/>
+              <a:gd name="connsiteX29" fmla="*/ 1009135 w 1330410"/>
+              <a:gd name="connsiteY29" fmla="*/ 877461 h 935996"/>
+              <a:gd name="connsiteX30" fmla="*/ 1050324 w 1330410"/>
+              <a:gd name="connsiteY30" fmla="*/ 906294 h 935996"/>
+              <a:gd name="connsiteX31" fmla="*/ 1083275 w 1330410"/>
+              <a:gd name="connsiteY31" fmla="*/ 935126 h 935996"/>
+              <a:gd name="connsiteX32" fmla="*/ 1161535 w 1330410"/>
+              <a:gd name="connsiteY32" fmla="*/ 926888 h 935996"/>
+              <a:gd name="connsiteX33" fmla="*/ 1206843 w 1330410"/>
+              <a:gd name="connsiteY33" fmla="*/ 910413 h 935996"/>
+              <a:gd name="connsiteX34" fmla="*/ 1231556 w 1330410"/>
+              <a:gd name="connsiteY34" fmla="*/ 893937 h 935996"/>
+              <a:gd name="connsiteX35" fmla="*/ 1256270 w 1330410"/>
+              <a:gd name="connsiteY35" fmla="*/ 873342 h 935996"/>
+              <a:gd name="connsiteX36" fmla="*/ 1280983 w 1330410"/>
+              <a:gd name="connsiteY36" fmla="*/ 869224 h 935996"/>
+              <a:gd name="connsiteX37" fmla="*/ 1313935 w 1330410"/>
+              <a:gd name="connsiteY37" fmla="*/ 856867 h 935996"/>
+              <a:gd name="connsiteX38" fmla="*/ 1330410 w 1330410"/>
+              <a:gd name="connsiteY38" fmla="*/ 844510 h 935996"/>
             </a:gdLst>
             <a:ahLst/>
             <a:cxnLst>
@@ -6933,87 +8563,267 @@
               <a:cxn ang="0">
                 <a:pos x="connsiteX15" y="connsiteY15"/>
               </a:cxn>
+              <a:cxn ang="0">
+                <a:pos x="connsiteX16" y="connsiteY16"/>
+              </a:cxn>
+              <a:cxn ang="0">
+                <a:pos x="connsiteX17" y="connsiteY17"/>
+              </a:cxn>
+              <a:cxn ang="0">
+                <a:pos x="connsiteX18" y="connsiteY18"/>
+              </a:cxn>
+              <a:cxn ang="0">
+                <a:pos x="connsiteX19" y="connsiteY19"/>
+              </a:cxn>
+              <a:cxn ang="0">
+                <a:pos x="connsiteX20" y="connsiteY20"/>
+              </a:cxn>
+              <a:cxn ang="0">
+                <a:pos x="connsiteX21" y="connsiteY21"/>
+              </a:cxn>
+              <a:cxn ang="0">
+                <a:pos x="connsiteX22" y="connsiteY22"/>
+              </a:cxn>
+              <a:cxn ang="0">
+                <a:pos x="connsiteX23" y="connsiteY23"/>
+              </a:cxn>
+              <a:cxn ang="0">
+                <a:pos x="connsiteX24" y="connsiteY24"/>
+              </a:cxn>
+              <a:cxn ang="0">
+                <a:pos x="connsiteX25" y="connsiteY25"/>
+              </a:cxn>
+              <a:cxn ang="0">
+                <a:pos x="connsiteX26" y="connsiteY26"/>
+              </a:cxn>
+              <a:cxn ang="0">
+                <a:pos x="connsiteX27" y="connsiteY27"/>
+              </a:cxn>
+              <a:cxn ang="0">
+                <a:pos x="connsiteX28" y="connsiteY28"/>
+              </a:cxn>
+              <a:cxn ang="0">
+                <a:pos x="connsiteX29" y="connsiteY29"/>
+              </a:cxn>
+              <a:cxn ang="0">
+                <a:pos x="connsiteX30" y="connsiteY30"/>
+              </a:cxn>
+              <a:cxn ang="0">
+                <a:pos x="connsiteX31" y="connsiteY31"/>
+              </a:cxn>
+              <a:cxn ang="0">
+                <a:pos x="connsiteX32" y="connsiteY32"/>
+              </a:cxn>
+              <a:cxn ang="0">
+                <a:pos x="connsiteX33" y="connsiteY33"/>
+              </a:cxn>
+              <a:cxn ang="0">
+                <a:pos x="connsiteX34" y="connsiteY34"/>
+              </a:cxn>
+              <a:cxn ang="0">
+                <a:pos x="connsiteX35" y="connsiteY35"/>
+              </a:cxn>
+              <a:cxn ang="0">
+                <a:pos x="connsiteX36" y="connsiteY36"/>
+              </a:cxn>
+              <a:cxn ang="0">
+                <a:pos x="connsiteX37" y="connsiteY37"/>
+              </a:cxn>
+              <a:cxn ang="0">
+                <a:pos x="connsiteX38" y="connsiteY38"/>
+              </a:cxn>
             </a:cxnLst>
             <a:rect l="l" t="t" r="r" b="b"/>
             <a:pathLst>
-              <a:path w="740496" h="1402454">
+              <a:path w="1330410" h="935996">
                 <a:moveTo>
-                  <a:pt x="740496" y="1402454"/>
+                  <a:pt x="0" y="86629"/>
                 </a:moveTo>
-                <a:cubicBezTo>
-                  <a:pt x="716187" y="1272961"/>
-                  <a:pt x="691878" y="1143468"/>
-                  <a:pt x="678788" y="1065865"/>
-                </a:cubicBezTo>
-                <a:cubicBezTo>
-                  <a:pt x="665698" y="988262"/>
-                  <a:pt x="666633" y="967693"/>
-                  <a:pt x="661958" y="936839"/>
-                </a:cubicBezTo>
-                <a:cubicBezTo>
-                  <a:pt x="657283" y="905985"/>
-                  <a:pt x="660089" y="894765"/>
-                  <a:pt x="650739" y="880741"/>
-                </a:cubicBezTo>
-                <a:cubicBezTo>
-                  <a:pt x="641389" y="866717"/>
-                  <a:pt x="624559" y="865782"/>
-                  <a:pt x="605860" y="852692"/>
-                </a:cubicBezTo>
-                <a:cubicBezTo>
-                  <a:pt x="587161" y="839602"/>
-                  <a:pt x="560047" y="821837"/>
-                  <a:pt x="538543" y="802203"/>
-                </a:cubicBezTo>
-                <a:cubicBezTo>
-                  <a:pt x="517039" y="782569"/>
-                  <a:pt x="496469" y="754520"/>
-                  <a:pt x="476835" y="734886"/>
-                </a:cubicBezTo>
-                <a:cubicBezTo>
-                  <a:pt x="457200" y="715252"/>
-                  <a:pt x="445045" y="698422"/>
-                  <a:pt x="420736" y="684397"/>
-                </a:cubicBezTo>
-                <a:cubicBezTo>
-                  <a:pt x="396427" y="670372"/>
-                  <a:pt x="353418" y="661957"/>
-                  <a:pt x="330979" y="650738"/>
-                </a:cubicBezTo>
-                <a:cubicBezTo>
-                  <a:pt x="308540" y="639519"/>
-                  <a:pt x="308540" y="649804"/>
-                  <a:pt x="286101" y="617080"/>
-                </a:cubicBezTo>
-                <a:cubicBezTo>
-                  <a:pt x="263662" y="584356"/>
-                  <a:pt x="219718" y="496469"/>
-                  <a:pt x="196344" y="454395"/>
-                </a:cubicBezTo>
-                <a:cubicBezTo>
-                  <a:pt x="172970" y="412321"/>
-                  <a:pt x="166424" y="404842"/>
-                  <a:pt x="145855" y="364638"/>
-                </a:cubicBezTo>
-                <a:cubicBezTo>
-                  <a:pt x="125286" y="324434"/>
-                  <a:pt x="85082" y="250572"/>
-                  <a:pt x="72928" y="213173"/>
-                </a:cubicBezTo>
-                <a:cubicBezTo>
-                  <a:pt x="60773" y="175774"/>
-                  <a:pt x="78538" y="162684"/>
-                  <a:pt x="72928" y="140245"/>
-                </a:cubicBezTo>
-                <a:cubicBezTo>
-                  <a:pt x="67318" y="117806"/>
-                  <a:pt x="51424" y="101911"/>
-                  <a:pt x="39269" y="78537"/>
-                </a:cubicBezTo>
-                <a:cubicBezTo>
-                  <a:pt x="27114" y="55163"/>
-                  <a:pt x="13557" y="27581"/>
-                  <a:pt x="0" y="0"/>
+                <a:lnTo>
+                  <a:pt x="24713" y="28964"/>
+                </a:lnTo>
+                <a:cubicBezTo>
+                  <a:pt x="29518" y="16607"/>
+                  <a:pt x="10983" y="15920"/>
+                  <a:pt x="28832" y="12488"/>
+                </a:cubicBezTo>
+                <a:cubicBezTo>
+                  <a:pt x="46681" y="9056"/>
+                  <a:pt x="102286" y="10428"/>
+                  <a:pt x="131805" y="8369"/>
+                </a:cubicBezTo>
+                <a:cubicBezTo>
+                  <a:pt x="161324" y="6310"/>
+                  <a:pt x="183292" y="818"/>
+                  <a:pt x="205946" y="132"/>
+                </a:cubicBezTo>
+                <a:cubicBezTo>
+                  <a:pt x="228600" y="-554"/>
+                  <a:pt x="249194" y="1505"/>
+                  <a:pt x="267729" y="4251"/>
+                </a:cubicBezTo>
+                <a:cubicBezTo>
+                  <a:pt x="286264" y="6997"/>
+                  <a:pt x="295875" y="9742"/>
+                  <a:pt x="317156" y="16607"/>
+                </a:cubicBezTo>
+                <a:cubicBezTo>
+                  <a:pt x="338437" y="23472"/>
+                  <a:pt x="367957" y="32397"/>
+                  <a:pt x="395416" y="45440"/>
+                </a:cubicBezTo>
+                <a:cubicBezTo>
+                  <a:pt x="422875" y="58483"/>
+                  <a:pt x="481913" y="94867"/>
+                  <a:pt x="481913" y="94867"/>
+                </a:cubicBezTo>
+                <a:lnTo>
+                  <a:pt x="539578" y="127818"/>
+                </a:lnTo>
+                <a:cubicBezTo>
+                  <a:pt x="557427" y="138115"/>
+                  <a:pt x="570470" y="147727"/>
+                  <a:pt x="589005" y="156651"/>
+                </a:cubicBezTo>
+                <a:cubicBezTo>
+                  <a:pt x="607540" y="165575"/>
+                  <a:pt x="629508" y="173126"/>
+                  <a:pt x="650789" y="181364"/>
+                </a:cubicBezTo>
+                <a:cubicBezTo>
+                  <a:pt x="672070" y="189602"/>
+                  <a:pt x="696784" y="193721"/>
+                  <a:pt x="716692" y="206078"/>
+                </a:cubicBezTo>
+                <a:cubicBezTo>
+                  <a:pt x="736600" y="218435"/>
+                  <a:pt x="755134" y="236970"/>
+                  <a:pt x="770237" y="255505"/>
+                </a:cubicBezTo>
+                <a:cubicBezTo>
+                  <a:pt x="785340" y="274040"/>
+                  <a:pt x="798384" y="302872"/>
+                  <a:pt x="807308" y="317288"/>
+                </a:cubicBezTo>
+                <a:cubicBezTo>
+                  <a:pt x="816232" y="331704"/>
+                  <a:pt x="821724" y="328272"/>
+                  <a:pt x="823783" y="342002"/>
+                </a:cubicBezTo>
+                <a:cubicBezTo>
+                  <a:pt x="825842" y="355732"/>
+                  <a:pt x="820351" y="377013"/>
+                  <a:pt x="819665" y="399667"/>
+                </a:cubicBezTo>
+                <a:cubicBezTo>
+                  <a:pt x="818979" y="422321"/>
+                  <a:pt x="816233" y="459391"/>
+                  <a:pt x="819665" y="477926"/>
+                </a:cubicBezTo>
+                <a:cubicBezTo>
+                  <a:pt x="823097" y="496461"/>
+                  <a:pt x="836140" y="496462"/>
+                  <a:pt x="840259" y="510878"/>
+                </a:cubicBezTo>
+                <a:cubicBezTo>
+                  <a:pt x="844378" y="525294"/>
+                  <a:pt x="845065" y="552067"/>
+                  <a:pt x="844378" y="564424"/>
+                </a:cubicBezTo>
+                <a:cubicBezTo>
+                  <a:pt x="843691" y="576781"/>
+                  <a:pt x="838886" y="575407"/>
+                  <a:pt x="836140" y="585018"/>
+                </a:cubicBezTo>
+                <a:cubicBezTo>
+                  <a:pt x="833394" y="594629"/>
+                  <a:pt x="828588" y="610418"/>
+                  <a:pt x="827902" y="622088"/>
+                </a:cubicBezTo>
+                <a:cubicBezTo>
+                  <a:pt x="827216" y="633758"/>
+                  <a:pt x="828588" y="643370"/>
+                  <a:pt x="832021" y="655040"/>
+                </a:cubicBezTo>
+                <a:cubicBezTo>
+                  <a:pt x="835454" y="666710"/>
+                  <a:pt x="838886" y="679753"/>
+                  <a:pt x="848497" y="692110"/>
+                </a:cubicBezTo>
+                <a:cubicBezTo>
+                  <a:pt x="858108" y="704467"/>
+                  <a:pt x="878016" y="721629"/>
+                  <a:pt x="889686" y="729180"/>
+                </a:cubicBezTo>
+                <a:cubicBezTo>
+                  <a:pt x="901356" y="736731"/>
+                  <a:pt x="908908" y="730553"/>
+                  <a:pt x="918519" y="737418"/>
+                </a:cubicBezTo>
+                <a:cubicBezTo>
+                  <a:pt x="928130" y="744283"/>
+                  <a:pt x="937054" y="758012"/>
+                  <a:pt x="947351" y="770369"/>
+                </a:cubicBezTo>
+                <a:cubicBezTo>
+                  <a:pt x="957648" y="782726"/>
+                  <a:pt x="972064" y="798516"/>
+                  <a:pt x="980302" y="811559"/>
+                </a:cubicBezTo>
+                <a:cubicBezTo>
+                  <a:pt x="988540" y="824602"/>
+                  <a:pt x="991973" y="837645"/>
+                  <a:pt x="996778" y="848629"/>
+                </a:cubicBezTo>
+                <a:cubicBezTo>
+                  <a:pt x="1001583" y="859613"/>
+                  <a:pt x="1000211" y="867850"/>
+                  <a:pt x="1009135" y="877461"/>
+                </a:cubicBezTo>
+                <a:cubicBezTo>
+                  <a:pt x="1018059" y="887072"/>
+                  <a:pt x="1037967" y="896683"/>
+                  <a:pt x="1050324" y="906294"/>
+                </a:cubicBezTo>
+                <a:cubicBezTo>
+                  <a:pt x="1062681" y="915905"/>
+                  <a:pt x="1064740" y="931694"/>
+                  <a:pt x="1083275" y="935126"/>
+                </a:cubicBezTo>
+                <a:cubicBezTo>
+                  <a:pt x="1101810" y="938558"/>
+                  <a:pt x="1140940" y="931007"/>
+                  <a:pt x="1161535" y="926888"/>
+                </a:cubicBezTo>
+                <a:cubicBezTo>
+                  <a:pt x="1182130" y="922769"/>
+                  <a:pt x="1195173" y="915905"/>
+                  <a:pt x="1206843" y="910413"/>
+                </a:cubicBezTo>
+                <a:cubicBezTo>
+                  <a:pt x="1218513" y="904921"/>
+                  <a:pt x="1223318" y="900115"/>
+                  <a:pt x="1231556" y="893937"/>
+                </a:cubicBezTo>
+                <a:cubicBezTo>
+                  <a:pt x="1239794" y="887759"/>
+                  <a:pt x="1248032" y="877461"/>
+                  <a:pt x="1256270" y="873342"/>
+                </a:cubicBezTo>
+                <a:cubicBezTo>
+                  <a:pt x="1264508" y="869223"/>
+                  <a:pt x="1271372" y="871970"/>
+                  <a:pt x="1280983" y="869224"/>
+                </a:cubicBezTo>
+                <a:cubicBezTo>
+                  <a:pt x="1290594" y="866478"/>
+                  <a:pt x="1313935" y="856867"/>
+                  <a:pt x="1313935" y="856867"/>
+                </a:cubicBezTo>
+                <a:cubicBezTo>
+                  <a:pt x="1322173" y="852748"/>
+                  <a:pt x="1326291" y="848629"/>
+                  <a:pt x="1330410" y="844510"/>
                 </a:cubicBezTo>
               </a:path>
             </a:pathLst>
@@ -7052,68 +8862,68 @@
       </p:sp>
       <p:sp>
         <p:nvSpPr>
-          <p:cNvPr id="5" name="자유형 4"/>
+          <p:cNvPr id="10" name="자유형 9"/>
           <p:cNvSpPr/>
           <p:nvPr/>
         </p:nvSpPr>
         <p:spPr>
           <a:xfrm>
-            <a:off x="4295670" y="6320413"/>
-            <a:ext cx="1115367" cy="904352"/>
+            <a:off x="2677297" y="2438400"/>
+            <a:ext cx="696098" cy="700216"/>
           </a:xfrm>
           <a:custGeom>
             <a:avLst/>
             <a:gdLst>
-              <a:gd name="connsiteX0" fmla="*/ 1115367 w 1115367"/>
-              <a:gd name="connsiteY0" fmla="*/ 904352 h 904352"/>
-              <a:gd name="connsiteX1" fmla="*/ 1004835 w 1115367"/>
-              <a:gd name="connsiteY1" fmla="*/ 793820 h 904352"/>
-              <a:gd name="connsiteX2" fmla="*/ 929473 w 1115367"/>
-              <a:gd name="connsiteY2" fmla="*/ 728506 h 904352"/>
-              <a:gd name="connsiteX3" fmla="*/ 884255 w 1115367"/>
-              <a:gd name="connsiteY3" fmla="*/ 713433 h 904352"/>
-              <a:gd name="connsiteX4" fmla="*/ 839038 w 1115367"/>
-              <a:gd name="connsiteY4" fmla="*/ 653143 h 904352"/>
-              <a:gd name="connsiteX5" fmla="*/ 828989 w 1115367"/>
-              <a:gd name="connsiteY5" fmla="*/ 628022 h 904352"/>
-              <a:gd name="connsiteX6" fmla="*/ 773723 w 1115367"/>
-              <a:gd name="connsiteY6" fmla="*/ 622998 h 904352"/>
-              <a:gd name="connsiteX7" fmla="*/ 703385 w 1115367"/>
-              <a:gd name="connsiteY7" fmla="*/ 617974 h 904352"/>
-              <a:gd name="connsiteX8" fmla="*/ 653143 w 1115367"/>
-              <a:gd name="connsiteY8" fmla="*/ 592853 h 904352"/>
-              <a:gd name="connsiteX9" fmla="*/ 643095 w 1115367"/>
-              <a:gd name="connsiteY9" fmla="*/ 567732 h 904352"/>
-              <a:gd name="connsiteX10" fmla="*/ 628022 w 1115367"/>
-              <a:gd name="connsiteY10" fmla="*/ 422031 h 904352"/>
-              <a:gd name="connsiteX11" fmla="*/ 597877 w 1115367"/>
-              <a:gd name="connsiteY11" fmla="*/ 361741 h 904352"/>
-              <a:gd name="connsiteX12" fmla="*/ 567732 w 1115367"/>
-              <a:gd name="connsiteY12" fmla="*/ 351692 h 904352"/>
-              <a:gd name="connsiteX13" fmla="*/ 532563 w 1115367"/>
-              <a:gd name="connsiteY13" fmla="*/ 356717 h 904352"/>
-              <a:gd name="connsiteX14" fmla="*/ 497394 w 1115367"/>
-              <a:gd name="connsiteY14" fmla="*/ 366765 h 904352"/>
-              <a:gd name="connsiteX15" fmla="*/ 417007 w 1115367"/>
-              <a:gd name="connsiteY15" fmla="*/ 336620 h 904352"/>
-              <a:gd name="connsiteX16" fmla="*/ 366765 w 1115367"/>
-              <a:gd name="connsiteY16" fmla="*/ 306475 h 904352"/>
-              <a:gd name="connsiteX17" fmla="*/ 311499 w 1115367"/>
-              <a:gd name="connsiteY17" fmla="*/ 306475 h 904352"/>
-              <a:gd name="connsiteX18" fmla="*/ 246185 w 1115367"/>
-              <a:gd name="connsiteY18" fmla="*/ 241161 h 904352"/>
-              <a:gd name="connsiteX19" fmla="*/ 200967 w 1115367"/>
-              <a:gd name="connsiteY19" fmla="*/ 211016 h 904352"/>
-              <a:gd name="connsiteX20" fmla="*/ 140677 w 1115367"/>
-              <a:gd name="connsiteY20" fmla="*/ 190919 h 904352"/>
-              <a:gd name="connsiteX21" fmla="*/ 90435 w 1115367"/>
-              <a:gd name="connsiteY21" fmla="*/ 140677 h 904352"/>
-              <a:gd name="connsiteX22" fmla="*/ 50242 w 1115367"/>
-              <a:gd name="connsiteY22" fmla="*/ 80387 h 904352"/>
-              <a:gd name="connsiteX23" fmla="*/ 0 w 1115367"/>
-              <a:gd name="connsiteY23" fmla="*/ 0 h 904352"/>
-              <a:gd name="connsiteX24" fmla="*/ 0 w 1115367"/>
-              <a:gd name="connsiteY24" fmla="*/ 0 h 904352"/>
+              <a:gd name="connsiteX0" fmla="*/ 0 w 696098"/>
+              <a:gd name="connsiteY0" fmla="*/ 0 h 700216"/>
+              <a:gd name="connsiteX1" fmla="*/ 78260 w 696098"/>
+              <a:gd name="connsiteY1" fmla="*/ 37070 h 700216"/>
+              <a:gd name="connsiteX2" fmla="*/ 111211 w 696098"/>
+              <a:gd name="connsiteY2" fmla="*/ 45308 h 700216"/>
+              <a:gd name="connsiteX3" fmla="*/ 119449 w 696098"/>
+              <a:gd name="connsiteY3" fmla="*/ 74141 h 700216"/>
+              <a:gd name="connsiteX4" fmla="*/ 168876 w 696098"/>
+              <a:gd name="connsiteY4" fmla="*/ 90616 h 700216"/>
+              <a:gd name="connsiteX5" fmla="*/ 185352 w 696098"/>
+              <a:gd name="connsiteY5" fmla="*/ 156519 h 700216"/>
+              <a:gd name="connsiteX6" fmla="*/ 214184 w 696098"/>
+              <a:gd name="connsiteY6" fmla="*/ 189470 h 700216"/>
+              <a:gd name="connsiteX7" fmla="*/ 251254 w 696098"/>
+              <a:gd name="connsiteY7" fmla="*/ 230659 h 700216"/>
+              <a:gd name="connsiteX8" fmla="*/ 275968 w 696098"/>
+              <a:gd name="connsiteY8" fmla="*/ 255373 h 700216"/>
+              <a:gd name="connsiteX9" fmla="*/ 345989 w 696098"/>
+              <a:gd name="connsiteY9" fmla="*/ 243016 h 700216"/>
+              <a:gd name="connsiteX10" fmla="*/ 366584 w 696098"/>
+              <a:gd name="connsiteY10" fmla="*/ 247135 h 700216"/>
+              <a:gd name="connsiteX11" fmla="*/ 378941 w 696098"/>
+              <a:gd name="connsiteY11" fmla="*/ 284205 h 700216"/>
+              <a:gd name="connsiteX12" fmla="*/ 395417 w 696098"/>
+              <a:gd name="connsiteY12" fmla="*/ 255373 h 700216"/>
+              <a:gd name="connsiteX13" fmla="*/ 432487 w 696098"/>
+              <a:gd name="connsiteY13" fmla="*/ 284205 h 700216"/>
+              <a:gd name="connsiteX14" fmla="*/ 486033 w 696098"/>
+              <a:gd name="connsiteY14" fmla="*/ 292443 h 700216"/>
+              <a:gd name="connsiteX15" fmla="*/ 539579 w 696098"/>
+              <a:gd name="connsiteY15" fmla="*/ 321276 h 700216"/>
+              <a:gd name="connsiteX16" fmla="*/ 564292 w 696098"/>
+              <a:gd name="connsiteY16" fmla="*/ 378941 h 700216"/>
+              <a:gd name="connsiteX17" fmla="*/ 556054 w 696098"/>
+              <a:gd name="connsiteY17" fmla="*/ 432486 h 700216"/>
+              <a:gd name="connsiteX18" fmla="*/ 543698 w 696098"/>
+              <a:gd name="connsiteY18" fmla="*/ 477795 h 700216"/>
+              <a:gd name="connsiteX19" fmla="*/ 584887 w 696098"/>
+              <a:gd name="connsiteY19" fmla="*/ 547816 h 700216"/>
+              <a:gd name="connsiteX20" fmla="*/ 605481 w 696098"/>
+              <a:gd name="connsiteY20" fmla="*/ 580768 h 700216"/>
+              <a:gd name="connsiteX21" fmla="*/ 634314 w 696098"/>
+              <a:gd name="connsiteY21" fmla="*/ 597243 h 700216"/>
+              <a:gd name="connsiteX22" fmla="*/ 646671 w 696098"/>
+              <a:gd name="connsiteY22" fmla="*/ 638432 h 700216"/>
+              <a:gd name="connsiteX23" fmla="*/ 679622 w 696098"/>
+              <a:gd name="connsiteY23" fmla="*/ 687859 h 700216"/>
+              <a:gd name="connsiteX24" fmla="*/ 696098 w 696098"/>
+              <a:gd name="connsiteY24" fmla="*/ 700216 h 700216"/>
             </a:gdLst>
             <a:ahLst/>
             <a:cxnLst>
@@ -7195,127 +9005,785 @@
             </a:cxnLst>
             <a:rect l="l" t="t" r="r" b="b"/>
             <a:pathLst>
-              <a:path w="1115367" h="904352">
+              <a:path w="696098" h="700216">
                 <a:moveTo>
-                  <a:pt x="1115367" y="904352"/>
+                  <a:pt x="0" y="0"/>
                 </a:moveTo>
                 <a:cubicBezTo>
-                  <a:pt x="1075592" y="863740"/>
-                  <a:pt x="1035817" y="823128"/>
-                  <a:pt x="1004835" y="793820"/>
-                </a:cubicBezTo>
-                <a:cubicBezTo>
-                  <a:pt x="973853" y="764512"/>
-                  <a:pt x="949570" y="741904"/>
-                  <a:pt x="929473" y="728506"/>
-                </a:cubicBezTo>
-                <a:cubicBezTo>
-                  <a:pt x="909376" y="715108"/>
-                  <a:pt x="899327" y="725993"/>
-                  <a:pt x="884255" y="713433"/>
-                </a:cubicBezTo>
-                <a:cubicBezTo>
-                  <a:pt x="869183" y="700873"/>
-                  <a:pt x="848249" y="667378"/>
-                  <a:pt x="839038" y="653143"/>
-                </a:cubicBezTo>
-                <a:cubicBezTo>
-                  <a:pt x="829827" y="638908"/>
-                  <a:pt x="839875" y="633046"/>
-                  <a:pt x="828989" y="628022"/>
-                </a:cubicBezTo>
-                <a:cubicBezTo>
-                  <a:pt x="818103" y="622998"/>
-                  <a:pt x="773723" y="622998"/>
-                  <a:pt x="773723" y="622998"/>
-                </a:cubicBezTo>
-                <a:cubicBezTo>
-                  <a:pt x="752789" y="621323"/>
-                  <a:pt x="723482" y="622998"/>
-                  <a:pt x="703385" y="617974"/>
-                </a:cubicBezTo>
-                <a:cubicBezTo>
-                  <a:pt x="683288" y="612950"/>
-                  <a:pt x="663191" y="601227"/>
-                  <a:pt x="653143" y="592853"/>
-                </a:cubicBezTo>
-                <a:cubicBezTo>
-                  <a:pt x="643095" y="584479"/>
-                  <a:pt x="647282" y="596202"/>
-                  <a:pt x="643095" y="567732"/>
-                </a:cubicBezTo>
-                <a:cubicBezTo>
-                  <a:pt x="638908" y="539262"/>
-                  <a:pt x="635558" y="456363"/>
-                  <a:pt x="628022" y="422031"/>
-                </a:cubicBezTo>
-                <a:cubicBezTo>
-                  <a:pt x="620486" y="387699"/>
-                  <a:pt x="607925" y="373464"/>
-                  <a:pt x="597877" y="361741"/>
-                </a:cubicBezTo>
-                <a:cubicBezTo>
-                  <a:pt x="587829" y="350018"/>
-                  <a:pt x="578618" y="352529"/>
-                  <a:pt x="567732" y="351692"/>
-                </a:cubicBezTo>
-                <a:cubicBezTo>
-                  <a:pt x="556846" y="350855"/>
-                  <a:pt x="544286" y="354205"/>
-                  <a:pt x="532563" y="356717"/>
-                </a:cubicBezTo>
-                <a:cubicBezTo>
-                  <a:pt x="520840" y="359229"/>
-                  <a:pt x="516653" y="370114"/>
-                  <a:pt x="497394" y="366765"/>
-                </a:cubicBezTo>
-                <a:cubicBezTo>
-                  <a:pt x="478135" y="363416"/>
-                  <a:pt x="438778" y="346668"/>
-                  <a:pt x="417007" y="336620"/>
-                </a:cubicBezTo>
-                <a:cubicBezTo>
-                  <a:pt x="395235" y="326572"/>
-                  <a:pt x="384350" y="311499"/>
-                  <a:pt x="366765" y="306475"/>
-                </a:cubicBezTo>
-                <a:cubicBezTo>
-                  <a:pt x="349180" y="301451"/>
-                  <a:pt x="331596" y="317361"/>
-                  <a:pt x="311499" y="306475"/>
-                </a:cubicBezTo>
-                <a:cubicBezTo>
-                  <a:pt x="291402" y="295589"/>
-                  <a:pt x="264607" y="257071"/>
-                  <a:pt x="246185" y="241161"/>
-                </a:cubicBezTo>
-                <a:cubicBezTo>
-                  <a:pt x="227763" y="225251"/>
-                  <a:pt x="218552" y="219390"/>
-                  <a:pt x="200967" y="211016"/>
-                </a:cubicBezTo>
-                <a:cubicBezTo>
-                  <a:pt x="183382" y="202642"/>
-                  <a:pt x="159099" y="202642"/>
-                  <a:pt x="140677" y="190919"/>
-                </a:cubicBezTo>
-                <a:cubicBezTo>
-                  <a:pt x="122255" y="179196"/>
-                  <a:pt x="105507" y="159099"/>
-                  <a:pt x="90435" y="140677"/>
-                </a:cubicBezTo>
-                <a:cubicBezTo>
-                  <a:pt x="75362" y="122255"/>
-                  <a:pt x="65314" y="103833"/>
-                  <a:pt x="50242" y="80387"/>
-                </a:cubicBezTo>
-                <a:cubicBezTo>
-                  <a:pt x="35170" y="56941"/>
-                  <a:pt x="0" y="0"/>
-                  <a:pt x="0" y="0"/>
+                  <a:pt x="29862" y="14759"/>
+                  <a:pt x="59725" y="29519"/>
+                  <a:pt x="78260" y="37070"/>
+                </a:cubicBezTo>
+                <a:cubicBezTo>
+                  <a:pt x="96795" y="44621"/>
+                  <a:pt x="104346" y="39130"/>
+                  <a:pt x="111211" y="45308"/>
+                </a:cubicBezTo>
+                <a:cubicBezTo>
+                  <a:pt x="118076" y="51486"/>
+                  <a:pt x="109838" y="66590"/>
+                  <a:pt x="119449" y="74141"/>
+                </a:cubicBezTo>
+                <a:cubicBezTo>
+                  <a:pt x="129060" y="81692"/>
+                  <a:pt x="157892" y="76886"/>
+                  <a:pt x="168876" y="90616"/>
+                </a:cubicBezTo>
+                <a:cubicBezTo>
+                  <a:pt x="179860" y="104346"/>
+                  <a:pt x="177801" y="140043"/>
+                  <a:pt x="185352" y="156519"/>
+                </a:cubicBezTo>
+                <a:cubicBezTo>
+                  <a:pt x="192903" y="172995"/>
+                  <a:pt x="203200" y="177113"/>
+                  <a:pt x="214184" y="189470"/>
+                </a:cubicBezTo>
+                <a:cubicBezTo>
+                  <a:pt x="225168" y="201827"/>
+                  <a:pt x="240957" y="219675"/>
+                  <a:pt x="251254" y="230659"/>
+                </a:cubicBezTo>
+                <a:cubicBezTo>
+                  <a:pt x="261551" y="241643"/>
+                  <a:pt x="260179" y="253314"/>
+                  <a:pt x="275968" y="255373"/>
+                </a:cubicBezTo>
+                <a:cubicBezTo>
+                  <a:pt x="291757" y="257432"/>
+                  <a:pt x="330886" y="244389"/>
+                  <a:pt x="345989" y="243016"/>
+                </a:cubicBezTo>
+                <a:cubicBezTo>
+                  <a:pt x="361092" y="241643"/>
+                  <a:pt x="361092" y="240270"/>
+                  <a:pt x="366584" y="247135"/>
+                </a:cubicBezTo>
+                <a:cubicBezTo>
+                  <a:pt x="372076" y="254000"/>
+                  <a:pt x="374136" y="282832"/>
+                  <a:pt x="378941" y="284205"/>
+                </a:cubicBezTo>
+                <a:cubicBezTo>
+                  <a:pt x="383746" y="285578"/>
+                  <a:pt x="386493" y="255373"/>
+                  <a:pt x="395417" y="255373"/>
+                </a:cubicBezTo>
+                <a:cubicBezTo>
+                  <a:pt x="404341" y="255373"/>
+                  <a:pt x="417384" y="278027"/>
+                  <a:pt x="432487" y="284205"/>
+                </a:cubicBezTo>
+                <a:cubicBezTo>
+                  <a:pt x="447590" y="290383"/>
+                  <a:pt x="468184" y="286265"/>
+                  <a:pt x="486033" y="292443"/>
+                </a:cubicBezTo>
+                <a:cubicBezTo>
+                  <a:pt x="503882" y="298621"/>
+                  <a:pt x="526536" y="306860"/>
+                  <a:pt x="539579" y="321276"/>
+                </a:cubicBezTo>
+                <a:cubicBezTo>
+                  <a:pt x="552622" y="335692"/>
+                  <a:pt x="561546" y="360406"/>
+                  <a:pt x="564292" y="378941"/>
+                </a:cubicBezTo>
+                <a:cubicBezTo>
+                  <a:pt x="567038" y="397476"/>
+                  <a:pt x="559486" y="416010"/>
+                  <a:pt x="556054" y="432486"/>
+                </a:cubicBezTo>
+                <a:cubicBezTo>
+                  <a:pt x="552622" y="448962"/>
+                  <a:pt x="538893" y="458573"/>
+                  <a:pt x="543698" y="477795"/>
+                </a:cubicBezTo>
+                <a:cubicBezTo>
+                  <a:pt x="548503" y="497017"/>
+                  <a:pt x="574590" y="530654"/>
+                  <a:pt x="584887" y="547816"/>
+                </a:cubicBezTo>
+                <a:cubicBezTo>
+                  <a:pt x="595184" y="564978"/>
+                  <a:pt x="597243" y="572530"/>
+                  <a:pt x="605481" y="580768"/>
+                </a:cubicBezTo>
+                <a:cubicBezTo>
+                  <a:pt x="613719" y="589006"/>
+                  <a:pt x="627449" y="587632"/>
+                  <a:pt x="634314" y="597243"/>
+                </a:cubicBezTo>
+                <a:cubicBezTo>
+                  <a:pt x="641179" y="606854"/>
+                  <a:pt x="639120" y="623329"/>
+                  <a:pt x="646671" y="638432"/>
+                </a:cubicBezTo>
+                <a:cubicBezTo>
+                  <a:pt x="654222" y="653535"/>
+                  <a:pt x="671384" y="677562"/>
+                  <a:pt x="679622" y="687859"/>
+                </a:cubicBezTo>
+                <a:cubicBezTo>
+                  <a:pt x="687860" y="698156"/>
+                  <a:pt x="691979" y="699186"/>
+                  <a:pt x="696098" y="700216"/>
+                </a:cubicBezTo>
+              </a:path>
+            </a:pathLst>
+          </a:custGeom>
+          <a:noFill/>
+          <a:ln w="38100">
+            <a:solidFill>
+              <a:srgbClr val="00B050"/>
+            </a:solidFill>
+          </a:ln>
+        </p:spPr>
+        <p:style>
+          <a:lnRef idx="2">
+            <a:schemeClr val="accent1">
+              <a:shade val="50000"/>
+            </a:schemeClr>
+          </a:lnRef>
+          <a:fillRef idx="1">
+            <a:schemeClr val="accent1"/>
+          </a:fillRef>
+          <a:effectRef idx="0">
+            <a:schemeClr val="accent1"/>
+          </a:effectRef>
+          <a:fontRef idx="minor">
+            <a:schemeClr val="lt1"/>
+          </a:fontRef>
+        </p:style>
+        <p:txBody>
+          <a:bodyPr rtlCol="0" anchor="ctr"/>
+          <a:lstStyle/>
+          <a:p>
+            <a:pPr algn="ctr"/>
+            <a:endParaRPr lang="ko-KR" altLang="en-US"/>
+          </a:p>
+        </p:txBody>
+      </p:sp>
+      <p:sp>
+        <p:nvSpPr>
+          <p:cNvPr id="11" name="자유형 10"/>
+          <p:cNvSpPr/>
+          <p:nvPr/>
+        </p:nvSpPr>
+        <p:spPr>
+          <a:xfrm>
+            <a:off x="3315730" y="3171568"/>
+            <a:ext cx="347281" cy="491700"/>
+          </a:xfrm>
+          <a:custGeom>
+            <a:avLst/>
+            <a:gdLst>
+              <a:gd name="connsiteX0" fmla="*/ 33371 w 347701"/>
+              <a:gd name="connsiteY0" fmla="*/ 0 h 483463"/>
+              <a:gd name="connsiteX1" fmla="*/ 420 w 347701"/>
+              <a:gd name="connsiteY1" fmla="*/ 53546 h 483463"/>
+              <a:gd name="connsiteX2" fmla="*/ 53966 w 347701"/>
+              <a:gd name="connsiteY2" fmla="*/ 82379 h 483463"/>
+              <a:gd name="connsiteX3" fmla="*/ 91036 w 347701"/>
+              <a:gd name="connsiteY3" fmla="*/ 164757 h 483463"/>
+              <a:gd name="connsiteX4" fmla="*/ 128106 w 347701"/>
+              <a:gd name="connsiteY4" fmla="*/ 189471 h 483463"/>
+              <a:gd name="connsiteX5" fmla="*/ 181652 w 347701"/>
+              <a:gd name="connsiteY5" fmla="*/ 214184 h 483463"/>
+              <a:gd name="connsiteX6" fmla="*/ 206366 w 347701"/>
+              <a:gd name="connsiteY6" fmla="*/ 238898 h 483463"/>
+              <a:gd name="connsiteX7" fmla="*/ 235198 w 347701"/>
+              <a:gd name="connsiteY7" fmla="*/ 251254 h 483463"/>
+              <a:gd name="connsiteX8" fmla="*/ 313458 w 347701"/>
+              <a:gd name="connsiteY8" fmla="*/ 275968 h 483463"/>
+              <a:gd name="connsiteX9" fmla="*/ 338171 w 347701"/>
+              <a:gd name="connsiteY9" fmla="*/ 313038 h 483463"/>
+              <a:gd name="connsiteX10" fmla="*/ 346409 w 347701"/>
+              <a:gd name="connsiteY10" fmla="*/ 354227 h 483463"/>
+              <a:gd name="connsiteX11" fmla="*/ 342290 w 347701"/>
+              <a:gd name="connsiteY11" fmla="*/ 387179 h 483463"/>
+              <a:gd name="connsiteX12" fmla="*/ 296982 w 347701"/>
+              <a:gd name="connsiteY12" fmla="*/ 436606 h 483463"/>
+              <a:gd name="connsiteX13" fmla="*/ 264031 w 347701"/>
+              <a:gd name="connsiteY13" fmla="*/ 469557 h 483463"/>
+              <a:gd name="connsiteX14" fmla="*/ 259912 w 347701"/>
+              <a:gd name="connsiteY14" fmla="*/ 481914 h 483463"/>
+              <a:gd name="connsiteX15" fmla="*/ 222841 w 347701"/>
+              <a:gd name="connsiteY15" fmla="*/ 436606 h 483463"/>
+              <a:gd name="connsiteX16" fmla="*/ 210485 w 347701"/>
+              <a:gd name="connsiteY16" fmla="*/ 403654 h 483463"/>
+              <a:gd name="connsiteX17" fmla="*/ 210485 w 347701"/>
+              <a:gd name="connsiteY17" fmla="*/ 383060 h 483463"/>
+              <a:gd name="connsiteX18" fmla="*/ 185771 w 347701"/>
+              <a:gd name="connsiteY18" fmla="*/ 370703 h 483463"/>
+              <a:gd name="connsiteX19" fmla="*/ 140463 w 347701"/>
+              <a:gd name="connsiteY19" fmla="*/ 350109 h 483463"/>
+              <a:gd name="connsiteX0" fmla="*/ 53545 w 347281"/>
+              <a:gd name="connsiteY0" fmla="*/ 0 h 491700"/>
+              <a:gd name="connsiteX1" fmla="*/ 0 w 347281"/>
+              <a:gd name="connsiteY1" fmla="*/ 61783 h 491700"/>
+              <a:gd name="connsiteX2" fmla="*/ 53546 w 347281"/>
+              <a:gd name="connsiteY2" fmla="*/ 90616 h 491700"/>
+              <a:gd name="connsiteX3" fmla="*/ 90616 w 347281"/>
+              <a:gd name="connsiteY3" fmla="*/ 172994 h 491700"/>
+              <a:gd name="connsiteX4" fmla="*/ 127686 w 347281"/>
+              <a:gd name="connsiteY4" fmla="*/ 197708 h 491700"/>
+              <a:gd name="connsiteX5" fmla="*/ 181232 w 347281"/>
+              <a:gd name="connsiteY5" fmla="*/ 222421 h 491700"/>
+              <a:gd name="connsiteX6" fmla="*/ 205946 w 347281"/>
+              <a:gd name="connsiteY6" fmla="*/ 247135 h 491700"/>
+              <a:gd name="connsiteX7" fmla="*/ 234778 w 347281"/>
+              <a:gd name="connsiteY7" fmla="*/ 259491 h 491700"/>
+              <a:gd name="connsiteX8" fmla="*/ 313038 w 347281"/>
+              <a:gd name="connsiteY8" fmla="*/ 284205 h 491700"/>
+              <a:gd name="connsiteX9" fmla="*/ 337751 w 347281"/>
+              <a:gd name="connsiteY9" fmla="*/ 321275 h 491700"/>
+              <a:gd name="connsiteX10" fmla="*/ 345989 w 347281"/>
+              <a:gd name="connsiteY10" fmla="*/ 362464 h 491700"/>
+              <a:gd name="connsiteX11" fmla="*/ 341870 w 347281"/>
+              <a:gd name="connsiteY11" fmla="*/ 395416 h 491700"/>
+              <a:gd name="connsiteX12" fmla="*/ 296562 w 347281"/>
+              <a:gd name="connsiteY12" fmla="*/ 444843 h 491700"/>
+              <a:gd name="connsiteX13" fmla="*/ 263611 w 347281"/>
+              <a:gd name="connsiteY13" fmla="*/ 477794 h 491700"/>
+              <a:gd name="connsiteX14" fmla="*/ 259492 w 347281"/>
+              <a:gd name="connsiteY14" fmla="*/ 490151 h 491700"/>
+              <a:gd name="connsiteX15" fmla="*/ 222421 w 347281"/>
+              <a:gd name="connsiteY15" fmla="*/ 444843 h 491700"/>
+              <a:gd name="connsiteX16" fmla="*/ 210065 w 347281"/>
+              <a:gd name="connsiteY16" fmla="*/ 411891 h 491700"/>
+              <a:gd name="connsiteX17" fmla="*/ 210065 w 347281"/>
+              <a:gd name="connsiteY17" fmla="*/ 391297 h 491700"/>
+              <a:gd name="connsiteX18" fmla="*/ 185351 w 347281"/>
+              <a:gd name="connsiteY18" fmla="*/ 378940 h 491700"/>
+              <a:gd name="connsiteX19" fmla="*/ 140043 w 347281"/>
+              <a:gd name="connsiteY19" fmla="*/ 358346 h 491700"/>
+              <a:gd name="connsiteX0" fmla="*/ 53545 w 347281"/>
+              <a:gd name="connsiteY0" fmla="*/ 0 h 491700"/>
+              <a:gd name="connsiteX1" fmla="*/ 0 w 347281"/>
+              <a:gd name="connsiteY1" fmla="*/ 57664 h 491700"/>
+              <a:gd name="connsiteX2" fmla="*/ 53546 w 347281"/>
+              <a:gd name="connsiteY2" fmla="*/ 90616 h 491700"/>
+              <a:gd name="connsiteX3" fmla="*/ 90616 w 347281"/>
+              <a:gd name="connsiteY3" fmla="*/ 172994 h 491700"/>
+              <a:gd name="connsiteX4" fmla="*/ 127686 w 347281"/>
+              <a:gd name="connsiteY4" fmla="*/ 197708 h 491700"/>
+              <a:gd name="connsiteX5" fmla="*/ 181232 w 347281"/>
+              <a:gd name="connsiteY5" fmla="*/ 222421 h 491700"/>
+              <a:gd name="connsiteX6" fmla="*/ 205946 w 347281"/>
+              <a:gd name="connsiteY6" fmla="*/ 247135 h 491700"/>
+              <a:gd name="connsiteX7" fmla="*/ 234778 w 347281"/>
+              <a:gd name="connsiteY7" fmla="*/ 259491 h 491700"/>
+              <a:gd name="connsiteX8" fmla="*/ 313038 w 347281"/>
+              <a:gd name="connsiteY8" fmla="*/ 284205 h 491700"/>
+              <a:gd name="connsiteX9" fmla="*/ 337751 w 347281"/>
+              <a:gd name="connsiteY9" fmla="*/ 321275 h 491700"/>
+              <a:gd name="connsiteX10" fmla="*/ 345989 w 347281"/>
+              <a:gd name="connsiteY10" fmla="*/ 362464 h 491700"/>
+              <a:gd name="connsiteX11" fmla="*/ 341870 w 347281"/>
+              <a:gd name="connsiteY11" fmla="*/ 395416 h 491700"/>
+              <a:gd name="connsiteX12" fmla="*/ 296562 w 347281"/>
+              <a:gd name="connsiteY12" fmla="*/ 444843 h 491700"/>
+              <a:gd name="connsiteX13" fmla="*/ 263611 w 347281"/>
+              <a:gd name="connsiteY13" fmla="*/ 477794 h 491700"/>
+              <a:gd name="connsiteX14" fmla="*/ 259492 w 347281"/>
+              <a:gd name="connsiteY14" fmla="*/ 490151 h 491700"/>
+              <a:gd name="connsiteX15" fmla="*/ 222421 w 347281"/>
+              <a:gd name="connsiteY15" fmla="*/ 444843 h 491700"/>
+              <a:gd name="connsiteX16" fmla="*/ 210065 w 347281"/>
+              <a:gd name="connsiteY16" fmla="*/ 411891 h 491700"/>
+              <a:gd name="connsiteX17" fmla="*/ 210065 w 347281"/>
+              <a:gd name="connsiteY17" fmla="*/ 391297 h 491700"/>
+              <a:gd name="connsiteX18" fmla="*/ 185351 w 347281"/>
+              <a:gd name="connsiteY18" fmla="*/ 378940 h 491700"/>
+              <a:gd name="connsiteX19" fmla="*/ 140043 w 347281"/>
+              <a:gd name="connsiteY19" fmla="*/ 358346 h 491700"/>
+            </a:gdLst>
+            <a:ahLst/>
+            <a:cxnLst>
+              <a:cxn ang="0">
+                <a:pos x="connsiteX0" y="connsiteY0"/>
+              </a:cxn>
+              <a:cxn ang="0">
+                <a:pos x="connsiteX1" y="connsiteY1"/>
+              </a:cxn>
+              <a:cxn ang="0">
+                <a:pos x="connsiteX2" y="connsiteY2"/>
+              </a:cxn>
+              <a:cxn ang="0">
+                <a:pos x="connsiteX3" y="connsiteY3"/>
+              </a:cxn>
+              <a:cxn ang="0">
+                <a:pos x="connsiteX4" y="connsiteY4"/>
+              </a:cxn>
+              <a:cxn ang="0">
+                <a:pos x="connsiteX5" y="connsiteY5"/>
+              </a:cxn>
+              <a:cxn ang="0">
+                <a:pos x="connsiteX6" y="connsiteY6"/>
+              </a:cxn>
+              <a:cxn ang="0">
+                <a:pos x="connsiteX7" y="connsiteY7"/>
+              </a:cxn>
+              <a:cxn ang="0">
+                <a:pos x="connsiteX8" y="connsiteY8"/>
+              </a:cxn>
+              <a:cxn ang="0">
+                <a:pos x="connsiteX9" y="connsiteY9"/>
+              </a:cxn>
+              <a:cxn ang="0">
+                <a:pos x="connsiteX10" y="connsiteY10"/>
+              </a:cxn>
+              <a:cxn ang="0">
+                <a:pos x="connsiteX11" y="connsiteY11"/>
+              </a:cxn>
+              <a:cxn ang="0">
+                <a:pos x="connsiteX12" y="connsiteY12"/>
+              </a:cxn>
+              <a:cxn ang="0">
+                <a:pos x="connsiteX13" y="connsiteY13"/>
+              </a:cxn>
+              <a:cxn ang="0">
+                <a:pos x="connsiteX14" y="connsiteY14"/>
+              </a:cxn>
+              <a:cxn ang="0">
+                <a:pos x="connsiteX15" y="connsiteY15"/>
+              </a:cxn>
+              <a:cxn ang="0">
+                <a:pos x="connsiteX16" y="connsiteY16"/>
+              </a:cxn>
+              <a:cxn ang="0">
+                <a:pos x="connsiteX17" y="connsiteY17"/>
+              </a:cxn>
+              <a:cxn ang="0">
+                <a:pos x="connsiteX18" y="connsiteY18"/>
+              </a:cxn>
+              <a:cxn ang="0">
+                <a:pos x="connsiteX19" y="connsiteY19"/>
+              </a:cxn>
+            </a:cxnLst>
+            <a:rect l="l" t="t" r="r" b="b"/>
+            <a:pathLst>
+              <a:path w="347281" h="491700">
+                <a:moveTo>
+                  <a:pt x="53545" y="0"/>
+                </a:moveTo>
+                <a:cubicBezTo>
+                  <a:pt x="35353" y="19908"/>
+                  <a:pt x="0" y="42561"/>
+                  <a:pt x="0" y="57664"/>
+                </a:cubicBezTo>
+                <a:cubicBezTo>
+                  <a:pt x="0" y="72767"/>
+                  <a:pt x="38443" y="71394"/>
+                  <a:pt x="53546" y="90616"/>
+                </a:cubicBezTo>
+                <a:cubicBezTo>
+                  <a:pt x="68649" y="109838"/>
+                  <a:pt x="78259" y="155145"/>
+                  <a:pt x="90616" y="172994"/>
+                </a:cubicBezTo>
+                <a:cubicBezTo>
+                  <a:pt x="102973" y="190843"/>
+                  <a:pt x="112583" y="189470"/>
+                  <a:pt x="127686" y="197708"/>
+                </a:cubicBezTo>
+                <a:cubicBezTo>
+                  <a:pt x="142789" y="205946"/>
+                  <a:pt x="168189" y="214183"/>
+                  <a:pt x="181232" y="222421"/>
+                </a:cubicBezTo>
+                <a:cubicBezTo>
+                  <a:pt x="194275" y="230659"/>
+                  <a:pt x="197022" y="240957"/>
+                  <a:pt x="205946" y="247135"/>
+                </a:cubicBezTo>
+                <a:cubicBezTo>
+                  <a:pt x="214870" y="253313"/>
+                  <a:pt x="216929" y="253313"/>
+                  <a:pt x="234778" y="259491"/>
+                </a:cubicBezTo>
+                <a:cubicBezTo>
+                  <a:pt x="252627" y="265669"/>
+                  <a:pt x="295876" y="273908"/>
+                  <a:pt x="313038" y="284205"/>
+                </a:cubicBezTo>
+                <a:cubicBezTo>
+                  <a:pt x="330200" y="294502"/>
+                  <a:pt x="332259" y="308232"/>
+                  <a:pt x="337751" y="321275"/>
+                </a:cubicBezTo>
+                <a:cubicBezTo>
+                  <a:pt x="343243" y="334318"/>
+                  <a:pt x="345303" y="350107"/>
+                  <a:pt x="345989" y="362464"/>
+                </a:cubicBezTo>
+                <a:cubicBezTo>
+                  <a:pt x="346675" y="374821"/>
+                  <a:pt x="350108" y="381686"/>
+                  <a:pt x="341870" y="395416"/>
+                </a:cubicBezTo>
+                <a:cubicBezTo>
+                  <a:pt x="333632" y="409146"/>
+                  <a:pt x="309605" y="431113"/>
+                  <a:pt x="296562" y="444843"/>
+                </a:cubicBezTo>
+                <a:cubicBezTo>
+                  <a:pt x="283519" y="458573"/>
+                  <a:pt x="263611" y="477794"/>
+                  <a:pt x="263611" y="477794"/>
+                </a:cubicBezTo>
+                <a:cubicBezTo>
+                  <a:pt x="257433" y="485345"/>
+                  <a:pt x="266357" y="495643"/>
+                  <a:pt x="259492" y="490151"/>
+                </a:cubicBezTo>
+                <a:cubicBezTo>
+                  <a:pt x="252627" y="484659"/>
+                  <a:pt x="230659" y="457886"/>
+                  <a:pt x="222421" y="444843"/>
+                </a:cubicBezTo>
+                <a:cubicBezTo>
+                  <a:pt x="214183" y="431800"/>
+                  <a:pt x="212124" y="420815"/>
+                  <a:pt x="210065" y="411891"/>
+                </a:cubicBezTo>
+                <a:cubicBezTo>
+                  <a:pt x="208006" y="402967"/>
+                  <a:pt x="214184" y="396789"/>
+                  <a:pt x="210065" y="391297"/>
+                </a:cubicBezTo>
+                <a:cubicBezTo>
+                  <a:pt x="205946" y="385805"/>
+                  <a:pt x="197021" y="384432"/>
+                  <a:pt x="185351" y="378940"/>
+                </a:cubicBezTo>
+                <a:cubicBezTo>
+                  <a:pt x="173681" y="373448"/>
+                  <a:pt x="156862" y="365897"/>
+                  <a:pt x="140043" y="358346"/>
+                </a:cubicBezTo>
+              </a:path>
+            </a:pathLst>
+          </a:custGeom>
+          <a:noFill/>
+          <a:ln w="38100">
+            <a:solidFill>
+              <a:srgbClr val="00B050"/>
+            </a:solidFill>
+          </a:ln>
+        </p:spPr>
+        <p:style>
+          <a:lnRef idx="2">
+            <a:schemeClr val="accent1">
+              <a:shade val="50000"/>
+            </a:schemeClr>
+          </a:lnRef>
+          <a:fillRef idx="1">
+            <a:schemeClr val="accent1"/>
+          </a:fillRef>
+          <a:effectRef idx="0">
+            <a:schemeClr val="accent1"/>
+          </a:effectRef>
+          <a:fontRef idx="minor">
+            <a:schemeClr val="lt1"/>
+          </a:fontRef>
+        </p:style>
+        <p:txBody>
+          <a:bodyPr rtlCol="0" anchor="ctr"/>
+          <a:lstStyle/>
+          <a:p>
+            <a:pPr algn="ctr"/>
+            <a:endParaRPr lang="ko-KR" altLang="en-US"/>
+          </a:p>
+        </p:txBody>
+      </p:sp>
+      <p:sp>
+        <p:nvSpPr>
+          <p:cNvPr id="12" name="자유형 11"/>
+          <p:cNvSpPr/>
+          <p:nvPr/>
+        </p:nvSpPr>
+        <p:spPr>
+          <a:xfrm>
+            <a:off x="3679031" y="3097989"/>
+            <a:ext cx="592932" cy="445311"/>
+          </a:xfrm>
+          <a:custGeom>
+            <a:avLst/>
+            <a:gdLst>
+              <a:gd name="connsiteX0" fmla="*/ 0 w 592932"/>
+              <a:gd name="connsiteY0" fmla="*/ 445311 h 445311"/>
+              <a:gd name="connsiteX1" fmla="*/ 64294 w 592932"/>
+              <a:gd name="connsiteY1" fmla="*/ 428642 h 445311"/>
+              <a:gd name="connsiteX2" fmla="*/ 100013 w 592932"/>
+              <a:gd name="connsiteY2" fmla="*/ 433405 h 445311"/>
+              <a:gd name="connsiteX3" fmla="*/ 140494 w 592932"/>
+              <a:gd name="connsiteY3" fmla="*/ 423880 h 445311"/>
+              <a:gd name="connsiteX4" fmla="*/ 200025 w 592932"/>
+              <a:gd name="connsiteY4" fmla="*/ 428642 h 445311"/>
+              <a:gd name="connsiteX5" fmla="*/ 230982 w 592932"/>
+              <a:gd name="connsiteY5" fmla="*/ 431024 h 445311"/>
+              <a:gd name="connsiteX6" fmla="*/ 245269 w 592932"/>
+              <a:gd name="connsiteY6" fmla="*/ 402449 h 445311"/>
+              <a:gd name="connsiteX7" fmla="*/ 259557 w 592932"/>
+              <a:gd name="connsiteY7" fmla="*/ 381017 h 445311"/>
+              <a:gd name="connsiteX8" fmla="*/ 266700 w 592932"/>
+              <a:gd name="connsiteY8" fmla="*/ 376255 h 445311"/>
+              <a:gd name="connsiteX9" fmla="*/ 311944 w 592932"/>
+              <a:gd name="connsiteY9" fmla="*/ 361967 h 445311"/>
+              <a:gd name="connsiteX10" fmla="*/ 347663 w 592932"/>
+              <a:gd name="connsiteY10" fmla="*/ 338155 h 445311"/>
+              <a:gd name="connsiteX11" fmla="*/ 357188 w 592932"/>
+              <a:gd name="connsiteY11" fmla="*/ 314342 h 445311"/>
+              <a:gd name="connsiteX12" fmla="*/ 378619 w 592932"/>
+              <a:gd name="connsiteY12" fmla="*/ 281005 h 445311"/>
+              <a:gd name="connsiteX13" fmla="*/ 383382 w 592932"/>
+              <a:gd name="connsiteY13" fmla="*/ 264336 h 445311"/>
+              <a:gd name="connsiteX14" fmla="*/ 416719 w 592932"/>
+              <a:gd name="connsiteY14" fmla="*/ 240524 h 445311"/>
+              <a:gd name="connsiteX15" fmla="*/ 438150 w 592932"/>
+              <a:gd name="connsiteY15" fmla="*/ 221474 h 445311"/>
+              <a:gd name="connsiteX16" fmla="*/ 433388 w 592932"/>
+              <a:gd name="connsiteY16" fmla="*/ 180992 h 445311"/>
+              <a:gd name="connsiteX17" fmla="*/ 440532 w 592932"/>
+              <a:gd name="connsiteY17" fmla="*/ 147655 h 445311"/>
+              <a:gd name="connsiteX18" fmla="*/ 435769 w 592932"/>
+              <a:gd name="connsiteY18" fmla="*/ 100030 h 445311"/>
+              <a:gd name="connsiteX19" fmla="*/ 442913 w 592932"/>
+              <a:gd name="connsiteY19" fmla="*/ 76217 h 445311"/>
+              <a:gd name="connsiteX20" fmla="*/ 459582 w 592932"/>
+              <a:gd name="connsiteY20" fmla="*/ 54786 h 445311"/>
+              <a:gd name="connsiteX21" fmla="*/ 473869 w 592932"/>
+              <a:gd name="connsiteY21" fmla="*/ 35736 h 445311"/>
+              <a:gd name="connsiteX22" fmla="*/ 481013 w 592932"/>
+              <a:gd name="connsiteY22" fmla="*/ 9542 h 445311"/>
+              <a:gd name="connsiteX23" fmla="*/ 495300 w 592932"/>
+              <a:gd name="connsiteY23" fmla="*/ 17 h 445311"/>
+              <a:gd name="connsiteX24" fmla="*/ 550069 w 592932"/>
+              <a:gd name="connsiteY24" fmla="*/ 7161 h 445311"/>
+              <a:gd name="connsiteX25" fmla="*/ 564357 w 592932"/>
+              <a:gd name="connsiteY25" fmla="*/ 7161 h 445311"/>
+              <a:gd name="connsiteX26" fmla="*/ 592932 w 592932"/>
+              <a:gd name="connsiteY26" fmla="*/ 7161 h 445311"/>
+            </a:gdLst>
+            <a:ahLst/>
+            <a:cxnLst>
+              <a:cxn ang="0">
+                <a:pos x="connsiteX0" y="connsiteY0"/>
+              </a:cxn>
+              <a:cxn ang="0">
+                <a:pos x="connsiteX1" y="connsiteY1"/>
+              </a:cxn>
+              <a:cxn ang="0">
+                <a:pos x="connsiteX2" y="connsiteY2"/>
+              </a:cxn>
+              <a:cxn ang="0">
+                <a:pos x="connsiteX3" y="connsiteY3"/>
+              </a:cxn>
+              <a:cxn ang="0">
+                <a:pos x="connsiteX4" y="connsiteY4"/>
+              </a:cxn>
+              <a:cxn ang="0">
+                <a:pos x="connsiteX5" y="connsiteY5"/>
+              </a:cxn>
+              <a:cxn ang="0">
+                <a:pos x="connsiteX6" y="connsiteY6"/>
+              </a:cxn>
+              <a:cxn ang="0">
+                <a:pos x="connsiteX7" y="connsiteY7"/>
+              </a:cxn>
+              <a:cxn ang="0">
+                <a:pos x="connsiteX8" y="connsiteY8"/>
+              </a:cxn>
+              <a:cxn ang="0">
+                <a:pos x="connsiteX9" y="connsiteY9"/>
+              </a:cxn>
+              <a:cxn ang="0">
+                <a:pos x="connsiteX10" y="connsiteY10"/>
+              </a:cxn>
+              <a:cxn ang="0">
+                <a:pos x="connsiteX11" y="connsiteY11"/>
+              </a:cxn>
+              <a:cxn ang="0">
+                <a:pos x="connsiteX12" y="connsiteY12"/>
+              </a:cxn>
+              <a:cxn ang="0">
+                <a:pos x="connsiteX13" y="connsiteY13"/>
+              </a:cxn>
+              <a:cxn ang="0">
+                <a:pos x="connsiteX14" y="connsiteY14"/>
+              </a:cxn>
+              <a:cxn ang="0">
+                <a:pos x="connsiteX15" y="connsiteY15"/>
+              </a:cxn>
+              <a:cxn ang="0">
+                <a:pos x="connsiteX16" y="connsiteY16"/>
+              </a:cxn>
+              <a:cxn ang="0">
+                <a:pos x="connsiteX17" y="connsiteY17"/>
+              </a:cxn>
+              <a:cxn ang="0">
+                <a:pos x="connsiteX18" y="connsiteY18"/>
+              </a:cxn>
+              <a:cxn ang="0">
+                <a:pos x="connsiteX19" y="connsiteY19"/>
+              </a:cxn>
+              <a:cxn ang="0">
+                <a:pos x="connsiteX20" y="connsiteY20"/>
+              </a:cxn>
+              <a:cxn ang="0">
+                <a:pos x="connsiteX21" y="connsiteY21"/>
+              </a:cxn>
+              <a:cxn ang="0">
+                <a:pos x="connsiteX22" y="connsiteY22"/>
+              </a:cxn>
+              <a:cxn ang="0">
+                <a:pos x="connsiteX23" y="connsiteY23"/>
+              </a:cxn>
+              <a:cxn ang="0">
+                <a:pos x="connsiteX24" y="connsiteY24"/>
+              </a:cxn>
+              <a:cxn ang="0">
+                <a:pos x="connsiteX25" y="connsiteY25"/>
+              </a:cxn>
+              <a:cxn ang="0">
+                <a:pos x="connsiteX26" y="connsiteY26"/>
+              </a:cxn>
+            </a:cxnLst>
+            <a:rect l="l" t="t" r="r" b="b"/>
+            <a:pathLst>
+              <a:path w="592932" h="445311">
+                <a:moveTo>
+                  <a:pt x="0" y="445311"/>
+                </a:moveTo>
+                <a:cubicBezTo>
+                  <a:pt x="23812" y="437968"/>
+                  <a:pt x="47625" y="430626"/>
+                  <a:pt x="64294" y="428642"/>
+                </a:cubicBezTo>
+                <a:cubicBezTo>
+                  <a:pt x="80963" y="426658"/>
+                  <a:pt x="87313" y="434199"/>
+                  <a:pt x="100013" y="433405"/>
+                </a:cubicBezTo>
+                <a:cubicBezTo>
+                  <a:pt x="112713" y="432611"/>
+                  <a:pt x="123825" y="424674"/>
+                  <a:pt x="140494" y="423880"/>
+                </a:cubicBezTo>
+                <a:cubicBezTo>
+                  <a:pt x="157163" y="423086"/>
+                  <a:pt x="200025" y="428642"/>
+                  <a:pt x="200025" y="428642"/>
+                </a:cubicBezTo>
+                <a:cubicBezTo>
+                  <a:pt x="215106" y="429833"/>
+                  <a:pt x="223441" y="435389"/>
+                  <a:pt x="230982" y="431024"/>
+                </a:cubicBezTo>
+                <a:cubicBezTo>
+                  <a:pt x="238523" y="426659"/>
+                  <a:pt x="240507" y="410783"/>
+                  <a:pt x="245269" y="402449"/>
+                </a:cubicBezTo>
+                <a:cubicBezTo>
+                  <a:pt x="250032" y="394114"/>
+                  <a:pt x="259557" y="381017"/>
+                  <a:pt x="259557" y="381017"/>
+                </a:cubicBezTo>
+                <a:cubicBezTo>
+                  <a:pt x="263129" y="376652"/>
+                  <a:pt x="257969" y="379430"/>
+                  <a:pt x="266700" y="376255"/>
+                </a:cubicBezTo>
+                <a:cubicBezTo>
+                  <a:pt x="275431" y="373080"/>
+                  <a:pt x="298450" y="368317"/>
+                  <a:pt x="311944" y="361967"/>
+                </a:cubicBezTo>
+                <a:cubicBezTo>
+                  <a:pt x="325438" y="355617"/>
+                  <a:pt x="340122" y="346092"/>
+                  <a:pt x="347663" y="338155"/>
+                </a:cubicBezTo>
+                <a:cubicBezTo>
+                  <a:pt x="355204" y="330218"/>
+                  <a:pt x="352029" y="323867"/>
+                  <a:pt x="357188" y="314342"/>
+                </a:cubicBezTo>
+                <a:cubicBezTo>
+                  <a:pt x="362347" y="304817"/>
+                  <a:pt x="374253" y="289339"/>
+                  <a:pt x="378619" y="281005"/>
+                </a:cubicBezTo>
+                <a:cubicBezTo>
+                  <a:pt x="382985" y="272671"/>
+                  <a:pt x="377032" y="271083"/>
+                  <a:pt x="383382" y="264336"/>
+                </a:cubicBezTo>
+                <a:cubicBezTo>
+                  <a:pt x="389732" y="257589"/>
+                  <a:pt x="407591" y="247668"/>
+                  <a:pt x="416719" y="240524"/>
+                </a:cubicBezTo>
+                <a:cubicBezTo>
+                  <a:pt x="425847" y="233380"/>
+                  <a:pt x="435372" y="231396"/>
+                  <a:pt x="438150" y="221474"/>
+                </a:cubicBezTo>
+                <a:cubicBezTo>
+                  <a:pt x="440928" y="211552"/>
+                  <a:pt x="432991" y="193295"/>
+                  <a:pt x="433388" y="180992"/>
+                </a:cubicBezTo>
+                <a:cubicBezTo>
+                  <a:pt x="433785" y="168689"/>
+                  <a:pt x="440135" y="161149"/>
+                  <a:pt x="440532" y="147655"/>
+                </a:cubicBezTo>
+                <a:cubicBezTo>
+                  <a:pt x="440929" y="134161"/>
+                  <a:pt x="435372" y="111936"/>
+                  <a:pt x="435769" y="100030"/>
+                </a:cubicBezTo>
+                <a:cubicBezTo>
+                  <a:pt x="436166" y="88124"/>
+                  <a:pt x="438944" y="83758"/>
+                  <a:pt x="442913" y="76217"/>
+                </a:cubicBezTo>
+                <a:cubicBezTo>
+                  <a:pt x="446882" y="68676"/>
+                  <a:pt x="454423" y="61533"/>
+                  <a:pt x="459582" y="54786"/>
+                </a:cubicBezTo>
+                <a:cubicBezTo>
+                  <a:pt x="464741" y="48039"/>
+                  <a:pt x="470297" y="43277"/>
+                  <a:pt x="473869" y="35736"/>
+                </a:cubicBezTo>
+                <a:cubicBezTo>
+                  <a:pt x="477441" y="28195"/>
+                  <a:pt x="477441" y="15495"/>
+                  <a:pt x="481013" y="9542"/>
+                </a:cubicBezTo>
+                <a:cubicBezTo>
+                  <a:pt x="484585" y="3589"/>
+                  <a:pt x="483791" y="414"/>
+                  <a:pt x="495300" y="17"/>
+                </a:cubicBezTo>
+                <a:cubicBezTo>
+                  <a:pt x="506809" y="-380"/>
+                  <a:pt x="538560" y="5970"/>
+                  <a:pt x="550069" y="7161"/>
+                </a:cubicBezTo>
+                <a:cubicBezTo>
+                  <a:pt x="561578" y="8352"/>
+                  <a:pt x="564357" y="7161"/>
+                  <a:pt x="564357" y="7161"/>
                 </a:cubicBezTo>
                 <a:lnTo>
-                  <a:pt x="0" y="0"/>
+                  <a:pt x="592932" y="7161"/>
                 </a:lnTo>
               </a:path>
             </a:pathLst>
@@ -7354,152 +9822,50 @@
       </p:sp>
       <p:sp>
         <p:nvSpPr>
-          <p:cNvPr id="6" name="자유형 5"/>
+          <p:cNvPr id="13" name="자유형 12"/>
           <p:cNvSpPr/>
           <p:nvPr/>
         </p:nvSpPr>
         <p:spPr>
           <a:xfrm>
-            <a:off x="4079531" y="5712985"/>
-            <a:ext cx="175946" cy="577282"/>
+            <a:off x="4302919" y="3119438"/>
+            <a:ext cx="471487" cy="546076"/>
           </a:xfrm>
           <a:custGeom>
             <a:avLst/>
             <a:gdLst>
-              <a:gd name="connsiteX0" fmla="*/ 326572 w 326572"/>
-              <a:gd name="connsiteY0" fmla="*/ 146742 h 146742"/>
-              <a:gd name="connsiteX1" fmla="*/ 251209 w 326572"/>
-              <a:gd name="connsiteY1" fmla="*/ 116597 h 146742"/>
-              <a:gd name="connsiteX2" fmla="*/ 200968 w 326572"/>
-              <a:gd name="connsiteY2" fmla="*/ 66355 h 146742"/>
-              <a:gd name="connsiteX3" fmla="*/ 150726 w 326572"/>
-              <a:gd name="connsiteY3" fmla="*/ 1041 h 146742"/>
-              <a:gd name="connsiteX4" fmla="*/ 95460 w 326572"/>
-              <a:gd name="connsiteY4" fmla="*/ 26162 h 146742"/>
-              <a:gd name="connsiteX5" fmla="*/ 40194 w 326572"/>
-              <a:gd name="connsiteY5" fmla="*/ 26162 h 146742"/>
-              <a:gd name="connsiteX6" fmla="*/ 20097 w 326572"/>
-              <a:gd name="connsiteY6" fmla="*/ 56307 h 146742"/>
-              <a:gd name="connsiteX7" fmla="*/ 0 w 326572"/>
-              <a:gd name="connsiteY7" fmla="*/ 81428 h 146742"/>
-              <a:gd name="connsiteX0" fmla="*/ 326572 w 326572"/>
-              <a:gd name="connsiteY0" fmla="*/ 225564 h 225564"/>
-              <a:gd name="connsiteX1" fmla="*/ 251209 w 326572"/>
-              <a:gd name="connsiteY1" fmla="*/ 195419 h 225564"/>
-              <a:gd name="connsiteX2" fmla="*/ 200968 w 326572"/>
-              <a:gd name="connsiteY2" fmla="*/ 145177 h 225564"/>
-              <a:gd name="connsiteX3" fmla="*/ 150726 w 326572"/>
-              <a:gd name="connsiteY3" fmla="*/ 79863 h 225564"/>
-              <a:gd name="connsiteX4" fmla="*/ 188329 w 326572"/>
-              <a:gd name="connsiteY4" fmla="*/ 209 h 225564"/>
-              <a:gd name="connsiteX5" fmla="*/ 40194 w 326572"/>
-              <a:gd name="connsiteY5" fmla="*/ 104984 h 225564"/>
-              <a:gd name="connsiteX6" fmla="*/ 20097 w 326572"/>
-              <a:gd name="connsiteY6" fmla="*/ 135129 h 225564"/>
-              <a:gd name="connsiteX7" fmla="*/ 0 w 326572"/>
-              <a:gd name="connsiteY7" fmla="*/ 160250 h 225564"/>
-              <a:gd name="connsiteX0" fmla="*/ 326572 w 326572"/>
-              <a:gd name="connsiteY0" fmla="*/ 326535 h 326535"/>
-              <a:gd name="connsiteX1" fmla="*/ 251209 w 326572"/>
-              <a:gd name="connsiteY1" fmla="*/ 296390 h 326535"/>
-              <a:gd name="connsiteX2" fmla="*/ 200968 w 326572"/>
-              <a:gd name="connsiteY2" fmla="*/ 246148 h 326535"/>
-              <a:gd name="connsiteX3" fmla="*/ 150726 w 326572"/>
-              <a:gd name="connsiteY3" fmla="*/ 180834 h 326535"/>
-              <a:gd name="connsiteX4" fmla="*/ 188329 w 326572"/>
-              <a:gd name="connsiteY4" fmla="*/ 101180 h 326535"/>
-              <a:gd name="connsiteX5" fmla="*/ 197356 w 326572"/>
-              <a:gd name="connsiteY5" fmla="*/ 3549 h 326535"/>
-              <a:gd name="connsiteX6" fmla="*/ 20097 w 326572"/>
-              <a:gd name="connsiteY6" fmla="*/ 236100 h 326535"/>
-              <a:gd name="connsiteX7" fmla="*/ 0 w 326572"/>
-              <a:gd name="connsiteY7" fmla="*/ 261221 h 326535"/>
-              <a:gd name="connsiteX0" fmla="*/ 326572 w 326572"/>
-              <a:gd name="connsiteY0" fmla="*/ 375091 h 375091"/>
-              <a:gd name="connsiteX1" fmla="*/ 251209 w 326572"/>
-              <a:gd name="connsiteY1" fmla="*/ 344946 h 375091"/>
-              <a:gd name="connsiteX2" fmla="*/ 200968 w 326572"/>
-              <a:gd name="connsiteY2" fmla="*/ 294704 h 375091"/>
-              <a:gd name="connsiteX3" fmla="*/ 150726 w 326572"/>
-              <a:gd name="connsiteY3" fmla="*/ 229390 h 375091"/>
-              <a:gd name="connsiteX4" fmla="*/ 188329 w 326572"/>
-              <a:gd name="connsiteY4" fmla="*/ 149736 h 375091"/>
-              <a:gd name="connsiteX5" fmla="*/ 197356 w 326572"/>
-              <a:gd name="connsiteY5" fmla="*/ 52105 h 375091"/>
-              <a:gd name="connsiteX6" fmla="*/ 198690 w 326572"/>
-              <a:gd name="connsiteY6" fmla="*/ 15574 h 375091"/>
-              <a:gd name="connsiteX7" fmla="*/ 0 w 326572"/>
-              <a:gd name="connsiteY7" fmla="*/ 309777 h 375091"/>
-              <a:gd name="connsiteX0" fmla="*/ 175946 w 175946"/>
-              <a:gd name="connsiteY0" fmla="*/ 468230 h 468230"/>
-              <a:gd name="connsiteX1" fmla="*/ 100583 w 175946"/>
-              <a:gd name="connsiteY1" fmla="*/ 438085 h 468230"/>
-              <a:gd name="connsiteX2" fmla="*/ 50342 w 175946"/>
-              <a:gd name="connsiteY2" fmla="*/ 387843 h 468230"/>
-              <a:gd name="connsiteX3" fmla="*/ 100 w 175946"/>
-              <a:gd name="connsiteY3" fmla="*/ 322529 h 468230"/>
-              <a:gd name="connsiteX4" fmla="*/ 37703 w 175946"/>
-              <a:gd name="connsiteY4" fmla="*/ 242875 h 468230"/>
-              <a:gd name="connsiteX5" fmla="*/ 46730 w 175946"/>
-              <a:gd name="connsiteY5" fmla="*/ 145244 h 468230"/>
-              <a:gd name="connsiteX6" fmla="*/ 48064 w 175946"/>
-              <a:gd name="connsiteY6" fmla="*/ 108713 h 468230"/>
-              <a:gd name="connsiteX7" fmla="*/ 87499 w 175946"/>
-              <a:gd name="connsiteY7" fmla="*/ 485 h 468230"/>
-              <a:gd name="connsiteX0" fmla="*/ 175946 w 175946"/>
-              <a:gd name="connsiteY0" fmla="*/ 467745 h 467745"/>
-              <a:gd name="connsiteX1" fmla="*/ 100583 w 175946"/>
-              <a:gd name="connsiteY1" fmla="*/ 437600 h 467745"/>
-              <a:gd name="connsiteX2" fmla="*/ 50342 w 175946"/>
-              <a:gd name="connsiteY2" fmla="*/ 387358 h 467745"/>
-              <a:gd name="connsiteX3" fmla="*/ 100 w 175946"/>
-              <a:gd name="connsiteY3" fmla="*/ 322044 h 467745"/>
-              <a:gd name="connsiteX4" fmla="*/ 37703 w 175946"/>
-              <a:gd name="connsiteY4" fmla="*/ 242390 h 467745"/>
-              <a:gd name="connsiteX5" fmla="*/ 46730 w 175946"/>
-              <a:gd name="connsiteY5" fmla="*/ 144759 h 467745"/>
-              <a:gd name="connsiteX6" fmla="*/ 48064 w 175946"/>
-              <a:gd name="connsiteY6" fmla="*/ 108228 h 467745"/>
-              <a:gd name="connsiteX7" fmla="*/ 73369 w 175946"/>
-              <a:gd name="connsiteY7" fmla="*/ 37734 h 467745"/>
-              <a:gd name="connsiteX8" fmla="*/ 87499 w 175946"/>
-              <a:gd name="connsiteY8" fmla="*/ 0 h 467745"/>
-              <a:gd name="connsiteX0" fmla="*/ 175946 w 175946"/>
-              <a:gd name="connsiteY0" fmla="*/ 577282 h 577282"/>
-              <a:gd name="connsiteX1" fmla="*/ 100583 w 175946"/>
-              <a:gd name="connsiteY1" fmla="*/ 547137 h 577282"/>
-              <a:gd name="connsiteX2" fmla="*/ 50342 w 175946"/>
-              <a:gd name="connsiteY2" fmla="*/ 496895 h 577282"/>
-              <a:gd name="connsiteX3" fmla="*/ 100 w 175946"/>
-              <a:gd name="connsiteY3" fmla="*/ 431581 h 577282"/>
-              <a:gd name="connsiteX4" fmla="*/ 37703 w 175946"/>
-              <a:gd name="connsiteY4" fmla="*/ 351927 h 577282"/>
-              <a:gd name="connsiteX5" fmla="*/ 46730 w 175946"/>
-              <a:gd name="connsiteY5" fmla="*/ 254296 h 577282"/>
-              <a:gd name="connsiteX6" fmla="*/ 48064 w 175946"/>
-              <a:gd name="connsiteY6" fmla="*/ 217765 h 577282"/>
-              <a:gd name="connsiteX7" fmla="*/ 73369 w 175946"/>
-              <a:gd name="connsiteY7" fmla="*/ 147271 h 577282"/>
-              <a:gd name="connsiteX8" fmla="*/ 125599 w 175946"/>
-              <a:gd name="connsiteY8" fmla="*/ 0 h 577282"/>
-              <a:gd name="connsiteX0" fmla="*/ 175946 w 175946"/>
-              <a:gd name="connsiteY0" fmla="*/ 577282 h 577282"/>
-              <a:gd name="connsiteX1" fmla="*/ 100583 w 175946"/>
-              <a:gd name="connsiteY1" fmla="*/ 547137 h 577282"/>
-              <a:gd name="connsiteX2" fmla="*/ 50342 w 175946"/>
-              <a:gd name="connsiteY2" fmla="*/ 496895 h 577282"/>
-              <a:gd name="connsiteX3" fmla="*/ 100 w 175946"/>
-              <a:gd name="connsiteY3" fmla="*/ 431581 h 577282"/>
-              <a:gd name="connsiteX4" fmla="*/ 37703 w 175946"/>
-              <a:gd name="connsiteY4" fmla="*/ 351927 h 577282"/>
-              <a:gd name="connsiteX5" fmla="*/ 46730 w 175946"/>
-              <a:gd name="connsiteY5" fmla="*/ 254296 h 577282"/>
-              <a:gd name="connsiteX6" fmla="*/ 48064 w 175946"/>
-              <a:gd name="connsiteY6" fmla="*/ 217765 h 577282"/>
-              <a:gd name="connsiteX7" fmla="*/ 101944 w 175946"/>
-              <a:gd name="connsiteY7" fmla="*/ 80596 h 577282"/>
-              <a:gd name="connsiteX8" fmla="*/ 125599 w 175946"/>
-              <a:gd name="connsiteY8" fmla="*/ 0 h 577282"/>
+              <a:gd name="connsiteX0" fmla="*/ 0 w 471487"/>
+              <a:gd name="connsiteY0" fmla="*/ 0 h 546076"/>
+              <a:gd name="connsiteX1" fmla="*/ 59531 w 471487"/>
+              <a:gd name="connsiteY1" fmla="*/ 40481 h 546076"/>
+              <a:gd name="connsiteX2" fmla="*/ 100012 w 471487"/>
+              <a:gd name="connsiteY2" fmla="*/ 85725 h 546076"/>
+              <a:gd name="connsiteX3" fmla="*/ 114300 w 471487"/>
+              <a:gd name="connsiteY3" fmla="*/ 102393 h 546076"/>
+              <a:gd name="connsiteX4" fmla="*/ 133350 w 471487"/>
+              <a:gd name="connsiteY4" fmla="*/ 147637 h 546076"/>
+              <a:gd name="connsiteX5" fmla="*/ 152400 w 471487"/>
+              <a:gd name="connsiteY5" fmla="*/ 209550 h 546076"/>
+              <a:gd name="connsiteX6" fmla="*/ 152400 w 471487"/>
+              <a:gd name="connsiteY6" fmla="*/ 240506 h 546076"/>
+              <a:gd name="connsiteX7" fmla="*/ 169069 w 471487"/>
+              <a:gd name="connsiteY7" fmla="*/ 264318 h 546076"/>
+              <a:gd name="connsiteX8" fmla="*/ 219075 w 471487"/>
+              <a:gd name="connsiteY8" fmla="*/ 307181 h 546076"/>
+              <a:gd name="connsiteX9" fmla="*/ 273844 w 471487"/>
+              <a:gd name="connsiteY9" fmla="*/ 354806 h 546076"/>
+              <a:gd name="connsiteX10" fmla="*/ 319087 w 471487"/>
+              <a:gd name="connsiteY10" fmla="*/ 416718 h 546076"/>
+              <a:gd name="connsiteX11" fmla="*/ 366712 w 471487"/>
+              <a:gd name="connsiteY11" fmla="*/ 464343 h 546076"/>
+              <a:gd name="connsiteX12" fmla="*/ 402431 w 471487"/>
+              <a:gd name="connsiteY12" fmla="*/ 504825 h 546076"/>
+              <a:gd name="connsiteX13" fmla="*/ 423862 w 471487"/>
+              <a:gd name="connsiteY13" fmla="*/ 526256 h 546076"/>
+              <a:gd name="connsiteX14" fmla="*/ 445294 w 471487"/>
+              <a:gd name="connsiteY14" fmla="*/ 545306 h 546076"/>
+              <a:gd name="connsiteX15" fmla="*/ 471487 w 471487"/>
+              <a:gd name="connsiteY15" fmla="*/ 540543 h 546076"/>
             </a:gdLst>
             <a:ahLst/>
             <a:cxnLst>
@@ -7530,650 +9896,108 @@
               <a:cxn ang="0">
                 <a:pos x="connsiteX8" y="connsiteY8"/>
               </a:cxn>
+              <a:cxn ang="0">
+                <a:pos x="connsiteX9" y="connsiteY9"/>
+              </a:cxn>
+              <a:cxn ang="0">
+                <a:pos x="connsiteX10" y="connsiteY10"/>
+              </a:cxn>
+              <a:cxn ang="0">
+                <a:pos x="connsiteX11" y="connsiteY11"/>
+              </a:cxn>
+              <a:cxn ang="0">
+                <a:pos x="connsiteX12" y="connsiteY12"/>
+              </a:cxn>
+              <a:cxn ang="0">
+                <a:pos x="connsiteX13" y="connsiteY13"/>
+              </a:cxn>
+              <a:cxn ang="0">
+                <a:pos x="connsiteX14" y="connsiteY14"/>
+              </a:cxn>
+              <a:cxn ang="0">
+                <a:pos x="connsiteX15" y="connsiteY15"/>
+              </a:cxn>
             </a:cxnLst>
             <a:rect l="l" t="t" r="r" b="b"/>
             <a:pathLst>
-              <a:path w="175946" h="577282">
-                <a:moveTo>
-                  <a:pt x="175946" y="577282"/>
-                </a:moveTo>
-                <a:cubicBezTo>
-                  <a:pt x="148731" y="568908"/>
-                  <a:pt x="121517" y="560535"/>
-                  <a:pt x="100583" y="547137"/>
-                </a:cubicBezTo>
-                <a:cubicBezTo>
-                  <a:pt x="79649" y="533739"/>
-                  <a:pt x="67089" y="516154"/>
-                  <a:pt x="50342" y="496895"/>
-                </a:cubicBezTo>
-                <a:cubicBezTo>
-                  <a:pt x="33595" y="477636"/>
-                  <a:pt x="2206" y="455742"/>
-                  <a:pt x="100" y="431581"/>
-                </a:cubicBezTo>
-                <a:cubicBezTo>
-                  <a:pt x="-2006" y="407420"/>
-                  <a:pt x="29931" y="381475"/>
-                  <a:pt x="37703" y="351927"/>
-                </a:cubicBezTo>
-                <a:cubicBezTo>
-                  <a:pt x="45475" y="322379"/>
-                  <a:pt x="45003" y="276656"/>
-                  <a:pt x="46730" y="254296"/>
-                </a:cubicBezTo>
-                <a:cubicBezTo>
-                  <a:pt x="48457" y="231936"/>
-                  <a:pt x="38862" y="246715"/>
-                  <a:pt x="48064" y="217765"/>
-                </a:cubicBezTo>
-                <a:cubicBezTo>
-                  <a:pt x="57266" y="188815"/>
-                  <a:pt x="95372" y="98634"/>
-                  <a:pt x="101944" y="80596"/>
-                </a:cubicBezTo>
-                <a:cubicBezTo>
-                  <a:pt x="108517" y="62558"/>
-                  <a:pt x="123244" y="6289"/>
-                  <a:pt x="125599" y="0"/>
-                </a:cubicBezTo>
-              </a:path>
-            </a:pathLst>
-          </a:custGeom>
-          <a:noFill/>
-          <a:ln w="38100">
-            <a:solidFill>
-              <a:srgbClr val="00B050"/>
-            </a:solidFill>
-          </a:ln>
-        </p:spPr>
-        <p:style>
-          <a:lnRef idx="2">
-            <a:schemeClr val="accent1">
-              <a:shade val="50000"/>
-            </a:schemeClr>
-          </a:lnRef>
-          <a:fillRef idx="1">
-            <a:schemeClr val="accent1"/>
-          </a:fillRef>
-          <a:effectRef idx="0">
-            <a:schemeClr val="accent1"/>
-          </a:effectRef>
-          <a:fontRef idx="minor">
-            <a:schemeClr val="lt1"/>
-          </a:fontRef>
-        </p:style>
-        <p:txBody>
-          <a:bodyPr rtlCol="0" anchor="ctr"/>
-          <a:lstStyle/>
-          <a:p>
-            <a:pPr algn="ctr"/>
-            <a:endParaRPr lang="ko-KR" altLang="en-US"/>
-          </a:p>
-        </p:txBody>
-      </p:sp>
-      <p:sp>
-        <p:nvSpPr>
-          <p:cNvPr id="7" name="자유형 6"/>
-          <p:cNvSpPr/>
-          <p:nvPr/>
-        </p:nvSpPr>
-        <p:spPr>
-          <a:xfrm>
-            <a:off x="4207435" y="4524188"/>
-            <a:ext cx="992094" cy="1207247"/>
-          </a:xfrm>
-          <a:custGeom>
-            <a:avLst/>
-            <a:gdLst>
-              <a:gd name="connsiteX0" fmla="*/ 0 w 992094"/>
-              <a:gd name="connsiteY0" fmla="*/ 1207247 h 1207247"/>
-              <a:gd name="connsiteX1" fmla="*/ 29883 w 992094"/>
-              <a:gd name="connsiteY1" fmla="*/ 1129553 h 1207247"/>
-              <a:gd name="connsiteX2" fmla="*/ 47812 w 992094"/>
-              <a:gd name="connsiteY2" fmla="*/ 1075765 h 1207247"/>
-              <a:gd name="connsiteX3" fmla="*/ 89647 w 992094"/>
-              <a:gd name="connsiteY3" fmla="*/ 1010024 h 1207247"/>
-              <a:gd name="connsiteX4" fmla="*/ 167341 w 992094"/>
-              <a:gd name="connsiteY4" fmla="*/ 1010024 h 1207247"/>
-              <a:gd name="connsiteX5" fmla="*/ 245036 w 992094"/>
-              <a:gd name="connsiteY5" fmla="*/ 992094 h 1207247"/>
-              <a:gd name="connsiteX6" fmla="*/ 280894 w 992094"/>
-              <a:gd name="connsiteY6" fmla="*/ 962212 h 1207247"/>
-              <a:gd name="connsiteX7" fmla="*/ 316753 w 992094"/>
-              <a:gd name="connsiteY7" fmla="*/ 908424 h 1207247"/>
-              <a:gd name="connsiteX8" fmla="*/ 358589 w 992094"/>
-              <a:gd name="connsiteY8" fmla="*/ 842683 h 1207247"/>
-              <a:gd name="connsiteX9" fmla="*/ 382494 w 992094"/>
-              <a:gd name="connsiteY9" fmla="*/ 776941 h 1207247"/>
-              <a:gd name="connsiteX10" fmla="*/ 454212 w 992094"/>
-              <a:gd name="connsiteY10" fmla="*/ 693271 h 1207247"/>
-              <a:gd name="connsiteX11" fmla="*/ 519953 w 992094"/>
-              <a:gd name="connsiteY11" fmla="*/ 609600 h 1207247"/>
-              <a:gd name="connsiteX12" fmla="*/ 567765 w 992094"/>
-              <a:gd name="connsiteY12" fmla="*/ 537883 h 1207247"/>
-              <a:gd name="connsiteX13" fmla="*/ 633506 w 992094"/>
-              <a:gd name="connsiteY13" fmla="*/ 472141 h 1207247"/>
-              <a:gd name="connsiteX14" fmla="*/ 699247 w 992094"/>
-              <a:gd name="connsiteY14" fmla="*/ 400424 h 1207247"/>
-              <a:gd name="connsiteX15" fmla="*/ 788894 w 992094"/>
-              <a:gd name="connsiteY15" fmla="*/ 304800 h 1207247"/>
-              <a:gd name="connsiteX16" fmla="*/ 842683 w 992094"/>
-              <a:gd name="connsiteY16" fmla="*/ 227106 h 1207247"/>
-              <a:gd name="connsiteX17" fmla="*/ 890494 w 992094"/>
-              <a:gd name="connsiteY17" fmla="*/ 173318 h 1207247"/>
-              <a:gd name="connsiteX18" fmla="*/ 938306 w 992094"/>
-              <a:gd name="connsiteY18" fmla="*/ 53788 h 1207247"/>
-              <a:gd name="connsiteX19" fmla="*/ 992094 w 992094"/>
-              <a:gd name="connsiteY19" fmla="*/ 0 h 1207247"/>
-              <a:gd name="connsiteX0" fmla="*/ 0 w 992094"/>
-              <a:gd name="connsiteY0" fmla="*/ 1207247 h 1207247"/>
-              <a:gd name="connsiteX1" fmla="*/ 29883 w 992094"/>
-              <a:gd name="connsiteY1" fmla="*/ 1129553 h 1207247"/>
-              <a:gd name="connsiteX2" fmla="*/ 47812 w 992094"/>
-              <a:gd name="connsiteY2" fmla="*/ 1075765 h 1207247"/>
-              <a:gd name="connsiteX3" fmla="*/ 89647 w 992094"/>
-              <a:gd name="connsiteY3" fmla="*/ 1010024 h 1207247"/>
-              <a:gd name="connsiteX4" fmla="*/ 167341 w 992094"/>
-              <a:gd name="connsiteY4" fmla="*/ 1010024 h 1207247"/>
-              <a:gd name="connsiteX5" fmla="*/ 245036 w 992094"/>
-              <a:gd name="connsiteY5" fmla="*/ 992094 h 1207247"/>
-              <a:gd name="connsiteX6" fmla="*/ 280894 w 992094"/>
-              <a:gd name="connsiteY6" fmla="*/ 962212 h 1207247"/>
-              <a:gd name="connsiteX7" fmla="*/ 316753 w 992094"/>
-              <a:gd name="connsiteY7" fmla="*/ 908424 h 1207247"/>
-              <a:gd name="connsiteX8" fmla="*/ 358589 w 992094"/>
-              <a:gd name="connsiteY8" fmla="*/ 842683 h 1207247"/>
-              <a:gd name="connsiteX9" fmla="*/ 382494 w 992094"/>
-              <a:gd name="connsiteY9" fmla="*/ 776941 h 1207247"/>
-              <a:gd name="connsiteX10" fmla="*/ 454212 w 992094"/>
-              <a:gd name="connsiteY10" fmla="*/ 693271 h 1207247"/>
-              <a:gd name="connsiteX11" fmla="*/ 519953 w 992094"/>
-              <a:gd name="connsiteY11" fmla="*/ 609600 h 1207247"/>
-              <a:gd name="connsiteX12" fmla="*/ 579718 w 992094"/>
-              <a:gd name="connsiteY12" fmla="*/ 543860 h 1207247"/>
-              <a:gd name="connsiteX13" fmla="*/ 633506 w 992094"/>
-              <a:gd name="connsiteY13" fmla="*/ 472141 h 1207247"/>
-              <a:gd name="connsiteX14" fmla="*/ 699247 w 992094"/>
-              <a:gd name="connsiteY14" fmla="*/ 400424 h 1207247"/>
-              <a:gd name="connsiteX15" fmla="*/ 788894 w 992094"/>
-              <a:gd name="connsiteY15" fmla="*/ 304800 h 1207247"/>
-              <a:gd name="connsiteX16" fmla="*/ 842683 w 992094"/>
-              <a:gd name="connsiteY16" fmla="*/ 227106 h 1207247"/>
-              <a:gd name="connsiteX17" fmla="*/ 890494 w 992094"/>
-              <a:gd name="connsiteY17" fmla="*/ 173318 h 1207247"/>
-              <a:gd name="connsiteX18" fmla="*/ 938306 w 992094"/>
-              <a:gd name="connsiteY18" fmla="*/ 53788 h 1207247"/>
-              <a:gd name="connsiteX19" fmla="*/ 992094 w 992094"/>
-              <a:gd name="connsiteY19" fmla="*/ 0 h 1207247"/>
-              <a:gd name="connsiteX0" fmla="*/ 0 w 992094"/>
-              <a:gd name="connsiteY0" fmla="*/ 1207247 h 1207247"/>
-              <a:gd name="connsiteX1" fmla="*/ 29883 w 992094"/>
-              <a:gd name="connsiteY1" fmla="*/ 1129553 h 1207247"/>
-              <a:gd name="connsiteX2" fmla="*/ 47812 w 992094"/>
-              <a:gd name="connsiteY2" fmla="*/ 1075765 h 1207247"/>
-              <a:gd name="connsiteX3" fmla="*/ 89647 w 992094"/>
-              <a:gd name="connsiteY3" fmla="*/ 1010024 h 1207247"/>
-              <a:gd name="connsiteX4" fmla="*/ 167341 w 992094"/>
-              <a:gd name="connsiteY4" fmla="*/ 1010024 h 1207247"/>
-              <a:gd name="connsiteX5" fmla="*/ 245036 w 992094"/>
-              <a:gd name="connsiteY5" fmla="*/ 992094 h 1207247"/>
-              <a:gd name="connsiteX6" fmla="*/ 280894 w 992094"/>
-              <a:gd name="connsiteY6" fmla="*/ 962212 h 1207247"/>
-              <a:gd name="connsiteX7" fmla="*/ 316753 w 992094"/>
-              <a:gd name="connsiteY7" fmla="*/ 908424 h 1207247"/>
-              <a:gd name="connsiteX8" fmla="*/ 358589 w 992094"/>
-              <a:gd name="connsiteY8" fmla="*/ 842683 h 1207247"/>
-              <a:gd name="connsiteX9" fmla="*/ 382494 w 992094"/>
-              <a:gd name="connsiteY9" fmla="*/ 776941 h 1207247"/>
-              <a:gd name="connsiteX10" fmla="*/ 454212 w 992094"/>
-              <a:gd name="connsiteY10" fmla="*/ 693271 h 1207247"/>
-              <a:gd name="connsiteX11" fmla="*/ 519953 w 992094"/>
-              <a:gd name="connsiteY11" fmla="*/ 609600 h 1207247"/>
-              <a:gd name="connsiteX12" fmla="*/ 579718 w 992094"/>
-              <a:gd name="connsiteY12" fmla="*/ 543860 h 1207247"/>
-              <a:gd name="connsiteX13" fmla="*/ 639482 w 992094"/>
-              <a:gd name="connsiteY13" fmla="*/ 472141 h 1207247"/>
-              <a:gd name="connsiteX14" fmla="*/ 699247 w 992094"/>
-              <a:gd name="connsiteY14" fmla="*/ 400424 h 1207247"/>
-              <a:gd name="connsiteX15" fmla="*/ 788894 w 992094"/>
-              <a:gd name="connsiteY15" fmla="*/ 304800 h 1207247"/>
-              <a:gd name="connsiteX16" fmla="*/ 842683 w 992094"/>
-              <a:gd name="connsiteY16" fmla="*/ 227106 h 1207247"/>
-              <a:gd name="connsiteX17" fmla="*/ 890494 w 992094"/>
-              <a:gd name="connsiteY17" fmla="*/ 173318 h 1207247"/>
-              <a:gd name="connsiteX18" fmla="*/ 938306 w 992094"/>
-              <a:gd name="connsiteY18" fmla="*/ 53788 h 1207247"/>
-              <a:gd name="connsiteX19" fmla="*/ 992094 w 992094"/>
-              <a:gd name="connsiteY19" fmla="*/ 0 h 1207247"/>
-            </a:gdLst>
-            <a:ahLst/>
-            <a:cxnLst>
-              <a:cxn ang="0">
-                <a:pos x="connsiteX0" y="connsiteY0"/>
-              </a:cxn>
-              <a:cxn ang="0">
-                <a:pos x="connsiteX1" y="connsiteY1"/>
-              </a:cxn>
-              <a:cxn ang="0">
-                <a:pos x="connsiteX2" y="connsiteY2"/>
-              </a:cxn>
-              <a:cxn ang="0">
-                <a:pos x="connsiteX3" y="connsiteY3"/>
-              </a:cxn>
-              <a:cxn ang="0">
-                <a:pos x="connsiteX4" y="connsiteY4"/>
-              </a:cxn>
-              <a:cxn ang="0">
-                <a:pos x="connsiteX5" y="connsiteY5"/>
-              </a:cxn>
-              <a:cxn ang="0">
-                <a:pos x="connsiteX6" y="connsiteY6"/>
-              </a:cxn>
-              <a:cxn ang="0">
-                <a:pos x="connsiteX7" y="connsiteY7"/>
-              </a:cxn>
-              <a:cxn ang="0">
-                <a:pos x="connsiteX8" y="connsiteY8"/>
-              </a:cxn>
-              <a:cxn ang="0">
-                <a:pos x="connsiteX9" y="connsiteY9"/>
-              </a:cxn>
-              <a:cxn ang="0">
-                <a:pos x="connsiteX10" y="connsiteY10"/>
-              </a:cxn>
-              <a:cxn ang="0">
-                <a:pos x="connsiteX11" y="connsiteY11"/>
-              </a:cxn>
-              <a:cxn ang="0">
-                <a:pos x="connsiteX12" y="connsiteY12"/>
-              </a:cxn>
-              <a:cxn ang="0">
-                <a:pos x="connsiteX13" y="connsiteY13"/>
-              </a:cxn>
-              <a:cxn ang="0">
-                <a:pos x="connsiteX14" y="connsiteY14"/>
-              </a:cxn>
-              <a:cxn ang="0">
-                <a:pos x="connsiteX15" y="connsiteY15"/>
-              </a:cxn>
-              <a:cxn ang="0">
-                <a:pos x="connsiteX16" y="connsiteY16"/>
-              </a:cxn>
-              <a:cxn ang="0">
-                <a:pos x="connsiteX17" y="connsiteY17"/>
-              </a:cxn>
-              <a:cxn ang="0">
-                <a:pos x="connsiteX18" y="connsiteY18"/>
-              </a:cxn>
-              <a:cxn ang="0">
-                <a:pos x="connsiteX19" y="connsiteY19"/>
-              </a:cxn>
-            </a:cxnLst>
-            <a:rect l="l" t="t" r="r" b="b"/>
-            <a:pathLst>
-              <a:path w="992094" h="1207247">
-                <a:moveTo>
-                  <a:pt x="0" y="1207247"/>
-                </a:moveTo>
-                <a:cubicBezTo>
-                  <a:pt x="10957" y="1179357"/>
-                  <a:pt x="21914" y="1151467"/>
-                  <a:pt x="29883" y="1129553"/>
-                </a:cubicBezTo>
-                <a:cubicBezTo>
-                  <a:pt x="37852" y="1107639"/>
-                  <a:pt x="37851" y="1095686"/>
-                  <a:pt x="47812" y="1075765"/>
-                </a:cubicBezTo>
-                <a:cubicBezTo>
-                  <a:pt x="57773" y="1055844"/>
-                  <a:pt x="69726" y="1020981"/>
-                  <a:pt x="89647" y="1010024"/>
-                </a:cubicBezTo>
-                <a:cubicBezTo>
-                  <a:pt x="109568" y="999067"/>
-                  <a:pt x="141443" y="1013012"/>
-                  <a:pt x="167341" y="1010024"/>
-                </a:cubicBezTo>
-                <a:cubicBezTo>
-                  <a:pt x="193239" y="1007036"/>
-                  <a:pt x="226111" y="1000063"/>
-                  <a:pt x="245036" y="992094"/>
-                </a:cubicBezTo>
-                <a:cubicBezTo>
-                  <a:pt x="263961" y="984125"/>
-                  <a:pt x="268941" y="976157"/>
-                  <a:pt x="280894" y="962212"/>
-                </a:cubicBezTo>
-                <a:cubicBezTo>
-                  <a:pt x="292847" y="948267"/>
-                  <a:pt x="303804" y="928345"/>
-                  <a:pt x="316753" y="908424"/>
-                </a:cubicBezTo>
-                <a:cubicBezTo>
-                  <a:pt x="329702" y="888503"/>
-                  <a:pt x="347632" y="864597"/>
-                  <a:pt x="358589" y="842683"/>
-                </a:cubicBezTo>
-                <a:cubicBezTo>
-                  <a:pt x="369546" y="820769"/>
-                  <a:pt x="366557" y="801843"/>
-                  <a:pt x="382494" y="776941"/>
-                </a:cubicBezTo>
-                <a:cubicBezTo>
-                  <a:pt x="398431" y="752039"/>
-                  <a:pt x="431302" y="721161"/>
-                  <a:pt x="454212" y="693271"/>
-                </a:cubicBezTo>
-                <a:cubicBezTo>
-                  <a:pt x="477122" y="665381"/>
-                  <a:pt x="499035" y="634502"/>
-                  <a:pt x="519953" y="609600"/>
-                </a:cubicBezTo>
-                <a:cubicBezTo>
-                  <a:pt x="540871" y="584698"/>
-                  <a:pt x="559797" y="566770"/>
-                  <a:pt x="579718" y="543860"/>
-                </a:cubicBezTo>
-                <a:cubicBezTo>
-                  <a:pt x="599639" y="520950"/>
-                  <a:pt x="619561" y="496047"/>
-                  <a:pt x="639482" y="472141"/>
-                </a:cubicBezTo>
-                <a:cubicBezTo>
-                  <a:pt x="659403" y="448235"/>
-                  <a:pt x="674345" y="428314"/>
-                  <a:pt x="699247" y="400424"/>
-                </a:cubicBezTo>
-                <a:cubicBezTo>
-                  <a:pt x="724149" y="372534"/>
-                  <a:pt x="764988" y="333686"/>
-                  <a:pt x="788894" y="304800"/>
-                </a:cubicBezTo>
-                <a:cubicBezTo>
-                  <a:pt x="812800" y="275914"/>
-                  <a:pt x="825750" y="249020"/>
-                  <a:pt x="842683" y="227106"/>
-                </a:cubicBezTo>
-                <a:cubicBezTo>
-                  <a:pt x="859616" y="205192"/>
-                  <a:pt x="874557" y="202204"/>
-                  <a:pt x="890494" y="173318"/>
-                </a:cubicBezTo>
-                <a:cubicBezTo>
-                  <a:pt x="906431" y="144432"/>
-                  <a:pt x="921373" y="82674"/>
-                  <a:pt x="938306" y="53788"/>
-                </a:cubicBezTo>
-                <a:cubicBezTo>
-                  <a:pt x="955239" y="24902"/>
-                  <a:pt x="973666" y="12451"/>
-                  <a:pt x="992094" y="0"/>
-                </a:cubicBezTo>
-              </a:path>
-            </a:pathLst>
-          </a:custGeom>
-          <a:noFill/>
-          <a:ln w="38100">
-            <a:solidFill>
-              <a:srgbClr val="00B050"/>
-            </a:solidFill>
-          </a:ln>
-        </p:spPr>
-        <p:style>
-          <a:lnRef idx="2">
-            <a:schemeClr val="accent1">
-              <a:shade val="50000"/>
-            </a:schemeClr>
-          </a:lnRef>
-          <a:fillRef idx="1">
-            <a:schemeClr val="accent1"/>
-          </a:fillRef>
-          <a:effectRef idx="0">
-            <a:schemeClr val="accent1"/>
-          </a:effectRef>
-          <a:fontRef idx="minor">
-            <a:schemeClr val="lt1"/>
-          </a:fontRef>
-        </p:style>
-        <p:txBody>
-          <a:bodyPr rtlCol="0" anchor="ctr"/>
-          <a:lstStyle/>
-          <a:p>
-            <a:pPr algn="ctr"/>
-            <a:endParaRPr lang="ko-KR" altLang="en-US"/>
-          </a:p>
-        </p:txBody>
-      </p:sp>
-      <p:sp>
-        <p:nvSpPr>
-          <p:cNvPr id="8" name="자유형 7"/>
-          <p:cNvSpPr/>
-          <p:nvPr/>
-        </p:nvSpPr>
-        <p:spPr>
-          <a:xfrm>
-            <a:off x="5211482" y="4530165"/>
-            <a:ext cx="1207247" cy="600947"/>
-          </a:xfrm>
-          <a:custGeom>
-            <a:avLst/>
-            <a:gdLst>
-              <a:gd name="connsiteX0" fmla="*/ 0 w 1207247"/>
-              <a:gd name="connsiteY0" fmla="*/ 0 h 600947"/>
-              <a:gd name="connsiteX1" fmla="*/ 47812 w 1207247"/>
-              <a:gd name="connsiteY1" fmla="*/ 71717 h 600947"/>
-              <a:gd name="connsiteX2" fmla="*/ 83671 w 1207247"/>
-              <a:gd name="connsiteY2" fmla="*/ 113553 h 600947"/>
-              <a:gd name="connsiteX3" fmla="*/ 113553 w 1207247"/>
-              <a:gd name="connsiteY3" fmla="*/ 149411 h 600947"/>
-              <a:gd name="connsiteX4" fmla="*/ 131483 w 1207247"/>
-              <a:gd name="connsiteY4" fmla="*/ 221129 h 600947"/>
-              <a:gd name="connsiteX5" fmla="*/ 197224 w 1207247"/>
-              <a:gd name="connsiteY5" fmla="*/ 286870 h 600947"/>
-              <a:gd name="connsiteX6" fmla="*/ 227106 w 1207247"/>
-              <a:gd name="connsiteY6" fmla="*/ 352611 h 600947"/>
-              <a:gd name="connsiteX7" fmla="*/ 274918 w 1207247"/>
-              <a:gd name="connsiteY7" fmla="*/ 466164 h 600947"/>
-              <a:gd name="connsiteX8" fmla="*/ 316753 w 1207247"/>
-              <a:gd name="connsiteY8" fmla="*/ 537882 h 600947"/>
-              <a:gd name="connsiteX9" fmla="*/ 340659 w 1207247"/>
-              <a:gd name="connsiteY9" fmla="*/ 567764 h 600947"/>
-              <a:gd name="connsiteX10" fmla="*/ 388471 w 1207247"/>
-              <a:gd name="connsiteY10" fmla="*/ 591670 h 600947"/>
-              <a:gd name="connsiteX11" fmla="*/ 442259 w 1207247"/>
-              <a:gd name="connsiteY11" fmla="*/ 585694 h 600947"/>
-              <a:gd name="connsiteX12" fmla="*/ 519953 w 1207247"/>
-              <a:gd name="connsiteY12" fmla="*/ 567764 h 600947"/>
-              <a:gd name="connsiteX13" fmla="*/ 567765 w 1207247"/>
-              <a:gd name="connsiteY13" fmla="*/ 573741 h 600947"/>
-              <a:gd name="connsiteX14" fmla="*/ 663389 w 1207247"/>
-              <a:gd name="connsiteY14" fmla="*/ 591670 h 600947"/>
-              <a:gd name="connsiteX15" fmla="*/ 747059 w 1207247"/>
-              <a:gd name="connsiteY15" fmla="*/ 573741 h 600947"/>
-              <a:gd name="connsiteX16" fmla="*/ 824753 w 1207247"/>
-              <a:gd name="connsiteY16" fmla="*/ 561788 h 600947"/>
-              <a:gd name="connsiteX17" fmla="*/ 896471 w 1207247"/>
-              <a:gd name="connsiteY17" fmla="*/ 579717 h 600947"/>
-              <a:gd name="connsiteX18" fmla="*/ 902447 w 1207247"/>
-              <a:gd name="connsiteY18" fmla="*/ 597647 h 600947"/>
-              <a:gd name="connsiteX19" fmla="*/ 1010024 w 1207247"/>
-              <a:gd name="connsiteY19" fmla="*/ 508000 h 600947"/>
-              <a:gd name="connsiteX20" fmla="*/ 1207247 w 1207247"/>
-              <a:gd name="connsiteY20" fmla="*/ 418353 h 600947"/>
-            </a:gdLst>
-            <a:ahLst/>
-            <a:cxnLst>
-              <a:cxn ang="0">
-                <a:pos x="connsiteX0" y="connsiteY0"/>
-              </a:cxn>
-              <a:cxn ang="0">
-                <a:pos x="connsiteX1" y="connsiteY1"/>
-              </a:cxn>
-              <a:cxn ang="0">
-                <a:pos x="connsiteX2" y="connsiteY2"/>
-              </a:cxn>
-              <a:cxn ang="0">
-                <a:pos x="connsiteX3" y="connsiteY3"/>
-              </a:cxn>
-              <a:cxn ang="0">
-                <a:pos x="connsiteX4" y="connsiteY4"/>
-              </a:cxn>
-              <a:cxn ang="0">
-                <a:pos x="connsiteX5" y="connsiteY5"/>
-              </a:cxn>
-              <a:cxn ang="0">
-                <a:pos x="connsiteX6" y="connsiteY6"/>
-              </a:cxn>
-              <a:cxn ang="0">
-                <a:pos x="connsiteX7" y="connsiteY7"/>
-              </a:cxn>
-              <a:cxn ang="0">
-                <a:pos x="connsiteX8" y="connsiteY8"/>
-              </a:cxn>
-              <a:cxn ang="0">
-                <a:pos x="connsiteX9" y="connsiteY9"/>
-              </a:cxn>
-              <a:cxn ang="0">
-                <a:pos x="connsiteX10" y="connsiteY10"/>
-              </a:cxn>
-              <a:cxn ang="0">
-                <a:pos x="connsiteX11" y="connsiteY11"/>
-              </a:cxn>
-              <a:cxn ang="0">
-                <a:pos x="connsiteX12" y="connsiteY12"/>
-              </a:cxn>
-              <a:cxn ang="0">
-                <a:pos x="connsiteX13" y="connsiteY13"/>
-              </a:cxn>
-              <a:cxn ang="0">
-                <a:pos x="connsiteX14" y="connsiteY14"/>
-              </a:cxn>
-              <a:cxn ang="0">
-                <a:pos x="connsiteX15" y="connsiteY15"/>
-              </a:cxn>
-              <a:cxn ang="0">
-                <a:pos x="connsiteX16" y="connsiteY16"/>
-              </a:cxn>
-              <a:cxn ang="0">
-                <a:pos x="connsiteX17" y="connsiteY17"/>
-              </a:cxn>
-              <a:cxn ang="0">
-                <a:pos x="connsiteX18" y="connsiteY18"/>
-              </a:cxn>
-              <a:cxn ang="0">
-                <a:pos x="connsiteX19" y="connsiteY19"/>
-              </a:cxn>
-              <a:cxn ang="0">
-                <a:pos x="connsiteX20" y="connsiteY20"/>
-              </a:cxn>
-            </a:cxnLst>
-            <a:rect l="l" t="t" r="r" b="b"/>
-            <a:pathLst>
-              <a:path w="1207247" h="600947">
+              <a:path w="471487" h="546076">
                 <a:moveTo>
                   <a:pt x="0" y="0"/>
                 </a:moveTo>
                 <a:cubicBezTo>
-                  <a:pt x="16933" y="26396"/>
-                  <a:pt x="33867" y="52792"/>
-                  <a:pt x="47812" y="71717"/>
-                </a:cubicBezTo>
-                <a:cubicBezTo>
-                  <a:pt x="61757" y="90643"/>
-                  <a:pt x="72714" y="100604"/>
-                  <a:pt x="83671" y="113553"/>
-                </a:cubicBezTo>
-                <a:cubicBezTo>
-                  <a:pt x="94628" y="126502"/>
-                  <a:pt x="105584" y="131482"/>
-                  <a:pt x="113553" y="149411"/>
-                </a:cubicBezTo>
-                <a:cubicBezTo>
-                  <a:pt x="121522" y="167340"/>
-                  <a:pt x="117538" y="198219"/>
-                  <a:pt x="131483" y="221129"/>
-                </a:cubicBezTo>
-                <a:cubicBezTo>
-                  <a:pt x="145428" y="244039"/>
-                  <a:pt x="181287" y="264956"/>
-                  <a:pt x="197224" y="286870"/>
-                </a:cubicBezTo>
-                <a:cubicBezTo>
-                  <a:pt x="213161" y="308784"/>
-                  <a:pt x="214157" y="322729"/>
-                  <a:pt x="227106" y="352611"/>
-                </a:cubicBezTo>
-                <a:cubicBezTo>
-                  <a:pt x="240055" y="382493"/>
-                  <a:pt x="259977" y="435285"/>
-                  <a:pt x="274918" y="466164"/>
-                </a:cubicBezTo>
-                <a:cubicBezTo>
-                  <a:pt x="289859" y="497043"/>
-                  <a:pt x="305796" y="520949"/>
-                  <a:pt x="316753" y="537882"/>
-                </a:cubicBezTo>
-                <a:cubicBezTo>
-                  <a:pt x="327710" y="554815"/>
-                  <a:pt x="328706" y="558799"/>
-                  <a:pt x="340659" y="567764"/>
-                </a:cubicBezTo>
-                <a:cubicBezTo>
-                  <a:pt x="352612" y="576729"/>
-                  <a:pt x="371538" y="588682"/>
-                  <a:pt x="388471" y="591670"/>
-                </a:cubicBezTo>
-                <a:cubicBezTo>
-                  <a:pt x="405404" y="594658"/>
-                  <a:pt x="420345" y="589678"/>
-                  <a:pt x="442259" y="585694"/>
-                </a:cubicBezTo>
-                <a:cubicBezTo>
-                  <a:pt x="464173" y="581710"/>
-                  <a:pt x="499035" y="569756"/>
-                  <a:pt x="519953" y="567764"/>
-                </a:cubicBezTo>
-                <a:cubicBezTo>
-                  <a:pt x="540871" y="565772"/>
-                  <a:pt x="543859" y="569757"/>
-                  <a:pt x="567765" y="573741"/>
-                </a:cubicBezTo>
-                <a:cubicBezTo>
-                  <a:pt x="591671" y="577725"/>
-                  <a:pt x="633507" y="591670"/>
-                  <a:pt x="663389" y="591670"/>
-                </a:cubicBezTo>
-                <a:cubicBezTo>
-                  <a:pt x="693271" y="591670"/>
-                  <a:pt x="720165" y="578721"/>
-                  <a:pt x="747059" y="573741"/>
-                </a:cubicBezTo>
-                <a:cubicBezTo>
-                  <a:pt x="773953" y="568761"/>
-                  <a:pt x="799851" y="560792"/>
-                  <a:pt x="824753" y="561788"/>
-                </a:cubicBezTo>
-                <a:cubicBezTo>
-                  <a:pt x="849655" y="562784"/>
-                  <a:pt x="896471" y="579717"/>
-                  <a:pt x="896471" y="579717"/>
-                </a:cubicBezTo>
-                <a:cubicBezTo>
-                  <a:pt x="909420" y="585693"/>
-                  <a:pt x="883522" y="609600"/>
-                  <a:pt x="902447" y="597647"/>
-                </a:cubicBezTo>
-                <a:cubicBezTo>
-                  <a:pt x="921372" y="585694"/>
-                  <a:pt x="959224" y="537882"/>
-                  <a:pt x="1010024" y="508000"/>
-                </a:cubicBezTo>
-                <a:cubicBezTo>
-                  <a:pt x="1060824" y="478118"/>
-                  <a:pt x="1134035" y="448235"/>
-                  <a:pt x="1207247" y="418353"/>
+                  <a:pt x="21431" y="13097"/>
+                  <a:pt x="42862" y="26194"/>
+                  <a:pt x="59531" y="40481"/>
+                </a:cubicBezTo>
+                <a:cubicBezTo>
+                  <a:pt x="76200" y="54768"/>
+                  <a:pt x="90884" y="75406"/>
+                  <a:pt x="100012" y="85725"/>
+                </a:cubicBezTo>
+                <a:cubicBezTo>
+                  <a:pt x="109140" y="96044"/>
+                  <a:pt x="108744" y="92074"/>
+                  <a:pt x="114300" y="102393"/>
+                </a:cubicBezTo>
+                <a:cubicBezTo>
+                  <a:pt x="119856" y="112712"/>
+                  <a:pt x="127000" y="129778"/>
+                  <a:pt x="133350" y="147637"/>
+                </a:cubicBezTo>
+                <a:cubicBezTo>
+                  <a:pt x="139700" y="165496"/>
+                  <a:pt x="149225" y="194072"/>
+                  <a:pt x="152400" y="209550"/>
+                </a:cubicBezTo>
+                <a:cubicBezTo>
+                  <a:pt x="155575" y="225028"/>
+                  <a:pt x="149622" y="231378"/>
+                  <a:pt x="152400" y="240506"/>
+                </a:cubicBezTo>
+                <a:cubicBezTo>
+                  <a:pt x="155178" y="249634"/>
+                  <a:pt x="157957" y="253206"/>
+                  <a:pt x="169069" y="264318"/>
+                </a:cubicBezTo>
+                <a:cubicBezTo>
+                  <a:pt x="180181" y="275430"/>
+                  <a:pt x="219075" y="307181"/>
+                  <a:pt x="219075" y="307181"/>
+                </a:cubicBezTo>
+                <a:cubicBezTo>
+                  <a:pt x="236538" y="322262"/>
+                  <a:pt x="257175" y="336550"/>
+                  <a:pt x="273844" y="354806"/>
+                </a:cubicBezTo>
+                <a:cubicBezTo>
+                  <a:pt x="290513" y="373062"/>
+                  <a:pt x="303609" y="398462"/>
+                  <a:pt x="319087" y="416718"/>
+                </a:cubicBezTo>
+                <a:cubicBezTo>
+                  <a:pt x="334565" y="434974"/>
+                  <a:pt x="352822" y="449659"/>
+                  <a:pt x="366712" y="464343"/>
+                </a:cubicBezTo>
+                <a:cubicBezTo>
+                  <a:pt x="380602" y="479027"/>
+                  <a:pt x="392906" y="494506"/>
+                  <a:pt x="402431" y="504825"/>
+                </a:cubicBezTo>
+                <a:cubicBezTo>
+                  <a:pt x="411956" y="515144"/>
+                  <a:pt x="416718" y="519509"/>
+                  <a:pt x="423862" y="526256"/>
+                </a:cubicBezTo>
+                <a:cubicBezTo>
+                  <a:pt x="431006" y="533003"/>
+                  <a:pt x="437357" y="542925"/>
+                  <a:pt x="445294" y="545306"/>
+                </a:cubicBezTo>
+                <a:cubicBezTo>
+                  <a:pt x="453231" y="547687"/>
+                  <a:pt x="462359" y="544115"/>
+                  <a:pt x="471487" y="540543"/>
                 </a:cubicBezTo>
               </a:path>
             </a:pathLst>
@@ -8481,7 +10305,40 @@
       </a:bgFillStyleLst>
     </a:fmtScheme>
   </a:themeElements>
-  <a:objectDefaults/>
+  <a:objectDefaults>
+    <a:spDef>
+      <a:spPr>
+        <a:noFill/>
+        <a:ln w="38100">
+          <a:solidFill>
+            <a:srgbClr val="00B050"/>
+          </a:solidFill>
+        </a:ln>
+      </a:spPr>
+      <a:bodyPr rtlCol="0" anchor="ctr"/>
+      <a:lstStyle>
+        <a:defPPr algn="ctr">
+          <a:defRPr/>
+        </a:defPPr>
+      </a:lstStyle>
+      <a:style>
+        <a:lnRef idx="2">
+          <a:schemeClr val="accent1">
+            <a:shade val="50000"/>
+          </a:schemeClr>
+        </a:lnRef>
+        <a:fillRef idx="1">
+          <a:schemeClr val="accent1"/>
+        </a:fillRef>
+        <a:effectRef idx="0">
+          <a:schemeClr val="accent1"/>
+        </a:effectRef>
+        <a:fontRef idx="minor">
+          <a:schemeClr val="lt1"/>
+        </a:fontRef>
+      </a:style>
+    </a:spDef>
+  </a:objectDefaults>
   <a:extraClrSchemeLst/>
   <a:extLst>
     <a:ext uri="{05A4C25C-085E-4340-85A3-A5531E510DB2}">

--- a/0.PPT파일/등산지도_경로_세로_2020-08-29.pptx
+++ b/0.PPT파일/등산지도_경로_세로_2020-08-29.pptx
@@ -283,7 +283,7 @@
           <a:p>
             <a:fld id="{5CBC3198-AB24-46EE-8A6F-BC607E4DFF2A}" type="datetimeFigureOut">
               <a:rPr lang="ko-KR" altLang="en-US" smtClean="0"/>
-              <a:t>2020-09-30</a:t>
+              <a:t>2020-11-15</a:t>
             </a:fld>
             <a:endParaRPr lang="ko-KR" altLang="en-US"/>
           </a:p>
@@ -463,7 +463,7 @@
           <a:p>
             <a:fld id="{5CBC3198-AB24-46EE-8A6F-BC607E4DFF2A}" type="datetimeFigureOut">
               <a:rPr lang="ko-KR" altLang="en-US" smtClean="0"/>
-              <a:t>2020-09-30</a:t>
+              <a:t>2020-11-15</a:t>
             </a:fld>
             <a:endParaRPr lang="ko-KR" altLang="en-US"/>
           </a:p>
@@ -766,7 +766,7 @@
           <a:p>
             <a:fld id="{5CBC3198-AB24-46EE-8A6F-BC607E4DFF2A}" type="datetimeFigureOut">
               <a:rPr lang="ko-KR" altLang="en-US" smtClean="0"/>
-              <a:t>2020-09-30</a:t>
+              <a:t>2020-11-15</a:t>
             </a:fld>
             <a:endParaRPr lang="ko-KR" altLang="en-US"/>
           </a:p>
@@ -998,7 +998,7 @@
           <a:p>
             <a:fld id="{5CBC3198-AB24-46EE-8A6F-BC607E4DFF2A}" type="datetimeFigureOut">
               <a:rPr lang="ko-KR" altLang="en-US" smtClean="0"/>
-              <a:t>2020-09-30</a:t>
+              <a:t>2020-11-15</a:t>
             </a:fld>
             <a:endParaRPr lang="ko-KR" altLang="en-US"/>
           </a:p>
@@ -1365,7 +1365,7 @@
           <a:p>
             <a:fld id="{5CBC3198-AB24-46EE-8A6F-BC607E4DFF2A}" type="datetimeFigureOut">
               <a:rPr lang="ko-KR" altLang="en-US" smtClean="0"/>
-              <a:t>2020-09-30</a:t>
+              <a:t>2020-11-15</a:t>
             </a:fld>
             <a:endParaRPr lang="ko-KR" altLang="en-US"/>
           </a:p>
@@ -1483,7 +1483,7 @@
           <a:p>
             <a:fld id="{5CBC3198-AB24-46EE-8A6F-BC607E4DFF2A}" type="datetimeFigureOut">
               <a:rPr lang="ko-KR" altLang="en-US" smtClean="0"/>
-              <a:t>2020-09-30</a:t>
+              <a:t>2020-11-15</a:t>
             </a:fld>
             <a:endParaRPr lang="ko-KR" altLang="en-US"/>
           </a:p>
@@ -1578,7 +1578,7 @@
           <a:p>
             <a:fld id="{5CBC3198-AB24-46EE-8A6F-BC607E4DFF2A}" type="datetimeFigureOut">
               <a:rPr lang="ko-KR" altLang="en-US" smtClean="0"/>
-              <a:t>2020-09-30</a:t>
+              <a:t>2020-11-15</a:t>
             </a:fld>
             <a:endParaRPr lang="ko-KR" altLang="en-US"/>
           </a:p>
@@ -1855,7 +1855,7 @@
           <a:p>
             <a:fld id="{5CBC3198-AB24-46EE-8A6F-BC607E4DFF2A}" type="datetimeFigureOut">
               <a:rPr lang="ko-KR" altLang="en-US" smtClean="0"/>
-              <a:t>2020-09-30</a:t>
+              <a:t>2020-11-15</a:t>
             </a:fld>
             <a:endParaRPr lang="ko-KR" altLang="en-US"/>
           </a:p>
@@ -2112,7 +2112,7 @@
           <a:p>
             <a:fld id="{5CBC3198-AB24-46EE-8A6F-BC607E4DFF2A}" type="datetimeFigureOut">
               <a:rPr lang="ko-KR" altLang="en-US" smtClean="0"/>
-              <a:t>2020-09-30</a:t>
+              <a:t>2020-11-15</a:t>
             </a:fld>
             <a:endParaRPr lang="ko-KR" altLang="en-US"/>
           </a:p>
@@ -2325,7 +2325,7 @@
           <a:p>
             <a:fld id="{5CBC3198-AB24-46EE-8A6F-BC607E4DFF2A}" type="datetimeFigureOut">
               <a:rPr lang="ko-KR" altLang="en-US" smtClean="0"/>
-              <a:t>2020-09-30</a:t>
+              <a:t>2020-11-15</a:t>
             </a:fld>
             <a:endParaRPr lang="ko-KR" altLang="en-US"/>
           </a:p>
@@ -8383,6 +8383,1112 @@
           </a:p>
         </p:txBody>
       </p:sp>
+      <p:sp>
+        <p:nvSpPr>
+          <p:cNvPr id="5" name="자유형 4"/>
+          <p:cNvSpPr/>
+          <p:nvPr/>
+        </p:nvSpPr>
+        <p:spPr>
+          <a:xfrm>
+            <a:off x="749300" y="3384550"/>
+            <a:ext cx="501650" cy="295275"/>
+          </a:xfrm>
+          <a:custGeom>
+            <a:avLst/>
+            <a:gdLst>
+              <a:gd name="connsiteX0" fmla="*/ 0 w 501650"/>
+              <a:gd name="connsiteY0" fmla="*/ 0 h 295275"/>
+              <a:gd name="connsiteX1" fmla="*/ 12700 w 501650"/>
+              <a:gd name="connsiteY1" fmla="*/ 73025 h 295275"/>
+              <a:gd name="connsiteX2" fmla="*/ 69850 w 501650"/>
+              <a:gd name="connsiteY2" fmla="*/ 111125 h 295275"/>
+              <a:gd name="connsiteX3" fmla="*/ 123825 w 501650"/>
+              <a:gd name="connsiteY3" fmla="*/ 114300 h 295275"/>
+              <a:gd name="connsiteX4" fmla="*/ 127000 w 501650"/>
+              <a:gd name="connsiteY4" fmla="*/ 114300 h 295275"/>
+              <a:gd name="connsiteX5" fmla="*/ 269875 w 501650"/>
+              <a:gd name="connsiteY5" fmla="*/ 146050 h 295275"/>
+              <a:gd name="connsiteX6" fmla="*/ 368300 w 501650"/>
+              <a:gd name="connsiteY6" fmla="*/ 222250 h 295275"/>
+              <a:gd name="connsiteX7" fmla="*/ 501650 w 501650"/>
+              <a:gd name="connsiteY7" fmla="*/ 295275 h 295275"/>
+            </a:gdLst>
+            <a:ahLst/>
+            <a:cxnLst>
+              <a:cxn ang="0">
+                <a:pos x="connsiteX0" y="connsiteY0"/>
+              </a:cxn>
+              <a:cxn ang="0">
+                <a:pos x="connsiteX1" y="connsiteY1"/>
+              </a:cxn>
+              <a:cxn ang="0">
+                <a:pos x="connsiteX2" y="connsiteY2"/>
+              </a:cxn>
+              <a:cxn ang="0">
+                <a:pos x="connsiteX3" y="connsiteY3"/>
+              </a:cxn>
+              <a:cxn ang="0">
+                <a:pos x="connsiteX4" y="connsiteY4"/>
+              </a:cxn>
+              <a:cxn ang="0">
+                <a:pos x="connsiteX5" y="connsiteY5"/>
+              </a:cxn>
+              <a:cxn ang="0">
+                <a:pos x="connsiteX6" y="connsiteY6"/>
+              </a:cxn>
+              <a:cxn ang="0">
+                <a:pos x="connsiteX7" y="connsiteY7"/>
+              </a:cxn>
+            </a:cxnLst>
+            <a:rect l="l" t="t" r="r" b="b"/>
+            <a:pathLst>
+              <a:path w="501650" h="295275">
+                <a:moveTo>
+                  <a:pt x="0" y="0"/>
+                </a:moveTo>
+                <a:cubicBezTo>
+                  <a:pt x="529" y="27252"/>
+                  <a:pt x="1058" y="54504"/>
+                  <a:pt x="12700" y="73025"/>
+                </a:cubicBezTo>
+                <a:cubicBezTo>
+                  <a:pt x="24342" y="91546"/>
+                  <a:pt x="51329" y="104246"/>
+                  <a:pt x="69850" y="111125"/>
+                </a:cubicBezTo>
+                <a:cubicBezTo>
+                  <a:pt x="88371" y="118004"/>
+                  <a:pt x="123825" y="114300"/>
+                  <a:pt x="123825" y="114300"/>
+                </a:cubicBezTo>
+                <a:cubicBezTo>
+                  <a:pt x="133350" y="114829"/>
+                  <a:pt x="127000" y="114300"/>
+                  <a:pt x="127000" y="114300"/>
+                </a:cubicBezTo>
+                <a:cubicBezTo>
+                  <a:pt x="151342" y="119592"/>
+                  <a:pt x="229658" y="128058"/>
+                  <a:pt x="269875" y="146050"/>
+                </a:cubicBezTo>
+                <a:cubicBezTo>
+                  <a:pt x="310092" y="164042"/>
+                  <a:pt x="329671" y="197379"/>
+                  <a:pt x="368300" y="222250"/>
+                </a:cubicBezTo>
+                <a:cubicBezTo>
+                  <a:pt x="406929" y="247121"/>
+                  <a:pt x="454289" y="271198"/>
+                  <a:pt x="501650" y="295275"/>
+                </a:cubicBezTo>
+              </a:path>
+            </a:pathLst>
+          </a:custGeom>
+          <a:noFill/>
+          <a:ln w="38100">
+            <a:solidFill>
+              <a:srgbClr val="00B050">
+                <a:alpha val="50000"/>
+              </a:srgbClr>
+            </a:solidFill>
+          </a:ln>
+        </p:spPr>
+        <p:style>
+          <a:lnRef idx="2">
+            <a:schemeClr val="accent1">
+              <a:shade val="50000"/>
+            </a:schemeClr>
+          </a:lnRef>
+          <a:fillRef idx="1">
+            <a:schemeClr val="accent1"/>
+          </a:fillRef>
+          <a:effectRef idx="0">
+            <a:schemeClr val="accent1"/>
+          </a:effectRef>
+          <a:fontRef idx="minor">
+            <a:schemeClr val="lt1"/>
+          </a:fontRef>
+        </p:style>
+        <p:txBody>
+          <a:bodyPr rtlCol="0" anchor="ctr"/>
+          <a:lstStyle/>
+          <a:p>
+            <a:pPr algn="ctr"/>
+            <a:endParaRPr lang="ko-KR" altLang="en-US"/>
+          </a:p>
+        </p:txBody>
+      </p:sp>
+      <p:sp>
+        <p:nvSpPr>
+          <p:cNvPr id="6" name="자유형 5"/>
+          <p:cNvSpPr/>
+          <p:nvPr/>
+        </p:nvSpPr>
+        <p:spPr>
+          <a:xfrm>
+            <a:off x="1323975" y="3466902"/>
+            <a:ext cx="1177925" cy="228798"/>
+          </a:xfrm>
+          <a:custGeom>
+            <a:avLst/>
+            <a:gdLst>
+              <a:gd name="connsiteX0" fmla="*/ 0 w 1177925"/>
+              <a:gd name="connsiteY0" fmla="*/ 228798 h 228798"/>
+              <a:gd name="connsiteX1" fmla="*/ 104775 w 1177925"/>
+              <a:gd name="connsiteY1" fmla="*/ 187523 h 228798"/>
+              <a:gd name="connsiteX2" fmla="*/ 165100 w 1177925"/>
+              <a:gd name="connsiteY2" fmla="*/ 146248 h 228798"/>
+              <a:gd name="connsiteX3" fmla="*/ 225425 w 1177925"/>
+              <a:gd name="connsiteY3" fmla="*/ 111323 h 228798"/>
+              <a:gd name="connsiteX4" fmla="*/ 317500 w 1177925"/>
+              <a:gd name="connsiteY4" fmla="*/ 35123 h 228798"/>
+              <a:gd name="connsiteX5" fmla="*/ 396875 w 1177925"/>
+              <a:gd name="connsiteY5" fmla="*/ 19248 h 228798"/>
+              <a:gd name="connsiteX6" fmla="*/ 460375 w 1177925"/>
+              <a:gd name="connsiteY6" fmla="*/ 198 h 228798"/>
+              <a:gd name="connsiteX7" fmla="*/ 542925 w 1177925"/>
+              <a:gd name="connsiteY7" fmla="*/ 31948 h 228798"/>
+              <a:gd name="connsiteX8" fmla="*/ 615950 w 1177925"/>
+              <a:gd name="connsiteY8" fmla="*/ 44648 h 228798"/>
+              <a:gd name="connsiteX9" fmla="*/ 723900 w 1177925"/>
+              <a:gd name="connsiteY9" fmla="*/ 92273 h 228798"/>
+              <a:gd name="connsiteX10" fmla="*/ 774700 w 1177925"/>
+              <a:gd name="connsiteY10" fmla="*/ 104973 h 228798"/>
+              <a:gd name="connsiteX11" fmla="*/ 831850 w 1177925"/>
+              <a:gd name="connsiteY11" fmla="*/ 149423 h 228798"/>
+              <a:gd name="connsiteX12" fmla="*/ 895350 w 1177925"/>
+              <a:gd name="connsiteY12" fmla="*/ 177998 h 228798"/>
+              <a:gd name="connsiteX13" fmla="*/ 981075 w 1177925"/>
+              <a:gd name="connsiteY13" fmla="*/ 193873 h 228798"/>
+              <a:gd name="connsiteX14" fmla="*/ 1028700 w 1177925"/>
+              <a:gd name="connsiteY14" fmla="*/ 193873 h 228798"/>
+              <a:gd name="connsiteX15" fmla="*/ 1104900 w 1177925"/>
+              <a:gd name="connsiteY15" fmla="*/ 168473 h 228798"/>
+              <a:gd name="connsiteX16" fmla="*/ 1177925 w 1177925"/>
+              <a:gd name="connsiteY16" fmla="*/ 149423 h 228798"/>
+            </a:gdLst>
+            <a:ahLst/>
+            <a:cxnLst>
+              <a:cxn ang="0">
+                <a:pos x="connsiteX0" y="connsiteY0"/>
+              </a:cxn>
+              <a:cxn ang="0">
+                <a:pos x="connsiteX1" y="connsiteY1"/>
+              </a:cxn>
+              <a:cxn ang="0">
+                <a:pos x="connsiteX2" y="connsiteY2"/>
+              </a:cxn>
+              <a:cxn ang="0">
+                <a:pos x="connsiteX3" y="connsiteY3"/>
+              </a:cxn>
+              <a:cxn ang="0">
+                <a:pos x="connsiteX4" y="connsiteY4"/>
+              </a:cxn>
+              <a:cxn ang="0">
+                <a:pos x="connsiteX5" y="connsiteY5"/>
+              </a:cxn>
+              <a:cxn ang="0">
+                <a:pos x="connsiteX6" y="connsiteY6"/>
+              </a:cxn>
+              <a:cxn ang="0">
+                <a:pos x="connsiteX7" y="connsiteY7"/>
+              </a:cxn>
+              <a:cxn ang="0">
+                <a:pos x="connsiteX8" y="connsiteY8"/>
+              </a:cxn>
+              <a:cxn ang="0">
+                <a:pos x="connsiteX9" y="connsiteY9"/>
+              </a:cxn>
+              <a:cxn ang="0">
+                <a:pos x="connsiteX10" y="connsiteY10"/>
+              </a:cxn>
+              <a:cxn ang="0">
+                <a:pos x="connsiteX11" y="connsiteY11"/>
+              </a:cxn>
+              <a:cxn ang="0">
+                <a:pos x="connsiteX12" y="connsiteY12"/>
+              </a:cxn>
+              <a:cxn ang="0">
+                <a:pos x="connsiteX13" y="connsiteY13"/>
+              </a:cxn>
+              <a:cxn ang="0">
+                <a:pos x="connsiteX14" y="connsiteY14"/>
+              </a:cxn>
+              <a:cxn ang="0">
+                <a:pos x="connsiteX15" y="connsiteY15"/>
+              </a:cxn>
+              <a:cxn ang="0">
+                <a:pos x="connsiteX16" y="connsiteY16"/>
+              </a:cxn>
+            </a:cxnLst>
+            <a:rect l="l" t="t" r="r" b="b"/>
+            <a:pathLst>
+              <a:path w="1177925" h="228798">
+                <a:moveTo>
+                  <a:pt x="0" y="228798"/>
+                </a:moveTo>
+                <a:cubicBezTo>
+                  <a:pt x="38629" y="215039"/>
+                  <a:pt x="77258" y="201281"/>
+                  <a:pt x="104775" y="187523"/>
+                </a:cubicBezTo>
+                <a:cubicBezTo>
+                  <a:pt x="132292" y="173765"/>
+                  <a:pt x="144992" y="158948"/>
+                  <a:pt x="165100" y="146248"/>
+                </a:cubicBezTo>
+                <a:cubicBezTo>
+                  <a:pt x="185208" y="133548"/>
+                  <a:pt x="200025" y="129844"/>
+                  <a:pt x="225425" y="111323"/>
+                </a:cubicBezTo>
+                <a:cubicBezTo>
+                  <a:pt x="250825" y="92802"/>
+                  <a:pt x="288925" y="50469"/>
+                  <a:pt x="317500" y="35123"/>
+                </a:cubicBezTo>
+                <a:cubicBezTo>
+                  <a:pt x="346075" y="19777"/>
+                  <a:pt x="373062" y="25069"/>
+                  <a:pt x="396875" y="19248"/>
+                </a:cubicBezTo>
+                <a:cubicBezTo>
+                  <a:pt x="420688" y="13427"/>
+                  <a:pt x="436033" y="-1919"/>
+                  <a:pt x="460375" y="198"/>
+                </a:cubicBezTo>
+                <a:cubicBezTo>
+                  <a:pt x="484717" y="2315"/>
+                  <a:pt x="516996" y="24540"/>
+                  <a:pt x="542925" y="31948"/>
+                </a:cubicBezTo>
+                <a:cubicBezTo>
+                  <a:pt x="568854" y="39356"/>
+                  <a:pt x="585788" y="34594"/>
+                  <a:pt x="615950" y="44648"/>
+                </a:cubicBezTo>
+                <a:cubicBezTo>
+                  <a:pt x="646112" y="54702"/>
+                  <a:pt x="697442" y="82219"/>
+                  <a:pt x="723900" y="92273"/>
+                </a:cubicBezTo>
+                <a:cubicBezTo>
+                  <a:pt x="750358" y="102327"/>
+                  <a:pt x="756708" y="95448"/>
+                  <a:pt x="774700" y="104973"/>
+                </a:cubicBezTo>
+                <a:cubicBezTo>
+                  <a:pt x="792692" y="114498"/>
+                  <a:pt x="811742" y="137252"/>
+                  <a:pt x="831850" y="149423"/>
+                </a:cubicBezTo>
+                <a:cubicBezTo>
+                  <a:pt x="851958" y="161594"/>
+                  <a:pt x="870479" y="170590"/>
+                  <a:pt x="895350" y="177998"/>
+                </a:cubicBezTo>
+                <a:cubicBezTo>
+                  <a:pt x="920221" y="185406"/>
+                  <a:pt x="958850" y="191227"/>
+                  <a:pt x="981075" y="193873"/>
+                </a:cubicBezTo>
+                <a:cubicBezTo>
+                  <a:pt x="1003300" y="196519"/>
+                  <a:pt x="1008063" y="198106"/>
+                  <a:pt x="1028700" y="193873"/>
+                </a:cubicBezTo>
+                <a:cubicBezTo>
+                  <a:pt x="1049337" y="189640"/>
+                  <a:pt x="1080029" y="175881"/>
+                  <a:pt x="1104900" y="168473"/>
+                </a:cubicBezTo>
+                <a:cubicBezTo>
+                  <a:pt x="1129771" y="161065"/>
+                  <a:pt x="1153848" y="155244"/>
+                  <a:pt x="1177925" y="149423"/>
+                </a:cubicBezTo>
+              </a:path>
+            </a:pathLst>
+          </a:custGeom>
+          <a:noFill/>
+          <a:ln w="38100">
+            <a:solidFill>
+              <a:srgbClr val="00B050">
+                <a:alpha val="50000"/>
+              </a:srgbClr>
+            </a:solidFill>
+          </a:ln>
+        </p:spPr>
+        <p:style>
+          <a:lnRef idx="2">
+            <a:schemeClr val="accent1">
+              <a:shade val="50000"/>
+            </a:schemeClr>
+          </a:lnRef>
+          <a:fillRef idx="1">
+            <a:schemeClr val="accent1"/>
+          </a:fillRef>
+          <a:effectRef idx="0">
+            <a:schemeClr val="accent1"/>
+          </a:effectRef>
+          <a:fontRef idx="minor">
+            <a:schemeClr val="lt1"/>
+          </a:fontRef>
+        </p:style>
+        <p:txBody>
+          <a:bodyPr rtlCol="0" anchor="ctr"/>
+          <a:lstStyle/>
+          <a:p>
+            <a:pPr algn="ctr"/>
+            <a:endParaRPr lang="ko-KR" altLang="en-US"/>
+          </a:p>
+        </p:txBody>
+      </p:sp>
+      <p:sp>
+        <p:nvSpPr>
+          <p:cNvPr id="7" name="자유형 6"/>
+          <p:cNvSpPr/>
+          <p:nvPr/>
+        </p:nvSpPr>
+        <p:spPr>
+          <a:xfrm>
+            <a:off x="1160060" y="2347214"/>
+            <a:ext cx="1319283" cy="1192105"/>
+          </a:xfrm>
+          <a:custGeom>
+            <a:avLst/>
+            <a:gdLst>
+              <a:gd name="connsiteX0" fmla="*/ 1319283 w 1319283"/>
+              <a:gd name="connsiteY0" fmla="*/ 1241559 h 1241559"/>
+              <a:gd name="connsiteX1" fmla="*/ 1251044 w 1319283"/>
+              <a:gd name="connsiteY1" fmla="*/ 1127828 h 1241559"/>
+              <a:gd name="connsiteX2" fmla="*/ 1191904 w 1319283"/>
+              <a:gd name="connsiteY2" fmla="*/ 1059589 h 1241559"/>
+              <a:gd name="connsiteX3" fmla="*/ 1169158 w 1319283"/>
+              <a:gd name="connsiteY3" fmla="*/ 964055 h 1241559"/>
+              <a:gd name="connsiteX4" fmla="*/ 1169158 w 1319283"/>
+              <a:gd name="connsiteY4" fmla="*/ 932210 h 1241559"/>
+              <a:gd name="connsiteX5" fmla="*/ 1160059 w 1319283"/>
+              <a:gd name="connsiteY5" fmla="*/ 832127 h 1241559"/>
+              <a:gd name="connsiteX6" fmla="*/ 1132764 w 1319283"/>
+              <a:gd name="connsiteY6" fmla="*/ 750240 h 1241559"/>
+              <a:gd name="connsiteX7" fmla="*/ 1123665 w 1319283"/>
+              <a:gd name="connsiteY7" fmla="*/ 650156 h 1241559"/>
+              <a:gd name="connsiteX8" fmla="*/ 1073624 w 1319283"/>
+              <a:gd name="connsiteY8" fmla="*/ 586467 h 1241559"/>
+              <a:gd name="connsiteX9" fmla="*/ 987188 w 1319283"/>
+              <a:gd name="connsiteY9" fmla="*/ 504580 h 1241559"/>
+              <a:gd name="connsiteX10" fmla="*/ 746077 w 1319283"/>
+              <a:gd name="connsiteY10" fmla="*/ 381750 h 1241559"/>
+              <a:gd name="connsiteX11" fmla="*/ 514065 w 1319283"/>
+              <a:gd name="connsiteY11" fmla="*/ 290765 h 1241559"/>
+              <a:gd name="connsiteX12" fmla="*/ 518615 w 1319283"/>
+              <a:gd name="connsiteY12" fmla="*/ 163386 h 1241559"/>
+              <a:gd name="connsiteX13" fmla="*/ 423080 w 1319283"/>
+              <a:gd name="connsiteY13" fmla="*/ 90598 h 1241559"/>
+              <a:gd name="connsiteX14" fmla="*/ 391236 w 1319283"/>
+              <a:gd name="connsiteY14" fmla="*/ 49655 h 1241559"/>
+              <a:gd name="connsiteX15" fmla="*/ 295701 w 1319283"/>
+              <a:gd name="connsiteY15" fmla="*/ 13261 h 1241559"/>
+              <a:gd name="connsiteX16" fmla="*/ 232012 w 1319283"/>
+              <a:gd name="connsiteY16" fmla="*/ 13261 h 1241559"/>
+              <a:gd name="connsiteX17" fmla="*/ 218364 w 1319283"/>
+              <a:gd name="connsiteY17" fmla="*/ 172485 h 1241559"/>
+              <a:gd name="connsiteX18" fmla="*/ 213815 w 1319283"/>
+              <a:gd name="connsiteY18" fmla="*/ 281667 h 1241559"/>
+              <a:gd name="connsiteX19" fmla="*/ 145576 w 1319283"/>
+              <a:gd name="connsiteY19" fmla="*/ 236174 h 1241559"/>
+              <a:gd name="connsiteX20" fmla="*/ 86436 w 1319283"/>
+              <a:gd name="connsiteY20" fmla="*/ 231625 h 1241559"/>
+              <a:gd name="connsiteX21" fmla="*/ 50041 w 1319283"/>
+              <a:gd name="connsiteY21" fmla="*/ 231625 h 1241559"/>
+              <a:gd name="connsiteX22" fmla="*/ 0 w 1319283"/>
+              <a:gd name="connsiteY22" fmla="*/ 290765 h 1241559"/>
+              <a:gd name="connsiteX0" fmla="*/ 1319283 w 1319283"/>
+              <a:gd name="connsiteY0" fmla="*/ 1241559 h 1241559"/>
+              <a:gd name="connsiteX1" fmla="*/ 1251044 w 1319283"/>
+              <a:gd name="connsiteY1" fmla="*/ 1127828 h 1241559"/>
+              <a:gd name="connsiteX2" fmla="*/ 1191904 w 1319283"/>
+              <a:gd name="connsiteY2" fmla="*/ 1059589 h 1241559"/>
+              <a:gd name="connsiteX3" fmla="*/ 1169158 w 1319283"/>
+              <a:gd name="connsiteY3" fmla="*/ 964055 h 1241559"/>
+              <a:gd name="connsiteX4" fmla="*/ 1169158 w 1319283"/>
+              <a:gd name="connsiteY4" fmla="*/ 932210 h 1241559"/>
+              <a:gd name="connsiteX5" fmla="*/ 1160059 w 1319283"/>
+              <a:gd name="connsiteY5" fmla="*/ 832127 h 1241559"/>
+              <a:gd name="connsiteX6" fmla="*/ 1132764 w 1319283"/>
+              <a:gd name="connsiteY6" fmla="*/ 750240 h 1241559"/>
+              <a:gd name="connsiteX7" fmla="*/ 1123665 w 1319283"/>
+              <a:gd name="connsiteY7" fmla="*/ 650156 h 1241559"/>
+              <a:gd name="connsiteX8" fmla="*/ 1073624 w 1319283"/>
+              <a:gd name="connsiteY8" fmla="*/ 586467 h 1241559"/>
+              <a:gd name="connsiteX9" fmla="*/ 987188 w 1319283"/>
+              <a:gd name="connsiteY9" fmla="*/ 504580 h 1241559"/>
+              <a:gd name="connsiteX10" fmla="*/ 746077 w 1319283"/>
+              <a:gd name="connsiteY10" fmla="*/ 381750 h 1241559"/>
+              <a:gd name="connsiteX11" fmla="*/ 514065 w 1319283"/>
+              <a:gd name="connsiteY11" fmla="*/ 290765 h 1241559"/>
+              <a:gd name="connsiteX12" fmla="*/ 518615 w 1319283"/>
+              <a:gd name="connsiteY12" fmla="*/ 163386 h 1241559"/>
+              <a:gd name="connsiteX13" fmla="*/ 423080 w 1319283"/>
+              <a:gd name="connsiteY13" fmla="*/ 90598 h 1241559"/>
+              <a:gd name="connsiteX14" fmla="*/ 391236 w 1319283"/>
+              <a:gd name="connsiteY14" fmla="*/ 49655 h 1241559"/>
+              <a:gd name="connsiteX15" fmla="*/ 295701 w 1319283"/>
+              <a:gd name="connsiteY15" fmla="*/ 13261 h 1241559"/>
+              <a:gd name="connsiteX16" fmla="*/ 232012 w 1319283"/>
+              <a:gd name="connsiteY16" fmla="*/ 13261 h 1241559"/>
+              <a:gd name="connsiteX17" fmla="*/ 218364 w 1319283"/>
+              <a:gd name="connsiteY17" fmla="*/ 172485 h 1241559"/>
+              <a:gd name="connsiteX18" fmla="*/ 291152 w 1319283"/>
+              <a:gd name="connsiteY18" fmla="*/ 281667 h 1241559"/>
+              <a:gd name="connsiteX19" fmla="*/ 145576 w 1319283"/>
+              <a:gd name="connsiteY19" fmla="*/ 236174 h 1241559"/>
+              <a:gd name="connsiteX20" fmla="*/ 86436 w 1319283"/>
+              <a:gd name="connsiteY20" fmla="*/ 231625 h 1241559"/>
+              <a:gd name="connsiteX21" fmla="*/ 50041 w 1319283"/>
+              <a:gd name="connsiteY21" fmla="*/ 231625 h 1241559"/>
+              <a:gd name="connsiteX22" fmla="*/ 0 w 1319283"/>
+              <a:gd name="connsiteY22" fmla="*/ 290765 h 1241559"/>
+              <a:gd name="connsiteX0" fmla="*/ 1319283 w 1319283"/>
+              <a:gd name="connsiteY0" fmla="*/ 1242894 h 1242894"/>
+              <a:gd name="connsiteX1" fmla="*/ 1251044 w 1319283"/>
+              <a:gd name="connsiteY1" fmla="*/ 1129163 h 1242894"/>
+              <a:gd name="connsiteX2" fmla="*/ 1191904 w 1319283"/>
+              <a:gd name="connsiteY2" fmla="*/ 1060924 h 1242894"/>
+              <a:gd name="connsiteX3" fmla="*/ 1169158 w 1319283"/>
+              <a:gd name="connsiteY3" fmla="*/ 965390 h 1242894"/>
+              <a:gd name="connsiteX4" fmla="*/ 1169158 w 1319283"/>
+              <a:gd name="connsiteY4" fmla="*/ 933545 h 1242894"/>
+              <a:gd name="connsiteX5" fmla="*/ 1160059 w 1319283"/>
+              <a:gd name="connsiteY5" fmla="*/ 833462 h 1242894"/>
+              <a:gd name="connsiteX6" fmla="*/ 1132764 w 1319283"/>
+              <a:gd name="connsiteY6" fmla="*/ 751575 h 1242894"/>
+              <a:gd name="connsiteX7" fmla="*/ 1123665 w 1319283"/>
+              <a:gd name="connsiteY7" fmla="*/ 651491 h 1242894"/>
+              <a:gd name="connsiteX8" fmla="*/ 1073624 w 1319283"/>
+              <a:gd name="connsiteY8" fmla="*/ 587802 h 1242894"/>
+              <a:gd name="connsiteX9" fmla="*/ 987188 w 1319283"/>
+              <a:gd name="connsiteY9" fmla="*/ 505915 h 1242894"/>
+              <a:gd name="connsiteX10" fmla="*/ 746077 w 1319283"/>
+              <a:gd name="connsiteY10" fmla="*/ 383085 h 1242894"/>
+              <a:gd name="connsiteX11" fmla="*/ 514065 w 1319283"/>
+              <a:gd name="connsiteY11" fmla="*/ 292100 h 1242894"/>
+              <a:gd name="connsiteX12" fmla="*/ 518615 w 1319283"/>
+              <a:gd name="connsiteY12" fmla="*/ 164721 h 1242894"/>
+              <a:gd name="connsiteX13" fmla="*/ 423080 w 1319283"/>
+              <a:gd name="connsiteY13" fmla="*/ 91933 h 1242894"/>
+              <a:gd name="connsiteX14" fmla="*/ 391236 w 1319283"/>
+              <a:gd name="connsiteY14" fmla="*/ 50990 h 1242894"/>
+              <a:gd name="connsiteX15" fmla="*/ 295701 w 1319283"/>
+              <a:gd name="connsiteY15" fmla="*/ 14596 h 1242894"/>
+              <a:gd name="connsiteX16" fmla="*/ 232012 w 1319283"/>
+              <a:gd name="connsiteY16" fmla="*/ 14596 h 1242894"/>
+              <a:gd name="connsiteX17" fmla="*/ 309349 w 1319283"/>
+              <a:gd name="connsiteY17" fmla="*/ 192017 h 1242894"/>
+              <a:gd name="connsiteX18" fmla="*/ 291152 w 1319283"/>
+              <a:gd name="connsiteY18" fmla="*/ 283002 h 1242894"/>
+              <a:gd name="connsiteX19" fmla="*/ 145576 w 1319283"/>
+              <a:gd name="connsiteY19" fmla="*/ 237509 h 1242894"/>
+              <a:gd name="connsiteX20" fmla="*/ 86436 w 1319283"/>
+              <a:gd name="connsiteY20" fmla="*/ 232960 h 1242894"/>
+              <a:gd name="connsiteX21" fmla="*/ 50041 w 1319283"/>
+              <a:gd name="connsiteY21" fmla="*/ 232960 h 1242894"/>
+              <a:gd name="connsiteX22" fmla="*/ 0 w 1319283"/>
+              <a:gd name="connsiteY22" fmla="*/ 292100 h 1242894"/>
+              <a:gd name="connsiteX0" fmla="*/ 1319283 w 1319283"/>
+              <a:gd name="connsiteY0" fmla="*/ 1231019 h 1231019"/>
+              <a:gd name="connsiteX1" fmla="*/ 1251044 w 1319283"/>
+              <a:gd name="connsiteY1" fmla="*/ 1117288 h 1231019"/>
+              <a:gd name="connsiteX2" fmla="*/ 1191904 w 1319283"/>
+              <a:gd name="connsiteY2" fmla="*/ 1049049 h 1231019"/>
+              <a:gd name="connsiteX3" fmla="*/ 1169158 w 1319283"/>
+              <a:gd name="connsiteY3" fmla="*/ 953515 h 1231019"/>
+              <a:gd name="connsiteX4" fmla="*/ 1169158 w 1319283"/>
+              <a:gd name="connsiteY4" fmla="*/ 921670 h 1231019"/>
+              <a:gd name="connsiteX5" fmla="*/ 1160059 w 1319283"/>
+              <a:gd name="connsiteY5" fmla="*/ 821587 h 1231019"/>
+              <a:gd name="connsiteX6" fmla="*/ 1132764 w 1319283"/>
+              <a:gd name="connsiteY6" fmla="*/ 739700 h 1231019"/>
+              <a:gd name="connsiteX7" fmla="*/ 1123665 w 1319283"/>
+              <a:gd name="connsiteY7" fmla="*/ 639616 h 1231019"/>
+              <a:gd name="connsiteX8" fmla="*/ 1073624 w 1319283"/>
+              <a:gd name="connsiteY8" fmla="*/ 575927 h 1231019"/>
+              <a:gd name="connsiteX9" fmla="*/ 987188 w 1319283"/>
+              <a:gd name="connsiteY9" fmla="*/ 494040 h 1231019"/>
+              <a:gd name="connsiteX10" fmla="*/ 746077 w 1319283"/>
+              <a:gd name="connsiteY10" fmla="*/ 371210 h 1231019"/>
+              <a:gd name="connsiteX11" fmla="*/ 514065 w 1319283"/>
+              <a:gd name="connsiteY11" fmla="*/ 280225 h 1231019"/>
+              <a:gd name="connsiteX12" fmla="*/ 518615 w 1319283"/>
+              <a:gd name="connsiteY12" fmla="*/ 152846 h 1231019"/>
+              <a:gd name="connsiteX13" fmla="*/ 423080 w 1319283"/>
+              <a:gd name="connsiteY13" fmla="*/ 80058 h 1231019"/>
+              <a:gd name="connsiteX14" fmla="*/ 391236 w 1319283"/>
+              <a:gd name="connsiteY14" fmla="*/ 39115 h 1231019"/>
+              <a:gd name="connsiteX15" fmla="*/ 295701 w 1319283"/>
+              <a:gd name="connsiteY15" fmla="*/ 2721 h 1231019"/>
+              <a:gd name="connsiteX16" fmla="*/ 322997 w 1319283"/>
+              <a:gd name="connsiteY16" fmla="*/ 116452 h 1231019"/>
+              <a:gd name="connsiteX17" fmla="*/ 309349 w 1319283"/>
+              <a:gd name="connsiteY17" fmla="*/ 180142 h 1231019"/>
+              <a:gd name="connsiteX18" fmla="*/ 291152 w 1319283"/>
+              <a:gd name="connsiteY18" fmla="*/ 271127 h 1231019"/>
+              <a:gd name="connsiteX19" fmla="*/ 145576 w 1319283"/>
+              <a:gd name="connsiteY19" fmla="*/ 225634 h 1231019"/>
+              <a:gd name="connsiteX20" fmla="*/ 86436 w 1319283"/>
+              <a:gd name="connsiteY20" fmla="*/ 221085 h 1231019"/>
+              <a:gd name="connsiteX21" fmla="*/ 50041 w 1319283"/>
+              <a:gd name="connsiteY21" fmla="*/ 221085 h 1231019"/>
+              <a:gd name="connsiteX22" fmla="*/ 0 w 1319283"/>
+              <a:gd name="connsiteY22" fmla="*/ 280225 h 1231019"/>
+              <a:gd name="connsiteX0" fmla="*/ 1319283 w 1319283"/>
+              <a:gd name="connsiteY0" fmla="*/ 1191984 h 1191984"/>
+              <a:gd name="connsiteX1" fmla="*/ 1251044 w 1319283"/>
+              <a:gd name="connsiteY1" fmla="*/ 1078253 h 1191984"/>
+              <a:gd name="connsiteX2" fmla="*/ 1191904 w 1319283"/>
+              <a:gd name="connsiteY2" fmla="*/ 1010014 h 1191984"/>
+              <a:gd name="connsiteX3" fmla="*/ 1169158 w 1319283"/>
+              <a:gd name="connsiteY3" fmla="*/ 914480 h 1191984"/>
+              <a:gd name="connsiteX4" fmla="*/ 1169158 w 1319283"/>
+              <a:gd name="connsiteY4" fmla="*/ 882635 h 1191984"/>
+              <a:gd name="connsiteX5" fmla="*/ 1160059 w 1319283"/>
+              <a:gd name="connsiteY5" fmla="*/ 782552 h 1191984"/>
+              <a:gd name="connsiteX6" fmla="*/ 1132764 w 1319283"/>
+              <a:gd name="connsiteY6" fmla="*/ 700665 h 1191984"/>
+              <a:gd name="connsiteX7" fmla="*/ 1123665 w 1319283"/>
+              <a:gd name="connsiteY7" fmla="*/ 600581 h 1191984"/>
+              <a:gd name="connsiteX8" fmla="*/ 1073624 w 1319283"/>
+              <a:gd name="connsiteY8" fmla="*/ 536892 h 1191984"/>
+              <a:gd name="connsiteX9" fmla="*/ 987188 w 1319283"/>
+              <a:gd name="connsiteY9" fmla="*/ 455005 h 1191984"/>
+              <a:gd name="connsiteX10" fmla="*/ 746077 w 1319283"/>
+              <a:gd name="connsiteY10" fmla="*/ 332175 h 1191984"/>
+              <a:gd name="connsiteX11" fmla="*/ 514065 w 1319283"/>
+              <a:gd name="connsiteY11" fmla="*/ 241190 h 1191984"/>
+              <a:gd name="connsiteX12" fmla="*/ 518615 w 1319283"/>
+              <a:gd name="connsiteY12" fmla="*/ 113811 h 1191984"/>
+              <a:gd name="connsiteX13" fmla="*/ 423080 w 1319283"/>
+              <a:gd name="connsiteY13" fmla="*/ 41023 h 1191984"/>
+              <a:gd name="connsiteX14" fmla="*/ 391236 w 1319283"/>
+              <a:gd name="connsiteY14" fmla="*/ 80 h 1191984"/>
+              <a:gd name="connsiteX15" fmla="*/ 368489 w 1319283"/>
+              <a:gd name="connsiteY15" fmla="*/ 31925 h 1191984"/>
+              <a:gd name="connsiteX16" fmla="*/ 322997 w 1319283"/>
+              <a:gd name="connsiteY16" fmla="*/ 77417 h 1191984"/>
+              <a:gd name="connsiteX17" fmla="*/ 309349 w 1319283"/>
+              <a:gd name="connsiteY17" fmla="*/ 141107 h 1191984"/>
+              <a:gd name="connsiteX18" fmla="*/ 291152 w 1319283"/>
+              <a:gd name="connsiteY18" fmla="*/ 232092 h 1191984"/>
+              <a:gd name="connsiteX19" fmla="*/ 145576 w 1319283"/>
+              <a:gd name="connsiteY19" fmla="*/ 186599 h 1191984"/>
+              <a:gd name="connsiteX20" fmla="*/ 86436 w 1319283"/>
+              <a:gd name="connsiteY20" fmla="*/ 182050 h 1191984"/>
+              <a:gd name="connsiteX21" fmla="*/ 50041 w 1319283"/>
+              <a:gd name="connsiteY21" fmla="*/ 182050 h 1191984"/>
+              <a:gd name="connsiteX22" fmla="*/ 0 w 1319283"/>
+              <a:gd name="connsiteY22" fmla="*/ 241190 h 1191984"/>
+              <a:gd name="connsiteX0" fmla="*/ 1319283 w 1319283"/>
+              <a:gd name="connsiteY0" fmla="*/ 1192000 h 1192000"/>
+              <a:gd name="connsiteX1" fmla="*/ 1251044 w 1319283"/>
+              <a:gd name="connsiteY1" fmla="*/ 1078269 h 1192000"/>
+              <a:gd name="connsiteX2" fmla="*/ 1191904 w 1319283"/>
+              <a:gd name="connsiteY2" fmla="*/ 1010030 h 1192000"/>
+              <a:gd name="connsiteX3" fmla="*/ 1169158 w 1319283"/>
+              <a:gd name="connsiteY3" fmla="*/ 914496 h 1192000"/>
+              <a:gd name="connsiteX4" fmla="*/ 1169158 w 1319283"/>
+              <a:gd name="connsiteY4" fmla="*/ 882651 h 1192000"/>
+              <a:gd name="connsiteX5" fmla="*/ 1160059 w 1319283"/>
+              <a:gd name="connsiteY5" fmla="*/ 782568 h 1192000"/>
+              <a:gd name="connsiteX6" fmla="*/ 1132764 w 1319283"/>
+              <a:gd name="connsiteY6" fmla="*/ 700681 h 1192000"/>
+              <a:gd name="connsiteX7" fmla="*/ 1123665 w 1319283"/>
+              <a:gd name="connsiteY7" fmla="*/ 600597 h 1192000"/>
+              <a:gd name="connsiteX8" fmla="*/ 1073624 w 1319283"/>
+              <a:gd name="connsiteY8" fmla="*/ 536908 h 1192000"/>
+              <a:gd name="connsiteX9" fmla="*/ 987188 w 1319283"/>
+              <a:gd name="connsiteY9" fmla="*/ 455021 h 1192000"/>
+              <a:gd name="connsiteX10" fmla="*/ 746077 w 1319283"/>
+              <a:gd name="connsiteY10" fmla="*/ 332191 h 1192000"/>
+              <a:gd name="connsiteX11" fmla="*/ 514065 w 1319283"/>
+              <a:gd name="connsiteY11" fmla="*/ 241206 h 1192000"/>
+              <a:gd name="connsiteX12" fmla="*/ 518615 w 1319283"/>
+              <a:gd name="connsiteY12" fmla="*/ 113827 h 1192000"/>
+              <a:gd name="connsiteX13" fmla="*/ 423080 w 1319283"/>
+              <a:gd name="connsiteY13" fmla="*/ 41039 h 1192000"/>
+              <a:gd name="connsiteX14" fmla="*/ 391236 w 1319283"/>
+              <a:gd name="connsiteY14" fmla="*/ 96 h 1192000"/>
+              <a:gd name="connsiteX15" fmla="*/ 368489 w 1319283"/>
+              <a:gd name="connsiteY15" fmla="*/ 31941 h 1192000"/>
+              <a:gd name="connsiteX16" fmla="*/ 322997 w 1319283"/>
+              <a:gd name="connsiteY16" fmla="*/ 100179 h 1192000"/>
+              <a:gd name="connsiteX17" fmla="*/ 309349 w 1319283"/>
+              <a:gd name="connsiteY17" fmla="*/ 141123 h 1192000"/>
+              <a:gd name="connsiteX18" fmla="*/ 291152 w 1319283"/>
+              <a:gd name="connsiteY18" fmla="*/ 232108 h 1192000"/>
+              <a:gd name="connsiteX19" fmla="*/ 145576 w 1319283"/>
+              <a:gd name="connsiteY19" fmla="*/ 186615 h 1192000"/>
+              <a:gd name="connsiteX20" fmla="*/ 86436 w 1319283"/>
+              <a:gd name="connsiteY20" fmla="*/ 182066 h 1192000"/>
+              <a:gd name="connsiteX21" fmla="*/ 50041 w 1319283"/>
+              <a:gd name="connsiteY21" fmla="*/ 182066 h 1192000"/>
+              <a:gd name="connsiteX22" fmla="*/ 0 w 1319283"/>
+              <a:gd name="connsiteY22" fmla="*/ 241206 h 1192000"/>
+              <a:gd name="connsiteX0" fmla="*/ 1319283 w 1319283"/>
+              <a:gd name="connsiteY0" fmla="*/ 1192000 h 1192000"/>
+              <a:gd name="connsiteX1" fmla="*/ 1251044 w 1319283"/>
+              <a:gd name="connsiteY1" fmla="*/ 1078269 h 1192000"/>
+              <a:gd name="connsiteX2" fmla="*/ 1191904 w 1319283"/>
+              <a:gd name="connsiteY2" fmla="*/ 1010030 h 1192000"/>
+              <a:gd name="connsiteX3" fmla="*/ 1169158 w 1319283"/>
+              <a:gd name="connsiteY3" fmla="*/ 914496 h 1192000"/>
+              <a:gd name="connsiteX4" fmla="*/ 1169158 w 1319283"/>
+              <a:gd name="connsiteY4" fmla="*/ 882651 h 1192000"/>
+              <a:gd name="connsiteX5" fmla="*/ 1160059 w 1319283"/>
+              <a:gd name="connsiteY5" fmla="*/ 782568 h 1192000"/>
+              <a:gd name="connsiteX6" fmla="*/ 1132764 w 1319283"/>
+              <a:gd name="connsiteY6" fmla="*/ 700681 h 1192000"/>
+              <a:gd name="connsiteX7" fmla="*/ 1123665 w 1319283"/>
+              <a:gd name="connsiteY7" fmla="*/ 600597 h 1192000"/>
+              <a:gd name="connsiteX8" fmla="*/ 1073624 w 1319283"/>
+              <a:gd name="connsiteY8" fmla="*/ 536908 h 1192000"/>
+              <a:gd name="connsiteX9" fmla="*/ 987188 w 1319283"/>
+              <a:gd name="connsiteY9" fmla="*/ 455021 h 1192000"/>
+              <a:gd name="connsiteX10" fmla="*/ 746077 w 1319283"/>
+              <a:gd name="connsiteY10" fmla="*/ 332191 h 1192000"/>
+              <a:gd name="connsiteX11" fmla="*/ 514065 w 1319283"/>
+              <a:gd name="connsiteY11" fmla="*/ 241206 h 1192000"/>
+              <a:gd name="connsiteX12" fmla="*/ 518615 w 1319283"/>
+              <a:gd name="connsiteY12" fmla="*/ 113827 h 1192000"/>
+              <a:gd name="connsiteX13" fmla="*/ 423080 w 1319283"/>
+              <a:gd name="connsiteY13" fmla="*/ 41039 h 1192000"/>
+              <a:gd name="connsiteX14" fmla="*/ 391236 w 1319283"/>
+              <a:gd name="connsiteY14" fmla="*/ 96 h 1192000"/>
+              <a:gd name="connsiteX15" fmla="*/ 350292 w 1319283"/>
+              <a:gd name="connsiteY15" fmla="*/ 31941 h 1192000"/>
+              <a:gd name="connsiteX16" fmla="*/ 322997 w 1319283"/>
+              <a:gd name="connsiteY16" fmla="*/ 100179 h 1192000"/>
+              <a:gd name="connsiteX17" fmla="*/ 309349 w 1319283"/>
+              <a:gd name="connsiteY17" fmla="*/ 141123 h 1192000"/>
+              <a:gd name="connsiteX18" fmla="*/ 291152 w 1319283"/>
+              <a:gd name="connsiteY18" fmla="*/ 232108 h 1192000"/>
+              <a:gd name="connsiteX19" fmla="*/ 145576 w 1319283"/>
+              <a:gd name="connsiteY19" fmla="*/ 186615 h 1192000"/>
+              <a:gd name="connsiteX20" fmla="*/ 86436 w 1319283"/>
+              <a:gd name="connsiteY20" fmla="*/ 182066 h 1192000"/>
+              <a:gd name="connsiteX21" fmla="*/ 50041 w 1319283"/>
+              <a:gd name="connsiteY21" fmla="*/ 182066 h 1192000"/>
+              <a:gd name="connsiteX22" fmla="*/ 0 w 1319283"/>
+              <a:gd name="connsiteY22" fmla="*/ 241206 h 1192000"/>
+              <a:gd name="connsiteX0" fmla="*/ 1319283 w 1319283"/>
+              <a:gd name="connsiteY0" fmla="*/ 1192105 h 1192105"/>
+              <a:gd name="connsiteX1" fmla="*/ 1251044 w 1319283"/>
+              <a:gd name="connsiteY1" fmla="*/ 1078374 h 1192105"/>
+              <a:gd name="connsiteX2" fmla="*/ 1191904 w 1319283"/>
+              <a:gd name="connsiteY2" fmla="*/ 1010135 h 1192105"/>
+              <a:gd name="connsiteX3" fmla="*/ 1169158 w 1319283"/>
+              <a:gd name="connsiteY3" fmla="*/ 914601 h 1192105"/>
+              <a:gd name="connsiteX4" fmla="*/ 1169158 w 1319283"/>
+              <a:gd name="connsiteY4" fmla="*/ 882756 h 1192105"/>
+              <a:gd name="connsiteX5" fmla="*/ 1160059 w 1319283"/>
+              <a:gd name="connsiteY5" fmla="*/ 782673 h 1192105"/>
+              <a:gd name="connsiteX6" fmla="*/ 1132764 w 1319283"/>
+              <a:gd name="connsiteY6" fmla="*/ 700786 h 1192105"/>
+              <a:gd name="connsiteX7" fmla="*/ 1123665 w 1319283"/>
+              <a:gd name="connsiteY7" fmla="*/ 600702 h 1192105"/>
+              <a:gd name="connsiteX8" fmla="*/ 1073624 w 1319283"/>
+              <a:gd name="connsiteY8" fmla="*/ 537013 h 1192105"/>
+              <a:gd name="connsiteX9" fmla="*/ 987188 w 1319283"/>
+              <a:gd name="connsiteY9" fmla="*/ 455126 h 1192105"/>
+              <a:gd name="connsiteX10" fmla="*/ 746077 w 1319283"/>
+              <a:gd name="connsiteY10" fmla="*/ 332296 h 1192105"/>
+              <a:gd name="connsiteX11" fmla="*/ 514065 w 1319283"/>
+              <a:gd name="connsiteY11" fmla="*/ 241311 h 1192105"/>
+              <a:gd name="connsiteX12" fmla="*/ 518615 w 1319283"/>
+              <a:gd name="connsiteY12" fmla="*/ 113932 h 1192105"/>
+              <a:gd name="connsiteX13" fmla="*/ 450375 w 1319283"/>
+              <a:gd name="connsiteY13" fmla="*/ 45693 h 1192105"/>
+              <a:gd name="connsiteX14" fmla="*/ 391236 w 1319283"/>
+              <a:gd name="connsiteY14" fmla="*/ 201 h 1192105"/>
+              <a:gd name="connsiteX15" fmla="*/ 350292 w 1319283"/>
+              <a:gd name="connsiteY15" fmla="*/ 32046 h 1192105"/>
+              <a:gd name="connsiteX16" fmla="*/ 322997 w 1319283"/>
+              <a:gd name="connsiteY16" fmla="*/ 100284 h 1192105"/>
+              <a:gd name="connsiteX17" fmla="*/ 309349 w 1319283"/>
+              <a:gd name="connsiteY17" fmla="*/ 141228 h 1192105"/>
+              <a:gd name="connsiteX18" fmla="*/ 291152 w 1319283"/>
+              <a:gd name="connsiteY18" fmla="*/ 232213 h 1192105"/>
+              <a:gd name="connsiteX19" fmla="*/ 145576 w 1319283"/>
+              <a:gd name="connsiteY19" fmla="*/ 186720 h 1192105"/>
+              <a:gd name="connsiteX20" fmla="*/ 86436 w 1319283"/>
+              <a:gd name="connsiteY20" fmla="*/ 182171 h 1192105"/>
+              <a:gd name="connsiteX21" fmla="*/ 50041 w 1319283"/>
+              <a:gd name="connsiteY21" fmla="*/ 182171 h 1192105"/>
+              <a:gd name="connsiteX22" fmla="*/ 0 w 1319283"/>
+              <a:gd name="connsiteY22" fmla="*/ 241311 h 1192105"/>
+              <a:gd name="connsiteX0" fmla="*/ 1319283 w 1319283"/>
+              <a:gd name="connsiteY0" fmla="*/ 1192105 h 1192105"/>
+              <a:gd name="connsiteX1" fmla="*/ 1251044 w 1319283"/>
+              <a:gd name="connsiteY1" fmla="*/ 1078374 h 1192105"/>
+              <a:gd name="connsiteX2" fmla="*/ 1191904 w 1319283"/>
+              <a:gd name="connsiteY2" fmla="*/ 1010135 h 1192105"/>
+              <a:gd name="connsiteX3" fmla="*/ 1169158 w 1319283"/>
+              <a:gd name="connsiteY3" fmla="*/ 914601 h 1192105"/>
+              <a:gd name="connsiteX4" fmla="*/ 1169158 w 1319283"/>
+              <a:gd name="connsiteY4" fmla="*/ 882756 h 1192105"/>
+              <a:gd name="connsiteX5" fmla="*/ 1160059 w 1319283"/>
+              <a:gd name="connsiteY5" fmla="*/ 782673 h 1192105"/>
+              <a:gd name="connsiteX6" fmla="*/ 1132764 w 1319283"/>
+              <a:gd name="connsiteY6" fmla="*/ 700786 h 1192105"/>
+              <a:gd name="connsiteX7" fmla="*/ 1123665 w 1319283"/>
+              <a:gd name="connsiteY7" fmla="*/ 600702 h 1192105"/>
+              <a:gd name="connsiteX8" fmla="*/ 1073624 w 1319283"/>
+              <a:gd name="connsiteY8" fmla="*/ 537013 h 1192105"/>
+              <a:gd name="connsiteX9" fmla="*/ 987188 w 1319283"/>
+              <a:gd name="connsiteY9" fmla="*/ 455126 h 1192105"/>
+              <a:gd name="connsiteX10" fmla="*/ 746077 w 1319283"/>
+              <a:gd name="connsiteY10" fmla="*/ 332296 h 1192105"/>
+              <a:gd name="connsiteX11" fmla="*/ 559557 w 1319283"/>
+              <a:gd name="connsiteY11" fmla="*/ 227663 h 1192105"/>
+              <a:gd name="connsiteX12" fmla="*/ 518615 w 1319283"/>
+              <a:gd name="connsiteY12" fmla="*/ 113932 h 1192105"/>
+              <a:gd name="connsiteX13" fmla="*/ 450375 w 1319283"/>
+              <a:gd name="connsiteY13" fmla="*/ 45693 h 1192105"/>
+              <a:gd name="connsiteX14" fmla="*/ 391236 w 1319283"/>
+              <a:gd name="connsiteY14" fmla="*/ 201 h 1192105"/>
+              <a:gd name="connsiteX15" fmla="*/ 350292 w 1319283"/>
+              <a:gd name="connsiteY15" fmla="*/ 32046 h 1192105"/>
+              <a:gd name="connsiteX16" fmla="*/ 322997 w 1319283"/>
+              <a:gd name="connsiteY16" fmla="*/ 100284 h 1192105"/>
+              <a:gd name="connsiteX17" fmla="*/ 309349 w 1319283"/>
+              <a:gd name="connsiteY17" fmla="*/ 141228 h 1192105"/>
+              <a:gd name="connsiteX18" fmla="*/ 291152 w 1319283"/>
+              <a:gd name="connsiteY18" fmla="*/ 232213 h 1192105"/>
+              <a:gd name="connsiteX19" fmla="*/ 145576 w 1319283"/>
+              <a:gd name="connsiteY19" fmla="*/ 186720 h 1192105"/>
+              <a:gd name="connsiteX20" fmla="*/ 86436 w 1319283"/>
+              <a:gd name="connsiteY20" fmla="*/ 182171 h 1192105"/>
+              <a:gd name="connsiteX21" fmla="*/ 50041 w 1319283"/>
+              <a:gd name="connsiteY21" fmla="*/ 182171 h 1192105"/>
+              <a:gd name="connsiteX22" fmla="*/ 0 w 1319283"/>
+              <a:gd name="connsiteY22" fmla="*/ 241311 h 1192105"/>
+              <a:gd name="connsiteX0" fmla="*/ 1319283 w 1319283"/>
+              <a:gd name="connsiteY0" fmla="*/ 1192105 h 1192105"/>
+              <a:gd name="connsiteX1" fmla="*/ 1251044 w 1319283"/>
+              <a:gd name="connsiteY1" fmla="*/ 1078374 h 1192105"/>
+              <a:gd name="connsiteX2" fmla="*/ 1191904 w 1319283"/>
+              <a:gd name="connsiteY2" fmla="*/ 1010135 h 1192105"/>
+              <a:gd name="connsiteX3" fmla="*/ 1169158 w 1319283"/>
+              <a:gd name="connsiteY3" fmla="*/ 914601 h 1192105"/>
+              <a:gd name="connsiteX4" fmla="*/ 1169158 w 1319283"/>
+              <a:gd name="connsiteY4" fmla="*/ 882756 h 1192105"/>
+              <a:gd name="connsiteX5" fmla="*/ 1160059 w 1319283"/>
+              <a:gd name="connsiteY5" fmla="*/ 782673 h 1192105"/>
+              <a:gd name="connsiteX6" fmla="*/ 1132764 w 1319283"/>
+              <a:gd name="connsiteY6" fmla="*/ 700786 h 1192105"/>
+              <a:gd name="connsiteX7" fmla="*/ 1123665 w 1319283"/>
+              <a:gd name="connsiteY7" fmla="*/ 600702 h 1192105"/>
+              <a:gd name="connsiteX8" fmla="*/ 1073624 w 1319283"/>
+              <a:gd name="connsiteY8" fmla="*/ 537013 h 1192105"/>
+              <a:gd name="connsiteX9" fmla="*/ 987188 w 1319283"/>
+              <a:gd name="connsiteY9" fmla="*/ 455126 h 1192105"/>
+              <a:gd name="connsiteX10" fmla="*/ 746077 w 1319283"/>
+              <a:gd name="connsiteY10" fmla="*/ 332296 h 1192105"/>
+              <a:gd name="connsiteX11" fmla="*/ 559557 w 1319283"/>
+              <a:gd name="connsiteY11" fmla="*/ 227663 h 1192105"/>
+              <a:gd name="connsiteX12" fmla="*/ 518615 w 1319283"/>
+              <a:gd name="connsiteY12" fmla="*/ 113932 h 1192105"/>
+              <a:gd name="connsiteX13" fmla="*/ 450375 w 1319283"/>
+              <a:gd name="connsiteY13" fmla="*/ 45693 h 1192105"/>
+              <a:gd name="connsiteX14" fmla="*/ 391236 w 1319283"/>
+              <a:gd name="connsiteY14" fmla="*/ 201 h 1192105"/>
+              <a:gd name="connsiteX15" fmla="*/ 350292 w 1319283"/>
+              <a:gd name="connsiteY15" fmla="*/ 32046 h 1192105"/>
+              <a:gd name="connsiteX16" fmla="*/ 322997 w 1319283"/>
+              <a:gd name="connsiteY16" fmla="*/ 100284 h 1192105"/>
+              <a:gd name="connsiteX17" fmla="*/ 309349 w 1319283"/>
+              <a:gd name="connsiteY17" fmla="*/ 141228 h 1192105"/>
+              <a:gd name="connsiteX18" fmla="*/ 291152 w 1319283"/>
+              <a:gd name="connsiteY18" fmla="*/ 232213 h 1192105"/>
+              <a:gd name="connsiteX19" fmla="*/ 145576 w 1319283"/>
+              <a:gd name="connsiteY19" fmla="*/ 186720 h 1192105"/>
+              <a:gd name="connsiteX20" fmla="*/ 86436 w 1319283"/>
+              <a:gd name="connsiteY20" fmla="*/ 182171 h 1192105"/>
+              <a:gd name="connsiteX21" fmla="*/ 50041 w 1319283"/>
+              <a:gd name="connsiteY21" fmla="*/ 182171 h 1192105"/>
+              <a:gd name="connsiteX22" fmla="*/ 0 w 1319283"/>
+              <a:gd name="connsiteY22" fmla="*/ 241311 h 1192105"/>
+              <a:gd name="connsiteX0" fmla="*/ 1319283 w 1319283"/>
+              <a:gd name="connsiteY0" fmla="*/ 1192105 h 1192105"/>
+              <a:gd name="connsiteX1" fmla="*/ 1251044 w 1319283"/>
+              <a:gd name="connsiteY1" fmla="*/ 1078374 h 1192105"/>
+              <a:gd name="connsiteX2" fmla="*/ 1191904 w 1319283"/>
+              <a:gd name="connsiteY2" fmla="*/ 1010135 h 1192105"/>
+              <a:gd name="connsiteX3" fmla="*/ 1169158 w 1319283"/>
+              <a:gd name="connsiteY3" fmla="*/ 914601 h 1192105"/>
+              <a:gd name="connsiteX4" fmla="*/ 1169158 w 1319283"/>
+              <a:gd name="connsiteY4" fmla="*/ 882756 h 1192105"/>
+              <a:gd name="connsiteX5" fmla="*/ 1160059 w 1319283"/>
+              <a:gd name="connsiteY5" fmla="*/ 782673 h 1192105"/>
+              <a:gd name="connsiteX6" fmla="*/ 1132764 w 1319283"/>
+              <a:gd name="connsiteY6" fmla="*/ 700786 h 1192105"/>
+              <a:gd name="connsiteX7" fmla="*/ 1123665 w 1319283"/>
+              <a:gd name="connsiteY7" fmla="*/ 600702 h 1192105"/>
+              <a:gd name="connsiteX8" fmla="*/ 1073624 w 1319283"/>
+              <a:gd name="connsiteY8" fmla="*/ 537013 h 1192105"/>
+              <a:gd name="connsiteX9" fmla="*/ 987188 w 1319283"/>
+              <a:gd name="connsiteY9" fmla="*/ 455126 h 1192105"/>
+              <a:gd name="connsiteX10" fmla="*/ 746077 w 1319283"/>
+              <a:gd name="connsiteY10" fmla="*/ 332296 h 1192105"/>
+              <a:gd name="connsiteX11" fmla="*/ 582303 w 1319283"/>
+              <a:gd name="connsiteY11" fmla="*/ 223114 h 1192105"/>
+              <a:gd name="connsiteX12" fmla="*/ 518615 w 1319283"/>
+              <a:gd name="connsiteY12" fmla="*/ 113932 h 1192105"/>
+              <a:gd name="connsiteX13" fmla="*/ 450375 w 1319283"/>
+              <a:gd name="connsiteY13" fmla="*/ 45693 h 1192105"/>
+              <a:gd name="connsiteX14" fmla="*/ 391236 w 1319283"/>
+              <a:gd name="connsiteY14" fmla="*/ 201 h 1192105"/>
+              <a:gd name="connsiteX15" fmla="*/ 350292 w 1319283"/>
+              <a:gd name="connsiteY15" fmla="*/ 32046 h 1192105"/>
+              <a:gd name="connsiteX16" fmla="*/ 322997 w 1319283"/>
+              <a:gd name="connsiteY16" fmla="*/ 100284 h 1192105"/>
+              <a:gd name="connsiteX17" fmla="*/ 309349 w 1319283"/>
+              <a:gd name="connsiteY17" fmla="*/ 141228 h 1192105"/>
+              <a:gd name="connsiteX18" fmla="*/ 291152 w 1319283"/>
+              <a:gd name="connsiteY18" fmla="*/ 232213 h 1192105"/>
+              <a:gd name="connsiteX19" fmla="*/ 145576 w 1319283"/>
+              <a:gd name="connsiteY19" fmla="*/ 186720 h 1192105"/>
+              <a:gd name="connsiteX20" fmla="*/ 86436 w 1319283"/>
+              <a:gd name="connsiteY20" fmla="*/ 182171 h 1192105"/>
+              <a:gd name="connsiteX21" fmla="*/ 50041 w 1319283"/>
+              <a:gd name="connsiteY21" fmla="*/ 182171 h 1192105"/>
+              <a:gd name="connsiteX22" fmla="*/ 0 w 1319283"/>
+              <a:gd name="connsiteY22" fmla="*/ 241311 h 1192105"/>
+            </a:gdLst>
+            <a:ahLst/>
+            <a:cxnLst>
+              <a:cxn ang="0">
+                <a:pos x="connsiteX0" y="connsiteY0"/>
+              </a:cxn>
+              <a:cxn ang="0">
+                <a:pos x="connsiteX1" y="connsiteY1"/>
+              </a:cxn>
+              <a:cxn ang="0">
+                <a:pos x="connsiteX2" y="connsiteY2"/>
+              </a:cxn>
+              <a:cxn ang="0">
+                <a:pos x="connsiteX3" y="connsiteY3"/>
+              </a:cxn>
+              <a:cxn ang="0">
+                <a:pos x="connsiteX4" y="connsiteY4"/>
+              </a:cxn>
+              <a:cxn ang="0">
+                <a:pos x="connsiteX5" y="connsiteY5"/>
+              </a:cxn>
+              <a:cxn ang="0">
+                <a:pos x="connsiteX6" y="connsiteY6"/>
+              </a:cxn>
+              <a:cxn ang="0">
+                <a:pos x="connsiteX7" y="connsiteY7"/>
+              </a:cxn>
+              <a:cxn ang="0">
+                <a:pos x="connsiteX8" y="connsiteY8"/>
+              </a:cxn>
+              <a:cxn ang="0">
+                <a:pos x="connsiteX9" y="connsiteY9"/>
+              </a:cxn>
+              <a:cxn ang="0">
+                <a:pos x="connsiteX10" y="connsiteY10"/>
+              </a:cxn>
+              <a:cxn ang="0">
+                <a:pos x="connsiteX11" y="connsiteY11"/>
+              </a:cxn>
+              <a:cxn ang="0">
+                <a:pos x="connsiteX12" y="connsiteY12"/>
+              </a:cxn>
+              <a:cxn ang="0">
+                <a:pos x="connsiteX13" y="connsiteY13"/>
+              </a:cxn>
+              <a:cxn ang="0">
+                <a:pos x="connsiteX14" y="connsiteY14"/>
+              </a:cxn>
+              <a:cxn ang="0">
+                <a:pos x="connsiteX15" y="connsiteY15"/>
+              </a:cxn>
+              <a:cxn ang="0">
+                <a:pos x="connsiteX16" y="connsiteY16"/>
+              </a:cxn>
+              <a:cxn ang="0">
+                <a:pos x="connsiteX17" y="connsiteY17"/>
+              </a:cxn>
+              <a:cxn ang="0">
+                <a:pos x="connsiteX18" y="connsiteY18"/>
+              </a:cxn>
+              <a:cxn ang="0">
+                <a:pos x="connsiteX19" y="connsiteY19"/>
+              </a:cxn>
+              <a:cxn ang="0">
+                <a:pos x="connsiteX20" y="connsiteY20"/>
+              </a:cxn>
+              <a:cxn ang="0">
+                <a:pos x="connsiteX21" y="connsiteY21"/>
+              </a:cxn>
+              <a:cxn ang="0">
+                <a:pos x="connsiteX22" y="connsiteY22"/>
+              </a:cxn>
+            </a:cxnLst>
+            <a:rect l="l" t="t" r="r" b="b"/>
+            <a:pathLst>
+              <a:path w="1319283" h="1192105">
+                <a:moveTo>
+                  <a:pt x="1319283" y="1192105"/>
+                </a:moveTo>
+                <a:cubicBezTo>
+                  <a:pt x="1295778" y="1150403"/>
+                  <a:pt x="1272274" y="1108702"/>
+                  <a:pt x="1251044" y="1078374"/>
+                </a:cubicBezTo>
+                <a:cubicBezTo>
+                  <a:pt x="1229814" y="1048046"/>
+                  <a:pt x="1205552" y="1037430"/>
+                  <a:pt x="1191904" y="1010135"/>
+                </a:cubicBezTo>
+                <a:cubicBezTo>
+                  <a:pt x="1178256" y="982840"/>
+                  <a:pt x="1172949" y="935831"/>
+                  <a:pt x="1169158" y="914601"/>
+                </a:cubicBezTo>
+                <a:cubicBezTo>
+                  <a:pt x="1165367" y="893371"/>
+                  <a:pt x="1170674" y="904744"/>
+                  <a:pt x="1169158" y="882756"/>
+                </a:cubicBezTo>
+                <a:cubicBezTo>
+                  <a:pt x="1167641" y="860768"/>
+                  <a:pt x="1166125" y="813001"/>
+                  <a:pt x="1160059" y="782673"/>
+                </a:cubicBezTo>
+                <a:cubicBezTo>
+                  <a:pt x="1153993" y="752345"/>
+                  <a:pt x="1138830" y="731114"/>
+                  <a:pt x="1132764" y="700786"/>
+                </a:cubicBezTo>
+                <a:cubicBezTo>
+                  <a:pt x="1126698" y="670458"/>
+                  <a:pt x="1133522" y="627997"/>
+                  <a:pt x="1123665" y="600702"/>
+                </a:cubicBezTo>
+                <a:cubicBezTo>
+                  <a:pt x="1113808" y="573407"/>
+                  <a:pt x="1096370" y="561276"/>
+                  <a:pt x="1073624" y="537013"/>
+                </a:cubicBezTo>
+                <a:cubicBezTo>
+                  <a:pt x="1050878" y="512750"/>
+                  <a:pt x="1041779" y="489246"/>
+                  <a:pt x="987188" y="455126"/>
+                </a:cubicBezTo>
+                <a:cubicBezTo>
+                  <a:pt x="932597" y="421007"/>
+                  <a:pt x="813558" y="370965"/>
+                  <a:pt x="746077" y="332296"/>
+                </a:cubicBezTo>
+                <a:cubicBezTo>
+                  <a:pt x="678596" y="293627"/>
+                  <a:pt x="620213" y="259508"/>
+                  <a:pt x="582303" y="223114"/>
+                </a:cubicBezTo>
+                <a:cubicBezTo>
+                  <a:pt x="544393" y="186720"/>
+                  <a:pt x="540603" y="143502"/>
+                  <a:pt x="518615" y="113932"/>
+                </a:cubicBezTo>
+                <a:cubicBezTo>
+                  <a:pt x="496627" y="84362"/>
+                  <a:pt x="471605" y="64648"/>
+                  <a:pt x="450375" y="45693"/>
+                </a:cubicBezTo>
+                <a:cubicBezTo>
+                  <a:pt x="429145" y="26738"/>
+                  <a:pt x="407917" y="2476"/>
+                  <a:pt x="391236" y="201"/>
+                </a:cubicBezTo>
+                <a:cubicBezTo>
+                  <a:pt x="374555" y="-2074"/>
+                  <a:pt x="361665" y="15366"/>
+                  <a:pt x="350292" y="32046"/>
+                </a:cubicBezTo>
+                <a:cubicBezTo>
+                  <a:pt x="338919" y="48726"/>
+                  <a:pt x="329821" y="82087"/>
+                  <a:pt x="322997" y="100284"/>
+                </a:cubicBezTo>
+                <a:cubicBezTo>
+                  <a:pt x="316173" y="118481"/>
+                  <a:pt x="314656" y="119240"/>
+                  <a:pt x="309349" y="141228"/>
+                </a:cubicBezTo>
+                <a:cubicBezTo>
+                  <a:pt x="304042" y="163216"/>
+                  <a:pt x="318447" y="224631"/>
+                  <a:pt x="291152" y="232213"/>
+                </a:cubicBezTo>
+                <a:cubicBezTo>
+                  <a:pt x="263857" y="239795"/>
+                  <a:pt x="179695" y="195060"/>
+                  <a:pt x="145576" y="186720"/>
+                </a:cubicBezTo>
+                <a:cubicBezTo>
+                  <a:pt x="111457" y="178380"/>
+                  <a:pt x="102358" y="182929"/>
+                  <a:pt x="86436" y="182171"/>
+                </a:cubicBezTo>
+                <a:cubicBezTo>
+                  <a:pt x="70514" y="181413"/>
+                  <a:pt x="64447" y="172314"/>
+                  <a:pt x="50041" y="182171"/>
+                </a:cubicBezTo>
+                <a:cubicBezTo>
+                  <a:pt x="35635" y="192028"/>
+                  <a:pt x="17817" y="216669"/>
+                  <a:pt x="0" y="241311"/>
+                </a:cubicBezTo>
+              </a:path>
+            </a:pathLst>
+          </a:custGeom>
+          <a:noFill/>
+          <a:ln w="38100">
+            <a:solidFill>
+              <a:srgbClr val="00B050"/>
+            </a:solidFill>
+          </a:ln>
+        </p:spPr>
+        <p:style>
+          <a:lnRef idx="2">
+            <a:schemeClr val="accent1">
+              <a:shade val="50000"/>
+            </a:schemeClr>
+          </a:lnRef>
+          <a:fillRef idx="1">
+            <a:schemeClr val="accent1"/>
+          </a:fillRef>
+          <a:effectRef idx="0">
+            <a:schemeClr val="accent1"/>
+          </a:effectRef>
+          <a:fontRef idx="minor">
+            <a:schemeClr val="lt1"/>
+          </a:fontRef>
+        </p:style>
+        <p:txBody>
+          <a:bodyPr rtlCol="0" anchor="ctr"/>
+          <a:lstStyle/>
+          <a:p>
+            <a:pPr algn="ctr"/>
+            <a:endParaRPr lang="ko-KR" altLang="en-US"/>
+          </a:p>
+        </p:txBody>
+      </p:sp>
     </p:spTree>
     <p:extLst>
       <p:ext uri="{BB962C8B-B14F-4D97-AF65-F5344CB8AC3E}">

--- a/0.PPT파일/등산지도_경로_세로_2020-08-29.pptx
+++ b/0.PPT파일/등산지도_경로_세로_2020-08-29.pptx
@@ -283,7 +283,7 @@
           <a:p>
             <a:fld id="{5CBC3198-AB24-46EE-8A6F-BC607E4DFF2A}" type="datetimeFigureOut">
               <a:rPr lang="ko-KR" altLang="en-US" smtClean="0"/>
-              <a:t>2020-11-15</a:t>
+              <a:t>2020-12-08</a:t>
             </a:fld>
             <a:endParaRPr lang="ko-KR" altLang="en-US"/>
           </a:p>
@@ -463,7 +463,7 @@
           <a:p>
             <a:fld id="{5CBC3198-AB24-46EE-8A6F-BC607E4DFF2A}" type="datetimeFigureOut">
               <a:rPr lang="ko-KR" altLang="en-US" smtClean="0"/>
-              <a:t>2020-11-15</a:t>
+              <a:t>2020-12-08</a:t>
             </a:fld>
             <a:endParaRPr lang="ko-KR" altLang="en-US"/>
           </a:p>
@@ -766,7 +766,7 @@
           <a:p>
             <a:fld id="{5CBC3198-AB24-46EE-8A6F-BC607E4DFF2A}" type="datetimeFigureOut">
               <a:rPr lang="ko-KR" altLang="en-US" smtClean="0"/>
-              <a:t>2020-11-15</a:t>
+              <a:t>2020-12-08</a:t>
             </a:fld>
             <a:endParaRPr lang="ko-KR" altLang="en-US"/>
           </a:p>
@@ -998,7 +998,7 @@
           <a:p>
             <a:fld id="{5CBC3198-AB24-46EE-8A6F-BC607E4DFF2A}" type="datetimeFigureOut">
               <a:rPr lang="ko-KR" altLang="en-US" smtClean="0"/>
-              <a:t>2020-11-15</a:t>
+              <a:t>2020-12-08</a:t>
             </a:fld>
             <a:endParaRPr lang="ko-KR" altLang="en-US"/>
           </a:p>
@@ -1365,7 +1365,7 @@
           <a:p>
             <a:fld id="{5CBC3198-AB24-46EE-8A6F-BC607E4DFF2A}" type="datetimeFigureOut">
               <a:rPr lang="ko-KR" altLang="en-US" smtClean="0"/>
-              <a:t>2020-11-15</a:t>
+              <a:t>2020-12-08</a:t>
             </a:fld>
             <a:endParaRPr lang="ko-KR" altLang="en-US"/>
           </a:p>
@@ -1483,7 +1483,7 @@
           <a:p>
             <a:fld id="{5CBC3198-AB24-46EE-8A6F-BC607E4DFF2A}" type="datetimeFigureOut">
               <a:rPr lang="ko-KR" altLang="en-US" smtClean="0"/>
-              <a:t>2020-11-15</a:t>
+              <a:t>2020-12-08</a:t>
             </a:fld>
             <a:endParaRPr lang="ko-KR" altLang="en-US"/>
           </a:p>
@@ -1578,7 +1578,7 @@
           <a:p>
             <a:fld id="{5CBC3198-AB24-46EE-8A6F-BC607E4DFF2A}" type="datetimeFigureOut">
               <a:rPr lang="ko-KR" altLang="en-US" smtClean="0"/>
-              <a:t>2020-11-15</a:t>
+              <a:t>2020-12-08</a:t>
             </a:fld>
             <a:endParaRPr lang="ko-KR" altLang="en-US"/>
           </a:p>
@@ -1855,7 +1855,7 @@
           <a:p>
             <a:fld id="{5CBC3198-AB24-46EE-8A6F-BC607E4DFF2A}" type="datetimeFigureOut">
               <a:rPr lang="ko-KR" altLang="en-US" smtClean="0"/>
-              <a:t>2020-11-15</a:t>
+              <a:t>2020-12-08</a:t>
             </a:fld>
             <a:endParaRPr lang="ko-KR" altLang="en-US"/>
           </a:p>
@@ -2112,7 +2112,7 @@
           <a:p>
             <a:fld id="{5CBC3198-AB24-46EE-8A6F-BC607E4DFF2A}" type="datetimeFigureOut">
               <a:rPr lang="ko-KR" altLang="en-US" smtClean="0"/>
-              <a:t>2020-11-15</a:t>
+              <a:t>2020-12-08</a:t>
             </a:fld>
             <a:endParaRPr lang="ko-KR" altLang="en-US"/>
           </a:p>
@@ -2325,7 +2325,7 @@
           <a:p>
             <a:fld id="{5CBC3198-AB24-46EE-8A6F-BC607E4DFF2A}" type="datetimeFigureOut">
               <a:rPr lang="ko-KR" altLang="en-US" smtClean="0"/>
-              <a:t>2020-11-15</a:t>
+              <a:t>2020-12-08</a:t>
             </a:fld>
             <a:endParaRPr lang="ko-KR" altLang="en-US"/>
           </a:p>
@@ -8489,7 +8489,7 @@
           <a:ln w="38100">
             <a:solidFill>
               <a:srgbClr val="00B050">
-                <a:alpha val="50000"/>
+                <a:alpha val="70000"/>
               </a:srgbClr>
             </a:solidFill>
           </a:ln>
@@ -8715,7 +8715,7 @@
           <a:ln w="38100">
             <a:solidFill>
               <a:srgbClr val="00B050">
-                <a:alpha val="50000"/>
+                <a:alpha val="70000"/>
               </a:srgbClr>
             </a:solidFill>
           </a:ln>
@@ -9489,6 +9489,920 @@
           </a:p>
         </p:txBody>
       </p:sp>
+      <p:sp>
+        <p:nvSpPr>
+          <p:cNvPr id="8" name="자유형 7"/>
+          <p:cNvSpPr/>
+          <p:nvPr/>
+        </p:nvSpPr>
+        <p:spPr>
+          <a:xfrm>
+            <a:off x="-4763" y="7431899"/>
+            <a:ext cx="1168917" cy="1050114"/>
+          </a:xfrm>
+          <a:custGeom>
+            <a:avLst/>
+            <a:gdLst>
+              <a:gd name="connsiteX0" fmla="*/ 0 w 1168917"/>
+              <a:gd name="connsiteY0" fmla="*/ 1050114 h 1050114"/>
+              <a:gd name="connsiteX1" fmla="*/ 90488 w 1168917"/>
+              <a:gd name="connsiteY1" fmla="*/ 973914 h 1050114"/>
+              <a:gd name="connsiteX2" fmla="*/ 104776 w 1168917"/>
+              <a:gd name="connsiteY2" fmla="*/ 931051 h 1050114"/>
+              <a:gd name="connsiteX3" fmla="*/ 128588 w 1168917"/>
+              <a:gd name="connsiteY3" fmla="*/ 888189 h 1050114"/>
+              <a:gd name="connsiteX4" fmla="*/ 157163 w 1168917"/>
+              <a:gd name="connsiteY4" fmla="*/ 840564 h 1050114"/>
+              <a:gd name="connsiteX5" fmla="*/ 219076 w 1168917"/>
+              <a:gd name="connsiteY5" fmla="*/ 845326 h 1050114"/>
+              <a:gd name="connsiteX6" fmla="*/ 304801 w 1168917"/>
+              <a:gd name="connsiteY6" fmla="*/ 788176 h 1050114"/>
+              <a:gd name="connsiteX7" fmla="*/ 338138 w 1168917"/>
+              <a:gd name="connsiteY7" fmla="*/ 716739 h 1050114"/>
+              <a:gd name="connsiteX8" fmla="*/ 342901 w 1168917"/>
+              <a:gd name="connsiteY8" fmla="*/ 654826 h 1050114"/>
+              <a:gd name="connsiteX9" fmla="*/ 428626 w 1168917"/>
+              <a:gd name="connsiteY9" fmla="*/ 592914 h 1050114"/>
+              <a:gd name="connsiteX10" fmla="*/ 461963 w 1168917"/>
+              <a:gd name="connsiteY10" fmla="*/ 554814 h 1050114"/>
+              <a:gd name="connsiteX11" fmla="*/ 481013 w 1168917"/>
+              <a:gd name="connsiteY11" fmla="*/ 473851 h 1050114"/>
+              <a:gd name="connsiteX12" fmla="*/ 595313 w 1168917"/>
+              <a:gd name="connsiteY12" fmla="*/ 450039 h 1050114"/>
+              <a:gd name="connsiteX13" fmla="*/ 647701 w 1168917"/>
+              <a:gd name="connsiteY13" fmla="*/ 435751 h 1050114"/>
+              <a:gd name="connsiteX14" fmla="*/ 714376 w 1168917"/>
+              <a:gd name="connsiteY14" fmla="*/ 426226 h 1050114"/>
+              <a:gd name="connsiteX15" fmla="*/ 766763 w 1168917"/>
+              <a:gd name="connsiteY15" fmla="*/ 402414 h 1050114"/>
+              <a:gd name="connsiteX16" fmla="*/ 862013 w 1168917"/>
+              <a:gd name="connsiteY16" fmla="*/ 407176 h 1050114"/>
+              <a:gd name="connsiteX17" fmla="*/ 1014413 w 1168917"/>
+              <a:gd name="connsiteY17" fmla="*/ 340501 h 1050114"/>
+              <a:gd name="connsiteX18" fmla="*/ 1057276 w 1168917"/>
+              <a:gd name="connsiteY18" fmla="*/ 259539 h 1050114"/>
+              <a:gd name="connsiteX19" fmla="*/ 1104901 w 1168917"/>
+              <a:gd name="connsiteY19" fmla="*/ 211914 h 1050114"/>
+              <a:gd name="connsiteX20" fmla="*/ 1166813 w 1168917"/>
+              <a:gd name="connsiteY20" fmla="*/ 197626 h 1050114"/>
+              <a:gd name="connsiteX21" fmla="*/ 1152526 w 1168917"/>
+              <a:gd name="connsiteY21" fmla="*/ 83326 h 1050114"/>
+              <a:gd name="connsiteX22" fmla="*/ 1133476 w 1168917"/>
+              <a:gd name="connsiteY22" fmla="*/ 69039 h 1050114"/>
+              <a:gd name="connsiteX23" fmla="*/ 1143001 w 1168917"/>
+              <a:gd name="connsiteY23" fmla="*/ 2364 h 1050114"/>
+              <a:gd name="connsiteX24" fmla="*/ 1114426 w 1168917"/>
+              <a:gd name="connsiteY24" fmla="*/ 21414 h 1050114"/>
+            </a:gdLst>
+            <a:ahLst/>
+            <a:cxnLst>
+              <a:cxn ang="0">
+                <a:pos x="connsiteX0" y="connsiteY0"/>
+              </a:cxn>
+              <a:cxn ang="0">
+                <a:pos x="connsiteX1" y="connsiteY1"/>
+              </a:cxn>
+              <a:cxn ang="0">
+                <a:pos x="connsiteX2" y="connsiteY2"/>
+              </a:cxn>
+              <a:cxn ang="0">
+                <a:pos x="connsiteX3" y="connsiteY3"/>
+              </a:cxn>
+              <a:cxn ang="0">
+                <a:pos x="connsiteX4" y="connsiteY4"/>
+              </a:cxn>
+              <a:cxn ang="0">
+                <a:pos x="connsiteX5" y="connsiteY5"/>
+              </a:cxn>
+              <a:cxn ang="0">
+                <a:pos x="connsiteX6" y="connsiteY6"/>
+              </a:cxn>
+              <a:cxn ang="0">
+                <a:pos x="connsiteX7" y="connsiteY7"/>
+              </a:cxn>
+              <a:cxn ang="0">
+                <a:pos x="connsiteX8" y="connsiteY8"/>
+              </a:cxn>
+              <a:cxn ang="0">
+                <a:pos x="connsiteX9" y="connsiteY9"/>
+              </a:cxn>
+              <a:cxn ang="0">
+                <a:pos x="connsiteX10" y="connsiteY10"/>
+              </a:cxn>
+              <a:cxn ang="0">
+                <a:pos x="connsiteX11" y="connsiteY11"/>
+              </a:cxn>
+              <a:cxn ang="0">
+                <a:pos x="connsiteX12" y="connsiteY12"/>
+              </a:cxn>
+              <a:cxn ang="0">
+                <a:pos x="connsiteX13" y="connsiteY13"/>
+              </a:cxn>
+              <a:cxn ang="0">
+                <a:pos x="connsiteX14" y="connsiteY14"/>
+              </a:cxn>
+              <a:cxn ang="0">
+                <a:pos x="connsiteX15" y="connsiteY15"/>
+              </a:cxn>
+              <a:cxn ang="0">
+                <a:pos x="connsiteX16" y="connsiteY16"/>
+              </a:cxn>
+              <a:cxn ang="0">
+                <a:pos x="connsiteX17" y="connsiteY17"/>
+              </a:cxn>
+              <a:cxn ang="0">
+                <a:pos x="connsiteX18" y="connsiteY18"/>
+              </a:cxn>
+              <a:cxn ang="0">
+                <a:pos x="connsiteX19" y="connsiteY19"/>
+              </a:cxn>
+              <a:cxn ang="0">
+                <a:pos x="connsiteX20" y="connsiteY20"/>
+              </a:cxn>
+              <a:cxn ang="0">
+                <a:pos x="connsiteX21" y="connsiteY21"/>
+              </a:cxn>
+              <a:cxn ang="0">
+                <a:pos x="connsiteX22" y="connsiteY22"/>
+              </a:cxn>
+              <a:cxn ang="0">
+                <a:pos x="connsiteX23" y="connsiteY23"/>
+              </a:cxn>
+              <a:cxn ang="0">
+                <a:pos x="connsiteX24" y="connsiteY24"/>
+              </a:cxn>
+            </a:cxnLst>
+            <a:rect l="l" t="t" r="r" b="b"/>
+            <a:pathLst>
+              <a:path w="1168917" h="1050114">
+                <a:moveTo>
+                  <a:pt x="0" y="1050114"/>
+                </a:moveTo>
+                <a:cubicBezTo>
+                  <a:pt x="36512" y="1021936"/>
+                  <a:pt x="73025" y="993758"/>
+                  <a:pt x="90488" y="973914"/>
+                </a:cubicBezTo>
+                <a:cubicBezTo>
+                  <a:pt x="107951" y="954070"/>
+                  <a:pt x="98426" y="945339"/>
+                  <a:pt x="104776" y="931051"/>
+                </a:cubicBezTo>
+                <a:cubicBezTo>
+                  <a:pt x="111126" y="916763"/>
+                  <a:pt x="119857" y="903270"/>
+                  <a:pt x="128588" y="888189"/>
+                </a:cubicBezTo>
+                <a:cubicBezTo>
+                  <a:pt x="137319" y="873108"/>
+                  <a:pt x="142082" y="847708"/>
+                  <a:pt x="157163" y="840564"/>
+                </a:cubicBezTo>
+                <a:cubicBezTo>
+                  <a:pt x="172244" y="833420"/>
+                  <a:pt x="194470" y="854057"/>
+                  <a:pt x="219076" y="845326"/>
+                </a:cubicBezTo>
+                <a:cubicBezTo>
+                  <a:pt x="243682" y="836595"/>
+                  <a:pt x="284958" y="809607"/>
+                  <a:pt x="304801" y="788176"/>
+                </a:cubicBezTo>
+                <a:cubicBezTo>
+                  <a:pt x="324644" y="766745"/>
+                  <a:pt x="331788" y="738964"/>
+                  <a:pt x="338138" y="716739"/>
+                </a:cubicBezTo>
+                <a:cubicBezTo>
+                  <a:pt x="344488" y="694514"/>
+                  <a:pt x="327820" y="675463"/>
+                  <a:pt x="342901" y="654826"/>
+                </a:cubicBezTo>
+                <a:cubicBezTo>
+                  <a:pt x="357982" y="634189"/>
+                  <a:pt x="408782" y="609583"/>
+                  <a:pt x="428626" y="592914"/>
+                </a:cubicBezTo>
+                <a:cubicBezTo>
+                  <a:pt x="448470" y="576245"/>
+                  <a:pt x="453232" y="574658"/>
+                  <a:pt x="461963" y="554814"/>
+                </a:cubicBezTo>
+                <a:cubicBezTo>
+                  <a:pt x="470694" y="534970"/>
+                  <a:pt x="458788" y="491313"/>
+                  <a:pt x="481013" y="473851"/>
+                </a:cubicBezTo>
+                <a:cubicBezTo>
+                  <a:pt x="503238" y="456389"/>
+                  <a:pt x="567532" y="456389"/>
+                  <a:pt x="595313" y="450039"/>
+                </a:cubicBezTo>
+                <a:cubicBezTo>
+                  <a:pt x="623094" y="443689"/>
+                  <a:pt x="627857" y="439720"/>
+                  <a:pt x="647701" y="435751"/>
+                </a:cubicBezTo>
+                <a:cubicBezTo>
+                  <a:pt x="667545" y="431782"/>
+                  <a:pt x="694532" y="431782"/>
+                  <a:pt x="714376" y="426226"/>
+                </a:cubicBezTo>
+                <a:cubicBezTo>
+                  <a:pt x="734220" y="420670"/>
+                  <a:pt x="742157" y="405589"/>
+                  <a:pt x="766763" y="402414"/>
+                </a:cubicBezTo>
+                <a:cubicBezTo>
+                  <a:pt x="791369" y="399239"/>
+                  <a:pt x="820738" y="417495"/>
+                  <a:pt x="862013" y="407176"/>
+                </a:cubicBezTo>
+                <a:cubicBezTo>
+                  <a:pt x="903288" y="396857"/>
+                  <a:pt x="981869" y="365107"/>
+                  <a:pt x="1014413" y="340501"/>
+                </a:cubicBezTo>
+                <a:cubicBezTo>
+                  <a:pt x="1046957" y="315895"/>
+                  <a:pt x="1042195" y="280970"/>
+                  <a:pt x="1057276" y="259539"/>
+                </a:cubicBezTo>
+                <a:cubicBezTo>
+                  <a:pt x="1072357" y="238108"/>
+                  <a:pt x="1086645" y="222233"/>
+                  <a:pt x="1104901" y="211914"/>
+                </a:cubicBezTo>
+                <a:cubicBezTo>
+                  <a:pt x="1123157" y="201595"/>
+                  <a:pt x="1158876" y="219057"/>
+                  <a:pt x="1166813" y="197626"/>
+                </a:cubicBezTo>
+                <a:cubicBezTo>
+                  <a:pt x="1174750" y="176195"/>
+                  <a:pt x="1158082" y="104757"/>
+                  <a:pt x="1152526" y="83326"/>
+                </a:cubicBezTo>
+                <a:cubicBezTo>
+                  <a:pt x="1146970" y="61895"/>
+                  <a:pt x="1135063" y="82533"/>
+                  <a:pt x="1133476" y="69039"/>
+                </a:cubicBezTo>
+                <a:cubicBezTo>
+                  <a:pt x="1131889" y="55545"/>
+                  <a:pt x="1146176" y="10302"/>
+                  <a:pt x="1143001" y="2364"/>
+                </a:cubicBezTo>
+                <a:cubicBezTo>
+                  <a:pt x="1139826" y="-5574"/>
+                  <a:pt x="1127126" y="7920"/>
+                  <a:pt x="1114426" y="21414"/>
+                </a:cubicBezTo>
+              </a:path>
+            </a:pathLst>
+          </a:custGeom>
+          <a:noFill/>
+          <a:ln w="38100">
+            <a:solidFill>
+              <a:srgbClr val="0070C0"/>
+            </a:solidFill>
+          </a:ln>
+        </p:spPr>
+        <p:style>
+          <a:lnRef idx="2">
+            <a:schemeClr val="accent1">
+              <a:shade val="50000"/>
+            </a:schemeClr>
+          </a:lnRef>
+          <a:fillRef idx="1">
+            <a:schemeClr val="accent1"/>
+          </a:fillRef>
+          <a:effectRef idx="0">
+            <a:schemeClr val="accent1"/>
+          </a:effectRef>
+          <a:fontRef idx="minor">
+            <a:schemeClr val="lt1"/>
+          </a:fontRef>
+        </p:style>
+        <p:txBody>
+          <a:bodyPr rtlCol="0" anchor="ctr"/>
+          <a:lstStyle/>
+          <a:p>
+            <a:pPr algn="ctr"/>
+            <a:endParaRPr lang="ko-KR" altLang="en-US"/>
+          </a:p>
+        </p:txBody>
+      </p:sp>
+      <p:sp>
+        <p:nvSpPr>
+          <p:cNvPr id="9" name="자유형 8"/>
+          <p:cNvSpPr/>
+          <p:nvPr/>
+        </p:nvSpPr>
+        <p:spPr>
+          <a:xfrm>
+            <a:off x="1147763" y="7208547"/>
+            <a:ext cx="1095397" cy="2006891"/>
+          </a:xfrm>
+          <a:custGeom>
+            <a:avLst/>
+            <a:gdLst>
+              <a:gd name="connsiteX0" fmla="*/ 0 w 1095397"/>
+              <a:gd name="connsiteY0" fmla="*/ 240003 h 2006891"/>
+              <a:gd name="connsiteX1" fmla="*/ 85725 w 1095397"/>
+              <a:gd name="connsiteY1" fmla="*/ 230478 h 2006891"/>
+              <a:gd name="connsiteX2" fmla="*/ 171450 w 1095397"/>
+              <a:gd name="connsiteY2" fmla="*/ 230478 h 2006891"/>
+              <a:gd name="connsiteX3" fmla="*/ 252412 w 1095397"/>
+              <a:gd name="connsiteY3" fmla="*/ 206666 h 2006891"/>
+              <a:gd name="connsiteX4" fmla="*/ 304800 w 1095397"/>
+              <a:gd name="connsiteY4" fmla="*/ 201903 h 2006891"/>
+              <a:gd name="connsiteX5" fmla="*/ 333375 w 1095397"/>
+              <a:gd name="connsiteY5" fmla="*/ 173328 h 2006891"/>
+              <a:gd name="connsiteX6" fmla="*/ 400050 w 1095397"/>
+              <a:gd name="connsiteY6" fmla="*/ 130466 h 2006891"/>
+              <a:gd name="connsiteX7" fmla="*/ 442912 w 1095397"/>
+              <a:gd name="connsiteY7" fmla="*/ 39978 h 2006891"/>
+              <a:gd name="connsiteX8" fmla="*/ 500062 w 1095397"/>
+              <a:gd name="connsiteY8" fmla="*/ 16166 h 2006891"/>
+              <a:gd name="connsiteX9" fmla="*/ 523875 w 1095397"/>
+              <a:gd name="connsiteY9" fmla="*/ 1878 h 2006891"/>
+              <a:gd name="connsiteX10" fmla="*/ 547687 w 1095397"/>
+              <a:gd name="connsiteY10" fmla="*/ 59028 h 2006891"/>
+              <a:gd name="connsiteX11" fmla="*/ 500062 w 1095397"/>
+              <a:gd name="connsiteY11" fmla="*/ 97128 h 2006891"/>
+              <a:gd name="connsiteX12" fmla="*/ 557212 w 1095397"/>
+              <a:gd name="connsiteY12" fmla="*/ 149516 h 2006891"/>
+              <a:gd name="connsiteX13" fmla="*/ 595312 w 1095397"/>
+              <a:gd name="connsiteY13" fmla="*/ 182853 h 2006891"/>
+              <a:gd name="connsiteX14" fmla="*/ 604837 w 1095397"/>
+              <a:gd name="connsiteY14" fmla="*/ 240003 h 2006891"/>
+              <a:gd name="connsiteX15" fmla="*/ 647700 w 1095397"/>
+              <a:gd name="connsiteY15" fmla="*/ 278103 h 2006891"/>
+              <a:gd name="connsiteX16" fmla="*/ 661987 w 1095397"/>
+              <a:gd name="connsiteY16" fmla="*/ 297153 h 2006891"/>
+              <a:gd name="connsiteX17" fmla="*/ 700087 w 1095397"/>
+              <a:gd name="connsiteY17" fmla="*/ 287628 h 2006891"/>
+              <a:gd name="connsiteX18" fmla="*/ 757237 w 1095397"/>
+              <a:gd name="connsiteY18" fmla="*/ 330491 h 2006891"/>
+              <a:gd name="connsiteX19" fmla="*/ 814387 w 1095397"/>
+              <a:gd name="connsiteY19" fmla="*/ 406691 h 2006891"/>
+              <a:gd name="connsiteX20" fmla="*/ 871537 w 1095397"/>
+              <a:gd name="connsiteY20" fmla="*/ 478128 h 2006891"/>
+              <a:gd name="connsiteX21" fmla="*/ 942975 w 1095397"/>
+              <a:gd name="connsiteY21" fmla="*/ 601953 h 2006891"/>
+              <a:gd name="connsiteX22" fmla="*/ 957262 w 1095397"/>
+              <a:gd name="connsiteY22" fmla="*/ 621003 h 2006891"/>
+              <a:gd name="connsiteX23" fmla="*/ 957262 w 1095397"/>
+              <a:gd name="connsiteY23" fmla="*/ 649578 h 2006891"/>
+              <a:gd name="connsiteX24" fmla="*/ 985837 w 1095397"/>
+              <a:gd name="connsiteY24" fmla="*/ 663866 h 2006891"/>
+              <a:gd name="connsiteX25" fmla="*/ 981075 w 1095397"/>
+              <a:gd name="connsiteY25" fmla="*/ 721016 h 2006891"/>
+              <a:gd name="connsiteX26" fmla="*/ 1023937 w 1095397"/>
+              <a:gd name="connsiteY26" fmla="*/ 749591 h 2006891"/>
+              <a:gd name="connsiteX27" fmla="*/ 1062037 w 1095397"/>
+              <a:gd name="connsiteY27" fmla="*/ 792453 h 2006891"/>
+              <a:gd name="connsiteX28" fmla="*/ 1095375 w 1095397"/>
+              <a:gd name="connsiteY28" fmla="*/ 840078 h 2006891"/>
+              <a:gd name="connsiteX29" fmla="*/ 1066800 w 1095397"/>
+              <a:gd name="connsiteY29" fmla="*/ 892466 h 2006891"/>
+              <a:gd name="connsiteX30" fmla="*/ 1042987 w 1095397"/>
+              <a:gd name="connsiteY30" fmla="*/ 911516 h 2006891"/>
+              <a:gd name="connsiteX31" fmla="*/ 1019175 w 1095397"/>
+              <a:gd name="connsiteY31" fmla="*/ 959141 h 2006891"/>
+              <a:gd name="connsiteX32" fmla="*/ 990600 w 1095397"/>
+              <a:gd name="connsiteY32" fmla="*/ 1002003 h 2006891"/>
+              <a:gd name="connsiteX33" fmla="*/ 909637 w 1095397"/>
+              <a:gd name="connsiteY33" fmla="*/ 973428 h 2006891"/>
+              <a:gd name="connsiteX34" fmla="*/ 838200 w 1095397"/>
+              <a:gd name="connsiteY34" fmla="*/ 1040103 h 2006891"/>
+              <a:gd name="connsiteX35" fmla="*/ 833437 w 1095397"/>
+              <a:gd name="connsiteY35" fmla="*/ 1097253 h 2006891"/>
+              <a:gd name="connsiteX36" fmla="*/ 838200 w 1095397"/>
+              <a:gd name="connsiteY36" fmla="*/ 1130591 h 2006891"/>
+              <a:gd name="connsiteX37" fmla="*/ 771525 w 1095397"/>
+              <a:gd name="connsiteY37" fmla="*/ 1202028 h 2006891"/>
+              <a:gd name="connsiteX38" fmla="*/ 781050 w 1095397"/>
+              <a:gd name="connsiteY38" fmla="*/ 1273466 h 2006891"/>
+              <a:gd name="connsiteX39" fmla="*/ 800100 w 1095397"/>
+              <a:gd name="connsiteY39" fmla="*/ 1316328 h 2006891"/>
+              <a:gd name="connsiteX40" fmla="*/ 814387 w 1095397"/>
+              <a:gd name="connsiteY40" fmla="*/ 1349666 h 2006891"/>
+              <a:gd name="connsiteX41" fmla="*/ 776287 w 1095397"/>
+              <a:gd name="connsiteY41" fmla="*/ 1421103 h 2006891"/>
+              <a:gd name="connsiteX42" fmla="*/ 738187 w 1095397"/>
+              <a:gd name="connsiteY42" fmla="*/ 1478253 h 2006891"/>
+              <a:gd name="connsiteX43" fmla="*/ 690562 w 1095397"/>
+              <a:gd name="connsiteY43" fmla="*/ 1563978 h 2006891"/>
+              <a:gd name="connsiteX44" fmla="*/ 609600 w 1095397"/>
+              <a:gd name="connsiteY44" fmla="*/ 1621128 h 2006891"/>
+              <a:gd name="connsiteX45" fmla="*/ 528637 w 1095397"/>
+              <a:gd name="connsiteY45" fmla="*/ 1673516 h 2006891"/>
+              <a:gd name="connsiteX46" fmla="*/ 500062 w 1095397"/>
+              <a:gd name="connsiteY46" fmla="*/ 1730666 h 2006891"/>
+              <a:gd name="connsiteX47" fmla="*/ 495300 w 1095397"/>
+              <a:gd name="connsiteY47" fmla="*/ 1754478 h 2006891"/>
+              <a:gd name="connsiteX48" fmla="*/ 423862 w 1095397"/>
+              <a:gd name="connsiteY48" fmla="*/ 1811628 h 2006891"/>
+              <a:gd name="connsiteX49" fmla="*/ 395287 w 1095397"/>
+              <a:gd name="connsiteY49" fmla="*/ 1887828 h 2006891"/>
+              <a:gd name="connsiteX50" fmla="*/ 400050 w 1095397"/>
+              <a:gd name="connsiteY50" fmla="*/ 1944978 h 2006891"/>
+              <a:gd name="connsiteX51" fmla="*/ 400050 w 1095397"/>
+              <a:gd name="connsiteY51" fmla="*/ 1992603 h 2006891"/>
+              <a:gd name="connsiteX52" fmla="*/ 352425 w 1095397"/>
+              <a:gd name="connsiteY52" fmla="*/ 1987841 h 2006891"/>
+              <a:gd name="connsiteX53" fmla="*/ 300037 w 1095397"/>
+              <a:gd name="connsiteY53" fmla="*/ 2006891 h 2006891"/>
+              <a:gd name="connsiteX54" fmla="*/ 300037 w 1095397"/>
+              <a:gd name="connsiteY54" fmla="*/ 2006891 h 2006891"/>
+              <a:gd name="connsiteX55" fmla="*/ 295275 w 1095397"/>
+              <a:gd name="connsiteY55" fmla="*/ 2002128 h 2006891"/>
+            </a:gdLst>
+            <a:ahLst/>
+            <a:cxnLst>
+              <a:cxn ang="0">
+                <a:pos x="connsiteX0" y="connsiteY0"/>
+              </a:cxn>
+              <a:cxn ang="0">
+                <a:pos x="connsiteX1" y="connsiteY1"/>
+              </a:cxn>
+              <a:cxn ang="0">
+                <a:pos x="connsiteX2" y="connsiteY2"/>
+              </a:cxn>
+              <a:cxn ang="0">
+                <a:pos x="connsiteX3" y="connsiteY3"/>
+              </a:cxn>
+              <a:cxn ang="0">
+                <a:pos x="connsiteX4" y="connsiteY4"/>
+              </a:cxn>
+              <a:cxn ang="0">
+                <a:pos x="connsiteX5" y="connsiteY5"/>
+              </a:cxn>
+              <a:cxn ang="0">
+                <a:pos x="connsiteX6" y="connsiteY6"/>
+              </a:cxn>
+              <a:cxn ang="0">
+                <a:pos x="connsiteX7" y="connsiteY7"/>
+              </a:cxn>
+              <a:cxn ang="0">
+                <a:pos x="connsiteX8" y="connsiteY8"/>
+              </a:cxn>
+              <a:cxn ang="0">
+                <a:pos x="connsiteX9" y="connsiteY9"/>
+              </a:cxn>
+              <a:cxn ang="0">
+                <a:pos x="connsiteX10" y="connsiteY10"/>
+              </a:cxn>
+              <a:cxn ang="0">
+                <a:pos x="connsiteX11" y="connsiteY11"/>
+              </a:cxn>
+              <a:cxn ang="0">
+                <a:pos x="connsiteX12" y="connsiteY12"/>
+              </a:cxn>
+              <a:cxn ang="0">
+                <a:pos x="connsiteX13" y="connsiteY13"/>
+              </a:cxn>
+              <a:cxn ang="0">
+                <a:pos x="connsiteX14" y="connsiteY14"/>
+              </a:cxn>
+              <a:cxn ang="0">
+                <a:pos x="connsiteX15" y="connsiteY15"/>
+              </a:cxn>
+              <a:cxn ang="0">
+                <a:pos x="connsiteX16" y="connsiteY16"/>
+              </a:cxn>
+              <a:cxn ang="0">
+                <a:pos x="connsiteX17" y="connsiteY17"/>
+              </a:cxn>
+              <a:cxn ang="0">
+                <a:pos x="connsiteX18" y="connsiteY18"/>
+              </a:cxn>
+              <a:cxn ang="0">
+                <a:pos x="connsiteX19" y="connsiteY19"/>
+              </a:cxn>
+              <a:cxn ang="0">
+                <a:pos x="connsiteX20" y="connsiteY20"/>
+              </a:cxn>
+              <a:cxn ang="0">
+                <a:pos x="connsiteX21" y="connsiteY21"/>
+              </a:cxn>
+              <a:cxn ang="0">
+                <a:pos x="connsiteX22" y="connsiteY22"/>
+              </a:cxn>
+              <a:cxn ang="0">
+                <a:pos x="connsiteX23" y="connsiteY23"/>
+              </a:cxn>
+              <a:cxn ang="0">
+                <a:pos x="connsiteX24" y="connsiteY24"/>
+              </a:cxn>
+              <a:cxn ang="0">
+                <a:pos x="connsiteX25" y="connsiteY25"/>
+              </a:cxn>
+              <a:cxn ang="0">
+                <a:pos x="connsiteX26" y="connsiteY26"/>
+              </a:cxn>
+              <a:cxn ang="0">
+                <a:pos x="connsiteX27" y="connsiteY27"/>
+              </a:cxn>
+              <a:cxn ang="0">
+                <a:pos x="connsiteX28" y="connsiteY28"/>
+              </a:cxn>
+              <a:cxn ang="0">
+                <a:pos x="connsiteX29" y="connsiteY29"/>
+              </a:cxn>
+              <a:cxn ang="0">
+                <a:pos x="connsiteX30" y="connsiteY30"/>
+              </a:cxn>
+              <a:cxn ang="0">
+                <a:pos x="connsiteX31" y="connsiteY31"/>
+              </a:cxn>
+              <a:cxn ang="0">
+                <a:pos x="connsiteX32" y="connsiteY32"/>
+              </a:cxn>
+              <a:cxn ang="0">
+                <a:pos x="connsiteX33" y="connsiteY33"/>
+              </a:cxn>
+              <a:cxn ang="0">
+                <a:pos x="connsiteX34" y="connsiteY34"/>
+              </a:cxn>
+              <a:cxn ang="0">
+                <a:pos x="connsiteX35" y="connsiteY35"/>
+              </a:cxn>
+              <a:cxn ang="0">
+                <a:pos x="connsiteX36" y="connsiteY36"/>
+              </a:cxn>
+              <a:cxn ang="0">
+                <a:pos x="connsiteX37" y="connsiteY37"/>
+              </a:cxn>
+              <a:cxn ang="0">
+                <a:pos x="connsiteX38" y="connsiteY38"/>
+              </a:cxn>
+              <a:cxn ang="0">
+                <a:pos x="connsiteX39" y="connsiteY39"/>
+              </a:cxn>
+              <a:cxn ang="0">
+                <a:pos x="connsiteX40" y="connsiteY40"/>
+              </a:cxn>
+              <a:cxn ang="0">
+                <a:pos x="connsiteX41" y="connsiteY41"/>
+              </a:cxn>
+              <a:cxn ang="0">
+                <a:pos x="connsiteX42" y="connsiteY42"/>
+              </a:cxn>
+              <a:cxn ang="0">
+                <a:pos x="connsiteX43" y="connsiteY43"/>
+              </a:cxn>
+              <a:cxn ang="0">
+                <a:pos x="connsiteX44" y="connsiteY44"/>
+              </a:cxn>
+              <a:cxn ang="0">
+                <a:pos x="connsiteX45" y="connsiteY45"/>
+              </a:cxn>
+              <a:cxn ang="0">
+                <a:pos x="connsiteX46" y="connsiteY46"/>
+              </a:cxn>
+              <a:cxn ang="0">
+                <a:pos x="connsiteX47" y="connsiteY47"/>
+              </a:cxn>
+              <a:cxn ang="0">
+                <a:pos x="connsiteX48" y="connsiteY48"/>
+              </a:cxn>
+              <a:cxn ang="0">
+                <a:pos x="connsiteX49" y="connsiteY49"/>
+              </a:cxn>
+              <a:cxn ang="0">
+                <a:pos x="connsiteX50" y="connsiteY50"/>
+              </a:cxn>
+              <a:cxn ang="0">
+                <a:pos x="connsiteX51" y="connsiteY51"/>
+              </a:cxn>
+              <a:cxn ang="0">
+                <a:pos x="connsiteX52" y="connsiteY52"/>
+              </a:cxn>
+              <a:cxn ang="0">
+                <a:pos x="connsiteX53" y="connsiteY53"/>
+              </a:cxn>
+              <a:cxn ang="0">
+                <a:pos x="connsiteX54" y="connsiteY54"/>
+              </a:cxn>
+              <a:cxn ang="0">
+                <a:pos x="connsiteX55" y="connsiteY55"/>
+              </a:cxn>
+            </a:cxnLst>
+            <a:rect l="l" t="t" r="r" b="b"/>
+            <a:pathLst>
+              <a:path w="1095397" h="2006891">
+                <a:moveTo>
+                  <a:pt x="0" y="240003"/>
+                </a:moveTo>
+                <a:cubicBezTo>
+                  <a:pt x="28575" y="236034"/>
+                  <a:pt x="57150" y="232065"/>
+                  <a:pt x="85725" y="230478"/>
+                </a:cubicBezTo>
+                <a:cubicBezTo>
+                  <a:pt x="114300" y="228890"/>
+                  <a:pt x="143669" y="234447"/>
+                  <a:pt x="171450" y="230478"/>
+                </a:cubicBezTo>
+                <a:cubicBezTo>
+                  <a:pt x="199231" y="226509"/>
+                  <a:pt x="230187" y="211428"/>
+                  <a:pt x="252412" y="206666"/>
+                </a:cubicBezTo>
+                <a:cubicBezTo>
+                  <a:pt x="274637" y="201903"/>
+                  <a:pt x="291306" y="207459"/>
+                  <a:pt x="304800" y="201903"/>
+                </a:cubicBezTo>
+                <a:cubicBezTo>
+                  <a:pt x="318294" y="196347"/>
+                  <a:pt x="317500" y="185234"/>
+                  <a:pt x="333375" y="173328"/>
+                </a:cubicBezTo>
+                <a:cubicBezTo>
+                  <a:pt x="349250" y="161422"/>
+                  <a:pt x="381794" y="152691"/>
+                  <a:pt x="400050" y="130466"/>
+                </a:cubicBezTo>
+                <a:cubicBezTo>
+                  <a:pt x="418306" y="108241"/>
+                  <a:pt x="426243" y="59028"/>
+                  <a:pt x="442912" y="39978"/>
+                </a:cubicBezTo>
+                <a:cubicBezTo>
+                  <a:pt x="459581" y="20928"/>
+                  <a:pt x="486568" y="22516"/>
+                  <a:pt x="500062" y="16166"/>
+                </a:cubicBezTo>
+                <a:cubicBezTo>
+                  <a:pt x="513556" y="9816"/>
+                  <a:pt x="515938" y="-5266"/>
+                  <a:pt x="523875" y="1878"/>
+                </a:cubicBezTo>
+                <a:cubicBezTo>
+                  <a:pt x="531812" y="9022"/>
+                  <a:pt x="551656" y="43153"/>
+                  <a:pt x="547687" y="59028"/>
+                </a:cubicBezTo>
+                <a:cubicBezTo>
+                  <a:pt x="543718" y="74903"/>
+                  <a:pt x="498475" y="82047"/>
+                  <a:pt x="500062" y="97128"/>
+                </a:cubicBezTo>
+                <a:cubicBezTo>
+                  <a:pt x="501649" y="112209"/>
+                  <a:pt x="541337" y="135228"/>
+                  <a:pt x="557212" y="149516"/>
+                </a:cubicBezTo>
+                <a:cubicBezTo>
+                  <a:pt x="573087" y="163803"/>
+                  <a:pt x="587375" y="167772"/>
+                  <a:pt x="595312" y="182853"/>
+                </a:cubicBezTo>
+                <a:cubicBezTo>
+                  <a:pt x="603249" y="197934"/>
+                  <a:pt x="596106" y="224128"/>
+                  <a:pt x="604837" y="240003"/>
+                </a:cubicBezTo>
+                <a:cubicBezTo>
+                  <a:pt x="613568" y="255878"/>
+                  <a:pt x="647700" y="278103"/>
+                  <a:pt x="647700" y="278103"/>
+                </a:cubicBezTo>
+                <a:cubicBezTo>
+                  <a:pt x="657225" y="287628"/>
+                  <a:pt x="653256" y="295565"/>
+                  <a:pt x="661987" y="297153"/>
+                </a:cubicBezTo>
+                <a:cubicBezTo>
+                  <a:pt x="670718" y="298741"/>
+                  <a:pt x="684212" y="282072"/>
+                  <a:pt x="700087" y="287628"/>
+                </a:cubicBezTo>
+                <a:cubicBezTo>
+                  <a:pt x="715962" y="293184"/>
+                  <a:pt x="738187" y="310647"/>
+                  <a:pt x="757237" y="330491"/>
+                </a:cubicBezTo>
+                <a:cubicBezTo>
+                  <a:pt x="776287" y="350335"/>
+                  <a:pt x="795337" y="382085"/>
+                  <a:pt x="814387" y="406691"/>
+                </a:cubicBezTo>
+                <a:cubicBezTo>
+                  <a:pt x="833437" y="431297"/>
+                  <a:pt x="850106" y="445584"/>
+                  <a:pt x="871537" y="478128"/>
+                </a:cubicBezTo>
+                <a:cubicBezTo>
+                  <a:pt x="892968" y="510672"/>
+                  <a:pt x="928688" y="578141"/>
+                  <a:pt x="942975" y="601953"/>
+                </a:cubicBezTo>
+                <a:cubicBezTo>
+                  <a:pt x="957262" y="625765"/>
+                  <a:pt x="954881" y="613066"/>
+                  <a:pt x="957262" y="621003"/>
+                </a:cubicBezTo>
+                <a:cubicBezTo>
+                  <a:pt x="959643" y="628940"/>
+                  <a:pt x="952500" y="642434"/>
+                  <a:pt x="957262" y="649578"/>
+                </a:cubicBezTo>
+                <a:cubicBezTo>
+                  <a:pt x="962024" y="656722"/>
+                  <a:pt x="981868" y="651960"/>
+                  <a:pt x="985837" y="663866"/>
+                </a:cubicBezTo>
+                <a:cubicBezTo>
+                  <a:pt x="989806" y="675772"/>
+                  <a:pt x="974725" y="706728"/>
+                  <a:pt x="981075" y="721016"/>
+                </a:cubicBezTo>
+                <a:cubicBezTo>
+                  <a:pt x="987425" y="735304"/>
+                  <a:pt x="1010443" y="737685"/>
+                  <a:pt x="1023937" y="749591"/>
+                </a:cubicBezTo>
+                <a:cubicBezTo>
+                  <a:pt x="1037431" y="761497"/>
+                  <a:pt x="1050131" y="777372"/>
+                  <a:pt x="1062037" y="792453"/>
+                </a:cubicBezTo>
+                <a:cubicBezTo>
+                  <a:pt x="1073943" y="807534"/>
+                  <a:pt x="1094581" y="823409"/>
+                  <a:pt x="1095375" y="840078"/>
+                </a:cubicBezTo>
+                <a:cubicBezTo>
+                  <a:pt x="1096169" y="856747"/>
+                  <a:pt x="1075531" y="880560"/>
+                  <a:pt x="1066800" y="892466"/>
+                </a:cubicBezTo>
+                <a:cubicBezTo>
+                  <a:pt x="1058069" y="904372"/>
+                  <a:pt x="1050925" y="900404"/>
+                  <a:pt x="1042987" y="911516"/>
+                </a:cubicBezTo>
+                <a:cubicBezTo>
+                  <a:pt x="1035050" y="922629"/>
+                  <a:pt x="1027906" y="944060"/>
+                  <a:pt x="1019175" y="959141"/>
+                </a:cubicBezTo>
+                <a:cubicBezTo>
+                  <a:pt x="1010444" y="974222"/>
+                  <a:pt x="1008856" y="999622"/>
+                  <a:pt x="990600" y="1002003"/>
+                </a:cubicBezTo>
+                <a:cubicBezTo>
+                  <a:pt x="972344" y="1004384"/>
+                  <a:pt x="935037" y="967078"/>
+                  <a:pt x="909637" y="973428"/>
+                </a:cubicBezTo>
+                <a:cubicBezTo>
+                  <a:pt x="884237" y="979778"/>
+                  <a:pt x="850900" y="1019466"/>
+                  <a:pt x="838200" y="1040103"/>
+                </a:cubicBezTo>
+                <a:cubicBezTo>
+                  <a:pt x="825500" y="1060740"/>
+                  <a:pt x="833437" y="1082172"/>
+                  <a:pt x="833437" y="1097253"/>
+                </a:cubicBezTo>
+                <a:cubicBezTo>
+                  <a:pt x="833437" y="1112334"/>
+                  <a:pt x="848519" y="1113129"/>
+                  <a:pt x="838200" y="1130591"/>
+                </a:cubicBezTo>
+                <a:cubicBezTo>
+                  <a:pt x="827881" y="1148053"/>
+                  <a:pt x="781050" y="1178216"/>
+                  <a:pt x="771525" y="1202028"/>
+                </a:cubicBezTo>
+                <a:cubicBezTo>
+                  <a:pt x="762000" y="1225841"/>
+                  <a:pt x="776288" y="1254416"/>
+                  <a:pt x="781050" y="1273466"/>
+                </a:cubicBezTo>
+                <a:cubicBezTo>
+                  <a:pt x="785812" y="1292516"/>
+                  <a:pt x="794544" y="1303628"/>
+                  <a:pt x="800100" y="1316328"/>
+                </a:cubicBezTo>
+                <a:cubicBezTo>
+                  <a:pt x="805656" y="1329028"/>
+                  <a:pt x="818356" y="1332204"/>
+                  <a:pt x="814387" y="1349666"/>
+                </a:cubicBezTo>
+                <a:cubicBezTo>
+                  <a:pt x="810418" y="1367129"/>
+                  <a:pt x="788987" y="1399672"/>
+                  <a:pt x="776287" y="1421103"/>
+                </a:cubicBezTo>
+                <a:cubicBezTo>
+                  <a:pt x="763587" y="1442534"/>
+                  <a:pt x="752474" y="1454441"/>
+                  <a:pt x="738187" y="1478253"/>
+                </a:cubicBezTo>
+                <a:cubicBezTo>
+                  <a:pt x="723900" y="1502065"/>
+                  <a:pt x="711993" y="1540166"/>
+                  <a:pt x="690562" y="1563978"/>
+                </a:cubicBezTo>
+                <a:cubicBezTo>
+                  <a:pt x="669131" y="1587790"/>
+                  <a:pt x="636588" y="1602872"/>
+                  <a:pt x="609600" y="1621128"/>
+                </a:cubicBezTo>
+                <a:cubicBezTo>
+                  <a:pt x="582613" y="1639384"/>
+                  <a:pt x="546893" y="1655260"/>
+                  <a:pt x="528637" y="1673516"/>
+                </a:cubicBezTo>
+                <a:cubicBezTo>
+                  <a:pt x="510381" y="1691772"/>
+                  <a:pt x="505618" y="1717172"/>
+                  <a:pt x="500062" y="1730666"/>
+                </a:cubicBezTo>
+                <a:cubicBezTo>
+                  <a:pt x="494506" y="1744160"/>
+                  <a:pt x="508000" y="1740984"/>
+                  <a:pt x="495300" y="1754478"/>
+                </a:cubicBezTo>
+                <a:cubicBezTo>
+                  <a:pt x="482600" y="1767972"/>
+                  <a:pt x="440531" y="1789403"/>
+                  <a:pt x="423862" y="1811628"/>
+                </a:cubicBezTo>
+                <a:cubicBezTo>
+                  <a:pt x="407193" y="1833853"/>
+                  <a:pt x="399256" y="1865603"/>
+                  <a:pt x="395287" y="1887828"/>
+                </a:cubicBezTo>
+                <a:cubicBezTo>
+                  <a:pt x="391318" y="1910053"/>
+                  <a:pt x="399256" y="1927516"/>
+                  <a:pt x="400050" y="1944978"/>
+                </a:cubicBezTo>
+                <a:cubicBezTo>
+                  <a:pt x="400844" y="1962440"/>
+                  <a:pt x="407988" y="1985459"/>
+                  <a:pt x="400050" y="1992603"/>
+                </a:cubicBezTo>
+                <a:cubicBezTo>
+                  <a:pt x="392113" y="1999747"/>
+                  <a:pt x="369094" y="1985460"/>
+                  <a:pt x="352425" y="1987841"/>
+                </a:cubicBezTo>
+                <a:cubicBezTo>
+                  <a:pt x="335756" y="1990222"/>
+                  <a:pt x="300037" y="2006891"/>
+                  <a:pt x="300037" y="2006891"/>
+                </a:cubicBezTo>
+                <a:lnTo>
+                  <a:pt x="300037" y="2006891"/>
+                </a:lnTo>
+                <a:lnTo>
+                  <a:pt x="295275" y="2002128"/>
+                </a:lnTo>
+              </a:path>
+            </a:pathLst>
+          </a:custGeom>
+          <a:noFill/>
+          <a:ln w="38100">
+            <a:solidFill>
+              <a:srgbClr val="0070C0"/>
+            </a:solidFill>
+          </a:ln>
+        </p:spPr>
+        <p:style>
+          <a:lnRef idx="2">
+            <a:schemeClr val="accent1">
+              <a:shade val="50000"/>
+            </a:schemeClr>
+          </a:lnRef>
+          <a:fillRef idx="1">
+            <a:schemeClr val="accent1"/>
+          </a:fillRef>
+          <a:effectRef idx="0">
+            <a:schemeClr val="accent1"/>
+          </a:effectRef>
+          <a:fontRef idx="minor">
+            <a:schemeClr val="lt1"/>
+          </a:fontRef>
+        </p:style>
+        <p:txBody>
+          <a:bodyPr rtlCol="0" anchor="ctr"/>
+          <a:lstStyle/>
+          <a:p>
+            <a:pPr algn="ctr"/>
+            <a:endParaRPr lang="ko-KR" altLang="en-US"/>
+          </a:p>
+        </p:txBody>
+      </p:sp>
     </p:spTree>
     <p:extLst>
       <p:ext uri="{BB962C8B-B14F-4D97-AF65-F5344CB8AC3E}">

--- a/0.PPT파일/등산지도_경로_세로_2020-08-29.pptx
+++ b/0.PPT파일/등산지도_경로_세로_2020-08-29.pptx
@@ -283,7 +283,7 @@
           <a:p>
             <a:fld id="{5CBC3198-AB24-46EE-8A6F-BC607E4DFF2A}" type="datetimeFigureOut">
               <a:rPr lang="ko-KR" altLang="en-US" smtClean="0"/>
-              <a:t>2020-12-08</a:t>
+              <a:t>2020-12-27</a:t>
             </a:fld>
             <a:endParaRPr lang="ko-KR" altLang="en-US"/>
           </a:p>
@@ -463,7 +463,7 @@
           <a:p>
             <a:fld id="{5CBC3198-AB24-46EE-8A6F-BC607E4DFF2A}" type="datetimeFigureOut">
               <a:rPr lang="ko-KR" altLang="en-US" smtClean="0"/>
-              <a:t>2020-12-08</a:t>
+              <a:t>2020-12-27</a:t>
             </a:fld>
             <a:endParaRPr lang="ko-KR" altLang="en-US"/>
           </a:p>
@@ -766,7 +766,7 @@
           <a:p>
             <a:fld id="{5CBC3198-AB24-46EE-8A6F-BC607E4DFF2A}" type="datetimeFigureOut">
               <a:rPr lang="ko-KR" altLang="en-US" smtClean="0"/>
-              <a:t>2020-12-08</a:t>
+              <a:t>2020-12-27</a:t>
             </a:fld>
             <a:endParaRPr lang="ko-KR" altLang="en-US"/>
           </a:p>
@@ -998,7 +998,7 @@
           <a:p>
             <a:fld id="{5CBC3198-AB24-46EE-8A6F-BC607E4DFF2A}" type="datetimeFigureOut">
               <a:rPr lang="ko-KR" altLang="en-US" smtClean="0"/>
-              <a:t>2020-12-08</a:t>
+              <a:t>2020-12-27</a:t>
             </a:fld>
             <a:endParaRPr lang="ko-KR" altLang="en-US"/>
           </a:p>
@@ -1365,7 +1365,7 @@
           <a:p>
             <a:fld id="{5CBC3198-AB24-46EE-8A6F-BC607E4DFF2A}" type="datetimeFigureOut">
               <a:rPr lang="ko-KR" altLang="en-US" smtClean="0"/>
-              <a:t>2020-12-08</a:t>
+              <a:t>2020-12-27</a:t>
             </a:fld>
             <a:endParaRPr lang="ko-KR" altLang="en-US"/>
           </a:p>
@@ -1483,7 +1483,7 @@
           <a:p>
             <a:fld id="{5CBC3198-AB24-46EE-8A6F-BC607E4DFF2A}" type="datetimeFigureOut">
               <a:rPr lang="ko-KR" altLang="en-US" smtClean="0"/>
-              <a:t>2020-12-08</a:t>
+              <a:t>2020-12-27</a:t>
             </a:fld>
             <a:endParaRPr lang="ko-KR" altLang="en-US"/>
           </a:p>
@@ -1578,7 +1578,7 @@
           <a:p>
             <a:fld id="{5CBC3198-AB24-46EE-8A6F-BC607E4DFF2A}" type="datetimeFigureOut">
               <a:rPr lang="ko-KR" altLang="en-US" smtClean="0"/>
-              <a:t>2020-12-08</a:t>
+              <a:t>2020-12-27</a:t>
             </a:fld>
             <a:endParaRPr lang="ko-KR" altLang="en-US"/>
           </a:p>
@@ -1855,7 +1855,7 @@
           <a:p>
             <a:fld id="{5CBC3198-AB24-46EE-8A6F-BC607E4DFF2A}" type="datetimeFigureOut">
               <a:rPr lang="ko-KR" altLang="en-US" smtClean="0"/>
-              <a:t>2020-12-08</a:t>
+              <a:t>2020-12-27</a:t>
             </a:fld>
             <a:endParaRPr lang="ko-KR" altLang="en-US"/>
           </a:p>
@@ -2112,7 +2112,7 @@
           <a:p>
             <a:fld id="{5CBC3198-AB24-46EE-8A6F-BC607E4DFF2A}" type="datetimeFigureOut">
               <a:rPr lang="ko-KR" altLang="en-US" smtClean="0"/>
-              <a:t>2020-12-08</a:t>
+              <a:t>2020-12-27</a:t>
             </a:fld>
             <a:endParaRPr lang="ko-KR" altLang="en-US"/>
           </a:p>
@@ -2325,7 +2325,7 @@
           <a:p>
             <a:fld id="{5CBC3198-AB24-46EE-8A6F-BC607E4DFF2A}" type="datetimeFigureOut">
               <a:rPr lang="ko-KR" altLang="en-US" smtClean="0"/>
-              <a:t>2020-12-08</a:t>
+              <a:t>2020-12-27</a:t>
             </a:fld>
             <a:endParaRPr lang="ko-KR" altLang="en-US"/>
           </a:p>
@@ -3076,7 +3076,7 @@
         </p:nvSpPr>
         <p:spPr>
           <a:xfrm>
-            <a:off x="2808114" y="4344610"/>
+            <a:off x="2792212" y="4346373"/>
             <a:ext cx="202501" cy="216000"/>
           </a:xfrm>
           <a:prstGeom prst="heart">
@@ -3280,6 +3280,54 @@
             <a:schemeClr val="accent1">
               <a:lumMod val="75000"/>
             </a:schemeClr>
+          </a:solidFill>
+          <a:ln>
+            <a:noFill/>
+          </a:ln>
+        </p:spPr>
+        <p:style>
+          <a:lnRef idx="2">
+            <a:schemeClr val="accent1">
+              <a:shade val="50000"/>
+            </a:schemeClr>
+          </a:lnRef>
+          <a:fillRef idx="1">
+            <a:schemeClr val="accent1"/>
+          </a:fillRef>
+          <a:effectRef idx="0">
+            <a:schemeClr val="accent1"/>
+          </a:effectRef>
+          <a:fontRef idx="minor">
+            <a:schemeClr val="lt1"/>
+          </a:fontRef>
+        </p:style>
+        <p:txBody>
+          <a:bodyPr rtlCol="0" anchor="ctr"/>
+          <a:lstStyle/>
+          <a:p>
+            <a:pPr algn="ctr"/>
+            <a:endParaRPr lang="ko-KR" altLang="en-US"/>
+          </a:p>
+        </p:txBody>
+      </p:sp>
+      <p:sp>
+        <p:nvSpPr>
+          <p:cNvPr id="22" name="하트 21"/>
+          <p:cNvSpPr>
+            <a:spLocks noChangeAspect="1"/>
+          </p:cNvSpPr>
+          <p:nvPr/>
+        </p:nvSpPr>
+        <p:spPr>
+          <a:xfrm>
+            <a:off x="5073794" y="3724850"/>
+            <a:ext cx="202501" cy="216000"/>
+          </a:xfrm>
+          <a:prstGeom prst="heart">
+            <a:avLst/>
+          </a:prstGeom>
+          <a:solidFill>
+            <a:srgbClr val="FF0066"/>
           </a:solidFill>
           <a:ln>
             <a:noFill/>

--- a/0.PPT파일/등산지도_경로_세로_2020-08-29.pptx
+++ b/0.PPT파일/등산지도_경로_세로_2020-08-29.pptx
@@ -283,7 +283,7 @@
           <a:p>
             <a:fld id="{5CBC3198-AB24-46EE-8A6F-BC607E4DFF2A}" type="datetimeFigureOut">
               <a:rPr lang="ko-KR" altLang="en-US" smtClean="0"/>
-              <a:t>2020-12-27</a:t>
+              <a:t>2021-02-14</a:t>
             </a:fld>
             <a:endParaRPr lang="ko-KR" altLang="en-US"/>
           </a:p>
@@ -463,7 +463,7 @@
           <a:p>
             <a:fld id="{5CBC3198-AB24-46EE-8A6F-BC607E4DFF2A}" type="datetimeFigureOut">
               <a:rPr lang="ko-KR" altLang="en-US" smtClean="0"/>
-              <a:t>2020-12-27</a:t>
+              <a:t>2021-02-14</a:t>
             </a:fld>
             <a:endParaRPr lang="ko-KR" altLang="en-US"/>
           </a:p>
@@ -766,7 +766,7 @@
           <a:p>
             <a:fld id="{5CBC3198-AB24-46EE-8A6F-BC607E4DFF2A}" type="datetimeFigureOut">
               <a:rPr lang="ko-KR" altLang="en-US" smtClean="0"/>
-              <a:t>2020-12-27</a:t>
+              <a:t>2021-02-14</a:t>
             </a:fld>
             <a:endParaRPr lang="ko-KR" altLang="en-US"/>
           </a:p>
@@ -998,7 +998,7 @@
           <a:p>
             <a:fld id="{5CBC3198-AB24-46EE-8A6F-BC607E4DFF2A}" type="datetimeFigureOut">
               <a:rPr lang="ko-KR" altLang="en-US" smtClean="0"/>
-              <a:t>2020-12-27</a:t>
+              <a:t>2021-02-14</a:t>
             </a:fld>
             <a:endParaRPr lang="ko-KR" altLang="en-US"/>
           </a:p>
@@ -1365,7 +1365,7 @@
           <a:p>
             <a:fld id="{5CBC3198-AB24-46EE-8A6F-BC607E4DFF2A}" type="datetimeFigureOut">
               <a:rPr lang="ko-KR" altLang="en-US" smtClean="0"/>
-              <a:t>2020-12-27</a:t>
+              <a:t>2021-02-14</a:t>
             </a:fld>
             <a:endParaRPr lang="ko-KR" altLang="en-US"/>
           </a:p>
@@ -1483,7 +1483,7 @@
           <a:p>
             <a:fld id="{5CBC3198-AB24-46EE-8A6F-BC607E4DFF2A}" type="datetimeFigureOut">
               <a:rPr lang="ko-KR" altLang="en-US" smtClean="0"/>
-              <a:t>2020-12-27</a:t>
+              <a:t>2021-02-14</a:t>
             </a:fld>
             <a:endParaRPr lang="ko-KR" altLang="en-US"/>
           </a:p>
@@ -1578,7 +1578,7 @@
           <a:p>
             <a:fld id="{5CBC3198-AB24-46EE-8A6F-BC607E4DFF2A}" type="datetimeFigureOut">
               <a:rPr lang="ko-KR" altLang="en-US" smtClean="0"/>
-              <a:t>2020-12-27</a:t>
+              <a:t>2021-02-14</a:t>
             </a:fld>
             <a:endParaRPr lang="ko-KR" altLang="en-US"/>
           </a:p>
@@ -1855,7 +1855,7 @@
           <a:p>
             <a:fld id="{5CBC3198-AB24-46EE-8A6F-BC607E4DFF2A}" type="datetimeFigureOut">
               <a:rPr lang="ko-KR" altLang="en-US" smtClean="0"/>
-              <a:t>2020-12-27</a:t>
+              <a:t>2021-02-14</a:t>
             </a:fld>
             <a:endParaRPr lang="ko-KR" altLang="en-US"/>
           </a:p>
@@ -2112,7 +2112,7 @@
           <a:p>
             <a:fld id="{5CBC3198-AB24-46EE-8A6F-BC607E4DFF2A}" type="datetimeFigureOut">
               <a:rPr lang="ko-KR" altLang="en-US" smtClean="0"/>
-              <a:t>2020-12-27</a:t>
+              <a:t>2021-02-14</a:t>
             </a:fld>
             <a:endParaRPr lang="ko-KR" altLang="en-US"/>
           </a:p>
@@ -2325,7 +2325,7 @@
           <a:p>
             <a:fld id="{5CBC3198-AB24-46EE-8A6F-BC607E4DFF2A}" type="datetimeFigureOut">
               <a:rPr lang="ko-KR" altLang="en-US" smtClean="0"/>
-              <a:t>2020-12-27</a:t>
+              <a:t>2021-02-14</a:t>
             </a:fld>
             <a:endParaRPr lang="ko-KR" altLang="en-US"/>
           </a:p>
@@ -3321,6 +3321,54 @@
         <p:spPr>
           <a:xfrm>
             <a:off x="5073794" y="3724850"/>
+            <a:ext cx="202501" cy="216000"/>
+          </a:xfrm>
+          <a:prstGeom prst="heart">
+            <a:avLst/>
+          </a:prstGeom>
+          <a:solidFill>
+            <a:srgbClr val="FF0066"/>
+          </a:solidFill>
+          <a:ln>
+            <a:noFill/>
+          </a:ln>
+        </p:spPr>
+        <p:style>
+          <a:lnRef idx="2">
+            <a:schemeClr val="accent1">
+              <a:shade val="50000"/>
+            </a:schemeClr>
+          </a:lnRef>
+          <a:fillRef idx="1">
+            <a:schemeClr val="accent1"/>
+          </a:fillRef>
+          <a:effectRef idx="0">
+            <a:schemeClr val="accent1"/>
+          </a:effectRef>
+          <a:fontRef idx="minor">
+            <a:schemeClr val="lt1"/>
+          </a:fontRef>
+        </p:style>
+        <p:txBody>
+          <a:bodyPr rtlCol="0" anchor="ctr"/>
+          <a:lstStyle/>
+          <a:p>
+            <a:pPr algn="ctr"/>
+            <a:endParaRPr lang="ko-KR" altLang="en-US"/>
+          </a:p>
+        </p:txBody>
+      </p:sp>
+      <p:sp>
+        <p:nvSpPr>
+          <p:cNvPr id="23" name="하트 22"/>
+          <p:cNvSpPr>
+            <a:spLocks noChangeAspect="1"/>
+          </p:cNvSpPr>
+          <p:nvPr/>
+        </p:nvSpPr>
+        <p:spPr>
+          <a:xfrm>
+            <a:off x="5259402" y="6165308"/>
             <a:ext cx="202501" cy="216000"/>
           </a:xfrm>
           <a:prstGeom prst="heart">

--- a/0.PPT파일/등산지도_경로_세로_2020-08-29.pptx
+++ b/0.PPT파일/등산지도_경로_세로_2020-08-29.pptx
@@ -283,7 +283,7 @@
           <a:p>
             <a:fld id="{5CBC3198-AB24-46EE-8A6F-BC607E4DFF2A}" type="datetimeFigureOut">
               <a:rPr lang="ko-KR" altLang="en-US" smtClean="0"/>
-              <a:t>2021-02-14</a:t>
+              <a:t>2021-02-28</a:t>
             </a:fld>
             <a:endParaRPr lang="ko-KR" altLang="en-US"/>
           </a:p>
@@ -463,7 +463,7 @@
           <a:p>
             <a:fld id="{5CBC3198-AB24-46EE-8A6F-BC607E4DFF2A}" type="datetimeFigureOut">
               <a:rPr lang="ko-KR" altLang="en-US" smtClean="0"/>
-              <a:t>2021-02-14</a:t>
+              <a:t>2021-02-28</a:t>
             </a:fld>
             <a:endParaRPr lang="ko-KR" altLang="en-US"/>
           </a:p>
@@ -766,7 +766,7 @@
           <a:p>
             <a:fld id="{5CBC3198-AB24-46EE-8A6F-BC607E4DFF2A}" type="datetimeFigureOut">
               <a:rPr lang="ko-KR" altLang="en-US" smtClean="0"/>
-              <a:t>2021-02-14</a:t>
+              <a:t>2021-02-28</a:t>
             </a:fld>
             <a:endParaRPr lang="ko-KR" altLang="en-US"/>
           </a:p>
@@ -998,7 +998,7 @@
           <a:p>
             <a:fld id="{5CBC3198-AB24-46EE-8A6F-BC607E4DFF2A}" type="datetimeFigureOut">
               <a:rPr lang="ko-KR" altLang="en-US" smtClean="0"/>
-              <a:t>2021-02-14</a:t>
+              <a:t>2021-02-28</a:t>
             </a:fld>
             <a:endParaRPr lang="ko-KR" altLang="en-US"/>
           </a:p>
@@ -1365,7 +1365,7 @@
           <a:p>
             <a:fld id="{5CBC3198-AB24-46EE-8A6F-BC607E4DFF2A}" type="datetimeFigureOut">
               <a:rPr lang="ko-KR" altLang="en-US" smtClean="0"/>
-              <a:t>2021-02-14</a:t>
+              <a:t>2021-02-28</a:t>
             </a:fld>
             <a:endParaRPr lang="ko-KR" altLang="en-US"/>
           </a:p>
@@ -1483,7 +1483,7 @@
           <a:p>
             <a:fld id="{5CBC3198-AB24-46EE-8A6F-BC607E4DFF2A}" type="datetimeFigureOut">
               <a:rPr lang="ko-KR" altLang="en-US" smtClean="0"/>
-              <a:t>2021-02-14</a:t>
+              <a:t>2021-02-28</a:t>
             </a:fld>
             <a:endParaRPr lang="ko-KR" altLang="en-US"/>
           </a:p>
@@ -1578,7 +1578,7 @@
           <a:p>
             <a:fld id="{5CBC3198-AB24-46EE-8A6F-BC607E4DFF2A}" type="datetimeFigureOut">
               <a:rPr lang="ko-KR" altLang="en-US" smtClean="0"/>
-              <a:t>2021-02-14</a:t>
+              <a:t>2021-02-28</a:t>
             </a:fld>
             <a:endParaRPr lang="ko-KR" altLang="en-US"/>
           </a:p>
@@ -1855,7 +1855,7 @@
           <a:p>
             <a:fld id="{5CBC3198-AB24-46EE-8A6F-BC607E4DFF2A}" type="datetimeFigureOut">
               <a:rPr lang="ko-KR" altLang="en-US" smtClean="0"/>
-              <a:t>2021-02-14</a:t>
+              <a:t>2021-02-28</a:t>
             </a:fld>
             <a:endParaRPr lang="ko-KR" altLang="en-US"/>
           </a:p>
@@ -2112,7 +2112,7 @@
           <a:p>
             <a:fld id="{5CBC3198-AB24-46EE-8A6F-BC607E4DFF2A}" type="datetimeFigureOut">
               <a:rPr lang="ko-KR" altLang="en-US" smtClean="0"/>
-              <a:t>2021-02-14</a:t>
+              <a:t>2021-02-28</a:t>
             </a:fld>
             <a:endParaRPr lang="ko-KR" altLang="en-US"/>
           </a:p>
@@ -2325,7 +2325,7 @@
           <a:p>
             <a:fld id="{5CBC3198-AB24-46EE-8A6F-BC607E4DFF2A}" type="datetimeFigureOut">
               <a:rPr lang="ko-KR" altLang="en-US" smtClean="0"/>
-              <a:t>2021-02-14</a:t>
+              <a:t>2021-02-28</a:t>
             </a:fld>
             <a:endParaRPr lang="ko-KR" altLang="en-US"/>
           </a:p>
@@ -5521,228 +5521,14 @@
       </p:sp>
       <p:sp>
         <p:nvSpPr>
-          <p:cNvPr id="23" name="자유형 22"/>
-          <p:cNvSpPr/>
-          <p:nvPr/>
-        </p:nvSpPr>
-        <p:spPr>
-          <a:xfrm rot="16200000">
-            <a:off x="5743716" y="6151191"/>
-            <a:ext cx="740496" cy="1402454"/>
-          </a:xfrm>
-          <a:custGeom>
-            <a:avLst/>
-            <a:gdLst>
-              <a:gd name="connsiteX0" fmla="*/ 740496 w 740496"/>
-              <a:gd name="connsiteY0" fmla="*/ 1402454 h 1402454"/>
-              <a:gd name="connsiteX1" fmla="*/ 678788 w 740496"/>
-              <a:gd name="connsiteY1" fmla="*/ 1065865 h 1402454"/>
-              <a:gd name="connsiteX2" fmla="*/ 661958 w 740496"/>
-              <a:gd name="connsiteY2" fmla="*/ 936839 h 1402454"/>
-              <a:gd name="connsiteX3" fmla="*/ 650739 w 740496"/>
-              <a:gd name="connsiteY3" fmla="*/ 880741 h 1402454"/>
-              <a:gd name="connsiteX4" fmla="*/ 605860 w 740496"/>
-              <a:gd name="connsiteY4" fmla="*/ 852692 h 1402454"/>
-              <a:gd name="connsiteX5" fmla="*/ 538543 w 740496"/>
-              <a:gd name="connsiteY5" fmla="*/ 802203 h 1402454"/>
-              <a:gd name="connsiteX6" fmla="*/ 476835 w 740496"/>
-              <a:gd name="connsiteY6" fmla="*/ 734886 h 1402454"/>
-              <a:gd name="connsiteX7" fmla="*/ 420736 w 740496"/>
-              <a:gd name="connsiteY7" fmla="*/ 684397 h 1402454"/>
-              <a:gd name="connsiteX8" fmla="*/ 330979 w 740496"/>
-              <a:gd name="connsiteY8" fmla="*/ 650738 h 1402454"/>
-              <a:gd name="connsiteX9" fmla="*/ 286101 w 740496"/>
-              <a:gd name="connsiteY9" fmla="*/ 617080 h 1402454"/>
-              <a:gd name="connsiteX10" fmla="*/ 196344 w 740496"/>
-              <a:gd name="connsiteY10" fmla="*/ 454395 h 1402454"/>
-              <a:gd name="connsiteX11" fmla="*/ 145855 w 740496"/>
-              <a:gd name="connsiteY11" fmla="*/ 364638 h 1402454"/>
-              <a:gd name="connsiteX12" fmla="*/ 72928 w 740496"/>
-              <a:gd name="connsiteY12" fmla="*/ 213173 h 1402454"/>
-              <a:gd name="connsiteX13" fmla="*/ 72928 w 740496"/>
-              <a:gd name="connsiteY13" fmla="*/ 140245 h 1402454"/>
-              <a:gd name="connsiteX14" fmla="*/ 39269 w 740496"/>
-              <a:gd name="connsiteY14" fmla="*/ 78537 h 1402454"/>
-              <a:gd name="connsiteX15" fmla="*/ 0 w 740496"/>
-              <a:gd name="connsiteY15" fmla="*/ 0 h 1402454"/>
-            </a:gdLst>
-            <a:ahLst/>
-            <a:cxnLst>
-              <a:cxn ang="0">
-                <a:pos x="connsiteX0" y="connsiteY0"/>
-              </a:cxn>
-              <a:cxn ang="0">
-                <a:pos x="connsiteX1" y="connsiteY1"/>
-              </a:cxn>
-              <a:cxn ang="0">
-                <a:pos x="connsiteX2" y="connsiteY2"/>
-              </a:cxn>
-              <a:cxn ang="0">
-                <a:pos x="connsiteX3" y="connsiteY3"/>
-              </a:cxn>
-              <a:cxn ang="0">
-                <a:pos x="connsiteX4" y="connsiteY4"/>
-              </a:cxn>
-              <a:cxn ang="0">
-                <a:pos x="connsiteX5" y="connsiteY5"/>
-              </a:cxn>
-              <a:cxn ang="0">
-                <a:pos x="connsiteX6" y="connsiteY6"/>
-              </a:cxn>
-              <a:cxn ang="0">
-                <a:pos x="connsiteX7" y="connsiteY7"/>
-              </a:cxn>
-              <a:cxn ang="0">
-                <a:pos x="connsiteX8" y="connsiteY8"/>
-              </a:cxn>
-              <a:cxn ang="0">
-                <a:pos x="connsiteX9" y="connsiteY9"/>
-              </a:cxn>
-              <a:cxn ang="0">
-                <a:pos x="connsiteX10" y="connsiteY10"/>
-              </a:cxn>
-              <a:cxn ang="0">
-                <a:pos x="connsiteX11" y="connsiteY11"/>
-              </a:cxn>
-              <a:cxn ang="0">
-                <a:pos x="connsiteX12" y="connsiteY12"/>
-              </a:cxn>
-              <a:cxn ang="0">
-                <a:pos x="connsiteX13" y="connsiteY13"/>
-              </a:cxn>
-              <a:cxn ang="0">
-                <a:pos x="connsiteX14" y="connsiteY14"/>
-              </a:cxn>
-              <a:cxn ang="0">
-                <a:pos x="connsiteX15" y="connsiteY15"/>
-              </a:cxn>
-            </a:cxnLst>
-            <a:rect l="l" t="t" r="r" b="b"/>
-            <a:pathLst>
-              <a:path w="740496" h="1402454">
-                <a:moveTo>
-                  <a:pt x="740496" y="1402454"/>
-                </a:moveTo>
-                <a:cubicBezTo>
-                  <a:pt x="716187" y="1272961"/>
-                  <a:pt x="691878" y="1143468"/>
-                  <a:pt x="678788" y="1065865"/>
-                </a:cubicBezTo>
-                <a:cubicBezTo>
-                  <a:pt x="665698" y="988262"/>
-                  <a:pt x="666633" y="967693"/>
-                  <a:pt x="661958" y="936839"/>
-                </a:cubicBezTo>
-                <a:cubicBezTo>
-                  <a:pt x="657283" y="905985"/>
-                  <a:pt x="660089" y="894765"/>
-                  <a:pt x="650739" y="880741"/>
-                </a:cubicBezTo>
-                <a:cubicBezTo>
-                  <a:pt x="641389" y="866717"/>
-                  <a:pt x="624559" y="865782"/>
-                  <a:pt x="605860" y="852692"/>
-                </a:cubicBezTo>
-                <a:cubicBezTo>
-                  <a:pt x="587161" y="839602"/>
-                  <a:pt x="560047" y="821837"/>
-                  <a:pt x="538543" y="802203"/>
-                </a:cubicBezTo>
-                <a:cubicBezTo>
-                  <a:pt x="517039" y="782569"/>
-                  <a:pt x="496469" y="754520"/>
-                  <a:pt x="476835" y="734886"/>
-                </a:cubicBezTo>
-                <a:cubicBezTo>
-                  <a:pt x="457200" y="715252"/>
-                  <a:pt x="445045" y="698422"/>
-                  <a:pt x="420736" y="684397"/>
-                </a:cubicBezTo>
-                <a:cubicBezTo>
-                  <a:pt x="396427" y="670372"/>
-                  <a:pt x="353418" y="661957"/>
-                  <a:pt x="330979" y="650738"/>
-                </a:cubicBezTo>
-                <a:cubicBezTo>
-                  <a:pt x="308540" y="639519"/>
-                  <a:pt x="308540" y="649804"/>
-                  <a:pt x="286101" y="617080"/>
-                </a:cubicBezTo>
-                <a:cubicBezTo>
-                  <a:pt x="263662" y="584356"/>
-                  <a:pt x="219718" y="496469"/>
-                  <a:pt x="196344" y="454395"/>
-                </a:cubicBezTo>
-                <a:cubicBezTo>
-                  <a:pt x="172970" y="412321"/>
-                  <a:pt x="166424" y="404842"/>
-                  <a:pt x="145855" y="364638"/>
-                </a:cubicBezTo>
-                <a:cubicBezTo>
-                  <a:pt x="125286" y="324434"/>
-                  <a:pt x="85082" y="250572"/>
-                  <a:pt x="72928" y="213173"/>
-                </a:cubicBezTo>
-                <a:cubicBezTo>
-                  <a:pt x="60773" y="175774"/>
-                  <a:pt x="78538" y="162684"/>
-                  <a:pt x="72928" y="140245"/>
-                </a:cubicBezTo>
-                <a:cubicBezTo>
-                  <a:pt x="67318" y="117806"/>
-                  <a:pt x="51424" y="101911"/>
-                  <a:pt x="39269" y="78537"/>
-                </a:cubicBezTo>
-                <a:cubicBezTo>
-                  <a:pt x="27114" y="55163"/>
-                  <a:pt x="13557" y="27581"/>
-                  <a:pt x="0" y="0"/>
-                </a:cubicBezTo>
-              </a:path>
-            </a:pathLst>
-          </a:custGeom>
-          <a:noFill/>
-          <a:ln w="38100">
-            <a:solidFill>
-              <a:srgbClr val="00B050"/>
-            </a:solidFill>
-          </a:ln>
-        </p:spPr>
-        <p:style>
-          <a:lnRef idx="2">
-            <a:schemeClr val="accent1">
-              <a:shade val="50000"/>
-            </a:schemeClr>
-          </a:lnRef>
-          <a:fillRef idx="1">
-            <a:schemeClr val="accent1"/>
-          </a:fillRef>
-          <a:effectRef idx="0">
-            <a:schemeClr val="accent1"/>
-          </a:effectRef>
-          <a:fontRef idx="minor">
-            <a:schemeClr val="lt1"/>
-          </a:fontRef>
-        </p:style>
-        <p:txBody>
-          <a:bodyPr rtlCol="0" anchor="ctr"/>
-          <a:lstStyle/>
-          <a:p>
-            <a:pPr algn="ctr"/>
-            <a:endParaRPr lang="ko-KR" altLang="en-US"/>
-          </a:p>
-        </p:txBody>
-      </p:sp>
-      <p:sp>
-        <p:nvSpPr>
           <p:cNvPr id="24" name="자유형 23"/>
           <p:cNvSpPr/>
           <p:nvPr/>
         </p:nvSpPr>
         <p:spPr>
           <a:xfrm>
-            <a:off x="4295670" y="6320413"/>
-            <a:ext cx="1115367" cy="904352"/>
+            <a:off x="4295670" y="6320412"/>
+            <a:ext cx="773723" cy="622998"/>
           </a:xfrm>
           <a:custGeom>
             <a:avLst/>
@@ -5797,6 +5583,264 @@
               <a:gd name="connsiteY23" fmla="*/ 0 h 904352"/>
               <a:gd name="connsiteX24" fmla="*/ 0 w 1115367"/>
               <a:gd name="connsiteY24" fmla="*/ 0 h 904352"/>
+              <a:gd name="connsiteX0" fmla="*/ 1115367 w 1115367"/>
+              <a:gd name="connsiteY0" fmla="*/ 904352 h 904352"/>
+              <a:gd name="connsiteX1" fmla="*/ 1004835 w 1115367"/>
+              <a:gd name="connsiteY1" fmla="*/ 793820 h 904352"/>
+              <a:gd name="connsiteX2" fmla="*/ 929473 w 1115367"/>
+              <a:gd name="connsiteY2" fmla="*/ 728506 h 904352"/>
+              <a:gd name="connsiteX3" fmla="*/ 884255 w 1115367"/>
+              <a:gd name="connsiteY3" fmla="*/ 713433 h 904352"/>
+              <a:gd name="connsiteX4" fmla="*/ 839038 w 1115367"/>
+              <a:gd name="connsiteY4" fmla="*/ 653143 h 904352"/>
+              <a:gd name="connsiteX5" fmla="*/ 773723 w 1115367"/>
+              <a:gd name="connsiteY5" fmla="*/ 622998 h 904352"/>
+              <a:gd name="connsiteX6" fmla="*/ 703385 w 1115367"/>
+              <a:gd name="connsiteY6" fmla="*/ 617974 h 904352"/>
+              <a:gd name="connsiteX7" fmla="*/ 653143 w 1115367"/>
+              <a:gd name="connsiteY7" fmla="*/ 592853 h 904352"/>
+              <a:gd name="connsiteX8" fmla="*/ 643095 w 1115367"/>
+              <a:gd name="connsiteY8" fmla="*/ 567732 h 904352"/>
+              <a:gd name="connsiteX9" fmla="*/ 628022 w 1115367"/>
+              <a:gd name="connsiteY9" fmla="*/ 422031 h 904352"/>
+              <a:gd name="connsiteX10" fmla="*/ 597877 w 1115367"/>
+              <a:gd name="connsiteY10" fmla="*/ 361741 h 904352"/>
+              <a:gd name="connsiteX11" fmla="*/ 567732 w 1115367"/>
+              <a:gd name="connsiteY11" fmla="*/ 351692 h 904352"/>
+              <a:gd name="connsiteX12" fmla="*/ 532563 w 1115367"/>
+              <a:gd name="connsiteY12" fmla="*/ 356717 h 904352"/>
+              <a:gd name="connsiteX13" fmla="*/ 497394 w 1115367"/>
+              <a:gd name="connsiteY13" fmla="*/ 366765 h 904352"/>
+              <a:gd name="connsiteX14" fmla="*/ 417007 w 1115367"/>
+              <a:gd name="connsiteY14" fmla="*/ 336620 h 904352"/>
+              <a:gd name="connsiteX15" fmla="*/ 366765 w 1115367"/>
+              <a:gd name="connsiteY15" fmla="*/ 306475 h 904352"/>
+              <a:gd name="connsiteX16" fmla="*/ 311499 w 1115367"/>
+              <a:gd name="connsiteY16" fmla="*/ 306475 h 904352"/>
+              <a:gd name="connsiteX17" fmla="*/ 246185 w 1115367"/>
+              <a:gd name="connsiteY17" fmla="*/ 241161 h 904352"/>
+              <a:gd name="connsiteX18" fmla="*/ 200967 w 1115367"/>
+              <a:gd name="connsiteY18" fmla="*/ 211016 h 904352"/>
+              <a:gd name="connsiteX19" fmla="*/ 140677 w 1115367"/>
+              <a:gd name="connsiteY19" fmla="*/ 190919 h 904352"/>
+              <a:gd name="connsiteX20" fmla="*/ 90435 w 1115367"/>
+              <a:gd name="connsiteY20" fmla="*/ 140677 h 904352"/>
+              <a:gd name="connsiteX21" fmla="*/ 50242 w 1115367"/>
+              <a:gd name="connsiteY21" fmla="*/ 80387 h 904352"/>
+              <a:gd name="connsiteX22" fmla="*/ 0 w 1115367"/>
+              <a:gd name="connsiteY22" fmla="*/ 0 h 904352"/>
+              <a:gd name="connsiteX23" fmla="*/ 0 w 1115367"/>
+              <a:gd name="connsiteY23" fmla="*/ 0 h 904352"/>
+              <a:gd name="connsiteX0" fmla="*/ 1115367 w 1115367"/>
+              <a:gd name="connsiteY0" fmla="*/ 904352 h 904352"/>
+              <a:gd name="connsiteX1" fmla="*/ 1004835 w 1115367"/>
+              <a:gd name="connsiteY1" fmla="*/ 793820 h 904352"/>
+              <a:gd name="connsiteX2" fmla="*/ 929473 w 1115367"/>
+              <a:gd name="connsiteY2" fmla="*/ 728506 h 904352"/>
+              <a:gd name="connsiteX3" fmla="*/ 884255 w 1115367"/>
+              <a:gd name="connsiteY3" fmla="*/ 713433 h 904352"/>
+              <a:gd name="connsiteX4" fmla="*/ 773723 w 1115367"/>
+              <a:gd name="connsiteY4" fmla="*/ 622998 h 904352"/>
+              <a:gd name="connsiteX5" fmla="*/ 703385 w 1115367"/>
+              <a:gd name="connsiteY5" fmla="*/ 617974 h 904352"/>
+              <a:gd name="connsiteX6" fmla="*/ 653143 w 1115367"/>
+              <a:gd name="connsiteY6" fmla="*/ 592853 h 904352"/>
+              <a:gd name="connsiteX7" fmla="*/ 643095 w 1115367"/>
+              <a:gd name="connsiteY7" fmla="*/ 567732 h 904352"/>
+              <a:gd name="connsiteX8" fmla="*/ 628022 w 1115367"/>
+              <a:gd name="connsiteY8" fmla="*/ 422031 h 904352"/>
+              <a:gd name="connsiteX9" fmla="*/ 597877 w 1115367"/>
+              <a:gd name="connsiteY9" fmla="*/ 361741 h 904352"/>
+              <a:gd name="connsiteX10" fmla="*/ 567732 w 1115367"/>
+              <a:gd name="connsiteY10" fmla="*/ 351692 h 904352"/>
+              <a:gd name="connsiteX11" fmla="*/ 532563 w 1115367"/>
+              <a:gd name="connsiteY11" fmla="*/ 356717 h 904352"/>
+              <a:gd name="connsiteX12" fmla="*/ 497394 w 1115367"/>
+              <a:gd name="connsiteY12" fmla="*/ 366765 h 904352"/>
+              <a:gd name="connsiteX13" fmla="*/ 417007 w 1115367"/>
+              <a:gd name="connsiteY13" fmla="*/ 336620 h 904352"/>
+              <a:gd name="connsiteX14" fmla="*/ 366765 w 1115367"/>
+              <a:gd name="connsiteY14" fmla="*/ 306475 h 904352"/>
+              <a:gd name="connsiteX15" fmla="*/ 311499 w 1115367"/>
+              <a:gd name="connsiteY15" fmla="*/ 306475 h 904352"/>
+              <a:gd name="connsiteX16" fmla="*/ 246185 w 1115367"/>
+              <a:gd name="connsiteY16" fmla="*/ 241161 h 904352"/>
+              <a:gd name="connsiteX17" fmla="*/ 200967 w 1115367"/>
+              <a:gd name="connsiteY17" fmla="*/ 211016 h 904352"/>
+              <a:gd name="connsiteX18" fmla="*/ 140677 w 1115367"/>
+              <a:gd name="connsiteY18" fmla="*/ 190919 h 904352"/>
+              <a:gd name="connsiteX19" fmla="*/ 90435 w 1115367"/>
+              <a:gd name="connsiteY19" fmla="*/ 140677 h 904352"/>
+              <a:gd name="connsiteX20" fmla="*/ 50242 w 1115367"/>
+              <a:gd name="connsiteY20" fmla="*/ 80387 h 904352"/>
+              <a:gd name="connsiteX21" fmla="*/ 0 w 1115367"/>
+              <a:gd name="connsiteY21" fmla="*/ 0 h 904352"/>
+              <a:gd name="connsiteX22" fmla="*/ 0 w 1115367"/>
+              <a:gd name="connsiteY22" fmla="*/ 0 h 904352"/>
+              <a:gd name="connsiteX0" fmla="*/ 1004835 w 1004835"/>
+              <a:gd name="connsiteY0" fmla="*/ 793820 h 793820"/>
+              <a:gd name="connsiteX1" fmla="*/ 929473 w 1004835"/>
+              <a:gd name="connsiteY1" fmla="*/ 728506 h 793820"/>
+              <a:gd name="connsiteX2" fmla="*/ 884255 w 1004835"/>
+              <a:gd name="connsiteY2" fmla="*/ 713433 h 793820"/>
+              <a:gd name="connsiteX3" fmla="*/ 773723 w 1004835"/>
+              <a:gd name="connsiteY3" fmla="*/ 622998 h 793820"/>
+              <a:gd name="connsiteX4" fmla="*/ 703385 w 1004835"/>
+              <a:gd name="connsiteY4" fmla="*/ 617974 h 793820"/>
+              <a:gd name="connsiteX5" fmla="*/ 653143 w 1004835"/>
+              <a:gd name="connsiteY5" fmla="*/ 592853 h 793820"/>
+              <a:gd name="connsiteX6" fmla="*/ 643095 w 1004835"/>
+              <a:gd name="connsiteY6" fmla="*/ 567732 h 793820"/>
+              <a:gd name="connsiteX7" fmla="*/ 628022 w 1004835"/>
+              <a:gd name="connsiteY7" fmla="*/ 422031 h 793820"/>
+              <a:gd name="connsiteX8" fmla="*/ 597877 w 1004835"/>
+              <a:gd name="connsiteY8" fmla="*/ 361741 h 793820"/>
+              <a:gd name="connsiteX9" fmla="*/ 567732 w 1004835"/>
+              <a:gd name="connsiteY9" fmla="*/ 351692 h 793820"/>
+              <a:gd name="connsiteX10" fmla="*/ 532563 w 1004835"/>
+              <a:gd name="connsiteY10" fmla="*/ 356717 h 793820"/>
+              <a:gd name="connsiteX11" fmla="*/ 497394 w 1004835"/>
+              <a:gd name="connsiteY11" fmla="*/ 366765 h 793820"/>
+              <a:gd name="connsiteX12" fmla="*/ 417007 w 1004835"/>
+              <a:gd name="connsiteY12" fmla="*/ 336620 h 793820"/>
+              <a:gd name="connsiteX13" fmla="*/ 366765 w 1004835"/>
+              <a:gd name="connsiteY13" fmla="*/ 306475 h 793820"/>
+              <a:gd name="connsiteX14" fmla="*/ 311499 w 1004835"/>
+              <a:gd name="connsiteY14" fmla="*/ 306475 h 793820"/>
+              <a:gd name="connsiteX15" fmla="*/ 246185 w 1004835"/>
+              <a:gd name="connsiteY15" fmla="*/ 241161 h 793820"/>
+              <a:gd name="connsiteX16" fmla="*/ 200967 w 1004835"/>
+              <a:gd name="connsiteY16" fmla="*/ 211016 h 793820"/>
+              <a:gd name="connsiteX17" fmla="*/ 140677 w 1004835"/>
+              <a:gd name="connsiteY17" fmla="*/ 190919 h 793820"/>
+              <a:gd name="connsiteX18" fmla="*/ 90435 w 1004835"/>
+              <a:gd name="connsiteY18" fmla="*/ 140677 h 793820"/>
+              <a:gd name="connsiteX19" fmla="*/ 50242 w 1004835"/>
+              <a:gd name="connsiteY19" fmla="*/ 80387 h 793820"/>
+              <a:gd name="connsiteX20" fmla="*/ 0 w 1004835"/>
+              <a:gd name="connsiteY20" fmla="*/ 0 h 793820"/>
+              <a:gd name="connsiteX21" fmla="*/ 0 w 1004835"/>
+              <a:gd name="connsiteY21" fmla="*/ 0 h 793820"/>
+              <a:gd name="connsiteX0" fmla="*/ 929473 w 929473"/>
+              <a:gd name="connsiteY0" fmla="*/ 728506 h 728506"/>
+              <a:gd name="connsiteX1" fmla="*/ 884255 w 929473"/>
+              <a:gd name="connsiteY1" fmla="*/ 713433 h 728506"/>
+              <a:gd name="connsiteX2" fmla="*/ 773723 w 929473"/>
+              <a:gd name="connsiteY2" fmla="*/ 622998 h 728506"/>
+              <a:gd name="connsiteX3" fmla="*/ 703385 w 929473"/>
+              <a:gd name="connsiteY3" fmla="*/ 617974 h 728506"/>
+              <a:gd name="connsiteX4" fmla="*/ 653143 w 929473"/>
+              <a:gd name="connsiteY4" fmla="*/ 592853 h 728506"/>
+              <a:gd name="connsiteX5" fmla="*/ 643095 w 929473"/>
+              <a:gd name="connsiteY5" fmla="*/ 567732 h 728506"/>
+              <a:gd name="connsiteX6" fmla="*/ 628022 w 929473"/>
+              <a:gd name="connsiteY6" fmla="*/ 422031 h 728506"/>
+              <a:gd name="connsiteX7" fmla="*/ 597877 w 929473"/>
+              <a:gd name="connsiteY7" fmla="*/ 361741 h 728506"/>
+              <a:gd name="connsiteX8" fmla="*/ 567732 w 929473"/>
+              <a:gd name="connsiteY8" fmla="*/ 351692 h 728506"/>
+              <a:gd name="connsiteX9" fmla="*/ 532563 w 929473"/>
+              <a:gd name="connsiteY9" fmla="*/ 356717 h 728506"/>
+              <a:gd name="connsiteX10" fmla="*/ 497394 w 929473"/>
+              <a:gd name="connsiteY10" fmla="*/ 366765 h 728506"/>
+              <a:gd name="connsiteX11" fmla="*/ 417007 w 929473"/>
+              <a:gd name="connsiteY11" fmla="*/ 336620 h 728506"/>
+              <a:gd name="connsiteX12" fmla="*/ 366765 w 929473"/>
+              <a:gd name="connsiteY12" fmla="*/ 306475 h 728506"/>
+              <a:gd name="connsiteX13" fmla="*/ 311499 w 929473"/>
+              <a:gd name="connsiteY13" fmla="*/ 306475 h 728506"/>
+              <a:gd name="connsiteX14" fmla="*/ 246185 w 929473"/>
+              <a:gd name="connsiteY14" fmla="*/ 241161 h 728506"/>
+              <a:gd name="connsiteX15" fmla="*/ 200967 w 929473"/>
+              <a:gd name="connsiteY15" fmla="*/ 211016 h 728506"/>
+              <a:gd name="connsiteX16" fmla="*/ 140677 w 929473"/>
+              <a:gd name="connsiteY16" fmla="*/ 190919 h 728506"/>
+              <a:gd name="connsiteX17" fmla="*/ 90435 w 929473"/>
+              <a:gd name="connsiteY17" fmla="*/ 140677 h 728506"/>
+              <a:gd name="connsiteX18" fmla="*/ 50242 w 929473"/>
+              <a:gd name="connsiteY18" fmla="*/ 80387 h 728506"/>
+              <a:gd name="connsiteX19" fmla="*/ 0 w 929473"/>
+              <a:gd name="connsiteY19" fmla="*/ 0 h 728506"/>
+              <a:gd name="connsiteX20" fmla="*/ 0 w 929473"/>
+              <a:gd name="connsiteY20" fmla="*/ 0 h 728506"/>
+              <a:gd name="connsiteX0" fmla="*/ 884255 w 884255"/>
+              <a:gd name="connsiteY0" fmla="*/ 713433 h 713433"/>
+              <a:gd name="connsiteX1" fmla="*/ 773723 w 884255"/>
+              <a:gd name="connsiteY1" fmla="*/ 622998 h 713433"/>
+              <a:gd name="connsiteX2" fmla="*/ 703385 w 884255"/>
+              <a:gd name="connsiteY2" fmla="*/ 617974 h 713433"/>
+              <a:gd name="connsiteX3" fmla="*/ 653143 w 884255"/>
+              <a:gd name="connsiteY3" fmla="*/ 592853 h 713433"/>
+              <a:gd name="connsiteX4" fmla="*/ 643095 w 884255"/>
+              <a:gd name="connsiteY4" fmla="*/ 567732 h 713433"/>
+              <a:gd name="connsiteX5" fmla="*/ 628022 w 884255"/>
+              <a:gd name="connsiteY5" fmla="*/ 422031 h 713433"/>
+              <a:gd name="connsiteX6" fmla="*/ 597877 w 884255"/>
+              <a:gd name="connsiteY6" fmla="*/ 361741 h 713433"/>
+              <a:gd name="connsiteX7" fmla="*/ 567732 w 884255"/>
+              <a:gd name="connsiteY7" fmla="*/ 351692 h 713433"/>
+              <a:gd name="connsiteX8" fmla="*/ 532563 w 884255"/>
+              <a:gd name="connsiteY8" fmla="*/ 356717 h 713433"/>
+              <a:gd name="connsiteX9" fmla="*/ 497394 w 884255"/>
+              <a:gd name="connsiteY9" fmla="*/ 366765 h 713433"/>
+              <a:gd name="connsiteX10" fmla="*/ 417007 w 884255"/>
+              <a:gd name="connsiteY10" fmla="*/ 336620 h 713433"/>
+              <a:gd name="connsiteX11" fmla="*/ 366765 w 884255"/>
+              <a:gd name="connsiteY11" fmla="*/ 306475 h 713433"/>
+              <a:gd name="connsiteX12" fmla="*/ 311499 w 884255"/>
+              <a:gd name="connsiteY12" fmla="*/ 306475 h 713433"/>
+              <a:gd name="connsiteX13" fmla="*/ 246185 w 884255"/>
+              <a:gd name="connsiteY13" fmla="*/ 241161 h 713433"/>
+              <a:gd name="connsiteX14" fmla="*/ 200967 w 884255"/>
+              <a:gd name="connsiteY14" fmla="*/ 211016 h 713433"/>
+              <a:gd name="connsiteX15" fmla="*/ 140677 w 884255"/>
+              <a:gd name="connsiteY15" fmla="*/ 190919 h 713433"/>
+              <a:gd name="connsiteX16" fmla="*/ 90435 w 884255"/>
+              <a:gd name="connsiteY16" fmla="*/ 140677 h 713433"/>
+              <a:gd name="connsiteX17" fmla="*/ 50242 w 884255"/>
+              <a:gd name="connsiteY17" fmla="*/ 80387 h 713433"/>
+              <a:gd name="connsiteX18" fmla="*/ 0 w 884255"/>
+              <a:gd name="connsiteY18" fmla="*/ 0 h 713433"/>
+              <a:gd name="connsiteX19" fmla="*/ 0 w 884255"/>
+              <a:gd name="connsiteY19" fmla="*/ 0 h 713433"/>
+              <a:gd name="connsiteX0" fmla="*/ 773723 w 773723"/>
+              <a:gd name="connsiteY0" fmla="*/ 622998 h 622998"/>
+              <a:gd name="connsiteX1" fmla="*/ 703385 w 773723"/>
+              <a:gd name="connsiteY1" fmla="*/ 617974 h 622998"/>
+              <a:gd name="connsiteX2" fmla="*/ 653143 w 773723"/>
+              <a:gd name="connsiteY2" fmla="*/ 592853 h 622998"/>
+              <a:gd name="connsiteX3" fmla="*/ 643095 w 773723"/>
+              <a:gd name="connsiteY3" fmla="*/ 567732 h 622998"/>
+              <a:gd name="connsiteX4" fmla="*/ 628022 w 773723"/>
+              <a:gd name="connsiteY4" fmla="*/ 422031 h 622998"/>
+              <a:gd name="connsiteX5" fmla="*/ 597877 w 773723"/>
+              <a:gd name="connsiteY5" fmla="*/ 361741 h 622998"/>
+              <a:gd name="connsiteX6" fmla="*/ 567732 w 773723"/>
+              <a:gd name="connsiteY6" fmla="*/ 351692 h 622998"/>
+              <a:gd name="connsiteX7" fmla="*/ 532563 w 773723"/>
+              <a:gd name="connsiteY7" fmla="*/ 356717 h 622998"/>
+              <a:gd name="connsiteX8" fmla="*/ 497394 w 773723"/>
+              <a:gd name="connsiteY8" fmla="*/ 366765 h 622998"/>
+              <a:gd name="connsiteX9" fmla="*/ 417007 w 773723"/>
+              <a:gd name="connsiteY9" fmla="*/ 336620 h 622998"/>
+              <a:gd name="connsiteX10" fmla="*/ 366765 w 773723"/>
+              <a:gd name="connsiteY10" fmla="*/ 306475 h 622998"/>
+              <a:gd name="connsiteX11" fmla="*/ 311499 w 773723"/>
+              <a:gd name="connsiteY11" fmla="*/ 306475 h 622998"/>
+              <a:gd name="connsiteX12" fmla="*/ 246185 w 773723"/>
+              <a:gd name="connsiteY12" fmla="*/ 241161 h 622998"/>
+              <a:gd name="connsiteX13" fmla="*/ 200967 w 773723"/>
+              <a:gd name="connsiteY13" fmla="*/ 211016 h 622998"/>
+              <a:gd name="connsiteX14" fmla="*/ 140677 w 773723"/>
+              <a:gd name="connsiteY14" fmla="*/ 190919 h 622998"/>
+              <a:gd name="connsiteX15" fmla="*/ 90435 w 773723"/>
+              <a:gd name="connsiteY15" fmla="*/ 140677 h 622998"/>
+              <a:gd name="connsiteX16" fmla="*/ 50242 w 773723"/>
+              <a:gd name="connsiteY16" fmla="*/ 80387 h 622998"/>
+              <a:gd name="connsiteX17" fmla="*/ 0 w 773723"/>
+              <a:gd name="connsiteY17" fmla="*/ 0 h 622998"/>
+              <a:gd name="connsiteX18" fmla="*/ 0 w 773723"/>
+              <a:gd name="connsiteY18" fmla="*/ 0 h 622998"/>
             </a:gdLst>
             <a:ahLst/>
             <a:cxnLst>
@@ -5857,63 +5901,15 @@
               <a:cxn ang="0">
                 <a:pos x="connsiteX18" y="connsiteY18"/>
               </a:cxn>
-              <a:cxn ang="0">
-                <a:pos x="connsiteX19" y="connsiteY19"/>
-              </a:cxn>
-              <a:cxn ang="0">
-                <a:pos x="connsiteX20" y="connsiteY20"/>
-              </a:cxn>
-              <a:cxn ang="0">
-                <a:pos x="connsiteX21" y="connsiteY21"/>
-              </a:cxn>
-              <a:cxn ang="0">
-                <a:pos x="connsiteX22" y="connsiteY22"/>
-              </a:cxn>
-              <a:cxn ang="0">
-                <a:pos x="connsiteX23" y="connsiteY23"/>
-              </a:cxn>
-              <a:cxn ang="0">
-                <a:pos x="connsiteX24" y="connsiteY24"/>
-              </a:cxn>
             </a:cxnLst>
             <a:rect l="l" t="t" r="r" b="b"/>
             <a:pathLst>
-              <a:path w="1115367" h="904352">
+              <a:path w="773723" h="622998">
                 <a:moveTo>
-                  <a:pt x="1115367" y="904352"/>
+                  <a:pt x="773723" y="622998"/>
                 </a:moveTo>
                 <a:cubicBezTo>
-                  <a:pt x="1075592" y="863740"/>
-                  <a:pt x="1035817" y="823128"/>
-                  <a:pt x="1004835" y="793820"/>
-                </a:cubicBezTo>
-                <a:cubicBezTo>
-                  <a:pt x="973853" y="764512"/>
-                  <a:pt x="949570" y="741904"/>
-                  <a:pt x="929473" y="728506"/>
-                </a:cubicBezTo>
-                <a:cubicBezTo>
-                  <a:pt x="909376" y="715108"/>
-                  <a:pt x="899327" y="725993"/>
-                  <a:pt x="884255" y="713433"/>
-                </a:cubicBezTo>
-                <a:cubicBezTo>
-                  <a:pt x="869183" y="700873"/>
-                  <a:pt x="848249" y="667378"/>
-                  <a:pt x="839038" y="653143"/>
-                </a:cubicBezTo>
-                <a:cubicBezTo>
-                  <a:pt x="829827" y="638908"/>
-                  <a:pt x="839875" y="633046"/>
-                  <a:pt x="828989" y="628022"/>
-                </a:cubicBezTo>
-                <a:cubicBezTo>
-                  <a:pt x="818103" y="622998"/>
-                  <a:pt x="773723" y="622998"/>
-                  <a:pt x="773723" y="622998"/>
-                </a:cubicBezTo>
-                <a:cubicBezTo>
-                  <a:pt x="752789" y="621323"/>
+                  <a:pt x="743578" y="607088"/>
                   <a:pt x="723482" y="622998"/>
                   <a:pt x="703385" y="617974"/>
                 </a:cubicBezTo>
@@ -6043,8 +6039,8 @@
         </p:nvSpPr>
         <p:spPr>
           <a:xfrm>
-            <a:off x="4079531" y="5712985"/>
-            <a:ext cx="175946" cy="577282"/>
+            <a:off x="4073859" y="5712984"/>
+            <a:ext cx="131269" cy="431581"/>
           </a:xfrm>
           <a:custGeom>
             <a:avLst/>
@@ -6183,6 +6179,48 @@
               <a:gd name="connsiteY7" fmla="*/ 80596 h 577282"/>
               <a:gd name="connsiteX8" fmla="*/ 125599 w 175946"/>
               <a:gd name="connsiteY8" fmla="*/ 0 h 577282"/>
+              <a:gd name="connsiteX0" fmla="*/ 177573 w 177573"/>
+              <a:gd name="connsiteY0" fmla="*/ 577282 h 577282"/>
+              <a:gd name="connsiteX1" fmla="*/ 102210 w 177573"/>
+              <a:gd name="connsiteY1" fmla="*/ 547137 h 577282"/>
+              <a:gd name="connsiteX2" fmla="*/ 1727 w 177573"/>
+              <a:gd name="connsiteY2" fmla="*/ 431581 h 577282"/>
+              <a:gd name="connsiteX3" fmla="*/ 39330 w 177573"/>
+              <a:gd name="connsiteY3" fmla="*/ 351927 h 577282"/>
+              <a:gd name="connsiteX4" fmla="*/ 48357 w 177573"/>
+              <a:gd name="connsiteY4" fmla="*/ 254296 h 577282"/>
+              <a:gd name="connsiteX5" fmla="*/ 49691 w 177573"/>
+              <a:gd name="connsiteY5" fmla="*/ 217765 h 577282"/>
+              <a:gd name="connsiteX6" fmla="*/ 103571 w 177573"/>
+              <a:gd name="connsiteY6" fmla="*/ 80596 h 577282"/>
+              <a:gd name="connsiteX7" fmla="*/ 127226 w 177573"/>
+              <a:gd name="connsiteY7" fmla="*/ 0 h 577282"/>
+              <a:gd name="connsiteX0" fmla="*/ 181616 w 181616"/>
+              <a:gd name="connsiteY0" fmla="*/ 577282 h 577282"/>
+              <a:gd name="connsiteX1" fmla="*/ 5770 w 181616"/>
+              <a:gd name="connsiteY1" fmla="*/ 431581 h 577282"/>
+              <a:gd name="connsiteX2" fmla="*/ 43373 w 181616"/>
+              <a:gd name="connsiteY2" fmla="*/ 351927 h 577282"/>
+              <a:gd name="connsiteX3" fmla="*/ 52400 w 181616"/>
+              <a:gd name="connsiteY3" fmla="*/ 254296 h 577282"/>
+              <a:gd name="connsiteX4" fmla="*/ 53734 w 181616"/>
+              <a:gd name="connsiteY4" fmla="*/ 217765 h 577282"/>
+              <a:gd name="connsiteX5" fmla="*/ 107614 w 181616"/>
+              <a:gd name="connsiteY5" fmla="*/ 80596 h 577282"/>
+              <a:gd name="connsiteX6" fmla="*/ 131269 w 181616"/>
+              <a:gd name="connsiteY6" fmla="*/ 0 h 577282"/>
+              <a:gd name="connsiteX0" fmla="*/ 5770 w 131269"/>
+              <a:gd name="connsiteY0" fmla="*/ 431581 h 431581"/>
+              <a:gd name="connsiteX1" fmla="*/ 43373 w 131269"/>
+              <a:gd name="connsiteY1" fmla="*/ 351927 h 431581"/>
+              <a:gd name="connsiteX2" fmla="*/ 52400 w 131269"/>
+              <a:gd name="connsiteY2" fmla="*/ 254296 h 431581"/>
+              <a:gd name="connsiteX3" fmla="*/ 53734 w 131269"/>
+              <a:gd name="connsiteY3" fmla="*/ 217765 h 431581"/>
+              <a:gd name="connsiteX4" fmla="*/ 107614 w 131269"/>
+              <a:gd name="connsiteY4" fmla="*/ 80596 h 431581"/>
+              <a:gd name="connsiteX5" fmla="*/ 131269 w 131269"/>
+              <a:gd name="connsiteY5" fmla="*/ 0 h 431581"/>
             </a:gdLst>
             <a:ahLst/>
             <a:cxnLst>
@@ -6204,659 +6242,37 @@
               <a:cxn ang="0">
                 <a:pos x="connsiteX5" y="connsiteY5"/>
               </a:cxn>
-              <a:cxn ang="0">
-                <a:pos x="connsiteX6" y="connsiteY6"/>
-              </a:cxn>
-              <a:cxn ang="0">
-                <a:pos x="connsiteX7" y="connsiteY7"/>
-              </a:cxn>
-              <a:cxn ang="0">
-                <a:pos x="connsiteX8" y="connsiteY8"/>
-              </a:cxn>
             </a:cxnLst>
             <a:rect l="l" t="t" r="r" b="b"/>
             <a:pathLst>
-              <a:path w="175946" h="577282">
+              <a:path w="131269" h="431581">
                 <a:moveTo>
-                  <a:pt x="175946" y="577282"/>
+                  <a:pt x="5770" y="431581"/>
                 </a:moveTo>
                 <a:cubicBezTo>
-                  <a:pt x="148731" y="568908"/>
-                  <a:pt x="121517" y="560535"/>
-                  <a:pt x="100583" y="547137"/>
-                </a:cubicBezTo>
-                <a:cubicBezTo>
-                  <a:pt x="79649" y="533739"/>
-                  <a:pt x="67089" y="516154"/>
-                  <a:pt x="50342" y="496895"/>
-                </a:cubicBezTo>
-                <a:cubicBezTo>
-                  <a:pt x="33595" y="477636"/>
-                  <a:pt x="2206" y="455742"/>
-                  <a:pt x="100" y="431581"/>
-                </a:cubicBezTo>
-                <a:cubicBezTo>
-                  <a:pt x="-2006" y="407420"/>
-                  <a:pt x="29931" y="381475"/>
-                  <a:pt x="37703" y="351927"/>
-                </a:cubicBezTo>
-                <a:cubicBezTo>
-                  <a:pt x="45475" y="322379"/>
-                  <a:pt x="45003" y="276656"/>
-                  <a:pt x="46730" y="254296"/>
-                </a:cubicBezTo>
-                <a:cubicBezTo>
-                  <a:pt x="48457" y="231936"/>
-                  <a:pt x="38862" y="246715"/>
-                  <a:pt x="48064" y="217765"/>
-                </a:cubicBezTo>
-                <a:cubicBezTo>
-                  <a:pt x="57266" y="188815"/>
-                  <a:pt x="95372" y="98634"/>
-                  <a:pt x="101944" y="80596"/>
-                </a:cubicBezTo>
-                <a:cubicBezTo>
-                  <a:pt x="108517" y="62558"/>
-                  <a:pt x="123244" y="6289"/>
-                  <a:pt x="125599" y="0"/>
-                </a:cubicBezTo>
-              </a:path>
-            </a:pathLst>
-          </a:custGeom>
-          <a:noFill/>
-          <a:ln w="38100">
-            <a:solidFill>
-              <a:srgbClr val="00B050"/>
-            </a:solidFill>
-          </a:ln>
-        </p:spPr>
-        <p:style>
-          <a:lnRef idx="2">
-            <a:schemeClr val="accent1">
-              <a:shade val="50000"/>
-            </a:schemeClr>
-          </a:lnRef>
-          <a:fillRef idx="1">
-            <a:schemeClr val="accent1"/>
-          </a:fillRef>
-          <a:effectRef idx="0">
-            <a:schemeClr val="accent1"/>
-          </a:effectRef>
-          <a:fontRef idx="minor">
-            <a:schemeClr val="lt1"/>
-          </a:fontRef>
-        </p:style>
-        <p:txBody>
-          <a:bodyPr rtlCol="0" anchor="ctr"/>
-          <a:lstStyle/>
-          <a:p>
-            <a:pPr algn="ctr"/>
-            <a:endParaRPr lang="ko-KR" altLang="en-US"/>
-          </a:p>
-        </p:txBody>
-      </p:sp>
-      <p:sp>
-        <p:nvSpPr>
-          <p:cNvPr id="26" name="자유형 25"/>
-          <p:cNvSpPr/>
-          <p:nvPr/>
-        </p:nvSpPr>
-        <p:spPr>
-          <a:xfrm>
-            <a:off x="4207435" y="4524188"/>
-            <a:ext cx="992094" cy="1207247"/>
-          </a:xfrm>
-          <a:custGeom>
-            <a:avLst/>
-            <a:gdLst>
-              <a:gd name="connsiteX0" fmla="*/ 0 w 992094"/>
-              <a:gd name="connsiteY0" fmla="*/ 1207247 h 1207247"/>
-              <a:gd name="connsiteX1" fmla="*/ 29883 w 992094"/>
-              <a:gd name="connsiteY1" fmla="*/ 1129553 h 1207247"/>
-              <a:gd name="connsiteX2" fmla="*/ 47812 w 992094"/>
-              <a:gd name="connsiteY2" fmla="*/ 1075765 h 1207247"/>
-              <a:gd name="connsiteX3" fmla="*/ 89647 w 992094"/>
-              <a:gd name="connsiteY3" fmla="*/ 1010024 h 1207247"/>
-              <a:gd name="connsiteX4" fmla="*/ 167341 w 992094"/>
-              <a:gd name="connsiteY4" fmla="*/ 1010024 h 1207247"/>
-              <a:gd name="connsiteX5" fmla="*/ 245036 w 992094"/>
-              <a:gd name="connsiteY5" fmla="*/ 992094 h 1207247"/>
-              <a:gd name="connsiteX6" fmla="*/ 280894 w 992094"/>
-              <a:gd name="connsiteY6" fmla="*/ 962212 h 1207247"/>
-              <a:gd name="connsiteX7" fmla="*/ 316753 w 992094"/>
-              <a:gd name="connsiteY7" fmla="*/ 908424 h 1207247"/>
-              <a:gd name="connsiteX8" fmla="*/ 358589 w 992094"/>
-              <a:gd name="connsiteY8" fmla="*/ 842683 h 1207247"/>
-              <a:gd name="connsiteX9" fmla="*/ 382494 w 992094"/>
-              <a:gd name="connsiteY9" fmla="*/ 776941 h 1207247"/>
-              <a:gd name="connsiteX10" fmla="*/ 454212 w 992094"/>
-              <a:gd name="connsiteY10" fmla="*/ 693271 h 1207247"/>
-              <a:gd name="connsiteX11" fmla="*/ 519953 w 992094"/>
-              <a:gd name="connsiteY11" fmla="*/ 609600 h 1207247"/>
-              <a:gd name="connsiteX12" fmla="*/ 567765 w 992094"/>
-              <a:gd name="connsiteY12" fmla="*/ 537883 h 1207247"/>
-              <a:gd name="connsiteX13" fmla="*/ 633506 w 992094"/>
-              <a:gd name="connsiteY13" fmla="*/ 472141 h 1207247"/>
-              <a:gd name="connsiteX14" fmla="*/ 699247 w 992094"/>
-              <a:gd name="connsiteY14" fmla="*/ 400424 h 1207247"/>
-              <a:gd name="connsiteX15" fmla="*/ 788894 w 992094"/>
-              <a:gd name="connsiteY15" fmla="*/ 304800 h 1207247"/>
-              <a:gd name="connsiteX16" fmla="*/ 842683 w 992094"/>
-              <a:gd name="connsiteY16" fmla="*/ 227106 h 1207247"/>
-              <a:gd name="connsiteX17" fmla="*/ 890494 w 992094"/>
-              <a:gd name="connsiteY17" fmla="*/ 173318 h 1207247"/>
-              <a:gd name="connsiteX18" fmla="*/ 938306 w 992094"/>
-              <a:gd name="connsiteY18" fmla="*/ 53788 h 1207247"/>
-              <a:gd name="connsiteX19" fmla="*/ 992094 w 992094"/>
-              <a:gd name="connsiteY19" fmla="*/ 0 h 1207247"/>
-              <a:gd name="connsiteX0" fmla="*/ 0 w 992094"/>
-              <a:gd name="connsiteY0" fmla="*/ 1207247 h 1207247"/>
-              <a:gd name="connsiteX1" fmla="*/ 29883 w 992094"/>
-              <a:gd name="connsiteY1" fmla="*/ 1129553 h 1207247"/>
-              <a:gd name="connsiteX2" fmla="*/ 47812 w 992094"/>
-              <a:gd name="connsiteY2" fmla="*/ 1075765 h 1207247"/>
-              <a:gd name="connsiteX3" fmla="*/ 89647 w 992094"/>
-              <a:gd name="connsiteY3" fmla="*/ 1010024 h 1207247"/>
-              <a:gd name="connsiteX4" fmla="*/ 167341 w 992094"/>
-              <a:gd name="connsiteY4" fmla="*/ 1010024 h 1207247"/>
-              <a:gd name="connsiteX5" fmla="*/ 245036 w 992094"/>
-              <a:gd name="connsiteY5" fmla="*/ 992094 h 1207247"/>
-              <a:gd name="connsiteX6" fmla="*/ 280894 w 992094"/>
-              <a:gd name="connsiteY6" fmla="*/ 962212 h 1207247"/>
-              <a:gd name="connsiteX7" fmla="*/ 316753 w 992094"/>
-              <a:gd name="connsiteY7" fmla="*/ 908424 h 1207247"/>
-              <a:gd name="connsiteX8" fmla="*/ 358589 w 992094"/>
-              <a:gd name="connsiteY8" fmla="*/ 842683 h 1207247"/>
-              <a:gd name="connsiteX9" fmla="*/ 382494 w 992094"/>
-              <a:gd name="connsiteY9" fmla="*/ 776941 h 1207247"/>
-              <a:gd name="connsiteX10" fmla="*/ 454212 w 992094"/>
-              <a:gd name="connsiteY10" fmla="*/ 693271 h 1207247"/>
-              <a:gd name="connsiteX11" fmla="*/ 519953 w 992094"/>
-              <a:gd name="connsiteY11" fmla="*/ 609600 h 1207247"/>
-              <a:gd name="connsiteX12" fmla="*/ 579718 w 992094"/>
-              <a:gd name="connsiteY12" fmla="*/ 543860 h 1207247"/>
-              <a:gd name="connsiteX13" fmla="*/ 633506 w 992094"/>
-              <a:gd name="connsiteY13" fmla="*/ 472141 h 1207247"/>
-              <a:gd name="connsiteX14" fmla="*/ 699247 w 992094"/>
-              <a:gd name="connsiteY14" fmla="*/ 400424 h 1207247"/>
-              <a:gd name="connsiteX15" fmla="*/ 788894 w 992094"/>
-              <a:gd name="connsiteY15" fmla="*/ 304800 h 1207247"/>
-              <a:gd name="connsiteX16" fmla="*/ 842683 w 992094"/>
-              <a:gd name="connsiteY16" fmla="*/ 227106 h 1207247"/>
-              <a:gd name="connsiteX17" fmla="*/ 890494 w 992094"/>
-              <a:gd name="connsiteY17" fmla="*/ 173318 h 1207247"/>
-              <a:gd name="connsiteX18" fmla="*/ 938306 w 992094"/>
-              <a:gd name="connsiteY18" fmla="*/ 53788 h 1207247"/>
-              <a:gd name="connsiteX19" fmla="*/ 992094 w 992094"/>
-              <a:gd name="connsiteY19" fmla="*/ 0 h 1207247"/>
-              <a:gd name="connsiteX0" fmla="*/ 0 w 992094"/>
-              <a:gd name="connsiteY0" fmla="*/ 1207247 h 1207247"/>
-              <a:gd name="connsiteX1" fmla="*/ 29883 w 992094"/>
-              <a:gd name="connsiteY1" fmla="*/ 1129553 h 1207247"/>
-              <a:gd name="connsiteX2" fmla="*/ 47812 w 992094"/>
-              <a:gd name="connsiteY2" fmla="*/ 1075765 h 1207247"/>
-              <a:gd name="connsiteX3" fmla="*/ 89647 w 992094"/>
-              <a:gd name="connsiteY3" fmla="*/ 1010024 h 1207247"/>
-              <a:gd name="connsiteX4" fmla="*/ 167341 w 992094"/>
-              <a:gd name="connsiteY4" fmla="*/ 1010024 h 1207247"/>
-              <a:gd name="connsiteX5" fmla="*/ 245036 w 992094"/>
-              <a:gd name="connsiteY5" fmla="*/ 992094 h 1207247"/>
-              <a:gd name="connsiteX6" fmla="*/ 280894 w 992094"/>
-              <a:gd name="connsiteY6" fmla="*/ 962212 h 1207247"/>
-              <a:gd name="connsiteX7" fmla="*/ 316753 w 992094"/>
-              <a:gd name="connsiteY7" fmla="*/ 908424 h 1207247"/>
-              <a:gd name="connsiteX8" fmla="*/ 358589 w 992094"/>
-              <a:gd name="connsiteY8" fmla="*/ 842683 h 1207247"/>
-              <a:gd name="connsiteX9" fmla="*/ 382494 w 992094"/>
-              <a:gd name="connsiteY9" fmla="*/ 776941 h 1207247"/>
-              <a:gd name="connsiteX10" fmla="*/ 454212 w 992094"/>
-              <a:gd name="connsiteY10" fmla="*/ 693271 h 1207247"/>
-              <a:gd name="connsiteX11" fmla="*/ 519953 w 992094"/>
-              <a:gd name="connsiteY11" fmla="*/ 609600 h 1207247"/>
-              <a:gd name="connsiteX12" fmla="*/ 579718 w 992094"/>
-              <a:gd name="connsiteY12" fmla="*/ 543860 h 1207247"/>
-              <a:gd name="connsiteX13" fmla="*/ 639482 w 992094"/>
-              <a:gd name="connsiteY13" fmla="*/ 472141 h 1207247"/>
-              <a:gd name="connsiteX14" fmla="*/ 699247 w 992094"/>
-              <a:gd name="connsiteY14" fmla="*/ 400424 h 1207247"/>
-              <a:gd name="connsiteX15" fmla="*/ 788894 w 992094"/>
-              <a:gd name="connsiteY15" fmla="*/ 304800 h 1207247"/>
-              <a:gd name="connsiteX16" fmla="*/ 842683 w 992094"/>
-              <a:gd name="connsiteY16" fmla="*/ 227106 h 1207247"/>
-              <a:gd name="connsiteX17" fmla="*/ 890494 w 992094"/>
-              <a:gd name="connsiteY17" fmla="*/ 173318 h 1207247"/>
-              <a:gd name="connsiteX18" fmla="*/ 938306 w 992094"/>
-              <a:gd name="connsiteY18" fmla="*/ 53788 h 1207247"/>
-              <a:gd name="connsiteX19" fmla="*/ 992094 w 992094"/>
-              <a:gd name="connsiteY19" fmla="*/ 0 h 1207247"/>
-            </a:gdLst>
-            <a:ahLst/>
-            <a:cxnLst>
-              <a:cxn ang="0">
-                <a:pos x="connsiteX0" y="connsiteY0"/>
-              </a:cxn>
-              <a:cxn ang="0">
-                <a:pos x="connsiteX1" y="connsiteY1"/>
-              </a:cxn>
-              <a:cxn ang="0">
-                <a:pos x="connsiteX2" y="connsiteY2"/>
-              </a:cxn>
-              <a:cxn ang="0">
-                <a:pos x="connsiteX3" y="connsiteY3"/>
-              </a:cxn>
-              <a:cxn ang="0">
-                <a:pos x="connsiteX4" y="connsiteY4"/>
-              </a:cxn>
-              <a:cxn ang="0">
-                <a:pos x="connsiteX5" y="connsiteY5"/>
-              </a:cxn>
-              <a:cxn ang="0">
-                <a:pos x="connsiteX6" y="connsiteY6"/>
-              </a:cxn>
-              <a:cxn ang="0">
-                <a:pos x="connsiteX7" y="connsiteY7"/>
-              </a:cxn>
-              <a:cxn ang="0">
-                <a:pos x="connsiteX8" y="connsiteY8"/>
-              </a:cxn>
-              <a:cxn ang="0">
-                <a:pos x="connsiteX9" y="connsiteY9"/>
-              </a:cxn>
-              <a:cxn ang="0">
-                <a:pos x="connsiteX10" y="connsiteY10"/>
-              </a:cxn>
-              <a:cxn ang="0">
-                <a:pos x="connsiteX11" y="connsiteY11"/>
-              </a:cxn>
-              <a:cxn ang="0">
-                <a:pos x="connsiteX12" y="connsiteY12"/>
-              </a:cxn>
-              <a:cxn ang="0">
-                <a:pos x="connsiteX13" y="connsiteY13"/>
-              </a:cxn>
-              <a:cxn ang="0">
-                <a:pos x="connsiteX14" y="connsiteY14"/>
-              </a:cxn>
-              <a:cxn ang="0">
-                <a:pos x="connsiteX15" y="connsiteY15"/>
-              </a:cxn>
-              <a:cxn ang="0">
-                <a:pos x="connsiteX16" y="connsiteY16"/>
-              </a:cxn>
-              <a:cxn ang="0">
-                <a:pos x="connsiteX17" y="connsiteY17"/>
-              </a:cxn>
-              <a:cxn ang="0">
-                <a:pos x="connsiteX18" y="connsiteY18"/>
-              </a:cxn>
-              <a:cxn ang="0">
-                <a:pos x="connsiteX19" y="connsiteY19"/>
-              </a:cxn>
-            </a:cxnLst>
-            <a:rect l="l" t="t" r="r" b="b"/>
-            <a:pathLst>
-              <a:path w="992094" h="1207247">
-                <a:moveTo>
-                  <a:pt x="0" y="1207247"/>
-                </a:moveTo>
-                <a:cubicBezTo>
-                  <a:pt x="10957" y="1179357"/>
-                  <a:pt x="21914" y="1151467"/>
-                  <a:pt x="29883" y="1129553"/>
-                </a:cubicBezTo>
-                <a:cubicBezTo>
-                  <a:pt x="37852" y="1107639"/>
-                  <a:pt x="37851" y="1095686"/>
-                  <a:pt x="47812" y="1075765"/>
-                </a:cubicBezTo>
-                <a:cubicBezTo>
-                  <a:pt x="57773" y="1055844"/>
-                  <a:pt x="69726" y="1020981"/>
-                  <a:pt x="89647" y="1010024"/>
-                </a:cubicBezTo>
-                <a:cubicBezTo>
-                  <a:pt x="109568" y="999067"/>
-                  <a:pt x="141443" y="1013012"/>
-                  <a:pt x="167341" y="1010024"/>
-                </a:cubicBezTo>
-                <a:cubicBezTo>
-                  <a:pt x="193239" y="1007036"/>
-                  <a:pt x="226111" y="1000063"/>
-                  <a:pt x="245036" y="992094"/>
-                </a:cubicBezTo>
-                <a:cubicBezTo>
-                  <a:pt x="263961" y="984125"/>
-                  <a:pt x="268941" y="976157"/>
-                  <a:pt x="280894" y="962212"/>
-                </a:cubicBezTo>
-                <a:cubicBezTo>
-                  <a:pt x="292847" y="948267"/>
-                  <a:pt x="303804" y="928345"/>
-                  <a:pt x="316753" y="908424"/>
-                </a:cubicBezTo>
-                <a:cubicBezTo>
-                  <a:pt x="329702" y="888503"/>
-                  <a:pt x="347632" y="864597"/>
-                  <a:pt x="358589" y="842683"/>
-                </a:cubicBezTo>
-                <a:cubicBezTo>
-                  <a:pt x="369546" y="820769"/>
-                  <a:pt x="366557" y="801843"/>
-                  <a:pt x="382494" y="776941"/>
-                </a:cubicBezTo>
-                <a:cubicBezTo>
-                  <a:pt x="398431" y="752039"/>
-                  <a:pt x="431302" y="721161"/>
-                  <a:pt x="454212" y="693271"/>
-                </a:cubicBezTo>
-                <a:cubicBezTo>
-                  <a:pt x="477122" y="665381"/>
-                  <a:pt x="499035" y="634502"/>
-                  <a:pt x="519953" y="609600"/>
-                </a:cubicBezTo>
-                <a:cubicBezTo>
-                  <a:pt x="540871" y="584698"/>
-                  <a:pt x="559797" y="566770"/>
-                  <a:pt x="579718" y="543860"/>
-                </a:cubicBezTo>
-                <a:cubicBezTo>
-                  <a:pt x="599639" y="520950"/>
-                  <a:pt x="619561" y="496047"/>
-                  <a:pt x="639482" y="472141"/>
-                </a:cubicBezTo>
-                <a:cubicBezTo>
-                  <a:pt x="659403" y="448235"/>
-                  <a:pt x="674345" y="428314"/>
-                  <a:pt x="699247" y="400424"/>
-                </a:cubicBezTo>
-                <a:cubicBezTo>
-                  <a:pt x="724149" y="372534"/>
-                  <a:pt x="764988" y="333686"/>
-                  <a:pt x="788894" y="304800"/>
-                </a:cubicBezTo>
-                <a:cubicBezTo>
-                  <a:pt x="812800" y="275914"/>
-                  <a:pt x="825750" y="249020"/>
-                  <a:pt x="842683" y="227106"/>
-                </a:cubicBezTo>
-                <a:cubicBezTo>
-                  <a:pt x="859616" y="205192"/>
-                  <a:pt x="874557" y="202204"/>
-                  <a:pt x="890494" y="173318"/>
-                </a:cubicBezTo>
-                <a:cubicBezTo>
-                  <a:pt x="906431" y="144432"/>
-                  <a:pt x="921373" y="82674"/>
-                  <a:pt x="938306" y="53788"/>
-                </a:cubicBezTo>
-                <a:cubicBezTo>
-                  <a:pt x="955239" y="24902"/>
-                  <a:pt x="973666" y="12451"/>
-                  <a:pt x="992094" y="0"/>
-                </a:cubicBezTo>
-              </a:path>
-            </a:pathLst>
-          </a:custGeom>
-          <a:noFill/>
-          <a:ln w="38100">
-            <a:solidFill>
-              <a:srgbClr val="00B050"/>
-            </a:solidFill>
-          </a:ln>
-        </p:spPr>
-        <p:style>
-          <a:lnRef idx="2">
-            <a:schemeClr val="accent1">
-              <a:shade val="50000"/>
-            </a:schemeClr>
-          </a:lnRef>
-          <a:fillRef idx="1">
-            <a:schemeClr val="accent1"/>
-          </a:fillRef>
-          <a:effectRef idx="0">
-            <a:schemeClr val="accent1"/>
-          </a:effectRef>
-          <a:fontRef idx="minor">
-            <a:schemeClr val="lt1"/>
-          </a:fontRef>
-        </p:style>
-        <p:txBody>
-          <a:bodyPr rtlCol="0" anchor="ctr"/>
-          <a:lstStyle/>
-          <a:p>
-            <a:pPr algn="ctr"/>
-            <a:endParaRPr lang="ko-KR" altLang="en-US"/>
-          </a:p>
-        </p:txBody>
-      </p:sp>
-      <p:sp>
-        <p:nvSpPr>
-          <p:cNvPr id="27" name="자유형 26"/>
-          <p:cNvSpPr/>
-          <p:nvPr/>
-        </p:nvSpPr>
-        <p:spPr>
-          <a:xfrm>
-            <a:off x="5211482" y="4530165"/>
-            <a:ext cx="1207247" cy="600947"/>
-          </a:xfrm>
-          <a:custGeom>
-            <a:avLst/>
-            <a:gdLst>
-              <a:gd name="connsiteX0" fmla="*/ 0 w 1207247"/>
-              <a:gd name="connsiteY0" fmla="*/ 0 h 600947"/>
-              <a:gd name="connsiteX1" fmla="*/ 47812 w 1207247"/>
-              <a:gd name="connsiteY1" fmla="*/ 71717 h 600947"/>
-              <a:gd name="connsiteX2" fmla="*/ 83671 w 1207247"/>
-              <a:gd name="connsiteY2" fmla="*/ 113553 h 600947"/>
-              <a:gd name="connsiteX3" fmla="*/ 113553 w 1207247"/>
-              <a:gd name="connsiteY3" fmla="*/ 149411 h 600947"/>
-              <a:gd name="connsiteX4" fmla="*/ 131483 w 1207247"/>
-              <a:gd name="connsiteY4" fmla="*/ 221129 h 600947"/>
-              <a:gd name="connsiteX5" fmla="*/ 197224 w 1207247"/>
-              <a:gd name="connsiteY5" fmla="*/ 286870 h 600947"/>
-              <a:gd name="connsiteX6" fmla="*/ 227106 w 1207247"/>
-              <a:gd name="connsiteY6" fmla="*/ 352611 h 600947"/>
-              <a:gd name="connsiteX7" fmla="*/ 274918 w 1207247"/>
-              <a:gd name="connsiteY7" fmla="*/ 466164 h 600947"/>
-              <a:gd name="connsiteX8" fmla="*/ 316753 w 1207247"/>
-              <a:gd name="connsiteY8" fmla="*/ 537882 h 600947"/>
-              <a:gd name="connsiteX9" fmla="*/ 340659 w 1207247"/>
-              <a:gd name="connsiteY9" fmla="*/ 567764 h 600947"/>
-              <a:gd name="connsiteX10" fmla="*/ 388471 w 1207247"/>
-              <a:gd name="connsiteY10" fmla="*/ 591670 h 600947"/>
-              <a:gd name="connsiteX11" fmla="*/ 442259 w 1207247"/>
-              <a:gd name="connsiteY11" fmla="*/ 585694 h 600947"/>
-              <a:gd name="connsiteX12" fmla="*/ 519953 w 1207247"/>
-              <a:gd name="connsiteY12" fmla="*/ 567764 h 600947"/>
-              <a:gd name="connsiteX13" fmla="*/ 567765 w 1207247"/>
-              <a:gd name="connsiteY13" fmla="*/ 573741 h 600947"/>
-              <a:gd name="connsiteX14" fmla="*/ 663389 w 1207247"/>
-              <a:gd name="connsiteY14" fmla="*/ 591670 h 600947"/>
-              <a:gd name="connsiteX15" fmla="*/ 747059 w 1207247"/>
-              <a:gd name="connsiteY15" fmla="*/ 573741 h 600947"/>
-              <a:gd name="connsiteX16" fmla="*/ 824753 w 1207247"/>
-              <a:gd name="connsiteY16" fmla="*/ 561788 h 600947"/>
-              <a:gd name="connsiteX17" fmla="*/ 896471 w 1207247"/>
-              <a:gd name="connsiteY17" fmla="*/ 579717 h 600947"/>
-              <a:gd name="connsiteX18" fmla="*/ 902447 w 1207247"/>
-              <a:gd name="connsiteY18" fmla="*/ 597647 h 600947"/>
-              <a:gd name="connsiteX19" fmla="*/ 1010024 w 1207247"/>
-              <a:gd name="connsiteY19" fmla="*/ 508000 h 600947"/>
-              <a:gd name="connsiteX20" fmla="*/ 1207247 w 1207247"/>
-              <a:gd name="connsiteY20" fmla="*/ 418353 h 600947"/>
-            </a:gdLst>
-            <a:ahLst/>
-            <a:cxnLst>
-              <a:cxn ang="0">
-                <a:pos x="connsiteX0" y="connsiteY0"/>
-              </a:cxn>
-              <a:cxn ang="0">
-                <a:pos x="connsiteX1" y="connsiteY1"/>
-              </a:cxn>
-              <a:cxn ang="0">
-                <a:pos x="connsiteX2" y="connsiteY2"/>
-              </a:cxn>
-              <a:cxn ang="0">
-                <a:pos x="connsiteX3" y="connsiteY3"/>
-              </a:cxn>
-              <a:cxn ang="0">
-                <a:pos x="connsiteX4" y="connsiteY4"/>
-              </a:cxn>
-              <a:cxn ang="0">
-                <a:pos x="connsiteX5" y="connsiteY5"/>
-              </a:cxn>
-              <a:cxn ang="0">
-                <a:pos x="connsiteX6" y="connsiteY6"/>
-              </a:cxn>
-              <a:cxn ang="0">
-                <a:pos x="connsiteX7" y="connsiteY7"/>
-              </a:cxn>
-              <a:cxn ang="0">
-                <a:pos x="connsiteX8" y="connsiteY8"/>
-              </a:cxn>
-              <a:cxn ang="0">
-                <a:pos x="connsiteX9" y="connsiteY9"/>
-              </a:cxn>
-              <a:cxn ang="0">
-                <a:pos x="connsiteX10" y="connsiteY10"/>
-              </a:cxn>
-              <a:cxn ang="0">
-                <a:pos x="connsiteX11" y="connsiteY11"/>
-              </a:cxn>
-              <a:cxn ang="0">
-                <a:pos x="connsiteX12" y="connsiteY12"/>
-              </a:cxn>
-              <a:cxn ang="0">
-                <a:pos x="connsiteX13" y="connsiteY13"/>
-              </a:cxn>
-              <a:cxn ang="0">
-                <a:pos x="connsiteX14" y="connsiteY14"/>
-              </a:cxn>
-              <a:cxn ang="0">
-                <a:pos x="connsiteX15" y="connsiteY15"/>
-              </a:cxn>
-              <a:cxn ang="0">
-                <a:pos x="connsiteX16" y="connsiteY16"/>
-              </a:cxn>
-              <a:cxn ang="0">
-                <a:pos x="connsiteX17" y="connsiteY17"/>
-              </a:cxn>
-              <a:cxn ang="0">
-                <a:pos x="connsiteX18" y="connsiteY18"/>
-              </a:cxn>
-              <a:cxn ang="0">
-                <a:pos x="connsiteX19" y="connsiteY19"/>
-              </a:cxn>
-              <a:cxn ang="0">
-                <a:pos x="connsiteX20" y="connsiteY20"/>
-              </a:cxn>
-            </a:cxnLst>
-            <a:rect l="l" t="t" r="r" b="b"/>
-            <a:pathLst>
-              <a:path w="1207247" h="600947">
-                <a:moveTo>
-                  <a:pt x="0" y="0"/>
-                </a:moveTo>
-                <a:cubicBezTo>
-                  <a:pt x="16933" y="26396"/>
-                  <a:pt x="33867" y="52792"/>
-                  <a:pt x="47812" y="71717"/>
-                </a:cubicBezTo>
-                <a:cubicBezTo>
-                  <a:pt x="61757" y="90643"/>
-                  <a:pt x="72714" y="100604"/>
-                  <a:pt x="83671" y="113553"/>
-                </a:cubicBezTo>
-                <a:cubicBezTo>
-                  <a:pt x="94628" y="126502"/>
-                  <a:pt x="105584" y="131482"/>
-                  <a:pt x="113553" y="149411"/>
-                </a:cubicBezTo>
-                <a:cubicBezTo>
-                  <a:pt x="121522" y="167340"/>
-                  <a:pt x="117538" y="198219"/>
-                  <a:pt x="131483" y="221129"/>
-                </a:cubicBezTo>
-                <a:cubicBezTo>
-                  <a:pt x="145428" y="244039"/>
-                  <a:pt x="181287" y="264956"/>
-                  <a:pt x="197224" y="286870"/>
-                </a:cubicBezTo>
-                <a:cubicBezTo>
-                  <a:pt x="213161" y="308784"/>
-                  <a:pt x="214157" y="322729"/>
-                  <a:pt x="227106" y="352611"/>
-                </a:cubicBezTo>
-                <a:cubicBezTo>
-                  <a:pt x="240055" y="382493"/>
-                  <a:pt x="259977" y="435285"/>
-                  <a:pt x="274918" y="466164"/>
-                </a:cubicBezTo>
-                <a:cubicBezTo>
-                  <a:pt x="289859" y="497043"/>
-                  <a:pt x="305796" y="520949"/>
-                  <a:pt x="316753" y="537882"/>
-                </a:cubicBezTo>
-                <a:cubicBezTo>
-                  <a:pt x="327710" y="554815"/>
-                  <a:pt x="328706" y="558799"/>
-                  <a:pt x="340659" y="567764"/>
-                </a:cubicBezTo>
-                <a:cubicBezTo>
-                  <a:pt x="352612" y="576729"/>
-                  <a:pt x="371538" y="588682"/>
-                  <a:pt x="388471" y="591670"/>
-                </a:cubicBezTo>
-                <a:cubicBezTo>
-                  <a:pt x="405404" y="594658"/>
-                  <a:pt x="420345" y="589678"/>
-                  <a:pt x="442259" y="585694"/>
-                </a:cubicBezTo>
-                <a:cubicBezTo>
-                  <a:pt x="464173" y="581710"/>
-                  <a:pt x="499035" y="569756"/>
-                  <a:pt x="519953" y="567764"/>
-                </a:cubicBezTo>
-                <a:cubicBezTo>
-                  <a:pt x="540871" y="565772"/>
-                  <a:pt x="543859" y="569757"/>
-                  <a:pt x="567765" y="573741"/>
-                </a:cubicBezTo>
-                <a:cubicBezTo>
-                  <a:pt x="591671" y="577725"/>
-                  <a:pt x="633507" y="591670"/>
-                  <a:pt x="663389" y="591670"/>
-                </a:cubicBezTo>
-                <a:cubicBezTo>
-                  <a:pt x="693271" y="591670"/>
-                  <a:pt x="720165" y="578721"/>
-                  <a:pt x="747059" y="573741"/>
-                </a:cubicBezTo>
-                <a:cubicBezTo>
-                  <a:pt x="773953" y="568761"/>
-                  <a:pt x="799851" y="560792"/>
-                  <a:pt x="824753" y="561788"/>
-                </a:cubicBezTo>
-                <a:cubicBezTo>
-                  <a:pt x="849655" y="562784"/>
-                  <a:pt x="896471" y="579717"/>
-                  <a:pt x="896471" y="579717"/>
-                </a:cubicBezTo>
-                <a:cubicBezTo>
-                  <a:pt x="909420" y="585693"/>
-                  <a:pt x="883522" y="609600"/>
-                  <a:pt x="902447" y="597647"/>
-                </a:cubicBezTo>
-                <a:cubicBezTo>
-                  <a:pt x="921372" y="585694"/>
-                  <a:pt x="959224" y="537882"/>
-                  <a:pt x="1010024" y="508000"/>
-                </a:cubicBezTo>
-                <a:cubicBezTo>
-                  <a:pt x="1060824" y="478118"/>
-                  <a:pt x="1134035" y="448235"/>
-                  <a:pt x="1207247" y="418353"/>
+                  <a:pt x="-17270" y="394022"/>
+                  <a:pt x="35601" y="381475"/>
+                  <a:pt x="43373" y="351927"/>
+                </a:cubicBezTo>
+                <a:cubicBezTo>
+                  <a:pt x="51145" y="322379"/>
+                  <a:pt x="50673" y="276656"/>
+                  <a:pt x="52400" y="254296"/>
+                </a:cubicBezTo>
+                <a:cubicBezTo>
+                  <a:pt x="54127" y="231936"/>
+                  <a:pt x="44532" y="246715"/>
+                  <a:pt x="53734" y="217765"/>
+                </a:cubicBezTo>
+                <a:cubicBezTo>
+                  <a:pt x="62936" y="188815"/>
+                  <a:pt x="101042" y="98634"/>
+                  <a:pt x="107614" y="80596"/>
+                </a:cubicBezTo>
+                <a:cubicBezTo>
+                  <a:pt x="114187" y="62558"/>
+                  <a:pt x="128914" y="6289"/>
+                  <a:pt x="131269" y="0"/>
                 </a:cubicBezTo>
               </a:path>
             </a:pathLst>
@@ -10499,6 +9915,1210 @@
           </a:p>
         </p:txBody>
       </p:sp>
+      <p:sp>
+        <p:nvSpPr>
+          <p:cNvPr id="10" name="자유형 9"/>
+          <p:cNvSpPr/>
+          <p:nvPr/>
+        </p:nvSpPr>
+        <p:spPr>
+          <a:xfrm>
+            <a:off x="4218940" y="5394114"/>
+            <a:ext cx="332958" cy="310726"/>
+          </a:xfrm>
+          <a:custGeom>
+            <a:avLst/>
+            <a:gdLst>
+              <a:gd name="connsiteX0" fmla="*/ 0 w 332958"/>
+              <a:gd name="connsiteY0" fmla="*/ 310726 h 310726"/>
+              <a:gd name="connsiteX1" fmla="*/ 35560 w 332958"/>
+              <a:gd name="connsiteY1" fmla="*/ 265006 h 310726"/>
+              <a:gd name="connsiteX2" fmla="*/ 33020 w 332958"/>
+              <a:gd name="connsiteY2" fmla="*/ 204046 h 310726"/>
+              <a:gd name="connsiteX3" fmla="*/ 63500 w 332958"/>
+              <a:gd name="connsiteY3" fmla="*/ 158326 h 310726"/>
+              <a:gd name="connsiteX4" fmla="*/ 147320 w 332958"/>
+              <a:gd name="connsiteY4" fmla="*/ 148166 h 310726"/>
+              <a:gd name="connsiteX5" fmla="*/ 231140 w 332958"/>
+              <a:gd name="connsiteY5" fmla="*/ 130386 h 310726"/>
+              <a:gd name="connsiteX6" fmla="*/ 297180 w 332958"/>
+              <a:gd name="connsiteY6" fmla="*/ 61806 h 310726"/>
+              <a:gd name="connsiteX7" fmla="*/ 327660 w 332958"/>
+              <a:gd name="connsiteY7" fmla="*/ 8466 h 310726"/>
+              <a:gd name="connsiteX8" fmla="*/ 332740 w 332958"/>
+              <a:gd name="connsiteY8" fmla="*/ 846 h 310726"/>
+            </a:gdLst>
+            <a:ahLst/>
+            <a:cxnLst>
+              <a:cxn ang="0">
+                <a:pos x="connsiteX0" y="connsiteY0"/>
+              </a:cxn>
+              <a:cxn ang="0">
+                <a:pos x="connsiteX1" y="connsiteY1"/>
+              </a:cxn>
+              <a:cxn ang="0">
+                <a:pos x="connsiteX2" y="connsiteY2"/>
+              </a:cxn>
+              <a:cxn ang="0">
+                <a:pos x="connsiteX3" y="connsiteY3"/>
+              </a:cxn>
+              <a:cxn ang="0">
+                <a:pos x="connsiteX4" y="connsiteY4"/>
+              </a:cxn>
+              <a:cxn ang="0">
+                <a:pos x="connsiteX5" y="connsiteY5"/>
+              </a:cxn>
+              <a:cxn ang="0">
+                <a:pos x="connsiteX6" y="connsiteY6"/>
+              </a:cxn>
+              <a:cxn ang="0">
+                <a:pos x="connsiteX7" y="connsiteY7"/>
+              </a:cxn>
+              <a:cxn ang="0">
+                <a:pos x="connsiteX8" y="connsiteY8"/>
+              </a:cxn>
+            </a:cxnLst>
+            <a:rect l="l" t="t" r="r" b="b"/>
+            <a:pathLst>
+              <a:path w="332958" h="310726">
+                <a:moveTo>
+                  <a:pt x="0" y="310726"/>
+                </a:moveTo>
+                <a:cubicBezTo>
+                  <a:pt x="15028" y="296756"/>
+                  <a:pt x="30057" y="282786"/>
+                  <a:pt x="35560" y="265006"/>
+                </a:cubicBezTo>
+                <a:cubicBezTo>
+                  <a:pt x="41063" y="247226"/>
+                  <a:pt x="28363" y="221826"/>
+                  <a:pt x="33020" y="204046"/>
+                </a:cubicBezTo>
+                <a:cubicBezTo>
+                  <a:pt x="37677" y="186266"/>
+                  <a:pt x="44450" y="167639"/>
+                  <a:pt x="63500" y="158326"/>
+                </a:cubicBezTo>
+                <a:cubicBezTo>
+                  <a:pt x="82550" y="149013"/>
+                  <a:pt x="119380" y="152823"/>
+                  <a:pt x="147320" y="148166"/>
+                </a:cubicBezTo>
+                <a:cubicBezTo>
+                  <a:pt x="175260" y="143509"/>
+                  <a:pt x="206163" y="144779"/>
+                  <a:pt x="231140" y="130386"/>
+                </a:cubicBezTo>
+                <a:cubicBezTo>
+                  <a:pt x="256117" y="115993"/>
+                  <a:pt x="281093" y="82126"/>
+                  <a:pt x="297180" y="61806"/>
+                </a:cubicBezTo>
+                <a:cubicBezTo>
+                  <a:pt x="313267" y="41486"/>
+                  <a:pt x="327660" y="8466"/>
+                  <a:pt x="327660" y="8466"/>
+                </a:cubicBezTo>
+                <a:cubicBezTo>
+                  <a:pt x="333587" y="-1694"/>
+                  <a:pt x="333163" y="-424"/>
+                  <a:pt x="332740" y="846"/>
+                </a:cubicBezTo>
+              </a:path>
+            </a:pathLst>
+          </a:custGeom>
+          <a:noFill/>
+          <a:ln w="38100">
+            <a:solidFill>
+              <a:srgbClr val="00B050"/>
+            </a:solidFill>
+          </a:ln>
+        </p:spPr>
+        <p:style>
+          <a:lnRef idx="2">
+            <a:schemeClr val="accent1">
+              <a:shade val="50000"/>
+            </a:schemeClr>
+          </a:lnRef>
+          <a:fillRef idx="1">
+            <a:schemeClr val="accent1"/>
+          </a:fillRef>
+          <a:effectRef idx="0">
+            <a:schemeClr val="accent1"/>
+          </a:effectRef>
+          <a:fontRef idx="minor">
+            <a:schemeClr val="lt1"/>
+          </a:fontRef>
+        </p:style>
+        <p:txBody>
+          <a:bodyPr rtlCol="0" anchor="ctr"/>
+          <a:lstStyle/>
+          <a:p>
+            <a:pPr algn="ctr"/>
+            <a:endParaRPr lang="ko-KR" altLang="en-US"/>
+          </a:p>
+        </p:txBody>
+      </p:sp>
+      <p:sp>
+        <p:nvSpPr>
+          <p:cNvPr id="11" name="자유형 10"/>
+          <p:cNvSpPr/>
+          <p:nvPr/>
+        </p:nvSpPr>
+        <p:spPr>
+          <a:xfrm>
+            <a:off x="4549140" y="5254886"/>
+            <a:ext cx="1201420" cy="389149"/>
+          </a:xfrm>
+          <a:custGeom>
+            <a:avLst/>
+            <a:gdLst>
+              <a:gd name="connsiteX0" fmla="*/ 0 w 1115060"/>
+              <a:gd name="connsiteY0" fmla="*/ 145154 h 389149"/>
+              <a:gd name="connsiteX1" fmla="*/ 76200 w 1115060"/>
+              <a:gd name="connsiteY1" fmla="*/ 134994 h 389149"/>
+              <a:gd name="connsiteX2" fmla="*/ 121920 w 1115060"/>
+              <a:gd name="connsiteY2" fmla="*/ 117214 h 389149"/>
+              <a:gd name="connsiteX3" fmla="*/ 149860 w 1115060"/>
+              <a:gd name="connsiteY3" fmla="*/ 96894 h 389149"/>
+              <a:gd name="connsiteX4" fmla="*/ 208280 w 1115060"/>
+              <a:gd name="connsiteY4" fmla="*/ 63874 h 389149"/>
+              <a:gd name="connsiteX5" fmla="*/ 223520 w 1115060"/>
+              <a:gd name="connsiteY5" fmla="*/ 33394 h 389149"/>
+              <a:gd name="connsiteX6" fmla="*/ 266700 w 1115060"/>
+              <a:gd name="connsiteY6" fmla="*/ 374 h 389149"/>
+              <a:gd name="connsiteX7" fmla="*/ 297180 w 1115060"/>
+              <a:gd name="connsiteY7" fmla="*/ 56254 h 389149"/>
+              <a:gd name="connsiteX8" fmla="*/ 325120 w 1115060"/>
+              <a:gd name="connsiteY8" fmla="*/ 104514 h 389149"/>
+              <a:gd name="connsiteX9" fmla="*/ 353060 w 1115060"/>
+              <a:gd name="connsiteY9" fmla="*/ 114674 h 389149"/>
+              <a:gd name="connsiteX10" fmla="*/ 447040 w 1115060"/>
+              <a:gd name="connsiteY10" fmla="*/ 137534 h 389149"/>
+              <a:gd name="connsiteX11" fmla="*/ 543560 w 1115060"/>
+              <a:gd name="connsiteY11" fmla="*/ 157854 h 389149"/>
+              <a:gd name="connsiteX12" fmla="*/ 617220 w 1115060"/>
+              <a:gd name="connsiteY12" fmla="*/ 185794 h 389149"/>
+              <a:gd name="connsiteX13" fmla="*/ 665480 w 1115060"/>
+              <a:gd name="connsiteY13" fmla="*/ 203574 h 389149"/>
+              <a:gd name="connsiteX14" fmla="*/ 731520 w 1115060"/>
+              <a:gd name="connsiteY14" fmla="*/ 226434 h 389149"/>
+              <a:gd name="connsiteX15" fmla="*/ 754380 w 1115060"/>
+              <a:gd name="connsiteY15" fmla="*/ 259454 h 389149"/>
+              <a:gd name="connsiteX16" fmla="*/ 769620 w 1115060"/>
+              <a:gd name="connsiteY16" fmla="*/ 292474 h 389149"/>
+              <a:gd name="connsiteX17" fmla="*/ 779780 w 1115060"/>
+              <a:gd name="connsiteY17" fmla="*/ 322954 h 389149"/>
+              <a:gd name="connsiteX18" fmla="*/ 789940 w 1115060"/>
+              <a:gd name="connsiteY18" fmla="*/ 361054 h 389149"/>
+              <a:gd name="connsiteX19" fmla="*/ 802640 w 1115060"/>
+              <a:gd name="connsiteY19" fmla="*/ 381374 h 389149"/>
+              <a:gd name="connsiteX20" fmla="*/ 863600 w 1115060"/>
+              <a:gd name="connsiteY20" fmla="*/ 386454 h 389149"/>
+              <a:gd name="connsiteX21" fmla="*/ 909320 w 1115060"/>
+              <a:gd name="connsiteY21" fmla="*/ 340734 h 389149"/>
+              <a:gd name="connsiteX22" fmla="*/ 1005840 w 1115060"/>
+              <a:gd name="connsiteY22" fmla="*/ 310254 h 389149"/>
+              <a:gd name="connsiteX23" fmla="*/ 1049020 w 1115060"/>
+              <a:gd name="connsiteY23" fmla="*/ 274694 h 389149"/>
+              <a:gd name="connsiteX24" fmla="*/ 1115060 w 1115060"/>
+              <a:gd name="connsiteY24" fmla="*/ 239134 h 389149"/>
+              <a:gd name="connsiteX25" fmla="*/ 1115060 w 1115060"/>
+              <a:gd name="connsiteY25" fmla="*/ 239134 h 389149"/>
+              <a:gd name="connsiteX0" fmla="*/ 0 w 1115060"/>
+              <a:gd name="connsiteY0" fmla="*/ 145154 h 389149"/>
+              <a:gd name="connsiteX1" fmla="*/ 76200 w 1115060"/>
+              <a:gd name="connsiteY1" fmla="*/ 134994 h 389149"/>
+              <a:gd name="connsiteX2" fmla="*/ 121920 w 1115060"/>
+              <a:gd name="connsiteY2" fmla="*/ 117214 h 389149"/>
+              <a:gd name="connsiteX3" fmla="*/ 149860 w 1115060"/>
+              <a:gd name="connsiteY3" fmla="*/ 96894 h 389149"/>
+              <a:gd name="connsiteX4" fmla="*/ 208280 w 1115060"/>
+              <a:gd name="connsiteY4" fmla="*/ 63874 h 389149"/>
+              <a:gd name="connsiteX5" fmla="*/ 223520 w 1115060"/>
+              <a:gd name="connsiteY5" fmla="*/ 33394 h 389149"/>
+              <a:gd name="connsiteX6" fmla="*/ 266700 w 1115060"/>
+              <a:gd name="connsiteY6" fmla="*/ 374 h 389149"/>
+              <a:gd name="connsiteX7" fmla="*/ 297180 w 1115060"/>
+              <a:gd name="connsiteY7" fmla="*/ 56254 h 389149"/>
+              <a:gd name="connsiteX8" fmla="*/ 325120 w 1115060"/>
+              <a:gd name="connsiteY8" fmla="*/ 104514 h 389149"/>
+              <a:gd name="connsiteX9" fmla="*/ 353060 w 1115060"/>
+              <a:gd name="connsiteY9" fmla="*/ 114674 h 389149"/>
+              <a:gd name="connsiteX10" fmla="*/ 447040 w 1115060"/>
+              <a:gd name="connsiteY10" fmla="*/ 137534 h 389149"/>
+              <a:gd name="connsiteX11" fmla="*/ 543560 w 1115060"/>
+              <a:gd name="connsiteY11" fmla="*/ 157854 h 389149"/>
+              <a:gd name="connsiteX12" fmla="*/ 617220 w 1115060"/>
+              <a:gd name="connsiteY12" fmla="*/ 185794 h 389149"/>
+              <a:gd name="connsiteX13" fmla="*/ 665480 w 1115060"/>
+              <a:gd name="connsiteY13" fmla="*/ 203574 h 389149"/>
+              <a:gd name="connsiteX14" fmla="*/ 731520 w 1115060"/>
+              <a:gd name="connsiteY14" fmla="*/ 226434 h 389149"/>
+              <a:gd name="connsiteX15" fmla="*/ 754380 w 1115060"/>
+              <a:gd name="connsiteY15" fmla="*/ 259454 h 389149"/>
+              <a:gd name="connsiteX16" fmla="*/ 769620 w 1115060"/>
+              <a:gd name="connsiteY16" fmla="*/ 292474 h 389149"/>
+              <a:gd name="connsiteX17" fmla="*/ 779780 w 1115060"/>
+              <a:gd name="connsiteY17" fmla="*/ 322954 h 389149"/>
+              <a:gd name="connsiteX18" fmla="*/ 789940 w 1115060"/>
+              <a:gd name="connsiteY18" fmla="*/ 361054 h 389149"/>
+              <a:gd name="connsiteX19" fmla="*/ 802640 w 1115060"/>
+              <a:gd name="connsiteY19" fmla="*/ 381374 h 389149"/>
+              <a:gd name="connsiteX20" fmla="*/ 863600 w 1115060"/>
+              <a:gd name="connsiteY20" fmla="*/ 386454 h 389149"/>
+              <a:gd name="connsiteX21" fmla="*/ 909320 w 1115060"/>
+              <a:gd name="connsiteY21" fmla="*/ 340734 h 389149"/>
+              <a:gd name="connsiteX22" fmla="*/ 1023620 w 1115060"/>
+              <a:gd name="connsiteY22" fmla="*/ 345814 h 389149"/>
+              <a:gd name="connsiteX23" fmla="*/ 1049020 w 1115060"/>
+              <a:gd name="connsiteY23" fmla="*/ 274694 h 389149"/>
+              <a:gd name="connsiteX24" fmla="*/ 1115060 w 1115060"/>
+              <a:gd name="connsiteY24" fmla="*/ 239134 h 389149"/>
+              <a:gd name="connsiteX25" fmla="*/ 1115060 w 1115060"/>
+              <a:gd name="connsiteY25" fmla="*/ 239134 h 389149"/>
+              <a:gd name="connsiteX0" fmla="*/ 0 w 1115060"/>
+              <a:gd name="connsiteY0" fmla="*/ 145154 h 389149"/>
+              <a:gd name="connsiteX1" fmla="*/ 76200 w 1115060"/>
+              <a:gd name="connsiteY1" fmla="*/ 134994 h 389149"/>
+              <a:gd name="connsiteX2" fmla="*/ 121920 w 1115060"/>
+              <a:gd name="connsiteY2" fmla="*/ 117214 h 389149"/>
+              <a:gd name="connsiteX3" fmla="*/ 149860 w 1115060"/>
+              <a:gd name="connsiteY3" fmla="*/ 96894 h 389149"/>
+              <a:gd name="connsiteX4" fmla="*/ 208280 w 1115060"/>
+              <a:gd name="connsiteY4" fmla="*/ 63874 h 389149"/>
+              <a:gd name="connsiteX5" fmla="*/ 223520 w 1115060"/>
+              <a:gd name="connsiteY5" fmla="*/ 33394 h 389149"/>
+              <a:gd name="connsiteX6" fmla="*/ 266700 w 1115060"/>
+              <a:gd name="connsiteY6" fmla="*/ 374 h 389149"/>
+              <a:gd name="connsiteX7" fmla="*/ 297180 w 1115060"/>
+              <a:gd name="connsiteY7" fmla="*/ 56254 h 389149"/>
+              <a:gd name="connsiteX8" fmla="*/ 325120 w 1115060"/>
+              <a:gd name="connsiteY8" fmla="*/ 104514 h 389149"/>
+              <a:gd name="connsiteX9" fmla="*/ 353060 w 1115060"/>
+              <a:gd name="connsiteY9" fmla="*/ 114674 h 389149"/>
+              <a:gd name="connsiteX10" fmla="*/ 447040 w 1115060"/>
+              <a:gd name="connsiteY10" fmla="*/ 137534 h 389149"/>
+              <a:gd name="connsiteX11" fmla="*/ 543560 w 1115060"/>
+              <a:gd name="connsiteY11" fmla="*/ 157854 h 389149"/>
+              <a:gd name="connsiteX12" fmla="*/ 617220 w 1115060"/>
+              <a:gd name="connsiteY12" fmla="*/ 185794 h 389149"/>
+              <a:gd name="connsiteX13" fmla="*/ 665480 w 1115060"/>
+              <a:gd name="connsiteY13" fmla="*/ 203574 h 389149"/>
+              <a:gd name="connsiteX14" fmla="*/ 731520 w 1115060"/>
+              <a:gd name="connsiteY14" fmla="*/ 226434 h 389149"/>
+              <a:gd name="connsiteX15" fmla="*/ 754380 w 1115060"/>
+              <a:gd name="connsiteY15" fmla="*/ 259454 h 389149"/>
+              <a:gd name="connsiteX16" fmla="*/ 769620 w 1115060"/>
+              <a:gd name="connsiteY16" fmla="*/ 292474 h 389149"/>
+              <a:gd name="connsiteX17" fmla="*/ 779780 w 1115060"/>
+              <a:gd name="connsiteY17" fmla="*/ 322954 h 389149"/>
+              <a:gd name="connsiteX18" fmla="*/ 789940 w 1115060"/>
+              <a:gd name="connsiteY18" fmla="*/ 361054 h 389149"/>
+              <a:gd name="connsiteX19" fmla="*/ 802640 w 1115060"/>
+              <a:gd name="connsiteY19" fmla="*/ 381374 h 389149"/>
+              <a:gd name="connsiteX20" fmla="*/ 863600 w 1115060"/>
+              <a:gd name="connsiteY20" fmla="*/ 386454 h 389149"/>
+              <a:gd name="connsiteX21" fmla="*/ 909320 w 1115060"/>
+              <a:gd name="connsiteY21" fmla="*/ 340734 h 389149"/>
+              <a:gd name="connsiteX22" fmla="*/ 1023620 w 1115060"/>
+              <a:gd name="connsiteY22" fmla="*/ 345814 h 389149"/>
+              <a:gd name="connsiteX23" fmla="*/ 1092200 w 1115060"/>
+              <a:gd name="connsiteY23" fmla="*/ 348354 h 389149"/>
+              <a:gd name="connsiteX24" fmla="*/ 1115060 w 1115060"/>
+              <a:gd name="connsiteY24" fmla="*/ 239134 h 389149"/>
+              <a:gd name="connsiteX25" fmla="*/ 1115060 w 1115060"/>
+              <a:gd name="connsiteY25" fmla="*/ 239134 h 389149"/>
+              <a:gd name="connsiteX0" fmla="*/ 0 w 1150620"/>
+              <a:gd name="connsiteY0" fmla="*/ 145154 h 389149"/>
+              <a:gd name="connsiteX1" fmla="*/ 76200 w 1150620"/>
+              <a:gd name="connsiteY1" fmla="*/ 134994 h 389149"/>
+              <a:gd name="connsiteX2" fmla="*/ 121920 w 1150620"/>
+              <a:gd name="connsiteY2" fmla="*/ 117214 h 389149"/>
+              <a:gd name="connsiteX3" fmla="*/ 149860 w 1150620"/>
+              <a:gd name="connsiteY3" fmla="*/ 96894 h 389149"/>
+              <a:gd name="connsiteX4" fmla="*/ 208280 w 1150620"/>
+              <a:gd name="connsiteY4" fmla="*/ 63874 h 389149"/>
+              <a:gd name="connsiteX5" fmla="*/ 223520 w 1150620"/>
+              <a:gd name="connsiteY5" fmla="*/ 33394 h 389149"/>
+              <a:gd name="connsiteX6" fmla="*/ 266700 w 1150620"/>
+              <a:gd name="connsiteY6" fmla="*/ 374 h 389149"/>
+              <a:gd name="connsiteX7" fmla="*/ 297180 w 1150620"/>
+              <a:gd name="connsiteY7" fmla="*/ 56254 h 389149"/>
+              <a:gd name="connsiteX8" fmla="*/ 325120 w 1150620"/>
+              <a:gd name="connsiteY8" fmla="*/ 104514 h 389149"/>
+              <a:gd name="connsiteX9" fmla="*/ 353060 w 1150620"/>
+              <a:gd name="connsiteY9" fmla="*/ 114674 h 389149"/>
+              <a:gd name="connsiteX10" fmla="*/ 447040 w 1150620"/>
+              <a:gd name="connsiteY10" fmla="*/ 137534 h 389149"/>
+              <a:gd name="connsiteX11" fmla="*/ 543560 w 1150620"/>
+              <a:gd name="connsiteY11" fmla="*/ 157854 h 389149"/>
+              <a:gd name="connsiteX12" fmla="*/ 617220 w 1150620"/>
+              <a:gd name="connsiteY12" fmla="*/ 185794 h 389149"/>
+              <a:gd name="connsiteX13" fmla="*/ 665480 w 1150620"/>
+              <a:gd name="connsiteY13" fmla="*/ 203574 h 389149"/>
+              <a:gd name="connsiteX14" fmla="*/ 731520 w 1150620"/>
+              <a:gd name="connsiteY14" fmla="*/ 226434 h 389149"/>
+              <a:gd name="connsiteX15" fmla="*/ 754380 w 1150620"/>
+              <a:gd name="connsiteY15" fmla="*/ 259454 h 389149"/>
+              <a:gd name="connsiteX16" fmla="*/ 769620 w 1150620"/>
+              <a:gd name="connsiteY16" fmla="*/ 292474 h 389149"/>
+              <a:gd name="connsiteX17" fmla="*/ 779780 w 1150620"/>
+              <a:gd name="connsiteY17" fmla="*/ 322954 h 389149"/>
+              <a:gd name="connsiteX18" fmla="*/ 789940 w 1150620"/>
+              <a:gd name="connsiteY18" fmla="*/ 361054 h 389149"/>
+              <a:gd name="connsiteX19" fmla="*/ 802640 w 1150620"/>
+              <a:gd name="connsiteY19" fmla="*/ 381374 h 389149"/>
+              <a:gd name="connsiteX20" fmla="*/ 863600 w 1150620"/>
+              <a:gd name="connsiteY20" fmla="*/ 386454 h 389149"/>
+              <a:gd name="connsiteX21" fmla="*/ 909320 w 1150620"/>
+              <a:gd name="connsiteY21" fmla="*/ 340734 h 389149"/>
+              <a:gd name="connsiteX22" fmla="*/ 1023620 w 1150620"/>
+              <a:gd name="connsiteY22" fmla="*/ 345814 h 389149"/>
+              <a:gd name="connsiteX23" fmla="*/ 1092200 w 1150620"/>
+              <a:gd name="connsiteY23" fmla="*/ 348354 h 389149"/>
+              <a:gd name="connsiteX24" fmla="*/ 1115060 w 1150620"/>
+              <a:gd name="connsiteY24" fmla="*/ 239134 h 389149"/>
+              <a:gd name="connsiteX25" fmla="*/ 1150620 w 1150620"/>
+              <a:gd name="connsiteY25" fmla="*/ 307714 h 389149"/>
+              <a:gd name="connsiteX0" fmla="*/ 0 w 1150620"/>
+              <a:gd name="connsiteY0" fmla="*/ 145154 h 389149"/>
+              <a:gd name="connsiteX1" fmla="*/ 76200 w 1150620"/>
+              <a:gd name="connsiteY1" fmla="*/ 134994 h 389149"/>
+              <a:gd name="connsiteX2" fmla="*/ 121920 w 1150620"/>
+              <a:gd name="connsiteY2" fmla="*/ 117214 h 389149"/>
+              <a:gd name="connsiteX3" fmla="*/ 149860 w 1150620"/>
+              <a:gd name="connsiteY3" fmla="*/ 96894 h 389149"/>
+              <a:gd name="connsiteX4" fmla="*/ 208280 w 1150620"/>
+              <a:gd name="connsiteY4" fmla="*/ 63874 h 389149"/>
+              <a:gd name="connsiteX5" fmla="*/ 223520 w 1150620"/>
+              <a:gd name="connsiteY5" fmla="*/ 33394 h 389149"/>
+              <a:gd name="connsiteX6" fmla="*/ 266700 w 1150620"/>
+              <a:gd name="connsiteY6" fmla="*/ 374 h 389149"/>
+              <a:gd name="connsiteX7" fmla="*/ 297180 w 1150620"/>
+              <a:gd name="connsiteY7" fmla="*/ 56254 h 389149"/>
+              <a:gd name="connsiteX8" fmla="*/ 325120 w 1150620"/>
+              <a:gd name="connsiteY8" fmla="*/ 104514 h 389149"/>
+              <a:gd name="connsiteX9" fmla="*/ 353060 w 1150620"/>
+              <a:gd name="connsiteY9" fmla="*/ 114674 h 389149"/>
+              <a:gd name="connsiteX10" fmla="*/ 447040 w 1150620"/>
+              <a:gd name="connsiteY10" fmla="*/ 137534 h 389149"/>
+              <a:gd name="connsiteX11" fmla="*/ 543560 w 1150620"/>
+              <a:gd name="connsiteY11" fmla="*/ 157854 h 389149"/>
+              <a:gd name="connsiteX12" fmla="*/ 617220 w 1150620"/>
+              <a:gd name="connsiteY12" fmla="*/ 185794 h 389149"/>
+              <a:gd name="connsiteX13" fmla="*/ 665480 w 1150620"/>
+              <a:gd name="connsiteY13" fmla="*/ 203574 h 389149"/>
+              <a:gd name="connsiteX14" fmla="*/ 731520 w 1150620"/>
+              <a:gd name="connsiteY14" fmla="*/ 226434 h 389149"/>
+              <a:gd name="connsiteX15" fmla="*/ 754380 w 1150620"/>
+              <a:gd name="connsiteY15" fmla="*/ 259454 h 389149"/>
+              <a:gd name="connsiteX16" fmla="*/ 769620 w 1150620"/>
+              <a:gd name="connsiteY16" fmla="*/ 292474 h 389149"/>
+              <a:gd name="connsiteX17" fmla="*/ 779780 w 1150620"/>
+              <a:gd name="connsiteY17" fmla="*/ 322954 h 389149"/>
+              <a:gd name="connsiteX18" fmla="*/ 789940 w 1150620"/>
+              <a:gd name="connsiteY18" fmla="*/ 361054 h 389149"/>
+              <a:gd name="connsiteX19" fmla="*/ 802640 w 1150620"/>
+              <a:gd name="connsiteY19" fmla="*/ 381374 h 389149"/>
+              <a:gd name="connsiteX20" fmla="*/ 863600 w 1150620"/>
+              <a:gd name="connsiteY20" fmla="*/ 386454 h 389149"/>
+              <a:gd name="connsiteX21" fmla="*/ 909320 w 1150620"/>
+              <a:gd name="connsiteY21" fmla="*/ 340734 h 389149"/>
+              <a:gd name="connsiteX22" fmla="*/ 1023620 w 1150620"/>
+              <a:gd name="connsiteY22" fmla="*/ 345814 h 389149"/>
+              <a:gd name="connsiteX23" fmla="*/ 1092200 w 1150620"/>
+              <a:gd name="connsiteY23" fmla="*/ 348354 h 389149"/>
+              <a:gd name="connsiteX24" fmla="*/ 1120140 w 1150620"/>
+              <a:gd name="connsiteY24" fmla="*/ 302634 h 389149"/>
+              <a:gd name="connsiteX25" fmla="*/ 1150620 w 1150620"/>
+              <a:gd name="connsiteY25" fmla="*/ 307714 h 389149"/>
+              <a:gd name="connsiteX0" fmla="*/ 0 w 1201420"/>
+              <a:gd name="connsiteY0" fmla="*/ 145154 h 389149"/>
+              <a:gd name="connsiteX1" fmla="*/ 76200 w 1201420"/>
+              <a:gd name="connsiteY1" fmla="*/ 134994 h 389149"/>
+              <a:gd name="connsiteX2" fmla="*/ 121920 w 1201420"/>
+              <a:gd name="connsiteY2" fmla="*/ 117214 h 389149"/>
+              <a:gd name="connsiteX3" fmla="*/ 149860 w 1201420"/>
+              <a:gd name="connsiteY3" fmla="*/ 96894 h 389149"/>
+              <a:gd name="connsiteX4" fmla="*/ 208280 w 1201420"/>
+              <a:gd name="connsiteY4" fmla="*/ 63874 h 389149"/>
+              <a:gd name="connsiteX5" fmla="*/ 223520 w 1201420"/>
+              <a:gd name="connsiteY5" fmla="*/ 33394 h 389149"/>
+              <a:gd name="connsiteX6" fmla="*/ 266700 w 1201420"/>
+              <a:gd name="connsiteY6" fmla="*/ 374 h 389149"/>
+              <a:gd name="connsiteX7" fmla="*/ 297180 w 1201420"/>
+              <a:gd name="connsiteY7" fmla="*/ 56254 h 389149"/>
+              <a:gd name="connsiteX8" fmla="*/ 325120 w 1201420"/>
+              <a:gd name="connsiteY8" fmla="*/ 104514 h 389149"/>
+              <a:gd name="connsiteX9" fmla="*/ 353060 w 1201420"/>
+              <a:gd name="connsiteY9" fmla="*/ 114674 h 389149"/>
+              <a:gd name="connsiteX10" fmla="*/ 447040 w 1201420"/>
+              <a:gd name="connsiteY10" fmla="*/ 137534 h 389149"/>
+              <a:gd name="connsiteX11" fmla="*/ 543560 w 1201420"/>
+              <a:gd name="connsiteY11" fmla="*/ 157854 h 389149"/>
+              <a:gd name="connsiteX12" fmla="*/ 617220 w 1201420"/>
+              <a:gd name="connsiteY12" fmla="*/ 185794 h 389149"/>
+              <a:gd name="connsiteX13" fmla="*/ 665480 w 1201420"/>
+              <a:gd name="connsiteY13" fmla="*/ 203574 h 389149"/>
+              <a:gd name="connsiteX14" fmla="*/ 731520 w 1201420"/>
+              <a:gd name="connsiteY14" fmla="*/ 226434 h 389149"/>
+              <a:gd name="connsiteX15" fmla="*/ 754380 w 1201420"/>
+              <a:gd name="connsiteY15" fmla="*/ 259454 h 389149"/>
+              <a:gd name="connsiteX16" fmla="*/ 769620 w 1201420"/>
+              <a:gd name="connsiteY16" fmla="*/ 292474 h 389149"/>
+              <a:gd name="connsiteX17" fmla="*/ 779780 w 1201420"/>
+              <a:gd name="connsiteY17" fmla="*/ 322954 h 389149"/>
+              <a:gd name="connsiteX18" fmla="*/ 789940 w 1201420"/>
+              <a:gd name="connsiteY18" fmla="*/ 361054 h 389149"/>
+              <a:gd name="connsiteX19" fmla="*/ 802640 w 1201420"/>
+              <a:gd name="connsiteY19" fmla="*/ 381374 h 389149"/>
+              <a:gd name="connsiteX20" fmla="*/ 863600 w 1201420"/>
+              <a:gd name="connsiteY20" fmla="*/ 386454 h 389149"/>
+              <a:gd name="connsiteX21" fmla="*/ 909320 w 1201420"/>
+              <a:gd name="connsiteY21" fmla="*/ 340734 h 389149"/>
+              <a:gd name="connsiteX22" fmla="*/ 1023620 w 1201420"/>
+              <a:gd name="connsiteY22" fmla="*/ 345814 h 389149"/>
+              <a:gd name="connsiteX23" fmla="*/ 1092200 w 1201420"/>
+              <a:gd name="connsiteY23" fmla="*/ 348354 h 389149"/>
+              <a:gd name="connsiteX24" fmla="*/ 1120140 w 1201420"/>
+              <a:gd name="connsiteY24" fmla="*/ 302634 h 389149"/>
+              <a:gd name="connsiteX25" fmla="*/ 1201420 w 1201420"/>
+              <a:gd name="connsiteY25" fmla="*/ 279774 h 389149"/>
+              <a:gd name="connsiteX0" fmla="*/ 0 w 1201420"/>
+              <a:gd name="connsiteY0" fmla="*/ 145154 h 389149"/>
+              <a:gd name="connsiteX1" fmla="*/ 76200 w 1201420"/>
+              <a:gd name="connsiteY1" fmla="*/ 134994 h 389149"/>
+              <a:gd name="connsiteX2" fmla="*/ 121920 w 1201420"/>
+              <a:gd name="connsiteY2" fmla="*/ 117214 h 389149"/>
+              <a:gd name="connsiteX3" fmla="*/ 149860 w 1201420"/>
+              <a:gd name="connsiteY3" fmla="*/ 96894 h 389149"/>
+              <a:gd name="connsiteX4" fmla="*/ 208280 w 1201420"/>
+              <a:gd name="connsiteY4" fmla="*/ 63874 h 389149"/>
+              <a:gd name="connsiteX5" fmla="*/ 223520 w 1201420"/>
+              <a:gd name="connsiteY5" fmla="*/ 33394 h 389149"/>
+              <a:gd name="connsiteX6" fmla="*/ 266700 w 1201420"/>
+              <a:gd name="connsiteY6" fmla="*/ 374 h 389149"/>
+              <a:gd name="connsiteX7" fmla="*/ 297180 w 1201420"/>
+              <a:gd name="connsiteY7" fmla="*/ 56254 h 389149"/>
+              <a:gd name="connsiteX8" fmla="*/ 325120 w 1201420"/>
+              <a:gd name="connsiteY8" fmla="*/ 104514 h 389149"/>
+              <a:gd name="connsiteX9" fmla="*/ 353060 w 1201420"/>
+              <a:gd name="connsiteY9" fmla="*/ 114674 h 389149"/>
+              <a:gd name="connsiteX10" fmla="*/ 447040 w 1201420"/>
+              <a:gd name="connsiteY10" fmla="*/ 137534 h 389149"/>
+              <a:gd name="connsiteX11" fmla="*/ 543560 w 1201420"/>
+              <a:gd name="connsiteY11" fmla="*/ 157854 h 389149"/>
+              <a:gd name="connsiteX12" fmla="*/ 617220 w 1201420"/>
+              <a:gd name="connsiteY12" fmla="*/ 185794 h 389149"/>
+              <a:gd name="connsiteX13" fmla="*/ 665480 w 1201420"/>
+              <a:gd name="connsiteY13" fmla="*/ 203574 h 389149"/>
+              <a:gd name="connsiteX14" fmla="*/ 731520 w 1201420"/>
+              <a:gd name="connsiteY14" fmla="*/ 226434 h 389149"/>
+              <a:gd name="connsiteX15" fmla="*/ 754380 w 1201420"/>
+              <a:gd name="connsiteY15" fmla="*/ 259454 h 389149"/>
+              <a:gd name="connsiteX16" fmla="*/ 769620 w 1201420"/>
+              <a:gd name="connsiteY16" fmla="*/ 292474 h 389149"/>
+              <a:gd name="connsiteX17" fmla="*/ 779780 w 1201420"/>
+              <a:gd name="connsiteY17" fmla="*/ 322954 h 389149"/>
+              <a:gd name="connsiteX18" fmla="*/ 789940 w 1201420"/>
+              <a:gd name="connsiteY18" fmla="*/ 361054 h 389149"/>
+              <a:gd name="connsiteX19" fmla="*/ 802640 w 1201420"/>
+              <a:gd name="connsiteY19" fmla="*/ 381374 h 389149"/>
+              <a:gd name="connsiteX20" fmla="*/ 863600 w 1201420"/>
+              <a:gd name="connsiteY20" fmla="*/ 386454 h 389149"/>
+              <a:gd name="connsiteX21" fmla="*/ 909320 w 1201420"/>
+              <a:gd name="connsiteY21" fmla="*/ 340734 h 389149"/>
+              <a:gd name="connsiteX22" fmla="*/ 1023620 w 1201420"/>
+              <a:gd name="connsiteY22" fmla="*/ 345814 h 389149"/>
+              <a:gd name="connsiteX23" fmla="*/ 1092200 w 1201420"/>
+              <a:gd name="connsiteY23" fmla="*/ 348354 h 389149"/>
+              <a:gd name="connsiteX24" fmla="*/ 1148080 w 1201420"/>
+              <a:gd name="connsiteY24" fmla="*/ 322954 h 389149"/>
+              <a:gd name="connsiteX25" fmla="*/ 1201420 w 1201420"/>
+              <a:gd name="connsiteY25" fmla="*/ 279774 h 389149"/>
+            </a:gdLst>
+            <a:ahLst/>
+            <a:cxnLst>
+              <a:cxn ang="0">
+                <a:pos x="connsiteX0" y="connsiteY0"/>
+              </a:cxn>
+              <a:cxn ang="0">
+                <a:pos x="connsiteX1" y="connsiteY1"/>
+              </a:cxn>
+              <a:cxn ang="0">
+                <a:pos x="connsiteX2" y="connsiteY2"/>
+              </a:cxn>
+              <a:cxn ang="0">
+                <a:pos x="connsiteX3" y="connsiteY3"/>
+              </a:cxn>
+              <a:cxn ang="0">
+                <a:pos x="connsiteX4" y="connsiteY4"/>
+              </a:cxn>
+              <a:cxn ang="0">
+                <a:pos x="connsiteX5" y="connsiteY5"/>
+              </a:cxn>
+              <a:cxn ang="0">
+                <a:pos x="connsiteX6" y="connsiteY6"/>
+              </a:cxn>
+              <a:cxn ang="0">
+                <a:pos x="connsiteX7" y="connsiteY7"/>
+              </a:cxn>
+              <a:cxn ang="0">
+                <a:pos x="connsiteX8" y="connsiteY8"/>
+              </a:cxn>
+              <a:cxn ang="0">
+                <a:pos x="connsiteX9" y="connsiteY9"/>
+              </a:cxn>
+              <a:cxn ang="0">
+                <a:pos x="connsiteX10" y="connsiteY10"/>
+              </a:cxn>
+              <a:cxn ang="0">
+                <a:pos x="connsiteX11" y="connsiteY11"/>
+              </a:cxn>
+              <a:cxn ang="0">
+                <a:pos x="connsiteX12" y="connsiteY12"/>
+              </a:cxn>
+              <a:cxn ang="0">
+                <a:pos x="connsiteX13" y="connsiteY13"/>
+              </a:cxn>
+              <a:cxn ang="0">
+                <a:pos x="connsiteX14" y="connsiteY14"/>
+              </a:cxn>
+              <a:cxn ang="0">
+                <a:pos x="connsiteX15" y="connsiteY15"/>
+              </a:cxn>
+              <a:cxn ang="0">
+                <a:pos x="connsiteX16" y="connsiteY16"/>
+              </a:cxn>
+              <a:cxn ang="0">
+                <a:pos x="connsiteX17" y="connsiteY17"/>
+              </a:cxn>
+              <a:cxn ang="0">
+                <a:pos x="connsiteX18" y="connsiteY18"/>
+              </a:cxn>
+              <a:cxn ang="0">
+                <a:pos x="connsiteX19" y="connsiteY19"/>
+              </a:cxn>
+              <a:cxn ang="0">
+                <a:pos x="connsiteX20" y="connsiteY20"/>
+              </a:cxn>
+              <a:cxn ang="0">
+                <a:pos x="connsiteX21" y="connsiteY21"/>
+              </a:cxn>
+              <a:cxn ang="0">
+                <a:pos x="connsiteX22" y="connsiteY22"/>
+              </a:cxn>
+              <a:cxn ang="0">
+                <a:pos x="connsiteX23" y="connsiteY23"/>
+              </a:cxn>
+              <a:cxn ang="0">
+                <a:pos x="connsiteX24" y="connsiteY24"/>
+              </a:cxn>
+              <a:cxn ang="0">
+                <a:pos x="connsiteX25" y="connsiteY25"/>
+              </a:cxn>
+            </a:cxnLst>
+            <a:rect l="l" t="t" r="r" b="b"/>
+            <a:pathLst>
+              <a:path w="1201420" h="389149">
+                <a:moveTo>
+                  <a:pt x="0" y="145154"/>
+                </a:moveTo>
+                <a:cubicBezTo>
+                  <a:pt x="27940" y="142402"/>
+                  <a:pt x="55880" y="139651"/>
+                  <a:pt x="76200" y="134994"/>
+                </a:cubicBezTo>
+                <a:cubicBezTo>
+                  <a:pt x="96520" y="130337"/>
+                  <a:pt x="109643" y="123564"/>
+                  <a:pt x="121920" y="117214"/>
+                </a:cubicBezTo>
+                <a:cubicBezTo>
+                  <a:pt x="134197" y="110864"/>
+                  <a:pt x="135467" y="105784"/>
+                  <a:pt x="149860" y="96894"/>
+                </a:cubicBezTo>
+                <a:cubicBezTo>
+                  <a:pt x="164253" y="88004"/>
+                  <a:pt x="196003" y="74457"/>
+                  <a:pt x="208280" y="63874"/>
+                </a:cubicBezTo>
+                <a:cubicBezTo>
+                  <a:pt x="220557" y="53291"/>
+                  <a:pt x="213783" y="43977"/>
+                  <a:pt x="223520" y="33394"/>
+                </a:cubicBezTo>
+                <a:cubicBezTo>
+                  <a:pt x="233257" y="22811"/>
+                  <a:pt x="254423" y="-3436"/>
+                  <a:pt x="266700" y="374"/>
+                </a:cubicBezTo>
+                <a:cubicBezTo>
+                  <a:pt x="278977" y="4184"/>
+                  <a:pt x="287443" y="38897"/>
+                  <a:pt x="297180" y="56254"/>
+                </a:cubicBezTo>
+                <a:cubicBezTo>
+                  <a:pt x="306917" y="73611"/>
+                  <a:pt x="315807" y="94777"/>
+                  <a:pt x="325120" y="104514"/>
+                </a:cubicBezTo>
+                <a:cubicBezTo>
+                  <a:pt x="334433" y="114251"/>
+                  <a:pt x="332740" y="109171"/>
+                  <a:pt x="353060" y="114674"/>
+                </a:cubicBezTo>
+                <a:cubicBezTo>
+                  <a:pt x="373380" y="120177"/>
+                  <a:pt x="415290" y="130337"/>
+                  <a:pt x="447040" y="137534"/>
+                </a:cubicBezTo>
+                <a:cubicBezTo>
+                  <a:pt x="478790" y="144731"/>
+                  <a:pt x="515197" y="149811"/>
+                  <a:pt x="543560" y="157854"/>
+                </a:cubicBezTo>
+                <a:cubicBezTo>
+                  <a:pt x="571923" y="165897"/>
+                  <a:pt x="617220" y="185794"/>
+                  <a:pt x="617220" y="185794"/>
+                </a:cubicBezTo>
+                <a:lnTo>
+                  <a:pt x="665480" y="203574"/>
+                </a:lnTo>
+                <a:cubicBezTo>
+                  <a:pt x="684530" y="210347"/>
+                  <a:pt x="716703" y="217121"/>
+                  <a:pt x="731520" y="226434"/>
+                </a:cubicBezTo>
+                <a:cubicBezTo>
+                  <a:pt x="746337" y="235747"/>
+                  <a:pt x="748030" y="248447"/>
+                  <a:pt x="754380" y="259454"/>
+                </a:cubicBezTo>
+                <a:cubicBezTo>
+                  <a:pt x="760730" y="270461"/>
+                  <a:pt x="765387" y="281891"/>
+                  <a:pt x="769620" y="292474"/>
+                </a:cubicBezTo>
+                <a:cubicBezTo>
+                  <a:pt x="773853" y="303057"/>
+                  <a:pt x="776393" y="311524"/>
+                  <a:pt x="779780" y="322954"/>
+                </a:cubicBezTo>
+                <a:cubicBezTo>
+                  <a:pt x="783167" y="334384"/>
+                  <a:pt x="786130" y="351317"/>
+                  <a:pt x="789940" y="361054"/>
+                </a:cubicBezTo>
+                <a:cubicBezTo>
+                  <a:pt x="793750" y="370791"/>
+                  <a:pt x="790363" y="377141"/>
+                  <a:pt x="802640" y="381374"/>
+                </a:cubicBezTo>
+                <a:cubicBezTo>
+                  <a:pt x="814917" y="385607"/>
+                  <a:pt x="845820" y="393227"/>
+                  <a:pt x="863600" y="386454"/>
+                </a:cubicBezTo>
+                <a:cubicBezTo>
+                  <a:pt x="881380" y="379681"/>
+                  <a:pt x="882650" y="347507"/>
+                  <a:pt x="909320" y="340734"/>
+                </a:cubicBezTo>
+                <a:cubicBezTo>
+                  <a:pt x="935990" y="333961"/>
+                  <a:pt x="993140" y="344544"/>
+                  <a:pt x="1023620" y="345814"/>
+                </a:cubicBezTo>
+                <a:cubicBezTo>
+                  <a:pt x="1054100" y="347084"/>
+                  <a:pt x="1071457" y="352164"/>
+                  <a:pt x="1092200" y="348354"/>
+                </a:cubicBezTo>
+                <a:cubicBezTo>
+                  <a:pt x="1112943" y="344544"/>
+                  <a:pt x="1129877" y="334384"/>
+                  <a:pt x="1148080" y="322954"/>
+                </a:cubicBezTo>
+                <a:cubicBezTo>
+                  <a:pt x="1166283" y="311524"/>
+                  <a:pt x="1189567" y="256914"/>
+                  <a:pt x="1201420" y="279774"/>
+                </a:cubicBezTo>
+              </a:path>
+            </a:pathLst>
+          </a:custGeom>
+          <a:noFill/>
+          <a:ln w="38100">
+            <a:solidFill>
+              <a:srgbClr val="00B050"/>
+            </a:solidFill>
+          </a:ln>
+        </p:spPr>
+        <p:style>
+          <a:lnRef idx="2">
+            <a:schemeClr val="accent1">
+              <a:shade val="50000"/>
+            </a:schemeClr>
+          </a:lnRef>
+          <a:fillRef idx="1">
+            <a:schemeClr val="accent1"/>
+          </a:fillRef>
+          <a:effectRef idx="0">
+            <a:schemeClr val="accent1"/>
+          </a:effectRef>
+          <a:fontRef idx="minor">
+            <a:schemeClr val="lt1"/>
+          </a:fontRef>
+        </p:style>
+        <p:txBody>
+          <a:bodyPr rtlCol="0" anchor="ctr"/>
+          <a:lstStyle/>
+          <a:p>
+            <a:pPr algn="ctr"/>
+            <a:endParaRPr lang="ko-KR" altLang="en-US"/>
+          </a:p>
+        </p:txBody>
+      </p:sp>
+      <p:sp>
+        <p:nvSpPr>
+          <p:cNvPr id="21" name="자유형 20"/>
+          <p:cNvSpPr/>
+          <p:nvPr/>
+        </p:nvSpPr>
+        <p:spPr>
+          <a:xfrm>
+            <a:off x="4076700" y="6146800"/>
+            <a:ext cx="177800" cy="144780"/>
+          </a:xfrm>
+          <a:custGeom>
+            <a:avLst/>
+            <a:gdLst>
+              <a:gd name="connsiteX0" fmla="*/ 0 w 177800"/>
+              <a:gd name="connsiteY0" fmla="*/ 0 h 144780"/>
+              <a:gd name="connsiteX1" fmla="*/ 53340 w 177800"/>
+              <a:gd name="connsiteY1" fmla="*/ 53340 h 144780"/>
+              <a:gd name="connsiteX2" fmla="*/ 116840 w 177800"/>
+              <a:gd name="connsiteY2" fmla="*/ 121920 h 144780"/>
+              <a:gd name="connsiteX3" fmla="*/ 177800 w 177800"/>
+              <a:gd name="connsiteY3" fmla="*/ 144780 h 144780"/>
+            </a:gdLst>
+            <a:ahLst/>
+            <a:cxnLst>
+              <a:cxn ang="0">
+                <a:pos x="connsiteX0" y="connsiteY0"/>
+              </a:cxn>
+              <a:cxn ang="0">
+                <a:pos x="connsiteX1" y="connsiteY1"/>
+              </a:cxn>
+              <a:cxn ang="0">
+                <a:pos x="connsiteX2" y="connsiteY2"/>
+              </a:cxn>
+              <a:cxn ang="0">
+                <a:pos x="connsiteX3" y="connsiteY3"/>
+              </a:cxn>
+            </a:cxnLst>
+            <a:rect l="l" t="t" r="r" b="b"/>
+            <a:pathLst>
+              <a:path w="177800" h="144780">
+                <a:moveTo>
+                  <a:pt x="0" y="0"/>
+                </a:moveTo>
+                <a:cubicBezTo>
+                  <a:pt x="16933" y="16510"/>
+                  <a:pt x="33867" y="33020"/>
+                  <a:pt x="53340" y="53340"/>
+                </a:cubicBezTo>
+                <a:cubicBezTo>
+                  <a:pt x="72813" y="73660"/>
+                  <a:pt x="96097" y="106680"/>
+                  <a:pt x="116840" y="121920"/>
+                </a:cubicBezTo>
+                <a:cubicBezTo>
+                  <a:pt x="137583" y="137160"/>
+                  <a:pt x="157691" y="140970"/>
+                  <a:pt x="177800" y="144780"/>
+                </a:cubicBezTo>
+              </a:path>
+            </a:pathLst>
+          </a:custGeom>
+          <a:noFill/>
+          <a:ln w="38100">
+            <a:solidFill>
+              <a:srgbClr val="00B050"/>
+            </a:solidFill>
+          </a:ln>
+        </p:spPr>
+        <p:style>
+          <a:lnRef idx="2">
+            <a:schemeClr val="accent1">
+              <a:shade val="50000"/>
+            </a:schemeClr>
+          </a:lnRef>
+          <a:fillRef idx="1">
+            <a:schemeClr val="accent1"/>
+          </a:fillRef>
+          <a:effectRef idx="0">
+            <a:schemeClr val="accent1"/>
+          </a:effectRef>
+          <a:fontRef idx="minor">
+            <a:schemeClr val="lt1"/>
+          </a:fontRef>
+        </p:style>
+        <p:txBody>
+          <a:bodyPr rtlCol="0" anchor="ctr"/>
+          <a:lstStyle/>
+          <a:p>
+            <a:pPr algn="ctr"/>
+            <a:endParaRPr lang="ko-KR" altLang="en-US"/>
+          </a:p>
+        </p:txBody>
+      </p:sp>
+      <p:sp>
+        <p:nvSpPr>
+          <p:cNvPr id="22" name="자유형 21"/>
+          <p:cNvSpPr/>
+          <p:nvPr/>
+        </p:nvSpPr>
+        <p:spPr>
+          <a:xfrm>
+            <a:off x="4974454" y="6964680"/>
+            <a:ext cx="595766" cy="1418280"/>
+          </a:xfrm>
+          <a:custGeom>
+            <a:avLst/>
+            <a:gdLst>
+              <a:gd name="connsiteX0" fmla="*/ 100466 w 595766"/>
+              <a:gd name="connsiteY0" fmla="*/ 0 h 1418280"/>
+              <a:gd name="connsiteX1" fmla="*/ 100466 w 595766"/>
+              <a:gd name="connsiteY1" fmla="*/ 73660 h 1418280"/>
+              <a:gd name="connsiteX2" fmla="*/ 133486 w 595766"/>
+              <a:gd name="connsiteY2" fmla="*/ 170180 h 1418280"/>
+              <a:gd name="connsiteX3" fmla="*/ 130946 w 595766"/>
+              <a:gd name="connsiteY3" fmla="*/ 261620 h 1418280"/>
+              <a:gd name="connsiteX4" fmla="*/ 110626 w 595766"/>
+              <a:gd name="connsiteY4" fmla="*/ 320040 h 1418280"/>
+              <a:gd name="connsiteX5" fmla="*/ 85226 w 595766"/>
+              <a:gd name="connsiteY5" fmla="*/ 401320 h 1418280"/>
+              <a:gd name="connsiteX6" fmla="*/ 82686 w 595766"/>
+              <a:gd name="connsiteY6" fmla="*/ 464820 h 1418280"/>
+              <a:gd name="connsiteX7" fmla="*/ 54746 w 595766"/>
+              <a:gd name="connsiteY7" fmla="*/ 533400 h 1418280"/>
+              <a:gd name="connsiteX8" fmla="*/ 67446 w 595766"/>
+              <a:gd name="connsiteY8" fmla="*/ 584200 h 1418280"/>
+              <a:gd name="connsiteX9" fmla="*/ 26806 w 595766"/>
+              <a:gd name="connsiteY9" fmla="*/ 657860 h 1418280"/>
+              <a:gd name="connsiteX10" fmla="*/ 9026 w 595766"/>
+              <a:gd name="connsiteY10" fmla="*/ 723900 h 1418280"/>
+              <a:gd name="connsiteX11" fmla="*/ 1406 w 595766"/>
+              <a:gd name="connsiteY11" fmla="*/ 797560 h 1418280"/>
+              <a:gd name="connsiteX12" fmla="*/ 36966 w 595766"/>
+              <a:gd name="connsiteY12" fmla="*/ 815340 h 1418280"/>
+              <a:gd name="connsiteX13" fmla="*/ 52206 w 595766"/>
+              <a:gd name="connsiteY13" fmla="*/ 843280 h 1418280"/>
+              <a:gd name="connsiteX14" fmla="*/ 29346 w 595766"/>
+              <a:gd name="connsiteY14" fmla="*/ 906780 h 1418280"/>
+              <a:gd name="connsiteX15" fmla="*/ 9026 w 595766"/>
+              <a:gd name="connsiteY15" fmla="*/ 962660 h 1418280"/>
+              <a:gd name="connsiteX16" fmla="*/ 44586 w 595766"/>
+              <a:gd name="connsiteY16" fmla="*/ 1026160 h 1418280"/>
+              <a:gd name="connsiteX17" fmla="*/ 72526 w 595766"/>
+              <a:gd name="connsiteY17" fmla="*/ 1071880 h 1418280"/>
+              <a:gd name="connsiteX18" fmla="*/ 105546 w 595766"/>
+              <a:gd name="connsiteY18" fmla="*/ 1104900 h 1418280"/>
+              <a:gd name="connsiteX19" fmla="*/ 128406 w 595766"/>
+              <a:gd name="connsiteY19" fmla="*/ 1130300 h 1418280"/>
+              <a:gd name="connsiteX20" fmla="*/ 158886 w 595766"/>
+              <a:gd name="connsiteY20" fmla="*/ 1176020 h 1418280"/>
+              <a:gd name="connsiteX21" fmla="*/ 181746 w 595766"/>
+              <a:gd name="connsiteY21" fmla="*/ 1206500 h 1418280"/>
+              <a:gd name="connsiteX22" fmla="*/ 219846 w 595766"/>
+              <a:gd name="connsiteY22" fmla="*/ 1234440 h 1418280"/>
+              <a:gd name="connsiteX23" fmla="*/ 290966 w 595766"/>
+              <a:gd name="connsiteY23" fmla="*/ 1285240 h 1418280"/>
+              <a:gd name="connsiteX24" fmla="*/ 329066 w 595766"/>
+              <a:gd name="connsiteY24" fmla="*/ 1313180 h 1418280"/>
+              <a:gd name="connsiteX25" fmla="*/ 407806 w 595766"/>
+              <a:gd name="connsiteY25" fmla="*/ 1346200 h 1418280"/>
+              <a:gd name="connsiteX26" fmla="*/ 489086 w 595766"/>
+              <a:gd name="connsiteY26" fmla="*/ 1371600 h 1418280"/>
+              <a:gd name="connsiteX27" fmla="*/ 557666 w 595766"/>
+              <a:gd name="connsiteY27" fmla="*/ 1412240 h 1418280"/>
+              <a:gd name="connsiteX28" fmla="*/ 595766 w 595766"/>
+              <a:gd name="connsiteY28" fmla="*/ 1417320 h 1418280"/>
+            </a:gdLst>
+            <a:ahLst/>
+            <a:cxnLst>
+              <a:cxn ang="0">
+                <a:pos x="connsiteX0" y="connsiteY0"/>
+              </a:cxn>
+              <a:cxn ang="0">
+                <a:pos x="connsiteX1" y="connsiteY1"/>
+              </a:cxn>
+              <a:cxn ang="0">
+                <a:pos x="connsiteX2" y="connsiteY2"/>
+              </a:cxn>
+              <a:cxn ang="0">
+                <a:pos x="connsiteX3" y="connsiteY3"/>
+              </a:cxn>
+              <a:cxn ang="0">
+                <a:pos x="connsiteX4" y="connsiteY4"/>
+              </a:cxn>
+              <a:cxn ang="0">
+                <a:pos x="connsiteX5" y="connsiteY5"/>
+              </a:cxn>
+              <a:cxn ang="0">
+                <a:pos x="connsiteX6" y="connsiteY6"/>
+              </a:cxn>
+              <a:cxn ang="0">
+                <a:pos x="connsiteX7" y="connsiteY7"/>
+              </a:cxn>
+              <a:cxn ang="0">
+                <a:pos x="connsiteX8" y="connsiteY8"/>
+              </a:cxn>
+              <a:cxn ang="0">
+                <a:pos x="connsiteX9" y="connsiteY9"/>
+              </a:cxn>
+              <a:cxn ang="0">
+                <a:pos x="connsiteX10" y="connsiteY10"/>
+              </a:cxn>
+              <a:cxn ang="0">
+                <a:pos x="connsiteX11" y="connsiteY11"/>
+              </a:cxn>
+              <a:cxn ang="0">
+                <a:pos x="connsiteX12" y="connsiteY12"/>
+              </a:cxn>
+              <a:cxn ang="0">
+                <a:pos x="connsiteX13" y="connsiteY13"/>
+              </a:cxn>
+              <a:cxn ang="0">
+                <a:pos x="connsiteX14" y="connsiteY14"/>
+              </a:cxn>
+              <a:cxn ang="0">
+                <a:pos x="connsiteX15" y="connsiteY15"/>
+              </a:cxn>
+              <a:cxn ang="0">
+                <a:pos x="connsiteX16" y="connsiteY16"/>
+              </a:cxn>
+              <a:cxn ang="0">
+                <a:pos x="connsiteX17" y="connsiteY17"/>
+              </a:cxn>
+              <a:cxn ang="0">
+                <a:pos x="connsiteX18" y="connsiteY18"/>
+              </a:cxn>
+              <a:cxn ang="0">
+                <a:pos x="connsiteX19" y="connsiteY19"/>
+              </a:cxn>
+              <a:cxn ang="0">
+                <a:pos x="connsiteX20" y="connsiteY20"/>
+              </a:cxn>
+              <a:cxn ang="0">
+                <a:pos x="connsiteX21" y="connsiteY21"/>
+              </a:cxn>
+              <a:cxn ang="0">
+                <a:pos x="connsiteX22" y="connsiteY22"/>
+              </a:cxn>
+              <a:cxn ang="0">
+                <a:pos x="connsiteX23" y="connsiteY23"/>
+              </a:cxn>
+              <a:cxn ang="0">
+                <a:pos x="connsiteX24" y="connsiteY24"/>
+              </a:cxn>
+              <a:cxn ang="0">
+                <a:pos x="connsiteX25" y="connsiteY25"/>
+              </a:cxn>
+              <a:cxn ang="0">
+                <a:pos x="connsiteX26" y="connsiteY26"/>
+              </a:cxn>
+              <a:cxn ang="0">
+                <a:pos x="connsiteX27" y="connsiteY27"/>
+              </a:cxn>
+              <a:cxn ang="0">
+                <a:pos x="connsiteX28" y="connsiteY28"/>
+              </a:cxn>
+            </a:cxnLst>
+            <a:rect l="l" t="t" r="r" b="b"/>
+            <a:pathLst>
+              <a:path w="595766" h="1418280">
+                <a:moveTo>
+                  <a:pt x="100466" y="0"/>
+                </a:moveTo>
+                <a:cubicBezTo>
+                  <a:pt x="97714" y="22648"/>
+                  <a:pt x="94963" y="45297"/>
+                  <a:pt x="100466" y="73660"/>
+                </a:cubicBezTo>
+                <a:cubicBezTo>
+                  <a:pt x="105969" y="102023"/>
+                  <a:pt x="128406" y="138853"/>
+                  <a:pt x="133486" y="170180"/>
+                </a:cubicBezTo>
+                <a:cubicBezTo>
+                  <a:pt x="138566" y="201507"/>
+                  <a:pt x="134756" y="236643"/>
+                  <a:pt x="130946" y="261620"/>
+                </a:cubicBezTo>
+                <a:cubicBezTo>
+                  <a:pt x="127136" y="286597"/>
+                  <a:pt x="118246" y="296757"/>
+                  <a:pt x="110626" y="320040"/>
+                </a:cubicBezTo>
+                <a:cubicBezTo>
+                  <a:pt x="103006" y="343323"/>
+                  <a:pt x="89883" y="377190"/>
+                  <a:pt x="85226" y="401320"/>
+                </a:cubicBezTo>
+                <a:cubicBezTo>
+                  <a:pt x="80569" y="425450"/>
+                  <a:pt x="87766" y="442807"/>
+                  <a:pt x="82686" y="464820"/>
+                </a:cubicBezTo>
+                <a:cubicBezTo>
+                  <a:pt x="77606" y="486833"/>
+                  <a:pt x="57286" y="513503"/>
+                  <a:pt x="54746" y="533400"/>
+                </a:cubicBezTo>
+                <a:cubicBezTo>
+                  <a:pt x="52206" y="553297"/>
+                  <a:pt x="72103" y="563457"/>
+                  <a:pt x="67446" y="584200"/>
+                </a:cubicBezTo>
+                <a:cubicBezTo>
+                  <a:pt x="62789" y="604943"/>
+                  <a:pt x="36543" y="634577"/>
+                  <a:pt x="26806" y="657860"/>
+                </a:cubicBezTo>
+                <a:cubicBezTo>
+                  <a:pt x="17069" y="681143"/>
+                  <a:pt x="13259" y="700617"/>
+                  <a:pt x="9026" y="723900"/>
+                </a:cubicBezTo>
+                <a:cubicBezTo>
+                  <a:pt x="4793" y="747183"/>
+                  <a:pt x="-3251" y="782320"/>
+                  <a:pt x="1406" y="797560"/>
+                </a:cubicBezTo>
+                <a:cubicBezTo>
+                  <a:pt x="6063" y="812800"/>
+                  <a:pt x="28499" y="807720"/>
+                  <a:pt x="36966" y="815340"/>
+                </a:cubicBezTo>
+                <a:cubicBezTo>
+                  <a:pt x="45433" y="822960"/>
+                  <a:pt x="53476" y="828040"/>
+                  <a:pt x="52206" y="843280"/>
+                </a:cubicBezTo>
+                <a:cubicBezTo>
+                  <a:pt x="50936" y="858520"/>
+                  <a:pt x="36543" y="886883"/>
+                  <a:pt x="29346" y="906780"/>
+                </a:cubicBezTo>
+                <a:cubicBezTo>
+                  <a:pt x="22149" y="926677"/>
+                  <a:pt x="6486" y="942763"/>
+                  <a:pt x="9026" y="962660"/>
+                </a:cubicBezTo>
+                <a:cubicBezTo>
+                  <a:pt x="11566" y="982557"/>
+                  <a:pt x="34003" y="1007957"/>
+                  <a:pt x="44586" y="1026160"/>
+                </a:cubicBezTo>
+                <a:cubicBezTo>
+                  <a:pt x="55169" y="1044363"/>
+                  <a:pt x="62366" y="1058757"/>
+                  <a:pt x="72526" y="1071880"/>
+                </a:cubicBezTo>
+                <a:cubicBezTo>
+                  <a:pt x="82686" y="1085003"/>
+                  <a:pt x="96233" y="1095163"/>
+                  <a:pt x="105546" y="1104900"/>
+                </a:cubicBezTo>
+                <a:cubicBezTo>
+                  <a:pt x="114859" y="1114637"/>
+                  <a:pt x="119516" y="1118447"/>
+                  <a:pt x="128406" y="1130300"/>
+                </a:cubicBezTo>
+                <a:cubicBezTo>
+                  <a:pt x="137296" y="1142153"/>
+                  <a:pt x="149996" y="1163320"/>
+                  <a:pt x="158886" y="1176020"/>
+                </a:cubicBezTo>
+                <a:cubicBezTo>
+                  <a:pt x="167776" y="1188720"/>
+                  <a:pt x="171586" y="1196763"/>
+                  <a:pt x="181746" y="1206500"/>
+                </a:cubicBezTo>
+                <a:cubicBezTo>
+                  <a:pt x="191906" y="1216237"/>
+                  <a:pt x="219846" y="1234440"/>
+                  <a:pt x="219846" y="1234440"/>
+                </a:cubicBezTo>
+                <a:lnTo>
+                  <a:pt x="290966" y="1285240"/>
+                </a:lnTo>
+                <a:cubicBezTo>
+                  <a:pt x="309169" y="1298363"/>
+                  <a:pt x="309593" y="1303020"/>
+                  <a:pt x="329066" y="1313180"/>
+                </a:cubicBezTo>
+                <a:cubicBezTo>
+                  <a:pt x="348539" y="1323340"/>
+                  <a:pt x="381136" y="1336463"/>
+                  <a:pt x="407806" y="1346200"/>
+                </a:cubicBezTo>
+                <a:cubicBezTo>
+                  <a:pt x="434476" y="1355937"/>
+                  <a:pt x="464109" y="1360593"/>
+                  <a:pt x="489086" y="1371600"/>
+                </a:cubicBezTo>
+                <a:cubicBezTo>
+                  <a:pt x="514063" y="1382607"/>
+                  <a:pt x="539886" y="1404620"/>
+                  <a:pt x="557666" y="1412240"/>
+                </a:cubicBezTo>
+                <a:cubicBezTo>
+                  <a:pt x="575446" y="1419860"/>
+                  <a:pt x="585606" y="1418590"/>
+                  <a:pt x="595766" y="1417320"/>
+                </a:cubicBezTo>
+              </a:path>
+            </a:pathLst>
+          </a:custGeom>
+          <a:noFill/>
+          <a:ln w="38100">
+            <a:solidFill>
+              <a:srgbClr val="00B050"/>
+            </a:solidFill>
+          </a:ln>
+        </p:spPr>
+        <p:style>
+          <a:lnRef idx="2">
+            <a:schemeClr val="accent1">
+              <a:shade val="50000"/>
+            </a:schemeClr>
+          </a:lnRef>
+          <a:fillRef idx="1">
+            <a:schemeClr val="accent1"/>
+          </a:fillRef>
+          <a:effectRef idx="0">
+            <a:schemeClr val="accent1"/>
+          </a:effectRef>
+          <a:fontRef idx="minor">
+            <a:schemeClr val="lt1"/>
+          </a:fontRef>
+        </p:style>
+        <p:txBody>
+          <a:bodyPr rtlCol="0" anchor="ctr"/>
+          <a:lstStyle/>
+          <a:p>
+            <a:pPr algn="ctr"/>
+            <a:endParaRPr lang="ko-KR" altLang="en-US"/>
+          </a:p>
+        </p:txBody>
+      </p:sp>
     </p:spTree>
     <p:extLst>
       <p:ext uri="{BB962C8B-B14F-4D97-AF65-F5344CB8AC3E}">

--- a/0.PPT파일/등산지도_경로_세로_2020-08-29.pptx
+++ b/0.PPT파일/등산지도_경로_세로_2020-08-29.pptx
@@ -283,7 +283,7 @@
           <a:p>
             <a:fld id="{5CBC3198-AB24-46EE-8A6F-BC607E4DFF2A}" type="datetimeFigureOut">
               <a:rPr lang="ko-KR" altLang="en-US" smtClean="0"/>
-              <a:t>2021-02-28</a:t>
+              <a:t>2021-05-24</a:t>
             </a:fld>
             <a:endParaRPr lang="ko-KR" altLang="en-US"/>
           </a:p>
@@ -463,7 +463,7 @@
           <a:p>
             <a:fld id="{5CBC3198-AB24-46EE-8A6F-BC607E4DFF2A}" type="datetimeFigureOut">
               <a:rPr lang="ko-KR" altLang="en-US" smtClean="0"/>
-              <a:t>2021-02-28</a:t>
+              <a:t>2021-05-24</a:t>
             </a:fld>
             <a:endParaRPr lang="ko-KR" altLang="en-US"/>
           </a:p>
@@ -766,7 +766,7 @@
           <a:p>
             <a:fld id="{5CBC3198-AB24-46EE-8A6F-BC607E4DFF2A}" type="datetimeFigureOut">
               <a:rPr lang="ko-KR" altLang="en-US" smtClean="0"/>
-              <a:t>2021-02-28</a:t>
+              <a:t>2021-05-24</a:t>
             </a:fld>
             <a:endParaRPr lang="ko-KR" altLang="en-US"/>
           </a:p>
@@ -998,7 +998,7 @@
           <a:p>
             <a:fld id="{5CBC3198-AB24-46EE-8A6F-BC607E4DFF2A}" type="datetimeFigureOut">
               <a:rPr lang="ko-KR" altLang="en-US" smtClean="0"/>
-              <a:t>2021-02-28</a:t>
+              <a:t>2021-05-24</a:t>
             </a:fld>
             <a:endParaRPr lang="ko-KR" altLang="en-US"/>
           </a:p>
@@ -1365,7 +1365,7 @@
           <a:p>
             <a:fld id="{5CBC3198-AB24-46EE-8A6F-BC607E4DFF2A}" type="datetimeFigureOut">
               <a:rPr lang="ko-KR" altLang="en-US" smtClean="0"/>
-              <a:t>2021-02-28</a:t>
+              <a:t>2021-05-24</a:t>
             </a:fld>
             <a:endParaRPr lang="ko-KR" altLang="en-US"/>
           </a:p>
@@ -1483,7 +1483,7 @@
           <a:p>
             <a:fld id="{5CBC3198-AB24-46EE-8A6F-BC607E4DFF2A}" type="datetimeFigureOut">
               <a:rPr lang="ko-KR" altLang="en-US" smtClean="0"/>
-              <a:t>2021-02-28</a:t>
+              <a:t>2021-05-24</a:t>
             </a:fld>
             <a:endParaRPr lang="ko-KR" altLang="en-US"/>
           </a:p>
@@ -1578,7 +1578,7 @@
           <a:p>
             <a:fld id="{5CBC3198-AB24-46EE-8A6F-BC607E4DFF2A}" type="datetimeFigureOut">
               <a:rPr lang="ko-KR" altLang="en-US" smtClean="0"/>
-              <a:t>2021-02-28</a:t>
+              <a:t>2021-05-24</a:t>
             </a:fld>
             <a:endParaRPr lang="ko-KR" altLang="en-US"/>
           </a:p>
@@ -1855,7 +1855,7 @@
           <a:p>
             <a:fld id="{5CBC3198-AB24-46EE-8A6F-BC607E4DFF2A}" type="datetimeFigureOut">
               <a:rPr lang="ko-KR" altLang="en-US" smtClean="0"/>
-              <a:t>2021-02-28</a:t>
+              <a:t>2021-05-24</a:t>
             </a:fld>
             <a:endParaRPr lang="ko-KR" altLang="en-US"/>
           </a:p>
@@ -2112,7 +2112,7 @@
           <a:p>
             <a:fld id="{5CBC3198-AB24-46EE-8A6F-BC607E4DFF2A}" type="datetimeFigureOut">
               <a:rPr lang="ko-KR" altLang="en-US" smtClean="0"/>
-              <a:t>2021-02-28</a:t>
+              <a:t>2021-05-24</a:t>
             </a:fld>
             <a:endParaRPr lang="ko-KR" altLang="en-US"/>
           </a:p>
@@ -2325,7 +2325,7 @@
           <a:p>
             <a:fld id="{5CBC3198-AB24-46EE-8A6F-BC607E4DFF2A}" type="datetimeFigureOut">
               <a:rPr lang="ko-KR" altLang="en-US" smtClean="0"/>
-              <a:t>2021-02-28</a:t>
+              <a:t>2021-05-24</a:t>
             </a:fld>
             <a:endParaRPr lang="ko-KR" altLang="en-US"/>
           </a:p>
@@ -11119,6 +11119,1440 @@
           </a:p>
         </p:txBody>
       </p:sp>
+      <p:sp>
+        <p:nvSpPr>
+          <p:cNvPr id="26" name="자유형 25"/>
+          <p:cNvSpPr/>
+          <p:nvPr/>
+        </p:nvSpPr>
+        <p:spPr>
+          <a:xfrm>
+            <a:off x="5295900" y="8282940"/>
+            <a:ext cx="268605" cy="114300"/>
+          </a:xfrm>
+          <a:custGeom>
+            <a:avLst/>
+            <a:gdLst>
+              <a:gd name="connsiteX0" fmla="*/ 268605 w 268605"/>
+              <a:gd name="connsiteY0" fmla="*/ 114300 h 114300"/>
+              <a:gd name="connsiteX1" fmla="*/ 205740 w 268605"/>
+              <a:gd name="connsiteY1" fmla="*/ 91440 h 114300"/>
+              <a:gd name="connsiteX2" fmla="*/ 169545 w 268605"/>
+              <a:gd name="connsiteY2" fmla="*/ 64770 h 114300"/>
+              <a:gd name="connsiteX3" fmla="*/ 116205 w 268605"/>
+              <a:gd name="connsiteY3" fmla="*/ 51435 h 114300"/>
+              <a:gd name="connsiteX4" fmla="*/ 72390 w 268605"/>
+              <a:gd name="connsiteY4" fmla="*/ 34290 h 114300"/>
+              <a:gd name="connsiteX5" fmla="*/ 28575 w 268605"/>
+              <a:gd name="connsiteY5" fmla="*/ 17145 h 114300"/>
+              <a:gd name="connsiteX6" fmla="*/ 0 w 268605"/>
+              <a:gd name="connsiteY6" fmla="*/ 0 h 114300"/>
+            </a:gdLst>
+            <a:ahLst/>
+            <a:cxnLst>
+              <a:cxn ang="0">
+                <a:pos x="connsiteX0" y="connsiteY0"/>
+              </a:cxn>
+              <a:cxn ang="0">
+                <a:pos x="connsiteX1" y="connsiteY1"/>
+              </a:cxn>
+              <a:cxn ang="0">
+                <a:pos x="connsiteX2" y="connsiteY2"/>
+              </a:cxn>
+              <a:cxn ang="0">
+                <a:pos x="connsiteX3" y="connsiteY3"/>
+              </a:cxn>
+              <a:cxn ang="0">
+                <a:pos x="connsiteX4" y="connsiteY4"/>
+              </a:cxn>
+              <a:cxn ang="0">
+                <a:pos x="connsiteX5" y="connsiteY5"/>
+              </a:cxn>
+              <a:cxn ang="0">
+                <a:pos x="connsiteX6" y="connsiteY6"/>
+              </a:cxn>
+            </a:cxnLst>
+            <a:rect l="l" t="t" r="r" b="b"/>
+            <a:pathLst>
+              <a:path w="268605" h="114300">
+                <a:moveTo>
+                  <a:pt x="268605" y="114300"/>
+                </a:moveTo>
+                <a:cubicBezTo>
+                  <a:pt x="245427" y="106997"/>
+                  <a:pt x="222250" y="99695"/>
+                  <a:pt x="205740" y="91440"/>
+                </a:cubicBezTo>
+                <a:cubicBezTo>
+                  <a:pt x="189230" y="83185"/>
+                  <a:pt x="184467" y="71437"/>
+                  <a:pt x="169545" y="64770"/>
+                </a:cubicBezTo>
+                <a:cubicBezTo>
+                  <a:pt x="154623" y="58103"/>
+                  <a:pt x="132397" y="56515"/>
+                  <a:pt x="116205" y="51435"/>
+                </a:cubicBezTo>
+                <a:cubicBezTo>
+                  <a:pt x="100013" y="46355"/>
+                  <a:pt x="72390" y="34290"/>
+                  <a:pt x="72390" y="34290"/>
+                </a:cubicBezTo>
+                <a:cubicBezTo>
+                  <a:pt x="57785" y="28575"/>
+                  <a:pt x="40640" y="22860"/>
+                  <a:pt x="28575" y="17145"/>
+                </a:cubicBezTo>
+                <a:cubicBezTo>
+                  <a:pt x="16510" y="11430"/>
+                  <a:pt x="8255" y="5715"/>
+                  <a:pt x="0" y="0"/>
+                </a:cubicBezTo>
+              </a:path>
+            </a:pathLst>
+          </a:custGeom>
+          <a:noFill/>
+          <a:ln w="19050">
+            <a:solidFill>
+              <a:schemeClr val="accent2"/>
+            </a:solidFill>
+          </a:ln>
+        </p:spPr>
+        <p:style>
+          <a:lnRef idx="2">
+            <a:schemeClr val="accent1">
+              <a:shade val="50000"/>
+            </a:schemeClr>
+          </a:lnRef>
+          <a:fillRef idx="1">
+            <a:schemeClr val="accent1"/>
+          </a:fillRef>
+          <a:effectRef idx="0">
+            <a:schemeClr val="accent1"/>
+          </a:effectRef>
+          <a:fontRef idx="minor">
+            <a:schemeClr val="lt1"/>
+          </a:fontRef>
+        </p:style>
+        <p:txBody>
+          <a:bodyPr rtlCol="0" anchor="ctr"/>
+          <a:lstStyle/>
+          <a:p>
+            <a:pPr algn="ctr"/>
+            <a:endParaRPr lang="ko-KR" altLang="en-US"/>
+          </a:p>
+        </p:txBody>
+      </p:sp>
+      <p:sp>
+        <p:nvSpPr>
+          <p:cNvPr id="27" name="자유형 26"/>
+          <p:cNvSpPr/>
+          <p:nvPr/>
+        </p:nvSpPr>
+        <p:spPr>
+          <a:xfrm>
+            <a:off x="5044440" y="8282940"/>
+            <a:ext cx="255270" cy="272417"/>
+          </a:xfrm>
+          <a:custGeom>
+            <a:avLst/>
+            <a:gdLst>
+              <a:gd name="connsiteX0" fmla="*/ 255270 w 255270"/>
+              <a:gd name="connsiteY0" fmla="*/ 0 h 272417"/>
+              <a:gd name="connsiteX1" fmla="*/ 173355 w 255270"/>
+              <a:gd name="connsiteY1" fmla="*/ 26670 h 272417"/>
+              <a:gd name="connsiteX2" fmla="*/ 148590 w 255270"/>
+              <a:gd name="connsiteY2" fmla="*/ 51435 h 272417"/>
+              <a:gd name="connsiteX3" fmla="*/ 108585 w 255270"/>
+              <a:gd name="connsiteY3" fmla="*/ 114300 h 272417"/>
+              <a:gd name="connsiteX4" fmla="*/ 72390 w 255270"/>
+              <a:gd name="connsiteY4" fmla="*/ 140970 h 272417"/>
+              <a:gd name="connsiteX5" fmla="*/ 110490 w 255270"/>
+              <a:gd name="connsiteY5" fmla="*/ 190500 h 272417"/>
+              <a:gd name="connsiteX6" fmla="*/ 121920 w 255270"/>
+              <a:gd name="connsiteY6" fmla="*/ 217170 h 272417"/>
+              <a:gd name="connsiteX7" fmla="*/ 83820 w 255270"/>
+              <a:gd name="connsiteY7" fmla="*/ 236220 h 272417"/>
+              <a:gd name="connsiteX8" fmla="*/ 49530 w 255270"/>
+              <a:gd name="connsiteY8" fmla="*/ 266700 h 272417"/>
+              <a:gd name="connsiteX9" fmla="*/ 0 w 255270"/>
+              <a:gd name="connsiteY9" fmla="*/ 272415 h 272417"/>
+              <a:gd name="connsiteX10" fmla="*/ 0 w 255270"/>
+              <a:gd name="connsiteY10" fmla="*/ 272415 h 272417"/>
+            </a:gdLst>
+            <a:ahLst/>
+            <a:cxnLst>
+              <a:cxn ang="0">
+                <a:pos x="connsiteX0" y="connsiteY0"/>
+              </a:cxn>
+              <a:cxn ang="0">
+                <a:pos x="connsiteX1" y="connsiteY1"/>
+              </a:cxn>
+              <a:cxn ang="0">
+                <a:pos x="connsiteX2" y="connsiteY2"/>
+              </a:cxn>
+              <a:cxn ang="0">
+                <a:pos x="connsiteX3" y="connsiteY3"/>
+              </a:cxn>
+              <a:cxn ang="0">
+                <a:pos x="connsiteX4" y="connsiteY4"/>
+              </a:cxn>
+              <a:cxn ang="0">
+                <a:pos x="connsiteX5" y="connsiteY5"/>
+              </a:cxn>
+              <a:cxn ang="0">
+                <a:pos x="connsiteX6" y="connsiteY6"/>
+              </a:cxn>
+              <a:cxn ang="0">
+                <a:pos x="connsiteX7" y="connsiteY7"/>
+              </a:cxn>
+              <a:cxn ang="0">
+                <a:pos x="connsiteX8" y="connsiteY8"/>
+              </a:cxn>
+              <a:cxn ang="0">
+                <a:pos x="connsiteX9" y="connsiteY9"/>
+              </a:cxn>
+              <a:cxn ang="0">
+                <a:pos x="connsiteX10" y="connsiteY10"/>
+              </a:cxn>
+            </a:cxnLst>
+            <a:rect l="l" t="t" r="r" b="b"/>
+            <a:pathLst>
+              <a:path w="255270" h="272417">
+                <a:moveTo>
+                  <a:pt x="255270" y="0"/>
+                </a:moveTo>
+                <a:cubicBezTo>
+                  <a:pt x="223202" y="9049"/>
+                  <a:pt x="191135" y="18098"/>
+                  <a:pt x="173355" y="26670"/>
+                </a:cubicBezTo>
+                <a:cubicBezTo>
+                  <a:pt x="155575" y="35243"/>
+                  <a:pt x="159385" y="36830"/>
+                  <a:pt x="148590" y="51435"/>
+                </a:cubicBezTo>
+                <a:cubicBezTo>
+                  <a:pt x="137795" y="66040"/>
+                  <a:pt x="121285" y="99378"/>
+                  <a:pt x="108585" y="114300"/>
+                </a:cubicBezTo>
+                <a:cubicBezTo>
+                  <a:pt x="95885" y="129222"/>
+                  <a:pt x="72072" y="128270"/>
+                  <a:pt x="72390" y="140970"/>
+                </a:cubicBezTo>
+                <a:cubicBezTo>
+                  <a:pt x="72708" y="153670"/>
+                  <a:pt x="102235" y="177800"/>
+                  <a:pt x="110490" y="190500"/>
+                </a:cubicBezTo>
+                <a:cubicBezTo>
+                  <a:pt x="118745" y="203200"/>
+                  <a:pt x="126365" y="209550"/>
+                  <a:pt x="121920" y="217170"/>
+                </a:cubicBezTo>
+                <a:cubicBezTo>
+                  <a:pt x="117475" y="224790"/>
+                  <a:pt x="95885" y="227965"/>
+                  <a:pt x="83820" y="236220"/>
+                </a:cubicBezTo>
+                <a:cubicBezTo>
+                  <a:pt x="71755" y="244475"/>
+                  <a:pt x="63500" y="260668"/>
+                  <a:pt x="49530" y="266700"/>
+                </a:cubicBezTo>
+                <a:cubicBezTo>
+                  <a:pt x="35560" y="272732"/>
+                  <a:pt x="0" y="272415"/>
+                  <a:pt x="0" y="272415"/>
+                </a:cubicBezTo>
+                <a:lnTo>
+                  <a:pt x="0" y="272415"/>
+                </a:lnTo>
+              </a:path>
+            </a:pathLst>
+          </a:custGeom>
+          <a:noFill/>
+          <a:ln w="38100">
+            <a:solidFill>
+              <a:schemeClr val="accent2"/>
+            </a:solidFill>
+          </a:ln>
+        </p:spPr>
+        <p:style>
+          <a:lnRef idx="2">
+            <a:schemeClr val="accent1">
+              <a:shade val="50000"/>
+            </a:schemeClr>
+          </a:lnRef>
+          <a:fillRef idx="1">
+            <a:schemeClr val="accent1"/>
+          </a:fillRef>
+          <a:effectRef idx="0">
+            <a:schemeClr val="accent1"/>
+          </a:effectRef>
+          <a:fontRef idx="minor">
+            <a:schemeClr val="lt1"/>
+          </a:fontRef>
+        </p:style>
+        <p:txBody>
+          <a:bodyPr rtlCol="0" anchor="ctr"/>
+          <a:lstStyle/>
+          <a:p>
+            <a:pPr algn="ctr"/>
+            <a:endParaRPr lang="ko-KR" altLang="en-US"/>
+          </a:p>
+        </p:txBody>
+      </p:sp>
+      <p:sp>
+        <p:nvSpPr>
+          <p:cNvPr id="28" name="자유형 27"/>
+          <p:cNvSpPr/>
+          <p:nvPr/>
+        </p:nvSpPr>
+        <p:spPr>
+          <a:xfrm>
+            <a:off x="3872867" y="8048440"/>
+            <a:ext cx="1173478" cy="505010"/>
+          </a:xfrm>
+          <a:custGeom>
+            <a:avLst/>
+            <a:gdLst>
+              <a:gd name="connsiteX0" fmla="*/ 1171575 w 1171575"/>
+              <a:gd name="connsiteY0" fmla="*/ 505010 h 505010"/>
+              <a:gd name="connsiteX1" fmla="*/ 1112520 w 1171575"/>
+              <a:gd name="connsiteY1" fmla="*/ 442145 h 505010"/>
+              <a:gd name="connsiteX2" fmla="*/ 1085850 w 1171575"/>
+              <a:gd name="connsiteY2" fmla="*/ 430715 h 505010"/>
+              <a:gd name="connsiteX3" fmla="*/ 1040130 w 1171575"/>
+              <a:gd name="connsiteY3" fmla="*/ 405950 h 505010"/>
+              <a:gd name="connsiteX4" fmla="*/ 1026795 w 1171575"/>
+              <a:gd name="connsiteY4" fmla="*/ 364040 h 505010"/>
+              <a:gd name="connsiteX5" fmla="*/ 1000125 w 1171575"/>
+              <a:gd name="connsiteY5" fmla="*/ 339275 h 505010"/>
+              <a:gd name="connsiteX6" fmla="*/ 946785 w 1171575"/>
+              <a:gd name="connsiteY6" fmla="*/ 320225 h 505010"/>
+              <a:gd name="connsiteX7" fmla="*/ 899160 w 1171575"/>
+              <a:gd name="connsiteY7" fmla="*/ 304985 h 505010"/>
+              <a:gd name="connsiteX8" fmla="*/ 872490 w 1171575"/>
+              <a:gd name="connsiteY8" fmla="*/ 276410 h 505010"/>
+              <a:gd name="connsiteX9" fmla="*/ 842010 w 1171575"/>
+              <a:gd name="connsiteY9" fmla="*/ 266885 h 505010"/>
+              <a:gd name="connsiteX10" fmla="*/ 796290 w 1171575"/>
+              <a:gd name="connsiteY10" fmla="*/ 257360 h 505010"/>
+              <a:gd name="connsiteX11" fmla="*/ 742950 w 1171575"/>
+              <a:gd name="connsiteY11" fmla="*/ 238310 h 505010"/>
+              <a:gd name="connsiteX12" fmla="*/ 710565 w 1171575"/>
+              <a:gd name="connsiteY12" fmla="*/ 249740 h 505010"/>
+              <a:gd name="connsiteX13" fmla="*/ 685800 w 1171575"/>
+              <a:gd name="connsiteY13" fmla="*/ 255455 h 505010"/>
+              <a:gd name="connsiteX14" fmla="*/ 636270 w 1171575"/>
+              <a:gd name="connsiteY14" fmla="*/ 259265 h 505010"/>
+              <a:gd name="connsiteX15" fmla="*/ 596265 w 1171575"/>
+              <a:gd name="connsiteY15" fmla="*/ 245930 h 505010"/>
+              <a:gd name="connsiteX16" fmla="*/ 550545 w 1171575"/>
+              <a:gd name="connsiteY16" fmla="*/ 232595 h 505010"/>
+              <a:gd name="connsiteX17" fmla="*/ 512445 w 1171575"/>
+              <a:gd name="connsiteY17" fmla="*/ 204020 h 505010"/>
+              <a:gd name="connsiteX18" fmla="*/ 457200 w 1171575"/>
+              <a:gd name="connsiteY18" fmla="*/ 175445 h 505010"/>
+              <a:gd name="connsiteX19" fmla="*/ 417195 w 1171575"/>
+              <a:gd name="connsiteY19" fmla="*/ 139250 h 505010"/>
+              <a:gd name="connsiteX20" fmla="*/ 386715 w 1171575"/>
+              <a:gd name="connsiteY20" fmla="*/ 108770 h 505010"/>
+              <a:gd name="connsiteX21" fmla="*/ 361950 w 1171575"/>
+              <a:gd name="connsiteY21" fmla="*/ 85910 h 505010"/>
+              <a:gd name="connsiteX22" fmla="*/ 318135 w 1171575"/>
+              <a:gd name="connsiteY22" fmla="*/ 51620 h 505010"/>
+              <a:gd name="connsiteX23" fmla="*/ 264795 w 1171575"/>
+              <a:gd name="connsiteY23" fmla="*/ 36380 h 505010"/>
+              <a:gd name="connsiteX24" fmla="*/ 234315 w 1171575"/>
+              <a:gd name="connsiteY24" fmla="*/ 32570 h 505010"/>
+              <a:gd name="connsiteX25" fmla="*/ 173355 w 1171575"/>
+              <a:gd name="connsiteY25" fmla="*/ 40190 h 505010"/>
+              <a:gd name="connsiteX26" fmla="*/ 142875 w 1171575"/>
+              <a:gd name="connsiteY26" fmla="*/ 42095 h 505010"/>
+              <a:gd name="connsiteX27" fmla="*/ 110490 w 1171575"/>
+              <a:gd name="connsiteY27" fmla="*/ 47810 h 505010"/>
+              <a:gd name="connsiteX28" fmla="*/ 80010 w 1171575"/>
+              <a:gd name="connsiteY28" fmla="*/ 34475 h 505010"/>
+              <a:gd name="connsiteX29" fmla="*/ 55245 w 1171575"/>
+              <a:gd name="connsiteY29" fmla="*/ 2090 h 505010"/>
+              <a:gd name="connsiteX30" fmla="*/ 0 w 1171575"/>
+              <a:gd name="connsiteY30" fmla="*/ 5900 h 505010"/>
+              <a:gd name="connsiteX0" fmla="*/ 1171575 w 1171575"/>
+              <a:gd name="connsiteY0" fmla="*/ 505010 h 505010"/>
+              <a:gd name="connsiteX1" fmla="*/ 1112520 w 1171575"/>
+              <a:gd name="connsiteY1" fmla="*/ 442145 h 505010"/>
+              <a:gd name="connsiteX2" fmla="*/ 1085850 w 1171575"/>
+              <a:gd name="connsiteY2" fmla="*/ 430715 h 505010"/>
+              <a:gd name="connsiteX3" fmla="*/ 1040130 w 1171575"/>
+              <a:gd name="connsiteY3" fmla="*/ 405950 h 505010"/>
+              <a:gd name="connsiteX4" fmla="*/ 1026795 w 1171575"/>
+              <a:gd name="connsiteY4" fmla="*/ 364040 h 505010"/>
+              <a:gd name="connsiteX5" fmla="*/ 1000125 w 1171575"/>
+              <a:gd name="connsiteY5" fmla="*/ 339275 h 505010"/>
+              <a:gd name="connsiteX6" fmla="*/ 946785 w 1171575"/>
+              <a:gd name="connsiteY6" fmla="*/ 320225 h 505010"/>
+              <a:gd name="connsiteX7" fmla="*/ 899160 w 1171575"/>
+              <a:gd name="connsiteY7" fmla="*/ 304985 h 505010"/>
+              <a:gd name="connsiteX8" fmla="*/ 872490 w 1171575"/>
+              <a:gd name="connsiteY8" fmla="*/ 276410 h 505010"/>
+              <a:gd name="connsiteX9" fmla="*/ 842010 w 1171575"/>
+              <a:gd name="connsiteY9" fmla="*/ 266885 h 505010"/>
+              <a:gd name="connsiteX10" fmla="*/ 796290 w 1171575"/>
+              <a:gd name="connsiteY10" fmla="*/ 257360 h 505010"/>
+              <a:gd name="connsiteX11" fmla="*/ 742950 w 1171575"/>
+              <a:gd name="connsiteY11" fmla="*/ 238310 h 505010"/>
+              <a:gd name="connsiteX12" fmla="*/ 710565 w 1171575"/>
+              <a:gd name="connsiteY12" fmla="*/ 249740 h 505010"/>
+              <a:gd name="connsiteX13" fmla="*/ 685800 w 1171575"/>
+              <a:gd name="connsiteY13" fmla="*/ 255455 h 505010"/>
+              <a:gd name="connsiteX14" fmla="*/ 636270 w 1171575"/>
+              <a:gd name="connsiteY14" fmla="*/ 259265 h 505010"/>
+              <a:gd name="connsiteX15" fmla="*/ 596265 w 1171575"/>
+              <a:gd name="connsiteY15" fmla="*/ 245930 h 505010"/>
+              <a:gd name="connsiteX16" fmla="*/ 550545 w 1171575"/>
+              <a:gd name="connsiteY16" fmla="*/ 232595 h 505010"/>
+              <a:gd name="connsiteX17" fmla="*/ 512445 w 1171575"/>
+              <a:gd name="connsiteY17" fmla="*/ 204020 h 505010"/>
+              <a:gd name="connsiteX18" fmla="*/ 457200 w 1171575"/>
+              <a:gd name="connsiteY18" fmla="*/ 175445 h 505010"/>
+              <a:gd name="connsiteX19" fmla="*/ 417195 w 1171575"/>
+              <a:gd name="connsiteY19" fmla="*/ 139250 h 505010"/>
+              <a:gd name="connsiteX20" fmla="*/ 386715 w 1171575"/>
+              <a:gd name="connsiteY20" fmla="*/ 108770 h 505010"/>
+              <a:gd name="connsiteX21" fmla="*/ 361950 w 1171575"/>
+              <a:gd name="connsiteY21" fmla="*/ 85910 h 505010"/>
+              <a:gd name="connsiteX22" fmla="*/ 318135 w 1171575"/>
+              <a:gd name="connsiteY22" fmla="*/ 51620 h 505010"/>
+              <a:gd name="connsiteX23" fmla="*/ 264795 w 1171575"/>
+              <a:gd name="connsiteY23" fmla="*/ 36380 h 505010"/>
+              <a:gd name="connsiteX24" fmla="*/ 234315 w 1171575"/>
+              <a:gd name="connsiteY24" fmla="*/ 32570 h 505010"/>
+              <a:gd name="connsiteX25" fmla="*/ 173355 w 1171575"/>
+              <a:gd name="connsiteY25" fmla="*/ 40190 h 505010"/>
+              <a:gd name="connsiteX26" fmla="*/ 142875 w 1171575"/>
+              <a:gd name="connsiteY26" fmla="*/ 42095 h 505010"/>
+              <a:gd name="connsiteX27" fmla="*/ 110490 w 1171575"/>
+              <a:gd name="connsiteY27" fmla="*/ 47810 h 505010"/>
+              <a:gd name="connsiteX28" fmla="*/ 80010 w 1171575"/>
+              <a:gd name="connsiteY28" fmla="*/ 34475 h 505010"/>
+              <a:gd name="connsiteX29" fmla="*/ 55245 w 1171575"/>
+              <a:gd name="connsiteY29" fmla="*/ 2090 h 505010"/>
+              <a:gd name="connsiteX30" fmla="*/ 0 w 1171575"/>
+              <a:gd name="connsiteY30" fmla="*/ 5900 h 505010"/>
+              <a:gd name="connsiteX0" fmla="*/ 1176956 w 1176956"/>
+              <a:gd name="connsiteY0" fmla="*/ 505010 h 505010"/>
+              <a:gd name="connsiteX1" fmla="*/ 1117901 w 1176956"/>
+              <a:gd name="connsiteY1" fmla="*/ 442145 h 505010"/>
+              <a:gd name="connsiteX2" fmla="*/ 1091231 w 1176956"/>
+              <a:gd name="connsiteY2" fmla="*/ 430715 h 505010"/>
+              <a:gd name="connsiteX3" fmla="*/ 1045511 w 1176956"/>
+              <a:gd name="connsiteY3" fmla="*/ 405950 h 505010"/>
+              <a:gd name="connsiteX4" fmla="*/ 1032176 w 1176956"/>
+              <a:gd name="connsiteY4" fmla="*/ 364040 h 505010"/>
+              <a:gd name="connsiteX5" fmla="*/ 1005506 w 1176956"/>
+              <a:gd name="connsiteY5" fmla="*/ 339275 h 505010"/>
+              <a:gd name="connsiteX6" fmla="*/ 952166 w 1176956"/>
+              <a:gd name="connsiteY6" fmla="*/ 320225 h 505010"/>
+              <a:gd name="connsiteX7" fmla="*/ 904541 w 1176956"/>
+              <a:gd name="connsiteY7" fmla="*/ 304985 h 505010"/>
+              <a:gd name="connsiteX8" fmla="*/ 877871 w 1176956"/>
+              <a:gd name="connsiteY8" fmla="*/ 276410 h 505010"/>
+              <a:gd name="connsiteX9" fmla="*/ 847391 w 1176956"/>
+              <a:gd name="connsiteY9" fmla="*/ 266885 h 505010"/>
+              <a:gd name="connsiteX10" fmla="*/ 801671 w 1176956"/>
+              <a:gd name="connsiteY10" fmla="*/ 257360 h 505010"/>
+              <a:gd name="connsiteX11" fmla="*/ 748331 w 1176956"/>
+              <a:gd name="connsiteY11" fmla="*/ 238310 h 505010"/>
+              <a:gd name="connsiteX12" fmla="*/ 715946 w 1176956"/>
+              <a:gd name="connsiteY12" fmla="*/ 249740 h 505010"/>
+              <a:gd name="connsiteX13" fmla="*/ 691181 w 1176956"/>
+              <a:gd name="connsiteY13" fmla="*/ 255455 h 505010"/>
+              <a:gd name="connsiteX14" fmla="*/ 641651 w 1176956"/>
+              <a:gd name="connsiteY14" fmla="*/ 259265 h 505010"/>
+              <a:gd name="connsiteX15" fmla="*/ 601646 w 1176956"/>
+              <a:gd name="connsiteY15" fmla="*/ 245930 h 505010"/>
+              <a:gd name="connsiteX16" fmla="*/ 555926 w 1176956"/>
+              <a:gd name="connsiteY16" fmla="*/ 232595 h 505010"/>
+              <a:gd name="connsiteX17" fmla="*/ 517826 w 1176956"/>
+              <a:gd name="connsiteY17" fmla="*/ 204020 h 505010"/>
+              <a:gd name="connsiteX18" fmla="*/ 462581 w 1176956"/>
+              <a:gd name="connsiteY18" fmla="*/ 175445 h 505010"/>
+              <a:gd name="connsiteX19" fmla="*/ 422576 w 1176956"/>
+              <a:gd name="connsiteY19" fmla="*/ 139250 h 505010"/>
+              <a:gd name="connsiteX20" fmla="*/ 392096 w 1176956"/>
+              <a:gd name="connsiteY20" fmla="*/ 108770 h 505010"/>
+              <a:gd name="connsiteX21" fmla="*/ 367331 w 1176956"/>
+              <a:gd name="connsiteY21" fmla="*/ 85910 h 505010"/>
+              <a:gd name="connsiteX22" fmla="*/ 323516 w 1176956"/>
+              <a:gd name="connsiteY22" fmla="*/ 51620 h 505010"/>
+              <a:gd name="connsiteX23" fmla="*/ 270176 w 1176956"/>
+              <a:gd name="connsiteY23" fmla="*/ 36380 h 505010"/>
+              <a:gd name="connsiteX24" fmla="*/ 239696 w 1176956"/>
+              <a:gd name="connsiteY24" fmla="*/ 32570 h 505010"/>
+              <a:gd name="connsiteX25" fmla="*/ 178736 w 1176956"/>
+              <a:gd name="connsiteY25" fmla="*/ 40190 h 505010"/>
+              <a:gd name="connsiteX26" fmla="*/ 148256 w 1176956"/>
+              <a:gd name="connsiteY26" fmla="*/ 42095 h 505010"/>
+              <a:gd name="connsiteX27" fmla="*/ 115871 w 1176956"/>
+              <a:gd name="connsiteY27" fmla="*/ 47810 h 505010"/>
+              <a:gd name="connsiteX28" fmla="*/ 85391 w 1176956"/>
+              <a:gd name="connsiteY28" fmla="*/ 34475 h 505010"/>
+              <a:gd name="connsiteX29" fmla="*/ 60626 w 1176956"/>
+              <a:gd name="connsiteY29" fmla="*/ 2090 h 505010"/>
+              <a:gd name="connsiteX30" fmla="*/ 5381 w 1176956"/>
+              <a:gd name="connsiteY30" fmla="*/ 5900 h 505010"/>
+              <a:gd name="connsiteX31" fmla="*/ 1571 w 1176956"/>
+              <a:gd name="connsiteY31" fmla="*/ 5900 h 505010"/>
+              <a:gd name="connsiteX0" fmla="*/ 1196340 w 1196340"/>
+              <a:gd name="connsiteY0" fmla="*/ 505010 h 505010"/>
+              <a:gd name="connsiteX1" fmla="*/ 1137285 w 1196340"/>
+              <a:gd name="connsiteY1" fmla="*/ 442145 h 505010"/>
+              <a:gd name="connsiteX2" fmla="*/ 1110615 w 1196340"/>
+              <a:gd name="connsiteY2" fmla="*/ 430715 h 505010"/>
+              <a:gd name="connsiteX3" fmla="*/ 1064895 w 1196340"/>
+              <a:gd name="connsiteY3" fmla="*/ 405950 h 505010"/>
+              <a:gd name="connsiteX4" fmla="*/ 1051560 w 1196340"/>
+              <a:gd name="connsiteY4" fmla="*/ 364040 h 505010"/>
+              <a:gd name="connsiteX5" fmla="*/ 1024890 w 1196340"/>
+              <a:gd name="connsiteY5" fmla="*/ 339275 h 505010"/>
+              <a:gd name="connsiteX6" fmla="*/ 971550 w 1196340"/>
+              <a:gd name="connsiteY6" fmla="*/ 320225 h 505010"/>
+              <a:gd name="connsiteX7" fmla="*/ 923925 w 1196340"/>
+              <a:gd name="connsiteY7" fmla="*/ 304985 h 505010"/>
+              <a:gd name="connsiteX8" fmla="*/ 897255 w 1196340"/>
+              <a:gd name="connsiteY8" fmla="*/ 276410 h 505010"/>
+              <a:gd name="connsiteX9" fmla="*/ 866775 w 1196340"/>
+              <a:gd name="connsiteY9" fmla="*/ 266885 h 505010"/>
+              <a:gd name="connsiteX10" fmla="*/ 821055 w 1196340"/>
+              <a:gd name="connsiteY10" fmla="*/ 257360 h 505010"/>
+              <a:gd name="connsiteX11" fmla="*/ 767715 w 1196340"/>
+              <a:gd name="connsiteY11" fmla="*/ 238310 h 505010"/>
+              <a:gd name="connsiteX12" fmla="*/ 735330 w 1196340"/>
+              <a:gd name="connsiteY12" fmla="*/ 249740 h 505010"/>
+              <a:gd name="connsiteX13" fmla="*/ 710565 w 1196340"/>
+              <a:gd name="connsiteY13" fmla="*/ 255455 h 505010"/>
+              <a:gd name="connsiteX14" fmla="*/ 661035 w 1196340"/>
+              <a:gd name="connsiteY14" fmla="*/ 259265 h 505010"/>
+              <a:gd name="connsiteX15" fmla="*/ 621030 w 1196340"/>
+              <a:gd name="connsiteY15" fmla="*/ 245930 h 505010"/>
+              <a:gd name="connsiteX16" fmla="*/ 575310 w 1196340"/>
+              <a:gd name="connsiteY16" fmla="*/ 232595 h 505010"/>
+              <a:gd name="connsiteX17" fmla="*/ 537210 w 1196340"/>
+              <a:gd name="connsiteY17" fmla="*/ 204020 h 505010"/>
+              <a:gd name="connsiteX18" fmla="*/ 481965 w 1196340"/>
+              <a:gd name="connsiteY18" fmla="*/ 175445 h 505010"/>
+              <a:gd name="connsiteX19" fmla="*/ 441960 w 1196340"/>
+              <a:gd name="connsiteY19" fmla="*/ 139250 h 505010"/>
+              <a:gd name="connsiteX20" fmla="*/ 411480 w 1196340"/>
+              <a:gd name="connsiteY20" fmla="*/ 108770 h 505010"/>
+              <a:gd name="connsiteX21" fmla="*/ 386715 w 1196340"/>
+              <a:gd name="connsiteY21" fmla="*/ 85910 h 505010"/>
+              <a:gd name="connsiteX22" fmla="*/ 342900 w 1196340"/>
+              <a:gd name="connsiteY22" fmla="*/ 51620 h 505010"/>
+              <a:gd name="connsiteX23" fmla="*/ 289560 w 1196340"/>
+              <a:gd name="connsiteY23" fmla="*/ 36380 h 505010"/>
+              <a:gd name="connsiteX24" fmla="*/ 259080 w 1196340"/>
+              <a:gd name="connsiteY24" fmla="*/ 32570 h 505010"/>
+              <a:gd name="connsiteX25" fmla="*/ 198120 w 1196340"/>
+              <a:gd name="connsiteY25" fmla="*/ 40190 h 505010"/>
+              <a:gd name="connsiteX26" fmla="*/ 167640 w 1196340"/>
+              <a:gd name="connsiteY26" fmla="*/ 42095 h 505010"/>
+              <a:gd name="connsiteX27" fmla="*/ 135255 w 1196340"/>
+              <a:gd name="connsiteY27" fmla="*/ 47810 h 505010"/>
+              <a:gd name="connsiteX28" fmla="*/ 104775 w 1196340"/>
+              <a:gd name="connsiteY28" fmla="*/ 34475 h 505010"/>
+              <a:gd name="connsiteX29" fmla="*/ 80010 w 1196340"/>
+              <a:gd name="connsiteY29" fmla="*/ 2090 h 505010"/>
+              <a:gd name="connsiteX30" fmla="*/ 24765 w 1196340"/>
+              <a:gd name="connsiteY30" fmla="*/ 5900 h 505010"/>
+              <a:gd name="connsiteX31" fmla="*/ 0 w 1196340"/>
+              <a:gd name="connsiteY31" fmla="*/ 49715 h 505010"/>
+              <a:gd name="connsiteX0" fmla="*/ 1173478 w 1173478"/>
+              <a:gd name="connsiteY0" fmla="*/ 505010 h 505010"/>
+              <a:gd name="connsiteX1" fmla="*/ 1114423 w 1173478"/>
+              <a:gd name="connsiteY1" fmla="*/ 442145 h 505010"/>
+              <a:gd name="connsiteX2" fmla="*/ 1087753 w 1173478"/>
+              <a:gd name="connsiteY2" fmla="*/ 430715 h 505010"/>
+              <a:gd name="connsiteX3" fmla="*/ 1042033 w 1173478"/>
+              <a:gd name="connsiteY3" fmla="*/ 405950 h 505010"/>
+              <a:gd name="connsiteX4" fmla="*/ 1028698 w 1173478"/>
+              <a:gd name="connsiteY4" fmla="*/ 364040 h 505010"/>
+              <a:gd name="connsiteX5" fmla="*/ 1002028 w 1173478"/>
+              <a:gd name="connsiteY5" fmla="*/ 339275 h 505010"/>
+              <a:gd name="connsiteX6" fmla="*/ 948688 w 1173478"/>
+              <a:gd name="connsiteY6" fmla="*/ 320225 h 505010"/>
+              <a:gd name="connsiteX7" fmla="*/ 901063 w 1173478"/>
+              <a:gd name="connsiteY7" fmla="*/ 304985 h 505010"/>
+              <a:gd name="connsiteX8" fmla="*/ 874393 w 1173478"/>
+              <a:gd name="connsiteY8" fmla="*/ 276410 h 505010"/>
+              <a:gd name="connsiteX9" fmla="*/ 843913 w 1173478"/>
+              <a:gd name="connsiteY9" fmla="*/ 266885 h 505010"/>
+              <a:gd name="connsiteX10" fmla="*/ 798193 w 1173478"/>
+              <a:gd name="connsiteY10" fmla="*/ 257360 h 505010"/>
+              <a:gd name="connsiteX11" fmla="*/ 744853 w 1173478"/>
+              <a:gd name="connsiteY11" fmla="*/ 238310 h 505010"/>
+              <a:gd name="connsiteX12" fmla="*/ 712468 w 1173478"/>
+              <a:gd name="connsiteY12" fmla="*/ 249740 h 505010"/>
+              <a:gd name="connsiteX13" fmla="*/ 687703 w 1173478"/>
+              <a:gd name="connsiteY13" fmla="*/ 255455 h 505010"/>
+              <a:gd name="connsiteX14" fmla="*/ 638173 w 1173478"/>
+              <a:gd name="connsiteY14" fmla="*/ 259265 h 505010"/>
+              <a:gd name="connsiteX15" fmla="*/ 598168 w 1173478"/>
+              <a:gd name="connsiteY15" fmla="*/ 245930 h 505010"/>
+              <a:gd name="connsiteX16" fmla="*/ 552448 w 1173478"/>
+              <a:gd name="connsiteY16" fmla="*/ 232595 h 505010"/>
+              <a:gd name="connsiteX17" fmla="*/ 514348 w 1173478"/>
+              <a:gd name="connsiteY17" fmla="*/ 204020 h 505010"/>
+              <a:gd name="connsiteX18" fmla="*/ 459103 w 1173478"/>
+              <a:gd name="connsiteY18" fmla="*/ 175445 h 505010"/>
+              <a:gd name="connsiteX19" fmla="*/ 419098 w 1173478"/>
+              <a:gd name="connsiteY19" fmla="*/ 139250 h 505010"/>
+              <a:gd name="connsiteX20" fmla="*/ 388618 w 1173478"/>
+              <a:gd name="connsiteY20" fmla="*/ 108770 h 505010"/>
+              <a:gd name="connsiteX21" fmla="*/ 363853 w 1173478"/>
+              <a:gd name="connsiteY21" fmla="*/ 85910 h 505010"/>
+              <a:gd name="connsiteX22" fmla="*/ 320038 w 1173478"/>
+              <a:gd name="connsiteY22" fmla="*/ 51620 h 505010"/>
+              <a:gd name="connsiteX23" fmla="*/ 266698 w 1173478"/>
+              <a:gd name="connsiteY23" fmla="*/ 36380 h 505010"/>
+              <a:gd name="connsiteX24" fmla="*/ 236218 w 1173478"/>
+              <a:gd name="connsiteY24" fmla="*/ 32570 h 505010"/>
+              <a:gd name="connsiteX25" fmla="*/ 175258 w 1173478"/>
+              <a:gd name="connsiteY25" fmla="*/ 40190 h 505010"/>
+              <a:gd name="connsiteX26" fmla="*/ 144778 w 1173478"/>
+              <a:gd name="connsiteY26" fmla="*/ 42095 h 505010"/>
+              <a:gd name="connsiteX27" fmla="*/ 112393 w 1173478"/>
+              <a:gd name="connsiteY27" fmla="*/ 47810 h 505010"/>
+              <a:gd name="connsiteX28" fmla="*/ 81913 w 1173478"/>
+              <a:gd name="connsiteY28" fmla="*/ 34475 h 505010"/>
+              <a:gd name="connsiteX29" fmla="*/ 57148 w 1173478"/>
+              <a:gd name="connsiteY29" fmla="*/ 2090 h 505010"/>
+              <a:gd name="connsiteX30" fmla="*/ 1903 w 1173478"/>
+              <a:gd name="connsiteY30" fmla="*/ 5900 h 505010"/>
+              <a:gd name="connsiteX31" fmla="*/ 22858 w 1173478"/>
+              <a:gd name="connsiteY31" fmla="*/ 55430 h 505010"/>
+            </a:gdLst>
+            <a:ahLst/>
+            <a:cxnLst>
+              <a:cxn ang="0">
+                <a:pos x="connsiteX0" y="connsiteY0"/>
+              </a:cxn>
+              <a:cxn ang="0">
+                <a:pos x="connsiteX1" y="connsiteY1"/>
+              </a:cxn>
+              <a:cxn ang="0">
+                <a:pos x="connsiteX2" y="connsiteY2"/>
+              </a:cxn>
+              <a:cxn ang="0">
+                <a:pos x="connsiteX3" y="connsiteY3"/>
+              </a:cxn>
+              <a:cxn ang="0">
+                <a:pos x="connsiteX4" y="connsiteY4"/>
+              </a:cxn>
+              <a:cxn ang="0">
+                <a:pos x="connsiteX5" y="connsiteY5"/>
+              </a:cxn>
+              <a:cxn ang="0">
+                <a:pos x="connsiteX6" y="connsiteY6"/>
+              </a:cxn>
+              <a:cxn ang="0">
+                <a:pos x="connsiteX7" y="connsiteY7"/>
+              </a:cxn>
+              <a:cxn ang="0">
+                <a:pos x="connsiteX8" y="connsiteY8"/>
+              </a:cxn>
+              <a:cxn ang="0">
+                <a:pos x="connsiteX9" y="connsiteY9"/>
+              </a:cxn>
+              <a:cxn ang="0">
+                <a:pos x="connsiteX10" y="connsiteY10"/>
+              </a:cxn>
+              <a:cxn ang="0">
+                <a:pos x="connsiteX11" y="connsiteY11"/>
+              </a:cxn>
+              <a:cxn ang="0">
+                <a:pos x="connsiteX12" y="connsiteY12"/>
+              </a:cxn>
+              <a:cxn ang="0">
+                <a:pos x="connsiteX13" y="connsiteY13"/>
+              </a:cxn>
+              <a:cxn ang="0">
+                <a:pos x="connsiteX14" y="connsiteY14"/>
+              </a:cxn>
+              <a:cxn ang="0">
+                <a:pos x="connsiteX15" y="connsiteY15"/>
+              </a:cxn>
+              <a:cxn ang="0">
+                <a:pos x="connsiteX16" y="connsiteY16"/>
+              </a:cxn>
+              <a:cxn ang="0">
+                <a:pos x="connsiteX17" y="connsiteY17"/>
+              </a:cxn>
+              <a:cxn ang="0">
+                <a:pos x="connsiteX18" y="connsiteY18"/>
+              </a:cxn>
+              <a:cxn ang="0">
+                <a:pos x="connsiteX19" y="connsiteY19"/>
+              </a:cxn>
+              <a:cxn ang="0">
+                <a:pos x="connsiteX20" y="connsiteY20"/>
+              </a:cxn>
+              <a:cxn ang="0">
+                <a:pos x="connsiteX21" y="connsiteY21"/>
+              </a:cxn>
+              <a:cxn ang="0">
+                <a:pos x="connsiteX22" y="connsiteY22"/>
+              </a:cxn>
+              <a:cxn ang="0">
+                <a:pos x="connsiteX23" y="connsiteY23"/>
+              </a:cxn>
+              <a:cxn ang="0">
+                <a:pos x="connsiteX24" y="connsiteY24"/>
+              </a:cxn>
+              <a:cxn ang="0">
+                <a:pos x="connsiteX25" y="connsiteY25"/>
+              </a:cxn>
+              <a:cxn ang="0">
+                <a:pos x="connsiteX26" y="connsiteY26"/>
+              </a:cxn>
+              <a:cxn ang="0">
+                <a:pos x="connsiteX27" y="connsiteY27"/>
+              </a:cxn>
+              <a:cxn ang="0">
+                <a:pos x="connsiteX28" y="connsiteY28"/>
+              </a:cxn>
+              <a:cxn ang="0">
+                <a:pos x="connsiteX29" y="connsiteY29"/>
+              </a:cxn>
+              <a:cxn ang="0">
+                <a:pos x="connsiteX30" y="connsiteY30"/>
+              </a:cxn>
+              <a:cxn ang="0">
+                <a:pos x="connsiteX31" y="connsiteY31"/>
+              </a:cxn>
+            </a:cxnLst>
+            <a:rect l="l" t="t" r="r" b="b"/>
+            <a:pathLst>
+              <a:path w="1173478" h="505010">
+                <a:moveTo>
+                  <a:pt x="1173478" y="505010"/>
+                </a:moveTo>
+                <a:cubicBezTo>
+                  <a:pt x="1151094" y="479768"/>
+                  <a:pt x="1128710" y="454527"/>
+                  <a:pt x="1114423" y="442145"/>
+                </a:cubicBezTo>
+                <a:cubicBezTo>
+                  <a:pt x="1100135" y="429762"/>
+                  <a:pt x="1099818" y="436747"/>
+                  <a:pt x="1087753" y="430715"/>
+                </a:cubicBezTo>
+                <a:cubicBezTo>
+                  <a:pt x="1075688" y="424683"/>
+                  <a:pt x="1051875" y="417062"/>
+                  <a:pt x="1042033" y="405950"/>
+                </a:cubicBezTo>
+                <a:cubicBezTo>
+                  <a:pt x="1032191" y="394838"/>
+                  <a:pt x="1035365" y="375152"/>
+                  <a:pt x="1028698" y="364040"/>
+                </a:cubicBezTo>
+                <a:cubicBezTo>
+                  <a:pt x="1022031" y="352928"/>
+                  <a:pt x="1015363" y="346577"/>
+                  <a:pt x="1002028" y="339275"/>
+                </a:cubicBezTo>
+                <a:cubicBezTo>
+                  <a:pt x="988693" y="331973"/>
+                  <a:pt x="965515" y="325940"/>
+                  <a:pt x="948688" y="320225"/>
+                </a:cubicBezTo>
+                <a:cubicBezTo>
+                  <a:pt x="931861" y="314510"/>
+                  <a:pt x="913446" y="312288"/>
+                  <a:pt x="901063" y="304985"/>
+                </a:cubicBezTo>
+                <a:cubicBezTo>
+                  <a:pt x="888680" y="297682"/>
+                  <a:pt x="883918" y="282760"/>
+                  <a:pt x="874393" y="276410"/>
+                </a:cubicBezTo>
+                <a:cubicBezTo>
+                  <a:pt x="864868" y="270060"/>
+                  <a:pt x="856613" y="270060"/>
+                  <a:pt x="843913" y="266885"/>
+                </a:cubicBezTo>
+                <a:cubicBezTo>
+                  <a:pt x="831213" y="263710"/>
+                  <a:pt x="814703" y="262123"/>
+                  <a:pt x="798193" y="257360"/>
+                </a:cubicBezTo>
+                <a:cubicBezTo>
+                  <a:pt x="781683" y="252597"/>
+                  <a:pt x="759140" y="239580"/>
+                  <a:pt x="744853" y="238310"/>
+                </a:cubicBezTo>
+                <a:cubicBezTo>
+                  <a:pt x="730566" y="237040"/>
+                  <a:pt x="721993" y="246882"/>
+                  <a:pt x="712468" y="249740"/>
+                </a:cubicBezTo>
+                <a:cubicBezTo>
+                  <a:pt x="702943" y="252597"/>
+                  <a:pt x="700085" y="253868"/>
+                  <a:pt x="687703" y="255455"/>
+                </a:cubicBezTo>
+                <a:cubicBezTo>
+                  <a:pt x="675321" y="257042"/>
+                  <a:pt x="653096" y="260853"/>
+                  <a:pt x="638173" y="259265"/>
+                </a:cubicBezTo>
+                <a:cubicBezTo>
+                  <a:pt x="623250" y="257677"/>
+                  <a:pt x="612455" y="250375"/>
+                  <a:pt x="598168" y="245930"/>
+                </a:cubicBezTo>
+                <a:cubicBezTo>
+                  <a:pt x="583881" y="241485"/>
+                  <a:pt x="566418" y="239580"/>
+                  <a:pt x="552448" y="232595"/>
+                </a:cubicBezTo>
+                <a:cubicBezTo>
+                  <a:pt x="538478" y="225610"/>
+                  <a:pt x="529905" y="213545"/>
+                  <a:pt x="514348" y="204020"/>
+                </a:cubicBezTo>
+                <a:cubicBezTo>
+                  <a:pt x="498791" y="194495"/>
+                  <a:pt x="474978" y="186240"/>
+                  <a:pt x="459103" y="175445"/>
+                </a:cubicBezTo>
+                <a:cubicBezTo>
+                  <a:pt x="443228" y="164650"/>
+                  <a:pt x="430845" y="150362"/>
+                  <a:pt x="419098" y="139250"/>
+                </a:cubicBezTo>
+                <a:cubicBezTo>
+                  <a:pt x="407350" y="128137"/>
+                  <a:pt x="397826" y="117660"/>
+                  <a:pt x="388618" y="108770"/>
+                </a:cubicBezTo>
+                <a:cubicBezTo>
+                  <a:pt x="379410" y="99880"/>
+                  <a:pt x="375283" y="95435"/>
+                  <a:pt x="363853" y="85910"/>
+                </a:cubicBezTo>
+                <a:cubicBezTo>
+                  <a:pt x="352423" y="76385"/>
+                  <a:pt x="336230" y="59875"/>
+                  <a:pt x="320038" y="51620"/>
+                </a:cubicBezTo>
+                <a:cubicBezTo>
+                  <a:pt x="303846" y="43365"/>
+                  <a:pt x="280668" y="39555"/>
+                  <a:pt x="266698" y="36380"/>
+                </a:cubicBezTo>
+                <a:cubicBezTo>
+                  <a:pt x="252728" y="33205"/>
+                  <a:pt x="251458" y="31935"/>
+                  <a:pt x="236218" y="32570"/>
+                </a:cubicBezTo>
+                <a:cubicBezTo>
+                  <a:pt x="220978" y="33205"/>
+                  <a:pt x="190498" y="38603"/>
+                  <a:pt x="175258" y="40190"/>
+                </a:cubicBezTo>
+                <a:cubicBezTo>
+                  <a:pt x="160018" y="41777"/>
+                  <a:pt x="155255" y="40825"/>
+                  <a:pt x="144778" y="42095"/>
+                </a:cubicBezTo>
+                <a:cubicBezTo>
+                  <a:pt x="134301" y="43365"/>
+                  <a:pt x="122870" y="49080"/>
+                  <a:pt x="112393" y="47810"/>
+                </a:cubicBezTo>
+                <a:cubicBezTo>
+                  <a:pt x="101916" y="46540"/>
+                  <a:pt x="91120" y="42095"/>
+                  <a:pt x="81913" y="34475"/>
+                </a:cubicBezTo>
+                <a:cubicBezTo>
+                  <a:pt x="72705" y="26855"/>
+                  <a:pt x="70483" y="6853"/>
+                  <a:pt x="57148" y="2090"/>
+                </a:cubicBezTo>
+                <a:cubicBezTo>
+                  <a:pt x="43813" y="-2673"/>
+                  <a:pt x="22858" y="1613"/>
+                  <a:pt x="1903" y="5900"/>
+                </a:cubicBezTo>
+                <a:cubicBezTo>
+                  <a:pt x="-7939" y="6535"/>
+                  <a:pt x="23652" y="55430"/>
+                  <a:pt x="22858" y="55430"/>
+                </a:cubicBezTo>
+              </a:path>
+            </a:pathLst>
+          </a:custGeom>
+          <a:noFill/>
+          <a:ln w="38100">
+            <a:solidFill>
+              <a:schemeClr val="accent2"/>
+            </a:solidFill>
+          </a:ln>
+        </p:spPr>
+        <p:style>
+          <a:lnRef idx="2">
+            <a:schemeClr val="accent1">
+              <a:shade val="50000"/>
+            </a:schemeClr>
+          </a:lnRef>
+          <a:fillRef idx="1">
+            <a:schemeClr val="accent1"/>
+          </a:fillRef>
+          <a:effectRef idx="0">
+            <a:schemeClr val="accent1"/>
+          </a:effectRef>
+          <a:fontRef idx="minor">
+            <a:schemeClr val="lt1"/>
+          </a:fontRef>
+        </p:style>
+        <p:txBody>
+          <a:bodyPr rtlCol="0" anchor="ctr"/>
+          <a:lstStyle/>
+          <a:p>
+            <a:pPr algn="ctr"/>
+            <a:endParaRPr lang="ko-KR" altLang="en-US"/>
+          </a:p>
+        </p:txBody>
+      </p:sp>
+      <p:sp>
+        <p:nvSpPr>
+          <p:cNvPr id="29" name="자유형 28"/>
+          <p:cNvSpPr/>
+          <p:nvPr/>
+        </p:nvSpPr>
+        <p:spPr>
+          <a:xfrm>
+            <a:off x="3868491" y="8153400"/>
+            <a:ext cx="34854" cy="148590"/>
+          </a:xfrm>
+          <a:custGeom>
+            <a:avLst/>
+            <a:gdLst>
+              <a:gd name="connsiteX0" fmla="*/ 34854 w 34854"/>
+              <a:gd name="connsiteY0" fmla="*/ 0 h 148590"/>
+              <a:gd name="connsiteX1" fmla="*/ 10089 w 34854"/>
+              <a:gd name="connsiteY1" fmla="*/ 78105 h 148590"/>
+              <a:gd name="connsiteX2" fmla="*/ 6279 w 34854"/>
+              <a:gd name="connsiteY2" fmla="*/ 148590 h 148590"/>
+            </a:gdLst>
+            <a:ahLst/>
+            <a:cxnLst>
+              <a:cxn ang="0">
+                <a:pos x="connsiteX0" y="connsiteY0"/>
+              </a:cxn>
+              <a:cxn ang="0">
+                <a:pos x="connsiteX1" y="connsiteY1"/>
+              </a:cxn>
+              <a:cxn ang="0">
+                <a:pos x="connsiteX2" y="connsiteY2"/>
+              </a:cxn>
+            </a:cxnLst>
+            <a:rect l="l" t="t" r="r" b="b"/>
+            <a:pathLst>
+              <a:path w="34854" h="148590">
+                <a:moveTo>
+                  <a:pt x="34854" y="0"/>
+                </a:moveTo>
+                <a:cubicBezTo>
+                  <a:pt x="24852" y="26670"/>
+                  <a:pt x="14851" y="53340"/>
+                  <a:pt x="10089" y="78105"/>
+                </a:cubicBezTo>
+                <a:cubicBezTo>
+                  <a:pt x="5327" y="102870"/>
+                  <a:pt x="-7691" y="127953"/>
+                  <a:pt x="6279" y="148590"/>
+                </a:cubicBezTo>
+              </a:path>
+            </a:pathLst>
+          </a:custGeom>
+          <a:noFill/>
+          <a:ln w="38100">
+            <a:solidFill>
+              <a:schemeClr val="accent2"/>
+            </a:solidFill>
+          </a:ln>
+        </p:spPr>
+        <p:style>
+          <a:lnRef idx="2">
+            <a:schemeClr val="accent1">
+              <a:shade val="50000"/>
+            </a:schemeClr>
+          </a:lnRef>
+          <a:fillRef idx="1">
+            <a:schemeClr val="accent1"/>
+          </a:fillRef>
+          <a:effectRef idx="0">
+            <a:schemeClr val="accent1"/>
+          </a:effectRef>
+          <a:fontRef idx="minor">
+            <a:schemeClr val="lt1"/>
+          </a:fontRef>
+        </p:style>
+        <p:txBody>
+          <a:bodyPr rtlCol="0" anchor="ctr"/>
+          <a:lstStyle/>
+          <a:p>
+            <a:pPr algn="ctr"/>
+            <a:endParaRPr lang="ko-KR" altLang="en-US"/>
+          </a:p>
+        </p:txBody>
+      </p:sp>
+      <p:sp>
+        <p:nvSpPr>
+          <p:cNvPr id="30" name="자유형 29"/>
+          <p:cNvSpPr/>
+          <p:nvPr/>
+        </p:nvSpPr>
+        <p:spPr>
+          <a:xfrm>
+            <a:off x="3876675" y="8353425"/>
+            <a:ext cx="266784" cy="626968"/>
+          </a:xfrm>
+          <a:custGeom>
+            <a:avLst/>
+            <a:gdLst>
+              <a:gd name="connsiteX0" fmla="*/ 0 w 266784"/>
+              <a:gd name="connsiteY0" fmla="*/ 0 h 626968"/>
+              <a:gd name="connsiteX1" fmla="*/ 9525 w 266784"/>
+              <a:gd name="connsiteY1" fmla="*/ 76200 h 626968"/>
+              <a:gd name="connsiteX2" fmla="*/ 19050 w 266784"/>
+              <a:gd name="connsiteY2" fmla="*/ 131445 h 626968"/>
+              <a:gd name="connsiteX3" fmla="*/ 20955 w 266784"/>
+              <a:gd name="connsiteY3" fmla="*/ 165735 h 626968"/>
+              <a:gd name="connsiteX4" fmla="*/ 49530 w 266784"/>
+              <a:gd name="connsiteY4" fmla="*/ 188595 h 626968"/>
+              <a:gd name="connsiteX5" fmla="*/ 72390 w 266784"/>
+              <a:gd name="connsiteY5" fmla="*/ 228600 h 626968"/>
+              <a:gd name="connsiteX6" fmla="*/ 91440 w 266784"/>
+              <a:gd name="connsiteY6" fmla="*/ 255270 h 626968"/>
+              <a:gd name="connsiteX7" fmla="*/ 116205 w 266784"/>
+              <a:gd name="connsiteY7" fmla="*/ 302895 h 626968"/>
+              <a:gd name="connsiteX8" fmla="*/ 146685 w 266784"/>
+              <a:gd name="connsiteY8" fmla="*/ 367665 h 626968"/>
+              <a:gd name="connsiteX9" fmla="*/ 160020 w 266784"/>
+              <a:gd name="connsiteY9" fmla="*/ 394335 h 626968"/>
+              <a:gd name="connsiteX10" fmla="*/ 232410 w 266784"/>
+              <a:gd name="connsiteY10" fmla="*/ 422910 h 626968"/>
+              <a:gd name="connsiteX11" fmla="*/ 260985 w 266784"/>
+              <a:gd name="connsiteY11" fmla="*/ 455295 h 626968"/>
+              <a:gd name="connsiteX12" fmla="*/ 266700 w 266784"/>
+              <a:gd name="connsiteY12" fmla="*/ 478155 h 626968"/>
+              <a:gd name="connsiteX13" fmla="*/ 259080 w 266784"/>
+              <a:gd name="connsiteY13" fmla="*/ 508635 h 626968"/>
+              <a:gd name="connsiteX14" fmla="*/ 236220 w 266784"/>
+              <a:gd name="connsiteY14" fmla="*/ 525780 h 626968"/>
+              <a:gd name="connsiteX15" fmla="*/ 192405 w 266784"/>
+              <a:gd name="connsiteY15" fmla="*/ 560070 h 626968"/>
+              <a:gd name="connsiteX16" fmla="*/ 158115 w 266784"/>
+              <a:gd name="connsiteY16" fmla="*/ 596265 h 626968"/>
+              <a:gd name="connsiteX17" fmla="*/ 133350 w 266784"/>
+              <a:gd name="connsiteY17" fmla="*/ 613410 h 626968"/>
+              <a:gd name="connsiteX18" fmla="*/ 106680 w 266784"/>
+              <a:gd name="connsiteY18" fmla="*/ 626745 h 626968"/>
+              <a:gd name="connsiteX19" fmla="*/ 60960 w 266784"/>
+              <a:gd name="connsiteY19" fmla="*/ 621030 h 626968"/>
+              <a:gd name="connsiteX20" fmla="*/ 28575 w 266784"/>
+              <a:gd name="connsiteY20" fmla="*/ 611505 h 626968"/>
+              <a:gd name="connsiteX21" fmla="*/ 0 w 266784"/>
+              <a:gd name="connsiteY21" fmla="*/ 607695 h 626968"/>
+            </a:gdLst>
+            <a:ahLst/>
+            <a:cxnLst>
+              <a:cxn ang="0">
+                <a:pos x="connsiteX0" y="connsiteY0"/>
+              </a:cxn>
+              <a:cxn ang="0">
+                <a:pos x="connsiteX1" y="connsiteY1"/>
+              </a:cxn>
+              <a:cxn ang="0">
+                <a:pos x="connsiteX2" y="connsiteY2"/>
+              </a:cxn>
+              <a:cxn ang="0">
+                <a:pos x="connsiteX3" y="connsiteY3"/>
+              </a:cxn>
+              <a:cxn ang="0">
+                <a:pos x="connsiteX4" y="connsiteY4"/>
+              </a:cxn>
+              <a:cxn ang="0">
+                <a:pos x="connsiteX5" y="connsiteY5"/>
+              </a:cxn>
+              <a:cxn ang="0">
+                <a:pos x="connsiteX6" y="connsiteY6"/>
+              </a:cxn>
+              <a:cxn ang="0">
+                <a:pos x="connsiteX7" y="connsiteY7"/>
+              </a:cxn>
+              <a:cxn ang="0">
+                <a:pos x="connsiteX8" y="connsiteY8"/>
+              </a:cxn>
+              <a:cxn ang="0">
+                <a:pos x="connsiteX9" y="connsiteY9"/>
+              </a:cxn>
+              <a:cxn ang="0">
+                <a:pos x="connsiteX10" y="connsiteY10"/>
+              </a:cxn>
+              <a:cxn ang="0">
+                <a:pos x="connsiteX11" y="connsiteY11"/>
+              </a:cxn>
+              <a:cxn ang="0">
+                <a:pos x="connsiteX12" y="connsiteY12"/>
+              </a:cxn>
+              <a:cxn ang="0">
+                <a:pos x="connsiteX13" y="connsiteY13"/>
+              </a:cxn>
+              <a:cxn ang="0">
+                <a:pos x="connsiteX14" y="connsiteY14"/>
+              </a:cxn>
+              <a:cxn ang="0">
+                <a:pos x="connsiteX15" y="connsiteY15"/>
+              </a:cxn>
+              <a:cxn ang="0">
+                <a:pos x="connsiteX16" y="connsiteY16"/>
+              </a:cxn>
+              <a:cxn ang="0">
+                <a:pos x="connsiteX17" y="connsiteY17"/>
+              </a:cxn>
+              <a:cxn ang="0">
+                <a:pos x="connsiteX18" y="connsiteY18"/>
+              </a:cxn>
+              <a:cxn ang="0">
+                <a:pos x="connsiteX19" y="connsiteY19"/>
+              </a:cxn>
+              <a:cxn ang="0">
+                <a:pos x="connsiteX20" y="connsiteY20"/>
+              </a:cxn>
+              <a:cxn ang="0">
+                <a:pos x="connsiteX21" y="connsiteY21"/>
+              </a:cxn>
+            </a:cxnLst>
+            <a:rect l="l" t="t" r="r" b="b"/>
+            <a:pathLst>
+              <a:path w="266784" h="626968">
+                <a:moveTo>
+                  <a:pt x="0" y="0"/>
+                </a:moveTo>
+                <a:cubicBezTo>
+                  <a:pt x="3175" y="27146"/>
+                  <a:pt x="6350" y="54293"/>
+                  <a:pt x="9525" y="76200"/>
+                </a:cubicBezTo>
+                <a:cubicBezTo>
+                  <a:pt x="12700" y="98108"/>
+                  <a:pt x="17145" y="116523"/>
+                  <a:pt x="19050" y="131445"/>
+                </a:cubicBezTo>
+                <a:cubicBezTo>
+                  <a:pt x="20955" y="146367"/>
+                  <a:pt x="15875" y="156210"/>
+                  <a:pt x="20955" y="165735"/>
+                </a:cubicBezTo>
+                <a:cubicBezTo>
+                  <a:pt x="26035" y="175260"/>
+                  <a:pt x="40958" y="178118"/>
+                  <a:pt x="49530" y="188595"/>
+                </a:cubicBezTo>
+                <a:cubicBezTo>
+                  <a:pt x="58102" y="199072"/>
+                  <a:pt x="65405" y="217488"/>
+                  <a:pt x="72390" y="228600"/>
+                </a:cubicBezTo>
+                <a:cubicBezTo>
+                  <a:pt x="79375" y="239712"/>
+                  <a:pt x="84137" y="242887"/>
+                  <a:pt x="91440" y="255270"/>
+                </a:cubicBezTo>
+                <a:cubicBezTo>
+                  <a:pt x="98743" y="267653"/>
+                  <a:pt x="106998" y="284163"/>
+                  <a:pt x="116205" y="302895"/>
+                </a:cubicBezTo>
+                <a:cubicBezTo>
+                  <a:pt x="125413" y="321628"/>
+                  <a:pt x="139383" y="352425"/>
+                  <a:pt x="146685" y="367665"/>
+                </a:cubicBezTo>
+                <a:cubicBezTo>
+                  <a:pt x="153987" y="382905"/>
+                  <a:pt x="145733" y="385128"/>
+                  <a:pt x="160020" y="394335"/>
+                </a:cubicBezTo>
+                <a:cubicBezTo>
+                  <a:pt x="174307" y="403542"/>
+                  <a:pt x="215583" y="412750"/>
+                  <a:pt x="232410" y="422910"/>
+                </a:cubicBezTo>
+                <a:cubicBezTo>
+                  <a:pt x="249238" y="433070"/>
+                  <a:pt x="255270" y="446088"/>
+                  <a:pt x="260985" y="455295"/>
+                </a:cubicBezTo>
+                <a:cubicBezTo>
+                  <a:pt x="266700" y="464502"/>
+                  <a:pt x="267018" y="469265"/>
+                  <a:pt x="266700" y="478155"/>
+                </a:cubicBezTo>
+                <a:cubicBezTo>
+                  <a:pt x="266383" y="487045"/>
+                  <a:pt x="264160" y="500698"/>
+                  <a:pt x="259080" y="508635"/>
+                </a:cubicBezTo>
+                <a:cubicBezTo>
+                  <a:pt x="254000" y="516573"/>
+                  <a:pt x="247333" y="517208"/>
+                  <a:pt x="236220" y="525780"/>
+                </a:cubicBezTo>
+                <a:cubicBezTo>
+                  <a:pt x="225108" y="534353"/>
+                  <a:pt x="205422" y="548323"/>
+                  <a:pt x="192405" y="560070"/>
+                </a:cubicBezTo>
+                <a:cubicBezTo>
+                  <a:pt x="179388" y="571817"/>
+                  <a:pt x="167958" y="587375"/>
+                  <a:pt x="158115" y="596265"/>
+                </a:cubicBezTo>
+                <a:cubicBezTo>
+                  <a:pt x="148273" y="605155"/>
+                  <a:pt x="141922" y="608330"/>
+                  <a:pt x="133350" y="613410"/>
+                </a:cubicBezTo>
+                <a:cubicBezTo>
+                  <a:pt x="124778" y="618490"/>
+                  <a:pt x="118745" y="625475"/>
+                  <a:pt x="106680" y="626745"/>
+                </a:cubicBezTo>
+                <a:cubicBezTo>
+                  <a:pt x="94615" y="628015"/>
+                  <a:pt x="73977" y="623570"/>
+                  <a:pt x="60960" y="621030"/>
+                </a:cubicBezTo>
+                <a:cubicBezTo>
+                  <a:pt x="47943" y="618490"/>
+                  <a:pt x="38735" y="613728"/>
+                  <a:pt x="28575" y="611505"/>
+                </a:cubicBezTo>
+                <a:cubicBezTo>
+                  <a:pt x="18415" y="609283"/>
+                  <a:pt x="9207" y="608489"/>
+                  <a:pt x="0" y="607695"/>
+                </a:cubicBezTo>
+              </a:path>
+            </a:pathLst>
+          </a:custGeom>
+          <a:noFill/>
+          <a:ln w="38100">
+            <a:solidFill>
+              <a:schemeClr val="accent2"/>
+            </a:solidFill>
+          </a:ln>
+        </p:spPr>
+        <p:style>
+          <a:lnRef idx="2">
+            <a:schemeClr val="accent1">
+              <a:shade val="50000"/>
+            </a:schemeClr>
+          </a:lnRef>
+          <a:fillRef idx="1">
+            <a:schemeClr val="accent1"/>
+          </a:fillRef>
+          <a:effectRef idx="0">
+            <a:schemeClr val="accent1"/>
+          </a:effectRef>
+          <a:fontRef idx="minor">
+            <a:schemeClr val="lt1"/>
+          </a:fontRef>
+        </p:style>
+        <p:txBody>
+          <a:bodyPr rtlCol="0" anchor="ctr"/>
+          <a:lstStyle/>
+          <a:p>
+            <a:pPr algn="ctr"/>
+            <a:endParaRPr lang="ko-KR" altLang="en-US"/>
+          </a:p>
+        </p:txBody>
+      </p:sp>
+      <p:sp>
+        <p:nvSpPr>
+          <p:cNvPr id="31" name="자유형 30"/>
+          <p:cNvSpPr/>
+          <p:nvPr/>
+        </p:nvSpPr>
+        <p:spPr>
+          <a:xfrm>
+            <a:off x="3324225" y="8974455"/>
+            <a:ext cx="520065" cy="266700"/>
+          </a:xfrm>
+          <a:custGeom>
+            <a:avLst/>
+            <a:gdLst>
+              <a:gd name="connsiteX0" fmla="*/ 520065 w 520065"/>
+              <a:gd name="connsiteY0" fmla="*/ 0 h 266700"/>
+              <a:gd name="connsiteX1" fmla="*/ 470535 w 520065"/>
+              <a:gd name="connsiteY1" fmla="*/ 9525 h 266700"/>
+              <a:gd name="connsiteX2" fmla="*/ 388620 w 520065"/>
+              <a:gd name="connsiteY2" fmla="*/ 17145 h 266700"/>
+              <a:gd name="connsiteX3" fmla="*/ 350520 w 520065"/>
+              <a:gd name="connsiteY3" fmla="*/ 49530 h 266700"/>
+              <a:gd name="connsiteX4" fmla="*/ 300990 w 520065"/>
+              <a:gd name="connsiteY4" fmla="*/ 57150 h 266700"/>
+              <a:gd name="connsiteX5" fmla="*/ 243840 w 520065"/>
+              <a:gd name="connsiteY5" fmla="*/ 41910 h 266700"/>
+              <a:gd name="connsiteX6" fmla="*/ 207645 w 520065"/>
+              <a:gd name="connsiteY6" fmla="*/ 30480 h 266700"/>
+              <a:gd name="connsiteX7" fmla="*/ 211455 w 520065"/>
+              <a:gd name="connsiteY7" fmla="*/ 163830 h 266700"/>
+              <a:gd name="connsiteX8" fmla="*/ 89535 w 520065"/>
+              <a:gd name="connsiteY8" fmla="*/ 219075 h 266700"/>
+              <a:gd name="connsiteX9" fmla="*/ 45720 w 520065"/>
+              <a:gd name="connsiteY9" fmla="*/ 236220 h 266700"/>
+              <a:gd name="connsiteX10" fmla="*/ 0 w 520065"/>
+              <a:gd name="connsiteY10" fmla="*/ 266700 h 266700"/>
+            </a:gdLst>
+            <a:ahLst/>
+            <a:cxnLst>
+              <a:cxn ang="0">
+                <a:pos x="connsiteX0" y="connsiteY0"/>
+              </a:cxn>
+              <a:cxn ang="0">
+                <a:pos x="connsiteX1" y="connsiteY1"/>
+              </a:cxn>
+              <a:cxn ang="0">
+                <a:pos x="connsiteX2" y="connsiteY2"/>
+              </a:cxn>
+              <a:cxn ang="0">
+                <a:pos x="connsiteX3" y="connsiteY3"/>
+              </a:cxn>
+              <a:cxn ang="0">
+                <a:pos x="connsiteX4" y="connsiteY4"/>
+              </a:cxn>
+              <a:cxn ang="0">
+                <a:pos x="connsiteX5" y="connsiteY5"/>
+              </a:cxn>
+              <a:cxn ang="0">
+                <a:pos x="connsiteX6" y="connsiteY6"/>
+              </a:cxn>
+              <a:cxn ang="0">
+                <a:pos x="connsiteX7" y="connsiteY7"/>
+              </a:cxn>
+              <a:cxn ang="0">
+                <a:pos x="connsiteX8" y="connsiteY8"/>
+              </a:cxn>
+              <a:cxn ang="0">
+                <a:pos x="connsiteX9" y="connsiteY9"/>
+              </a:cxn>
+              <a:cxn ang="0">
+                <a:pos x="connsiteX10" y="connsiteY10"/>
+              </a:cxn>
+            </a:cxnLst>
+            <a:rect l="l" t="t" r="r" b="b"/>
+            <a:pathLst>
+              <a:path w="520065" h="266700">
+                <a:moveTo>
+                  <a:pt x="520065" y="0"/>
+                </a:moveTo>
+                <a:cubicBezTo>
+                  <a:pt x="506253" y="3334"/>
+                  <a:pt x="492442" y="6668"/>
+                  <a:pt x="470535" y="9525"/>
+                </a:cubicBezTo>
+                <a:cubicBezTo>
+                  <a:pt x="448628" y="12382"/>
+                  <a:pt x="408622" y="10478"/>
+                  <a:pt x="388620" y="17145"/>
+                </a:cubicBezTo>
+                <a:cubicBezTo>
+                  <a:pt x="368618" y="23812"/>
+                  <a:pt x="365125" y="42863"/>
+                  <a:pt x="350520" y="49530"/>
+                </a:cubicBezTo>
+                <a:cubicBezTo>
+                  <a:pt x="335915" y="56198"/>
+                  <a:pt x="318770" y="58420"/>
+                  <a:pt x="300990" y="57150"/>
+                </a:cubicBezTo>
+                <a:cubicBezTo>
+                  <a:pt x="283210" y="55880"/>
+                  <a:pt x="259397" y="46355"/>
+                  <a:pt x="243840" y="41910"/>
+                </a:cubicBezTo>
+                <a:cubicBezTo>
+                  <a:pt x="228283" y="37465"/>
+                  <a:pt x="213042" y="10160"/>
+                  <a:pt x="207645" y="30480"/>
+                </a:cubicBezTo>
+                <a:cubicBezTo>
+                  <a:pt x="202248" y="50800"/>
+                  <a:pt x="231140" y="132398"/>
+                  <a:pt x="211455" y="163830"/>
+                </a:cubicBezTo>
+                <a:cubicBezTo>
+                  <a:pt x="191770" y="195262"/>
+                  <a:pt x="117157" y="207010"/>
+                  <a:pt x="89535" y="219075"/>
+                </a:cubicBezTo>
+                <a:cubicBezTo>
+                  <a:pt x="61913" y="231140"/>
+                  <a:pt x="60642" y="228283"/>
+                  <a:pt x="45720" y="236220"/>
+                </a:cubicBezTo>
+                <a:cubicBezTo>
+                  <a:pt x="30798" y="244157"/>
+                  <a:pt x="15399" y="255428"/>
+                  <a:pt x="0" y="266700"/>
+                </a:cubicBezTo>
+              </a:path>
+            </a:pathLst>
+          </a:custGeom>
+          <a:noFill/>
+          <a:ln w="38100">
+            <a:solidFill>
+              <a:schemeClr val="accent2"/>
+            </a:solidFill>
+          </a:ln>
+        </p:spPr>
+        <p:style>
+          <a:lnRef idx="2">
+            <a:schemeClr val="accent1">
+              <a:shade val="50000"/>
+            </a:schemeClr>
+          </a:lnRef>
+          <a:fillRef idx="1">
+            <a:schemeClr val="accent1"/>
+          </a:fillRef>
+          <a:effectRef idx="0">
+            <a:schemeClr val="accent1"/>
+          </a:effectRef>
+          <a:fontRef idx="minor">
+            <a:schemeClr val="lt1"/>
+          </a:fontRef>
+        </p:style>
+        <p:txBody>
+          <a:bodyPr rtlCol="0" anchor="ctr"/>
+          <a:lstStyle/>
+          <a:p>
+            <a:pPr algn="ctr"/>
+            <a:endParaRPr lang="ko-KR" altLang="en-US"/>
+          </a:p>
+        </p:txBody>
+      </p:sp>
     </p:spTree>
     <p:extLst>
       <p:ext uri="{BB962C8B-B14F-4D97-AF65-F5344CB8AC3E}">

--- a/0.PPT파일/등산지도_경로_세로_2020-08-29.pptx
+++ b/0.PPT파일/등산지도_경로_세로_2020-08-29.pptx
@@ -108,7 +108,18 @@
   </p:defaultTextStyle>
   <p:extLst>
     <p:ext uri="{EFAFB233-063F-42B5-8137-9DF3F51BA10A}">
-      <p15:sldGuideLst xmlns:p15="http://schemas.microsoft.com/office/powerpoint/2012/main"/>
+      <p15:sldGuideLst xmlns:p15="http://schemas.microsoft.com/office/powerpoint/2012/main">
+        <p15:guide id="1" orient="horz" pos="3840" userDrawn="1">
+          <p15:clr>
+            <a:srgbClr val="A4A3A4"/>
+          </p15:clr>
+        </p15:guide>
+        <p15:guide id="2" pos="2160" userDrawn="1">
+          <p15:clr>
+            <a:srgbClr val="A4A3A4"/>
+          </p15:clr>
+        </p15:guide>
+      </p15:sldGuideLst>
     </p:ext>
   </p:extLst>
 </p:presentation>
@@ -283,7 +294,7 @@
           <a:p>
             <a:fld id="{5CBC3198-AB24-46EE-8A6F-BC607E4DFF2A}" type="datetimeFigureOut">
               <a:rPr lang="ko-KR" altLang="en-US" smtClean="0"/>
-              <a:t>2021-05-24</a:t>
+              <a:t>2021-06-17</a:t>
             </a:fld>
             <a:endParaRPr lang="ko-KR" altLang="en-US"/>
           </a:p>
@@ -463,7 +474,7 @@
           <a:p>
             <a:fld id="{5CBC3198-AB24-46EE-8A6F-BC607E4DFF2A}" type="datetimeFigureOut">
               <a:rPr lang="ko-KR" altLang="en-US" smtClean="0"/>
-              <a:t>2021-05-24</a:t>
+              <a:t>2021-06-17</a:t>
             </a:fld>
             <a:endParaRPr lang="ko-KR" altLang="en-US"/>
           </a:p>
@@ -766,7 +777,7 @@
           <a:p>
             <a:fld id="{5CBC3198-AB24-46EE-8A6F-BC607E4DFF2A}" type="datetimeFigureOut">
               <a:rPr lang="ko-KR" altLang="en-US" smtClean="0"/>
-              <a:t>2021-05-24</a:t>
+              <a:t>2021-06-17</a:t>
             </a:fld>
             <a:endParaRPr lang="ko-KR" altLang="en-US"/>
           </a:p>
@@ -998,7 +1009,7 @@
           <a:p>
             <a:fld id="{5CBC3198-AB24-46EE-8A6F-BC607E4DFF2A}" type="datetimeFigureOut">
               <a:rPr lang="ko-KR" altLang="en-US" smtClean="0"/>
-              <a:t>2021-05-24</a:t>
+              <a:t>2021-06-17</a:t>
             </a:fld>
             <a:endParaRPr lang="ko-KR" altLang="en-US"/>
           </a:p>
@@ -1365,7 +1376,7 @@
           <a:p>
             <a:fld id="{5CBC3198-AB24-46EE-8A6F-BC607E4DFF2A}" type="datetimeFigureOut">
               <a:rPr lang="ko-KR" altLang="en-US" smtClean="0"/>
-              <a:t>2021-05-24</a:t>
+              <a:t>2021-06-17</a:t>
             </a:fld>
             <a:endParaRPr lang="ko-KR" altLang="en-US"/>
           </a:p>
@@ -1483,7 +1494,7 @@
           <a:p>
             <a:fld id="{5CBC3198-AB24-46EE-8A6F-BC607E4DFF2A}" type="datetimeFigureOut">
               <a:rPr lang="ko-KR" altLang="en-US" smtClean="0"/>
-              <a:t>2021-05-24</a:t>
+              <a:t>2021-06-17</a:t>
             </a:fld>
             <a:endParaRPr lang="ko-KR" altLang="en-US"/>
           </a:p>
@@ -1578,7 +1589,7 @@
           <a:p>
             <a:fld id="{5CBC3198-AB24-46EE-8A6F-BC607E4DFF2A}" type="datetimeFigureOut">
               <a:rPr lang="ko-KR" altLang="en-US" smtClean="0"/>
-              <a:t>2021-05-24</a:t>
+              <a:t>2021-06-17</a:t>
             </a:fld>
             <a:endParaRPr lang="ko-KR" altLang="en-US"/>
           </a:p>
@@ -1855,7 +1866,7 @@
           <a:p>
             <a:fld id="{5CBC3198-AB24-46EE-8A6F-BC607E4DFF2A}" type="datetimeFigureOut">
               <a:rPr lang="ko-KR" altLang="en-US" smtClean="0"/>
-              <a:t>2021-05-24</a:t>
+              <a:t>2021-06-17</a:t>
             </a:fld>
             <a:endParaRPr lang="ko-KR" altLang="en-US"/>
           </a:p>
@@ -2112,7 +2123,7 @@
           <a:p>
             <a:fld id="{5CBC3198-AB24-46EE-8A6F-BC607E4DFF2A}" type="datetimeFigureOut">
               <a:rPr lang="ko-KR" altLang="en-US" smtClean="0"/>
-              <a:t>2021-05-24</a:t>
+              <a:t>2021-06-17</a:t>
             </a:fld>
             <a:endParaRPr lang="ko-KR" altLang="en-US"/>
           </a:p>
@@ -2325,7 +2336,7 @@
           <a:p>
             <a:fld id="{5CBC3198-AB24-46EE-8A6F-BC607E4DFF2A}" type="datetimeFigureOut">
               <a:rPr lang="ko-KR" altLang="en-US" smtClean="0"/>
-              <a:t>2021-05-24</a:t>
+              <a:t>2021-06-17</a:t>
             </a:fld>
             <a:endParaRPr lang="ko-KR" altLang="en-US"/>
           </a:p>
@@ -11214,7 +11225,7 @@
           <a:noFill/>
           <a:ln w="19050">
             <a:solidFill>
-              <a:schemeClr val="accent2"/>
+              <a:srgbClr val="7030A0"/>
             </a:solidFill>
           </a:ln>
         </p:spPr>
@@ -11376,7 +11387,7 @@
           <a:noFill/>
           <a:ln w="38100">
             <a:solidFill>
-              <a:schemeClr val="accent2"/>
+              <a:srgbClr val="7030A0"/>
             </a:solidFill>
           </a:ln>
         </p:spPr>
@@ -12002,7 +12013,7 @@
           <a:noFill/>
           <a:ln w="38100">
             <a:solidFill>
-              <a:schemeClr val="accent2"/>
+              <a:srgbClr val="7030A0"/>
             </a:solidFill>
           </a:ln>
         </p:spPr>
@@ -12086,7 +12097,7 @@
           <a:noFill/>
           <a:ln w="38100">
             <a:solidFill>
-              <a:schemeClr val="accent2"/>
+              <a:srgbClr val="7030A0"/>
             </a:solidFill>
           </a:ln>
         </p:spPr>
@@ -12360,7 +12371,7 @@
           <a:noFill/>
           <a:ln w="38100">
             <a:solidFill>
-              <a:schemeClr val="accent2"/>
+              <a:srgbClr val="7030A0"/>
             </a:solidFill>
           </a:ln>
         </p:spPr>
@@ -12524,7 +12535,7 @@
           <a:noFill/>
           <a:ln w="38100">
             <a:solidFill>
-              <a:schemeClr val="accent2"/>
+              <a:srgbClr val="7030A0"/>
             </a:solidFill>
           </a:ln>
         </p:spPr>
